--- a/ch1-data.pptx
+++ b/ch1-data.pptx
@@ -5,10 +5,10 @@
     <p:sldMasterId id="2147483660" r:id="rId1"/>
   </p:sldMasterIdLst>
   <p:notesMasterIdLst>
-    <p:notesMasterId r:id="rId45"/>
+    <p:notesMasterId r:id="rId46"/>
   </p:notesMasterIdLst>
   <p:handoutMasterIdLst>
-    <p:handoutMasterId r:id="rId46"/>
+    <p:handoutMasterId r:id="rId47"/>
   </p:handoutMasterIdLst>
   <p:sldIdLst>
     <p:sldId id="257" r:id="rId2"/>
@@ -53,7 +53,8 @@
     <p:sldId id="331" r:id="rId41"/>
     <p:sldId id="303" r:id="rId42"/>
     <p:sldId id="304" r:id="rId43"/>
-    <p:sldId id="318" r:id="rId44"/>
+    <p:sldId id="350" r:id="rId44"/>
+    <p:sldId id="318" r:id="rId45"/>
   </p:sldIdLst>
   <p:sldSz cx="9144000" cy="6858000" type="screen4x3"/>
   <p:notesSz cx="6858000" cy="9144000"/>
@@ -261,6 +262,7 @@
             <p14:sldId id="331"/>
             <p14:sldId id="303"/>
             <p14:sldId id="304"/>
+            <p14:sldId id="350"/>
             <p14:sldId id="318"/>
           </p14:sldIdLst>
         </p14:section>
@@ -3045,7 +3047,7 @@
               <a:pPr>
                 <a:defRPr/>
               </a:pPr>
-              <a:t>2016-08-30</a:t>
+              <a:t>2016-09-23</a:t>
             </a:fld>
             <a:endParaRPr lang="en-US"/>
           </a:p>
@@ -3261,7 +3263,7 @@
               <a:pPr>
                 <a:defRPr/>
               </a:pPr>
-              <a:t>2016-08-30</a:t>
+              <a:t>2016-09-23</a:t>
             </a:fld>
             <a:endParaRPr lang="en-US"/>
           </a:p>
@@ -3636,127 +3638,13 @@
           <a:lstStyle/>
           <a:p>
             <a:r>
-              <a:rPr lang="en-US" sz="1200" kern="1200" dirty="0" smtClean="0">
-                <a:solidFill>
-                  <a:schemeClr val="tx1"/>
-                </a:solidFill>
-                <a:latin typeface="+mn-lt"/>
-                <a:ea typeface="+mn-ea"/>
-                <a:cs typeface="+mn-cs"/>
-              </a:rPr>
-              <a:t>TODO: Fix examples</a:t>
-            </a:r>
-            <a:r>
-              <a:rPr lang="en-US" sz="1200" kern="1200" baseline="0" dirty="0" smtClean="0">
-                <a:solidFill>
-                  <a:schemeClr val="tx1"/>
-                </a:solidFill>
-                <a:latin typeface="+mn-lt"/>
-                <a:ea typeface="+mn-ea"/>
-                <a:cs typeface="+mn-cs"/>
-              </a:rPr>
-              <a:t>: drama(Movie) throughout. Pay attention to likelihood vs. log-likelihood</a:t>
-            </a:r>
-            <a:endParaRPr lang="en-US" sz="1200" kern="1200" dirty="0" smtClean="0">
-              <a:solidFill>
-                <a:schemeClr val="tx1"/>
-              </a:solidFill>
-              <a:latin typeface="+mn-lt"/>
-              <a:ea typeface="+mn-ea"/>
-              <a:cs typeface="+mn-cs"/>
-            </a:endParaRPr>
-          </a:p>
-          <a:p>
-            <a:endParaRPr lang="en-US" sz="1200" kern="1200" dirty="0" smtClean="0">
-              <a:solidFill>
-                <a:schemeClr val="tx1"/>
-              </a:solidFill>
-              <a:latin typeface="+mn-lt"/>
-              <a:ea typeface="+mn-ea"/>
-              <a:cs typeface="+mn-cs"/>
-            </a:endParaRPr>
-          </a:p>
-          <a:p>
-            <a:r>
-              <a:rPr lang="en-US" sz="1200" kern="1200" dirty="0" smtClean="0">
-                <a:solidFill>
-                  <a:schemeClr val="tx1"/>
-                </a:solidFill>
-                <a:latin typeface="+mn-lt"/>
-                <a:ea typeface="+mn-ea"/>
-                <a:cs typeface="+mn-cs"/>
-              </a:rPr>
-              <a:t>To derive CRFs from BNs: do it over all ground atoms (using </a:t>
-            </a:r>
-            <a:r>
-              <a:rPr lang="en-US" sz="1200" kern="1200" dirty="0" err="1" smtClean="0">
-                <a:solidFill>
-                  <a:schemeClr val="tx1"/>
-                </a:solidFill>
-                <a:latin typeface="+mn-lt"/>
-                <a:ea typeface="+mn-ea"/>
-                <a:cs typeface="+mn-cs"/>
-              </a:rPr>
-              <a:t>Lowd’s</a:t>
-            </a:r>
-            <a:r>
-              <a:rPr lang="en-US" sz="1200" kern="1200" dirty="0" smtClean="0">
-                <a:solidFill>
-                  <a:schemeClr val="tx1"/>
-                </a:solidFill>
-                <a:latin typeface="+mn-lt"/>
-                <a:ea typeface="+mn-ea"/>
-                <a:cs typeface="+mn-cs"/>
-              </a:rPr>
-              <a:t> notation). Still need to consider target grounding to make it relative to </a:t>
-            </a:r>
-            <a:r>
-              <a:rPr lang="en-US" sz="1200" kern="1200" dirty="0" err="1" smtClean="0">
-                <a:solidFill>
-                  <a:schemeClr val="tx1"/>
-                </a:solidFill>
-                <a:latin typeface="+mn-lt"/>
-                <a:ea typeface="+mn-ea"/>
-                <a:cs typeface="+mn-cs"/>
-              </a:rPr>
-              <a:t>neighbourhood</a:t>
-            </a:r>
-            <a:r>
-              <a:rPr lang="en-US" sz="1200" kern="1200" dirty="0" smtClean="0">
-                <a:solidFill>
-                  <a:schemeClr val="tx1"/>
-                </a:solidFill>
-                <a:latin typeface="+mn-lt"/>
-                <a:ea typeface="+mn-ea"/>
-                <a:cs typeface="+mn-cs"/>
-              </a:rPr>
-              <a:t>.</a:t>
-            </a:r>
-          </a:p>
-          <a:p>
-            <a:endParaRPr lang="en-US" sz="1200" kern="1200" dirty="0" smtClean="0">
-              <a:solidFill>
-                <a:schemeClr val="tx1"/>
-              </a:solidFill>
-              <a:latin typeface="+mn-lt"/>
-              <a:ea typeface="+mn-ea"/>
-              <a:cs typeface="+mn-cs"/>
-            </a:endParaRPr>
-          </a:p>
-          <a:p>
-            <a:r>
-              <a:rPr lang="en-US" sz="1200" kern="1200" dirty="0" smtClean="0">
-                <a:solidFill>
-                  <a:schemeClr val="tx1"/>
-                </a:solidFill>
-                <a:latin typeface="+mn-lt"/>
-                <a:ea typeface="+mn-ea"/>
-                <a:cs typeface="+mn-cs"/>
-              </a:rPr>
-              <a:t>Terminology: use first-order BN.</a:t>
-            </a:r>
-          </a:p>
-          <a:p>
+              <a:rPr lang="en-US" dirty="0" smtClean="0"/>
+              <a:t>Section</a:t>
+            </a:r>
+            <a:r>
+              <a:rPr lang="en-US" baseline="0" dirty="0" smtClean="0"/>
+              <a:t> 0 and 1: 30 min</a:t>
+            </a:r>
             <a:endParaRPr lang="en-US" dirty="0"/>
           </a:p>
         </p:txBody>
@@ -5437,18 +5325,10 @@
           <a:lstStyle/>
           <a:p>
             <a:r>
-              <a:rPr lang="en-US" dirty="0" err="1" smtClean="0"/>
-              <a:t>functors</a:t>
-            </a:r>
-            <a:r>
               <a:rPr lang="en-US" dirty="0" smtClean="0"/>
-              <a:t>: gender, genre, who acts </a:t>
-            </a:r>
-            <a:r>
-              <a:rPr lang="en-US" smtClean="0"/>
-              <a:t>in what.</a:t>
-            </a:r>
-            <a:endParaRPr lang="en-US"/>
+              <a:t>functors: gender, genre, who acts in what.</a:t>
+            </a:r>
+            <a:endParaRPr lang="en-US" dirty="0"/>
           </a:p>
         </p:txBody>
       </p:sp>
@@ -5645,28 +5525,20 @@
           <a:lstStyle/>
           <a:p>
             <a:r>
+              <a:rPr lang="en-US" dirty="0" smtClean="0"/>
+              <a:t>functors: gender, genre, who acts in what.</a:t>
+            </a:r>
+          </a:p>
+          <a:p>
+            <a:r>
               <a:rPr lang="en-US" dirty="0" err="1" smtClean="0"/>
-              <a:t>functors</a:t>
-            </a:r>
-            <a:r>
-              <a:rPr lang="en-US" dirty="0" smtClean="0"/>
-              <a:t>: gender, genre, who acts </a:t>
-            </a:r>
-            <a:r>
-              <a:rPr lang="en-US" smtClean="0"/>
-              <a:t>in what.</a:t>
-            </a:r>
-          </a:p>
-          <a:p>
-            <a:r>
-              <a:rPr lang="en-US" smtClean="0"/>
               <a:t>subgraph</a:t>
             </a:r>
             <a:r>
-              <a:rPr lang="en-US" baseline="0" smtClean="0"/>
+              <a:rPr lang="en-US" baseline="0" dirty="0" smtClean="0"/>
               <a:t> sampling</a:t>
             </a:r>
-            <a:endParaRPr lang="en-US"/>
+            <a:endParaRPr lang="en-US" dirty="0"/>
           </a:p>
         </p:txBody>
       </p:sp>
@@ -5750,14 +5622,6 @@
           <a:bodyPr/>
           <a:lstStyle/>
           <a:p>
-            <a:r>
-              <a:rPr lang="en-US" dirty="0" smtClean="0"/>
-              <a:t>TODO: make this section optional.</a:t>
-            </a:r>
-            <a:r>
-              <a:rPr lang="en-US" baseline="0" dirty="0" smtClean="0"/>
-              <a:t> Maybe mention only SQL and tables?</a:t>
-            </a:r>
             <a:endParaRPr lang="en-US" dirty="0"/>
           </a:p>
         </p:txBody>
@@ -6080,7 +5944,7 @@
           <a:lstStyle/>
           <a:p>
             <a:r>
-              <a:rPr lang="en-US" dirty="0" err="1"/>
+              <a:rPr lang="en-US" dirty="0"/>
               <a:t>ActsIn</a:t>
             </a:r>
             <a:r>
@@ -6393,6 +6257,10 @@
           <a:bodyPr/>
           <a:lstStyle/>
           <a:p>
+            <a:r>
+              <a:rPr lang="en-US" dirty="0" smtClean="0"/>
+              <a:t>graphical representation for first-order structure</a:t>
+            </a:r>
             <a:endParaRPr lang="en-US" dirty="0"/>
           </a:p>
         </p:txBody>
@@ -6415,6 +6283,90 @@
             <a:fld id="{F6F03D15-B6FF-D14C-A60F-5A467C82F74A}" type="slidenum">
               <a:rPr lang="en-US" smtClean="0"/>
               <a:t>43</a:t>
+            </a:fld>
+            <a:endParaRPr lang="en-US"/>
+          </a:p>
+        </p:txBody>
+      </p:sp>
+    </p:spTree>
+    <p:extLst>
+      <p:ext uri="{BB962C8B-B14F-4D97-AF65-F5344CB8AC3E}">
+        <p14:creationId xmlns:p14="http://schemas.microsoft.com/office/powerpoint/2010/main" val="245251814"/>
+      </p:ext>
+    </p:extLst>
+  </p:cSld>
+  <p:clrMapOvr>
+    <a:masterClrMapping/>
+  </p:clrMapOvr>
+</p:notes>
+</file>
+
+<file path=ppt/notesSlides/notesSlide32.xml><?xml version="1.0" encoding="utf-8"?>
+<p:notes xmlns:a="http://schemas.openxmlformats.org/drawingml/2006/main" xmlns:r="http://schemas.openxmlformats.org/officeDocument/2006/relationships" xmlns:p="http://schemas.openxmlformats.org/presentationml/2006/main">
+  <p:cSld>
+    <p:spTree>
+      <p:nvGrpSpPr>
+        <p:cNvPr id="1" name=""/>
+        <p:cNvGrpSpPr/>
+        <p:nvPr/>
+      </p:nvGrpSpPr>
+      <p:grpSpPr>
+        <a:xfrm>
+          <a:off x="0" y="0"/>
+          <a:ext cx="0" cy="0"/>
+          <a:chOff x="0" y="0"/>
+          <a:chExt cx="0" cy="0"/>
+        </a:xfrm>
+      </p:grpSpPr>
+      <p:sp>
+        <p:nvSpPr>
+          <p:cNvPr id="2" name="Slide Image Placeholder 1"/>
+          <p:cNvSpPr>
+            <a:spLocks noGrp="1" noRot="1" noChangeAspect="1"/>
+          </p:cNvSpPr>
+          <p:nvPr>
+            <p:ph type="sldImg"/>
+          </p:nvPr>
+        </p:nvSpPr>
+        <p:spPr/>
+      </p:sp>
+      <p:sp>
+        <p:nvSpPr>
+          <p:cNvPr id="3" name="Notes Placeholder 2"/>
+          <p:cNvSpPr>
+            <a:spLocks noGrp="1"/>
+          </p:cNvSpPr>
+          <p:nvPr>
+            <p:ph type="body" idx="1"/>
+          </p:nvPr>
+        </p:nvSpPr>
+        <p:spPr/>
+        <p:txBody>
+          <a:bodyPr/>
+          <a:lstStyle/>
+          <a:p>
+            <a:endParaRPr lang="en-US" dirty="0"/>
+          </a:p>
+        </p:txBody>
+      </p:sp>
+      <p:sp>
+        <p:nvSpPr>
+          <p:cNvPr id="4" name="Slide Number Placeholder 3"/>
+          <p:cNvSpPr>
+            <a:spLocks noGrp="1"/>
+          </p:cNvSpPr>
+          <p:nvPr>
+            <p:ph type="sldNum" sz="quarter" idx="10"/>
+          </p:nvPr>
+        </p:nvSpPr>
+        <p:spPr/>
+        <p:txBody>
+          <a:bodyPr/>
+          <a:lstStyle/>
+          <a:p>
+            <a:fld id="{F6F03D15-B6FF-D14C-A60F-5A467C82F74A}" type="slidenum">
+              <a:rPr lang="en-US" smtClean="0"/>
+              <a:t>44</a:t>
             </a:fld>
             <a:endParaRPr lang="en-US"/>
           </a:p>
@@ -6779,18 +6731,10 @@
           <a:lstStyle/>
           <a:p>
             <a:r>
-              <a:rPr lang="en-US" dirty="0" err="1" smtClean="0"/>
-              <a:t>functors</a:t>
-            </a:r>
-            <a:r>
               <a:rPr lang="en-US" dirty="0" smtClean="0"/>
-              <a:t>: gender, genre, who acts </a:t>
-            </a:r>
-            <a:r>
-              <a:rPr lang="en-US" smtClean="0"/>
-              <a:t>in what.</a:t>
-            </a:r>
-            <a:endParaRPr lang="en-US"/>
+              <a:t>functors: gender, genre, who acts in what.</a:t>
+            </a:r>
+            <a:endParaRPr lang="en-US" dirty="0"/>
           </a:p>
         </p:txBody>
       </p:sp>
@@ -6875,18 +6819,10 @@
           <a:lstStyle/>
           <a:p>
             <a:r>
-              <a:rPr lang="en-US" dirty="0" err="1" smtClean="0"/>
-              <a:t>functors</a:t>
-            </a:r>
-            <a:r>
               <a:rPr lang="en-US" dirty="0" smtClean="0"/>
-              <a:t>: gender, genre, who acts </a:t>
-            </a:r>
-            <a:r>
-              <a:rPr lang="en-US" smtClean="0"/>
-              <a:t>in what.</a:t>
-            </a:r>
-            <a:endParaRPr lang="en-US"/>
+              <a:t>functors: gender, genre, who acts in what.</a:t>
+            </a:r>
+            <a:endParaRPr lang="en-US" dirty="0"/>
           </a:p>
         </p:txBody>
       </p:sp>
@@ -6971,18 +6907,10 @@
           <a:lstStyle/>
           <a:p>
             <a:r>
-              <a:rPr lang="en-US" dirty="0" err="1" smtClean="0"/>
-              <a:t>functors</a:t>
-            </a:r>
-            <a:r>
               <a:rPr lang="en-US" dirty="0" smtClean="0"/>
-              <a:t>: gender, genre, who acts </a:t>
-            </a:r>
-            <a:r>
-              <a:rPr lang="en-US" smtClean="0"/>
-              <a:t>in what.</a:t>
-            </a:r>
-            <a:endParaRPr lang="en-US"/>
+              <a:t>functors: gender, genre, who acts in what.</a:t>
+            </a:r>
+            <a:endParaRPr lang="en-US" dirty="0"/>
           </a:p>
         </p:txBody>
       </p:sp>
@@ -7444,7 +7372,7 @@
               <a:pPr>
                 <a:defRPr/>
               </a:pPr>
-              <a:t>2016-08-30</a:t>
+              <a:t>2016-09-23</a:t>
             </a:fld>
             <a:endParaRPr lang="en-US"/>
           </a:p>
@@ -7645,7 +7573,7 @@
               <a:pPr>
                 <a:defRPr/>
               </a:pPr>
-              <a:t>2016-08-30</a:t>
+              <a:t>2016-09-23</a:t>
             </a:fld>
             <a:endParaRPr lang="en-US"/>
           </a:p>
@@ -7856,7 +7784,7 @@
               <a:pPr>
                 <a:defRPr/>
               </a:pPr>
-              <a:t>2016-08-30</a:t>
+              <a:t>2016-09-23</a:t>
             </a:fld>
             <a:endParaRPr lang="en-US"/>
           </a:p>
@@ -8062,7 +7990,7 @@
               <a:pPr>
                 <a:defRPr/>
               </a:pPr>
-              <a:t>2016-08-30</a:t>
+              <a:t>2016-09-23</a:t>
             </a:fld>
             <a:endParaRPr lang="en-US"/>
           </a:p>
@@ -8581,7 +8509,7 @@
               <a:pPr>
                 <a:defRPr/>
               </a:pPr>
-              <a:t>2016-08-30</a:t>
+              <a:t>2016-09-23</a:t>
             </a:fld>
             <a:endParaRPr lang="en-US"/>
           </a:p>
@@ -8854,7 +8782,7 @@
               <a:pPr>
                 <a:defRPr/>
               </a:pPr>
-              <a:t>2016-08-30</a:t>
+              <a:t>2016-09-23</a:t>
             </a:fld>
             <a:endParaRPr lang="en-US"/>
           </a:p>
@@ -9252,7 +9180,7 @@
               <a:pPr>
                 <a:defRPr/>
               </a:pPr>
-              <a:t>2016-08-30</a:t>
+              <a:t>2016-09-23</a:t>
             </a:fld>
             <a:endParaRPr lang="en-US"/>
           </a:p>
@@ -9401,7 +9329,7 @@
               <a:pPr>
                 <a:defRPr/>
               </a:pPr>
-              <a:t>2016-08-30</a:t>
+              <a:t>2016-09-23</a:t>
             </a:fld>
             <a:endParaRPr lang="en-US"/>
           </a:p>
@@ -9527,7 +9455,7 @@
               <a:pPr>
                 <a:defRPr/>
               </a:pPr>
-              <a:t>2016-08-30</a:t>
+              <a:t>2016-09-23</a:t>
             </a:fld>
             <a:endParaRPr lang="en-US"/>
           </a:p>
@@ -9903,7 +9831,7 @@
               <a:pPr>
                 <a:defRPr/>
               </a:pPr>
-              <a:t>2016-08-30</a:t>
+              <a:t>2016-09-23</a:t>
             </a:fld>
             <a:endParaRPr lang="en-US"/>
           </a:p>
@@ -10326,7 +10254,7 @@
               <a:pPr>
                 <a:defRPr/>
               </a:pPr>
-              <a:t>2016-08-30</a:t>
+              <a:t>2016-09-23</a:t>
             </a:fld>
             <a:endParaRPr lang="en-US"/>
           </a:p>
@@ -10746,7 +10674,7 @@
               <a:pPr>
                 <a:defRPr/>
               </a:pPr>
-              <a:t>2016-08-30</a:t>
+              <a:t>2016-09-23</a:t>
             </a:fld>
             <a:endParaRPr lang="en-US"/>
           </a:p>
@@ -12815,7 +12743,7 @@
           <a:lstStyle/>
           <a:p>
             <a:r>
-              <a:rPr lang="en-US" sz="2000" dirty="0" err="1" smtClean="0">
+              <a:rPr lang="en-US" sz="2000" dirty="0" smtClean="0">
                 <a:solidFill>
                   <a:srgbClr val="3366FF"/>
                 </a:solidFill>
@@ -12842,6 +12770,13 @@
   <p:clrMapOvr>
     <a:masterClrMapping/>
   </p:clrMapOvr>
+  <p:timing>
+    <p:tnLst>
+      <p:par>
+        <p:cTn xmlns:p14="http://schemas.microsoft.com/office/powerpoint/2010/main" id="1" dur="indefinite" restart="never" nodeType="tmRoot"/>
+      </p:par>
+    </p:tnLst>
+  </p:timing>
 </p:sld>
 </file>
 
@@ -12910,8 +12845,8 @@
         </p:nvSpPr>
         <p:spPr>
           <a:xfrm>
-            <a:off x="457200" y="1226675"/>
-            <a:ext cx="8229600" cy="3599329"/>
+            <a:off x="457199" y="1226676"/>
+            <a:ext cx="8459537" cy="2663536"/>
           </a:xfrm>
         </p:spPr>
         <p:txBody>
@@ -12950,7 +12885,7 @@
             </a:r>
             <a:r>
               <a:rPr lang="en-US" sz="2800" dirty="0" smtClean="0"/>
-              <a:t>argument</a:t>
+              <a:t>argument (Nickel et al. 2016)</a:t>
             </a:r>
             <a:endParaRPr lang="en-US" sz="2800" dirty="0"/>
           </a:p>
@@ -12962,15 +12897,7 @@
             </a:r>
             <a:r>
               <a:rPr lang="en-US" sz="2800" dirty="0"/>
-              <a:t>Data: </a:t>
-            </a:r>
-            <a:r>
-              <a:rPr lang="en-US" sz="2800" dirty="0" err="1"/>
-              <a:t>functors</a:t>
-            </a:r>
-            <a:r>
-              <a:rPr lang="en-US" sz="2800" dirty="0"/>
-              <a:t> assign values to &gt;1 </a:t>
+              <a:t>Data: functors assign values to &gt;1 </a:t>
             </a:r>
             <a:r>
               <a:rPr lang="en-US" sz="2800" dirty="0" smtClean="0"/>
@@ -12981,242 +12908,302 @@
             <a:pPr marL="285750" indent="-285750"/>
             <a:r>
               <a:rPr lang="en-US" sz="2800" dirty="0" smtClean="0"/>
-              <a:t>Relational Data: Structured Data with Boolean </a:t>
-            </a:r>
-            <a:r>
-              <a:rPr lang="en-US" sz="2800" dirty="0" err="1" smtClean="0"/>
-              <a:t>functors</a:t>
-            </a:r>
-            <a:r>
-              <a:rPr lang="en-US" sz="2800" dirty="0" smtClean="0"/>
-              <a:t> for classes and relationships</a:t>
+              <a:t>Relational Data: Structured Data with Boolean functors for classes and relationships</a:t>
             </a:r>
             <a:endParaRPr lang="en-US" sz="2800" dirty="0"/>
           </a:p>
         </p:txBody>
       </p:sp>
-      <p:sp>
-        <p:nvSpPr>
-          <p:cNvPr id="11" name="TextBox 10"/>
-          <p:cNvSpPr txBox="1"/>
+      <p:grpSp>
+        <p:nvGrpSpPr>
+          <p:cNvPr id="4" name="Group 3"/>
+          <p:cNvGrpSpPr/>
           <p:nvPr/>
+        </p:nvGrpSpPr>
+        <p:grpSpPr>
+          <a:xfrm>
+            <a:off x="941294" y="3628358"/>
+            <a:ext cx="5752353" cy="2390588"/>
+            <a:chOff x="941294" y="4229918"/>
+            <a:chExt cx="5752353" cy="2390588"/>
+          </a:xfrm>
+        </p:grpSpPr>
+        <p:sp>
+          <p:nvSpPr>
+            <p:cNvPr id="11" name="TextBox 10"/>
+            <p:cNvSpPr txBox="1"/>
+            <p:nvPr/>
+          </p:nvSpPr>
+          <p:spPr>
+            <a:xfrm>
+              <a:off x="2406317" y="5558110"/>
+              <a:ext cx="3355472" cy="400110"/>
+            </a:xfrm>
+            <a:prstGeom prst="rect">
+              <a:avLst/>
+            </a:prstGeom>
+            <a:noFill/>
+          </p:spPr>
+          <p:txBody>
+            <a:bodyPr wrap="square" rtlCol="0">
+              <a:spAutoFit/>
+            </a:bodyPr>
+            <a:lstStyle/>
+            <a:p>
+              <a:r>
+                <a:rPr lang="en-US" sz="2000" dirty="0" smtClean="0">
+                  <a:latin typeface="+mn-lt"/>
+                </a:rPr>
+                <a:t>single-table data</a:t>
+              </a:r>
+              <a:r>
+                <a:rPr lang="en-US" sz="2000" dirty="0" smtClean="0">
+                  <a:latin typeface="+mn-lt"/>
+                </a:rPr>
+                <a:t> </a:t>
+              </a:r>
+              <a:r>
+                <a:rPr lang="en-US" sz="2000" dirty="0" smtClean="0">
+                  <a:latin typeface="+mn-lt"/>
+                </a:rPr>
+                <a:t>= unary functors</a:t>
+              </a:r>
+              <a:endParaRPr lang="en-US" sz="2000" dirty="0">
+                <a:latin typeface="+mn-lt"/>
+              </a:endParaRPr>
+            </a:p>
+          </p:txBody>
+        </p:sp>
+        <p:sp>
+          <p:nvSpPr>
+            <p:cNvPr id="12" name="TextBox 11"/>
+            <p:cNvSpPr txBox="1"/>
+            <p:nvPr/>
+          </p:nvSpPr>
+          <p:spPr>
+            <a:xfrm>
+              <a:off x="2823880" y="4388498"/>
+              <a:ext cx="2002117" cy="400110"/>
+            </a:xfrm>
+            <a:prstGeom prst="rect">
+              <a:avLst/>
+            </a:prstGeom>
+            <a:noFill/>
+          </p:spPr>
+          <p:txBody>
+            <a:bodyPr wrap="square" rtlCol="0">
+              <a:spAutoFit/>
+            </a:bodyPr>
+            <a:lstStyle/>
+            <a:p>
+              <a:r>
+                <a:rPr lang="en-US" sz="2000" dirty="0" smtClean="0">
+                  <a:latin typeface="+mn-lt"/>
+                </a:rPr>
+                <a:t>Structured Data</a:t>
+              </a:r>
+              <a:endParaRPr lang="en-US" sz="2000" dirty="0">
+                <a:latin typeface="+mn-lt"/>
+              </a:endParaRPr>
+            </a:p>
+          </p:txBody>
+        </p:sp>
+        <p:sp>
+          <p:nvSpPr>
+            <p:cNvPr id="13" name="TextBox 12"/>
+            <p:cNvSpPr txBox="1"/>
+            <p:nvPr/>
+          </p:nvSpPr>
+          <p:spPr>
+            <a:xfrm>
+              <a:off x="2988233" y="4930575"/>
+              <a:ext cx="1897528" cy="400110"/>
+            </a:xfrm>
+            <a:prstGeom prst="rect">
+              <a:avLst/>
+            </a:prstGeom>
+            <a:noFill/>
+          </p:spPr>
+          <p:txBody>
+            <a:bodyPr wrap="square" rtlCol="0">
+              <a:spAutoFit/>
+            </a:bodyPr>
+            <a:lstStyle/>
+            <a:p>
+              <a:r>
+                <a:rPr lang="en-US" sz="2000" dirty="0" smtClean="0">
+                  <a:latin typeface="+mn-lt"/>
+                </a:rPr>
+                <a:t>Relational Data</a:t>
+              </a:r>
+              <a:endParaRPr lang="en-US" sz="2000" dirty="0">
+                <a:latin typeface="+mn-lt"/>
+              </a:endParaRPr>
+            </a:p>
+          </p:txBody>
+        </p:sp>
+        <p:sp>
+          <p:nvSpPr>
+            <p:cNvPr id="14" name="Oval 13"/>
+            <p:cNvSpPr/>
+            <p:nvPr/>
+          </p:nvSpPr>
+          <p:spPr>
+            <a:xfrm>
+              <a:off x="2271059" y="5333992"/>
+              <a:ext cx="3490730" cy="806823"/>
+            </a:xfrm>
+            <a:prstGeom prst="ellipse">
+              <a:avLst/>
+            </a:prstGeom>
+            <a:noFill/>
+          </p:spPr>
+          <p:style>
+            <a:lnRef idx="1">
+              <a:schemeClr val="accent1"/>
+            </a:lnRef>
+            <a:fillRef idx="3">
+              <a:schemeClr val="accent1"/>
+            </a:fillRef>
+            <a:effectRef idx="2">
+              <a:schemeClr val="accent1"/>
+            </a:effectRef>
+            <a:fontRef idx="minor">
+              <a:schemeClr val="lt1"/>
+            </a:fontRef>
+          </p:style>
+          <p:txBody>
+            <a:bodyPr rtlCol="0" anchor="ctr"/>
+            <a:lstStyle/>
+            <a:p>
+              <a:pPr algn="ctr"/>
+              <a:endParaRPr lang="en-US" sz="2000"/>
+            </a:p>
+          </p:txBody>
+        </p:sp>
+        <p:sp>
+          <p:nvSpPr>
+            <p:cNvPr id="15" name="Oval 14"/>
+            <p:cNvSpPr/>
+            <p:nvPr/>
+          </p:nvSpPr>
+          <p:spPr>
+            <a:xfrm>
+              <a:off x="1643528" y="4885757"/>
+              <a:ext cx="4572787" cy="1449294"/>
+            </a:xfrm>
+            <a:prstGeom prst="ellipse">
+              <a:avLst/>
+            </a:prstGeom>
+            <a:noFill/>
+          </p:spPr>
+          <p:style>
+            <a:lnRef idx="1">
+              <a:schemeClr val="accent1"/>
+            </a:lnRef>
+            <a:fillRef idx="3">
+              <a:schemeClr val="accent1"/>
+            </a:fillRef>
+            <a:effectRef idx="2">
+              <a:schemeClr val="accent1"/>
+            </a:effectRef>
+            <a:fontRef idx="minor">
+              <a:schemeClr val="lt1"/>
+            </a:fontRef>
+          </p:style>
+          <p:txBody>
+            <a:bodyPr rtlCol="0" anchor="ctr"/>
+            <a:lstStyle/>
+            <a:p>
+              <a:pPr algn="ctr"/>
+              <a:endParaRPr lang="en-US" sz="2000"/>
+            </a:p>
+          </p:txBody>
+        </p:sp>
+        <p:sp>
+          <p:nvSpPr>
+            <p:cNvPr id="16" name="Oval 15"/>
+            <p:cNvSpPr/>
+            <p:nvPr/>
+          </p:nvSpPr>
+          <p:spPr>
+            <a:xfrm>
+              <a:off x="941294" y="4229918"/>
+              <a:ext cx="5752353" cy="2390588"/>
+            </a:xfrm>
+            <a:prstGeom prst="ellipse">
+              <a:avLst/>
+            </a:prstGeom>
+            <a:noFill/>
+          </p:spPr>
+          <p:style>
+            <a:lnRef idx="1">
+              <a:schemeClr val="accent1"/>
+            </a:lnRef>
+            <a:fillRef idx="3">
+              <a:schemeClr val="accent1"/>
+            </a:fillRef>
+            <a:effectRef idx="2">
+              <a:schemeClr val="accent1"/>
+            </a:effectRef>
+            <a:fontRef idx="minor">
+              <a:schemeClr val="lt1"/>
+            </a:fontRef>
+          </p:style>
+          <p:txBody>
+            <a:bodyPr rtlCol="0" anchor="ctr"/>
+            <a:lstStyle/>
+            <a:p>
+              <a:pPr algn="ctr"/>
+              <a:endParaRPr lang="en-US"/>
+            </a:p>
+          </p:txBody>
+        </p:sp>
+      </p:grpSp>
+      <p:sp>
+        <p:nvSpPr>
+          <p:cNvPr id="5" name="Footer Placeholder 4"/>
+          <p:cNvSpPr>
+            <a:spLocks noGrp="1"/>
+          </p:cNvSpPr>
+          <p:nvPr>
+            <p:ph type="ftr" sz="quarter" idx="11"/>
+          </p:nvPr>
         </p:nvSpPr>
         <p:spPr>
           <a:xfrm>
-            <a:off x="2584824" y="5558110"/>
-            <a:ext cx="2928470" cy="400110"/>
-          </a:xfrm>
-          <a:prstGeom prst="rect">
-            <a:avLst/>
-          </a:prstGeom>
-          <a:noFill/>
+            <a:off x="914400" y="6172200"/>
+            <a:ext cx="6451600" cy="457200"/>
+          </a:xfrm>
         </p:spPr>
         <p:txBody>
-          <a:bodyPr wrap="square" rtlCol="0">
-            <a:spAutoFit/>
-          </a:bodyPr>
+          <a:bodyPr/>
           <a:lstStyle/>
           <a:p>
-            <a:r>
-              <a:rPr lang="en-US" sz="2000" dirty="0" smtClean="0">
-                <a:latin typeface="+mn-lt"/>
-              </a:rPr>
-              <a:t>IID Data = unary </a:t>
-            </a:r>
-            <a:r>
-              <a:rPr lang="en-US" sz="2000" dirty="0" err="1" smtClean="0">
-                <a:latin typeface="+mn-lt"/>
-              </a:rPr>
-              <a:t>functors</a:t>
-            </a:r>
-            <a:endParaRPr lang="en-US" sz="2000" dirty="0">
-              <a:latin typeface="+mn-lt"/>
-            </a:endParaRPr>
-          </a:p>
-        </p:txBody>
-      </p:sp>
-      <p:sp>
-        <p:nvSpPr>
-          <p:cNvPr id="12" name="TextBox 11"/>
-          <p:cNvSpPr txBox="1"/>
-          <p:nvPr/>
-        </p:nvSpPr>
-        <p:spPr>
-          <a:xfrm>
-            <a:off x="2823880" y="4388498"/>
-            <a:ext cx="2002117" cy="400110"/>
-          </a:xfrm>
-          <a:prstGeom prst="rect">
-            <a:avLst/>
-          </a:prstGeom>
-          <a:noFill/>
-        </p:spPr>
-        <p:txBody>
-          <a:bodyPr wrap="square" rtlCol="0">
-            <a:spAutoFit/>
-          </a:bodyPr>
-          <a:lstStyle/>
-          <a:p>
-            <a:r>
-              <a:rPr lang="en-US" sz="2000" dirty="0" smtClean="0">
-                <a:latin typeface="+mn-lt"/>
-              </a:rPr>
-              <a:t>Structured Data</a:t>
-            </a:r>
-            <a:endParaRPr lang="en-US" sz="2000" dirty="0">
-              <a:latin typeface="+mn-lt"/>
-            </a:endParaRPr>
-          </a:p>
-        </p:txBody>
-      </p:sp>
-      <p:sp>
-        <p:nvSpPr>
-          <p:cNvPr id="13" name="TextBox 12"/>
-          <p:cNvSpPr txBox="1"/>
-          <p:nvPr/>
-        </p:nvSpPr>
-        <p:spPr>
-          <a:xfrm>
-            <a:off x="2988233" y="4930575"/>
-            <a:ext cx="1897528" cy="400110"/>
-          </a:xfrm>
-          <a:prstGeom prst="rect">
-            <a:avLst/>
-          </a:prstGeom>
-          <a:noFill/>
-        </p:spPr>
-        <p:txBody>
-          <a:bodyPr wrap="square" rtlCol="0">
-            <a:spAutoFit/>
-          </a:bodyPr>
-          <a:lstStyle/>
-          <a:p>
-            <a:r>
-              <a:rPr lang="en-US" sz="2000" dirty="0" smtClean="0">
-                <a:latin typeface="+mn-lt"/>
-              </a:rPr>
-              <a:t>Relational Data</a:t>
-            </a:r>
-            <a:endParaRPr lang="en-US" sz="2000" dirty="0">
-              <a:latin typeface="+mn-lt"/>
-            </a:endParaRPr>
-          </a:p>
-        </p:txBody>
-      </p:sp>
-      <p:sp>
-        <p:nvSpPr>
-          <p:cNvPr id="14" name="Oval 13"/>
-          <p:cNvSpPr/>
-          <p:nvPr/>
-        </p:nvSpPr>
-        <p:spPr>
-          <a:xfrm>
-            <a:off x="2271059" y="5333992"/>
-            <a:ext cx="3242235" cy="806823"/>
-          </a:xfrm>
-          <a:prstGeom prst="ellipse">
-            <a:avLst/>
-          </a:prstGeom>
-          <a:noFill/>
-        </p:spPr>
-        <p:style>
-          <a:lnRef idx="1">
-            <a:schemeClr val="accent1"/>
-          </a:lnRef>
-          <a:fillRef idx="3">
-            <a:schemeClr val="accent1"/>
-          </a:fillRef>
-          <a:effectRef idx="2">
-            <a:schemeClr val="accent1"/>
-          </a:effectRef>
-          <a:fontRef idx="minor">
-            <a:schemeClr val="lt1"/>
-          </a:fontRef>
-        </p:style>
-        <p:txBody>
-          <a:bodyPr rtlCol="0" anchor="ctr"/>
-          <a:lstStyle/>
-          <a:p>
-            <a:pPr algn="ctr"/>
-            <a:endParaRPr lang="en-US" sz="2000"/>
-          </a:p>
-        </p:txBody>
-      </p:sp>
-      <p:sp>
-        <p:nvSpPr>
-          <p:cNvPr id="15" name="Oval 14"/>
-          <p:cNvSpPr/>
-          <p:nvPr/>
-        </p:nvSpPr>
-        <p:spPr>
-          <a:xfrm>
-            <a:off x="1643529" y="4885757"/>
-            <a:ext cx="4332942" cy="1449294"/>
-          </a:xfrm>
-          <a:prstGeom prst="ellipse">
-            <a:avLst/>
-          </a:prstGeom>
-          <a:noFill/>
-        </p:spPr>
-        <p:style>
-          <a:lnRef idx="1">
-            <a:schemeClr val="accent1"/>
-          </a:lnRef>
-          <a:fillRef idx="3">
-            <a:schemeClr val="accent1"/>
-          </a:fillRef>
-          <a:effectRef idx="2">
-            <a:schemeClr val="accent1"/>
-          </a:effectRef>
-          <a:fontRef idx="minor">
-            <a:schemeClr val="lt1"/>
-          </a:fontRef>
-        </p:style>
-        <p:txBody>
-          <a:bodyPr rtlCol="0" anchor="ctr"/>
-          <a:lstStyle/>
-          <a:p>
-            <a:pPr algn="ctr"/>
-            <a:endParaRPr lang="en-US" sz="2000"/>
-          </a:p>
-        </p:txBody>
-      </p:sp>
-      <p:sp>
-        <p:nvSpPr>
-          <p:cNvPr id="16" name="Oval 15"/>
-          <p:cNvSpPr/>
-          <p:nvPr/>
-        </p:nvSpPr>
-        <p:spPr>
-          <a:xfrm>
-            <a:off x="941294" y="4243286"/>
-            <a:ext cx="5752353" cy="2390588"/>
-          </a:xfrm>
-          <a:prstGeom prst="ellipse">
-            <a:avLst/>
-          </a:prstGeom>
-          <a:noFill/>
-        </p:spPr>
-        <p:style>
-          <a:lnRef idx="1">
-            <a:schemeClr val="accent1"/>
-          </a:lnRef>
-          <a:fillRef idx="3">
-            <a:schemeClr val="accent1"/>
-          </a:fillRef>
-          <a:effectRef idx="2">
-            <a:schemeClr val="accent1"/>
-          </a:effectRef>
-          <a:fontRef idx="minor">
-            <a:schemeClr val="lt1"/>
-          </a:fontRef>
-        </p:style>
-        <p:txBody>
-          <a:bodyPr rtlCol="0" anchor="ctr"/>
-          <a:lstStyle/>
-          <a:p>
-            <a:pPr algn="ctr"/>
-            <a:endParaRPr lang="en-US"/>
+            <a:pPr>
+              <a:defRPr/>
+            </a:pPr>
+            <a:r>
+              <a:rPr lang="en-US" dirty="0" smtClean="0"/>
+              <a:t>Nickel, M.; Murphy, K.; </a:t>
+            </a:r>
+            <a:r>
+              <a:rPr lang="en-US" dirty="0" err="1" smtClean="0"/>
+              <a:t>Tresp</a:t>
+            </a:r>
+            <a:r>
+              <a:rPr lang="en-US" dirty="0" smtClean="0"/>
+              <a:t>, V. &amp; </a:t>
+            </a:r>
+            <a:r>
+              <a:rPr lang="en-US" dirty="0" err="1" smtClean="0"/>
+              <a:t>Gabrilovich</a:t>
+            </a:r>
+            <a:r>
+              <a:rPr lang="en-US" dirty="0" smtClean="0"/>
+              <a:t>, E. (2016), 'A review of relational machine learning for knowledge graphs', Proceedings of the IEEE 104(1), 11--33. </a:t>
+            </a:r>
+            <a:endParaRPr lang="en-US" dirty="0"/>
           </a:p>
         </p:txBody>
       </p:sp>
@@ -13230,6 +13217,13 @@
   <p:clrMapOvr>
     <a:masterClrMapping/>
   </p:clrMapOvr>
+  <p:timing>
+    <p:tnLst>
+      <p:par>
+        <p:cTn xmlns:p14="http://schemas.microsoft.com/office/powerpoint/2010/main" id="1" dur="indefinite" restart="never" nodeType="tmRoot"/>
+      </p:par>
+    </p:tnLst>
+  </p:timing>
 </p:sld>
 </file>
 
@@ -13296,13 +13290,29 @@
         </p:spPr>
         <p:txBody>
           <a:bodyPr>
-            <a:normAutofit/>
+            <a:normAutofit lnSpcReduction="10000"/>
           </a:bodyPr>
           <a:lstStyle/>
           <a:p>
             <a:r>
               <a:rPr lang="en-US" sz="2800" dirty="0" smtClean="0"/>
-              <a:t>Relational algorithms should generalize IID algorithms</a:t>
+              <a:t>Relational algorithms should generalize </a:t>
+            </a:r>
+            <a:r>
+              <a:rPr lang="en-US" sz="2800" dirty="0" smtClean="0"/>
+              <a:t>unary </a:t>
+            </a:r>
+            <a:r>
+              <a:rPr lang="en-US" sz="2800" dirty="0" err="1" smtClean="0"/>
+              <a:t>functor</a:t>
+            </a:r>
+            <a:r>
+              <a:rPr lang="en-US" sz="2800" dirty="0" smtClean="0"/>
+              <a:t> (single-table) </a:t>
+            </a:r>
+            <a:r>
+              <a:rPr lang="en-US" sz="2800" dirty="0" smtClean="0"/>
+              <a:t>algorithms</a:t>
             </a:r>
             <a:br>
               <a:rPr lang="en-US" sz="2800" dirty="0" smtClean="0"/>
@@ -13331,15 +13341,7 @@
           <a:p>
             <a:r>
               <a:rPr lang="en-US" sz="2800" dirty="0" smtClean="0"/>
-              <a:t>Apply a relational algorithm in the special case where all </a:t>
-            </a:r>
-            <a:r>
-              <a:rPr lang="en-US" sz="2800" dirty="0" err="1" smtClean="0"/>
-              <a:t>functors</a:t>
-            </a:r>
-            <a:r>
-              <a:rPr lang="en-US" sz="2800" dirty="0" smtClean="0"/>
-              <a:t> are unary </a:t>
+              <a:t>Apply a relational algorithm in the special case where all functors are unary </a:t>
             </a:r>
             <a:br>
               <a:rPr lang="en-US" sz="2800" dirty="0" smtClean="0"/>
@@ -13354,7 +13356,15 @@
             </a:r>
             <a:r>
               <a:rPr lang="en-US" sz="2800" dirty="0" smtClean="0"/>
-              <a:t>same answer as traditional IID (single-table) algorithm.</a:t>
+              <a:t>same answer as traditional </a:t>
+            </a:r>
+            <a:r>
+              <a:rPr lang="en-US" sz="2800" dirty="0" smtClean="0"/>
+              <a:t>single-table algorithm</a:t>
+            </a:r>
+            <a:r>
+              <a:rPr lang="en-US" sz="2800" dirty="0" smtClean="0"/>
+              <a:t>.</a:t>
             </a:r>
           </a:p>
           <a:p>
@@ -13464,6 +13474,13 @@
   <p:clrMapOvr>
     <a:masterClrMapping/>
   </p:clrMapOvr>
+  <p:timing>
+    <p:tnLst>
+      <p:par>
+        <p:cTn xmlns:p14="http://schemas.microsoft.com/office/powerpoint/2010/main" id="1" dur="indefinite" restart="never" nodeType="tmRoot"/>
+      </p:par>
+    </p:tnLst>
+  </p:timing>
 </p:sld>
 </file>
 
@@ -13536,6 +13553,13 @@
   <p:clrMapOvr>
     <a:masterClrMapping/>
   </p:clrMapOvr>
+  <p:timing>
+    <p:tnLst>
+      <p:par>
+        <p:cTn xmlns:p14="http://schemas.microsoft.com/office/powerpoint/2010/main" id="1" dur="indefinite" restart="never" nodeType="tmRoot"/>
+      </p:par>
+    </p:tnLst>
+  </p:timing>
 </p:sld>
 </file>
 
@@ -13853,6 +13877,13 @@
   <p:clrMapOvr>
     <a:masterClrMapping/>
   </p:clrMapOvr>
+  <p:timing>
+    <p:tnLst>
+      <p:par>
+        <p:cTn xmlns:p14="http://schemas.microsoft.com/office/powerpoint/2010/main" id="1" dur="indefinite" restart="never" nodeType="tmRoot"/>
+      </p:par>
+    </p:tnLst>
+  </p:timing>
 </p:sld>
 </file>
 
@@ -14129,6 +14160,13 @@
   <p:clrMapOvr>
     <a:masterClrMapping/>
   </p:clrMapOvr>
+  <p:timing>
+    <p:tnLst>
+      <p:par>
+        <p:cTn xmlns:p14="http://schemas.microsoft.com/office/powerpoint/2010/main" id="1" dur="indefinite" restart="never" nodeType="tmRoot"/>
+      </p:par>
+    </p:tnLst>
+  </p:timing>
 </p:sld>
 </file>
 
@@ -14865,6 +14903,13 @@
   <p:clrMapOvr>
     <a:masterClrMapping/>
   </p:clrMapOvr>
+  <p:timing>
+    <p:tnLst>
+      <p:par>
+        <p:cTn xmlns:p14="http://schemas.microsoft.com/office/powerpoint/2010/main" id="1" dur="indefinite" restart="never" nodeType="tmRoot"/>
+      </p:par>
+    </p:tnLst>
+  </p:timing>
 </p:sld>
 </file>
 
@@ -15014,6 +15059,13 @@
   <p:clrMapOvr>
     <a:masterClrMapping/>
   </p:clrMapOvr>
+  <p:timing>
+    <p:tnLst>
+      <p:par>
+        <p:cTn xmlns:p14="http://schemas.microsoft.com/office/powerpoint/2010/main" id="1" dur="indefinite" restart="never" nodeType="tmRoot"/>
+      </p:par>
+    </p:tnLst>
+  </p:timing>
 </p:sld>
 </file>
 
@@ -15050,7 +15102,7 @@
           <a:lstStyle/>
           <a:p>
             <a:r>
-              <a:rPr lang="en-US" dirty="0" err="1" smtClean="0"/>
+              <a:rPr lang="en-US" dirty="0" smtClean="0"/>
               <a:t>Functors</a:t>
             </a:r>
             <a:endParaRPr lang="en-US" dirty="0"/>
@@ -15086,6 +15138,13 @@
   <p:clrMapOvr>
     <a:masterClrMapping/>
   </p:clrMapOvr>
+  <p:timing>
+    <p:tnLst>
+      <p:par>
+        <p:cTn xmlns:p14="http://schemas.microsoft.com/office/powerpoint/2010/main" id="1" dur="indefinite" restart="never" nodeType="tmRoot"/>
+      </p:par>
+    </p:tnLst>
+  </p:timing>
 </p:sld>
 </file>
 
@@ -15293,7 +15352,7 @@
           <a:lstStyle/>
           <a:p>
             <a:r>
-              <a:rPr lang="en-US" dirty="0" err="1" smtClean="0"/>
+              <a:rPr lang="en-US" dirty="0" smtClean="0"/>
               <a:t>Functors</a:t>
             </a:r>
             <a:endParaRPr lang="en-US" dirty="0"/>
@@ -15573,6 +15632,13 @@
   <p:clrMapOvr>
     <a:masterClrMapping/>
   </p:clrMapOvr>
+  <p:timing>
+    <p:tnLst>
+      <p:par>
+        <p:cTn xmlns:p14="http://schemas.microsoft.com/office/powerpoint/2010/main" id="1" dur="indefinite" restart="never" nodeType="tmRoot"/>
+      </p:par>
+    </p:tnLst>
+  </p:timing>
 </p:sld>
 </file>
 
@@ -15695,10 +15761,9 @@
                     <a:p>
                       <a:pPr algn="l"/>
                       <a:r>
-                        <a:rPr lang="en-US" sz="2800" dirty="0" err="1" smtClean="0"/>
+                        <a:rPr lang="en-US" sz="2800" dirty="0" smtClean="0"/>
                         <a:t>ActsIn</a:t>
                       </a:r>
-                      <a:endParaRPr lang="en-US" sz="2800" dirty="0" smtClean="0"/>
                     </a:p>
                   </a:txBody>
                   <a:tcPr/>
@@ -15922,6 +15987,13 @@
   <p:clrMapOvr>
     <a:masterClrMapping/>
   </p:clrMapOvr>
+  <p:timing>
+    <p:tnLst>
+      <p:par>
+        <p:cTn xmlns:p14="http://schemas.microsoft.com/office/powerpoint/2010/main" id="1" dur="indefinite" restart="never" nodeType="tmRoot"/>
+      </p:par>
+    </p:tnLst>
+  </p:timing>
 </p:sld>
 </file>
 
@@ -15959,11 +16031,7 @@
           <a:p>
             <a:r>
               <a:rPr lang="en-US" dirty="0" smtClean="0"/>
-              <a:t>Relational </a:t>
-            </a:r>
-            <a:r>
-              <a:rPr lang="en-US" dirty="0" err="1" smtClean="0"/>
-              <a:t>Functors</a:t>
+              <a:t>Relational Functors</a:t>
             </a:r>
             <a:endParaRPr lang="en-US" dirty="0"/>
           </a:p>
@@ -16002,6 +16070,13 @@
   <p:clrMapOvr>
     <a:masterClrMapping/>
   </p:clrMapOvr>
+  <p:timing>
+    <p:tnLst>
+      <p:par>
+        <p:cTn xmlns:p14="http://schemas.microsoft.com/office/powerpoint/2010/main" id="1" dur="indefinite" restart="never" nodeType="tmRoot"/>
+      </p:par>
+    </p:tnLst>
+  </p:timing>
 </p:sld>
 </file>
 
@@ -16078,11 +16153,7 @@
           <a:p>
             <a:r>
               <a:rPr lang="en-US" sz="2800" dirty="0" smtClean="0"/>
-              <a:t>A class-relationship diagram defines a set of </a:t>
-            </a:r>
-            <a:r>
-              <a:rPr lang="en-US" sz="2800" dirty="0" err="1" smtClean="0"/>
-              <a:t>functors</a:t>
+              <a:t>A class-relationship diagram defines a set of functors</a:t>
             </a:r>
             <a:endParaRPr lang="en-US" sz="2800" dirty="0"/>
           </a:p>
@@ -16128,6 +16199,13 @@
   <p:clrMapOvr>
     <a:masterClrMapping/>
   </p:clrMapOvr>
+  <p:timing>
+    <p:tnLst>
+      <p:par>
+        <p:cTn xmlns:p14="http://schemas.microsoft.com/office/powerpoint/2010/main" id="1" dur="indefinite" restart="never" nodeType="tmRoot"/>
+      </p:par>
+    </p:tnLst>
+  </p:timing>
 </p:sld>
 </file>
 
@@ -16164,8 +16242,8 @@
         </p:blipFill>
         <p:spPr>
           <a:xfrm>
-            <a:off x="-82145" y="861638"/>
-            <a:ext cx="8635779" cy="6102480"/>
+            <a:off x="-614947" y="485133"/>
+            <a:ext cx="9168581" cy="6478985"/>
           </a:xfrm>
           <a:prstGeom prst="rect">
             <a:avLst/>
@@ -17318,6 +17396,13 @@
       <p:transition xmlns:p14="http://schemas.microsoft.com/office/powerpoint/2010/main" spd="slow"/>
     </mc:Fallback>
   </mc:AlternateContent>
+  <p:timing>
+    <p:tnLst>
+      <p:par>
+        <p:cTn xmlns:p14="http://schemas.microsoft.com/office/powerpoint/2010/main" id="1" dur="indefinite" restart="never" nodeType="tmRoot"/>
+      </p:par>
+    </p:tnLst>
+  </p:timing>
 </p:sld>
 </file>
 
@@ -17861,7 +17946,7 @@
           <a:lstStyle/>
           <a:p>
             <a:r>
-              <a:rPr lang="en-US" sz="2000" dirty="0" err="1" smtClean="0">
+              <a:rPr lang="en-US" sz="2000" dirty="0" smtClean="0">
                 <a:solidFill>
                   <a:srgbClr val="3366FF"/>
                 </a:solidFill>
@@ -18165,7 +18250,7 @@
                     <a:lstStyle/>
                     <a:p>
                       <a:r>
-                        <a:rPr lang="en-US" sz="2000" dirty="0" err="1" smtClean="0"/>
+                        <a:rPr lang="en-US" sz="2000" dirty="0" smtClean="0"/>
                         <a:t>ActsIn</a:t>
                       </a:r>
                       <a:endParaRPr lang="en-US" sz="2000" dirty="0"/>
@@ -18343,6 +18428,13 @@
   <p:clrMapOvr>
     <a:masterClrMapping/>
   </p:clrMapOvr>
+  <p:timing>
+    <p:tnLst>
+      <p:par>
+        <p:cTn xmlns:p14="http://schemas.microsoft.com/office/powerpoint/2010/main" id="1" dur="indefinite" restart="never" nodeType="tmRoot"/>
+      </p:par>
+    </p:tnLst>
+  </p:timing>
 </p:sld>
 </file>
 
@@ -19108,6 +19200,13 @@
   <p:clrMapOvr>
     <a:masterClrMapping/>
   </p:clrMapOvr>
+  <p:timing>
+    <p:tnLst>
+      <p:par>
+        <p:cTn xmlns:p14="http://schemas.microsoft.com/office/powerpoint/2010/main" id="1" dur="indefinite" restart="never" nodeType="tmRoot"/>
+      </p:par>
+    </p:tnLst>
+  </p:timing>
 </p:sld>
 </file>
 
@@ -19206,6 +19305,13 @@
   <p:clrMapOvr>
     <a:masterClrMapping/>
   </p:clrMapOvr>
+  <p:timing>
+    <p:tnLst>
+      <p:par>
+        <p:cTn xmlns:p14="http://schemas.microsoft.com/office/powerpoint/2010/main" id="1" dur="indefinite" restart="never" nodeType="tmRoot"/>
+      </p:par>
+    </p:tnLst>
+  </p:timing>
 </p:sld>
 </file>
 
@@ -19289,15 +19395,7 @@
             </a:r>
             <a:r>
               <a:rPr lang="en-US" sz="3200" dirty="0" smtClean="0"/>
-              <a:t>for a set of </a:t>
-            </a:r>
-            <a:r>
-              <a:rPr lang="en-US" sz="3200" dirty="0" err="1" smtClean="0"/>
-              <a:t>functors</a:t>
-            </a:r>
-            <a:r>
-              <a:rPr lang="en-US" sz="3200" dirty="0" smtClean="0"/>
-              <a:t> specifies</a:t>
+              <a:t>for a set of functors specifies</a:t>
             </a:r>
           </a:p>
           <a:p>
@@ -19499,6 +19597,13 @@
   <p:clrMapOvr>
     <a:masterClrMapping/>
   </p:clrMapOvr>
+  <p:timing>
+    <p:tnLst>
+      <p:par>
+        <p:cTn xmlns:p14="http://schemas.microsoft.com/office/powerpoint/2010/main" id="1" dur="indefinite" restart="never" nodeType="tmRoot"/>
+      </p:par>
+    </p:tnLst>
+  </p:timing>
 </p:sld>
 </file>
 
@@ -19685,6 +19790,13 @@
   <p:clrMapOvr>
     <a:masterClrMapping/>
   </p:clrMapOvr>
+  <p:timing>
+    <p:tnLst>
+      <p:par>
+        <p:cTn xmlns:p14="http://schemas.microsoft.com/office/powerpoint/2010/main" id="1" dur="indefinite" restart="never" nodeType="tmRoot"/>
+      </p:par>
+    </p:tnLst>
+  </p:timing>
 </p:sld>
 </file>
 
@@ -20186,7 +20298,7 @@
           <a:lstStyle/>
           <a:p>
             <a:r>
-              <a:rPr lang="en-US" sz="2000" dirty="0" err="1" smtClean="0">
+              <a:rPr lang="en-US" sz="2000" dirty="0" smtClean="0">
                 <a:solidFill>
                   <a:srgbClr val="3366FF"/>
                 </a:solidFill>
@@ -20194,12 +20306,6 @@
               </a:rPr>
               <a:t>ActsIn</a:t>
             </a:r>
-            <a:endParaRPr lang="en-US" sz="2000" dirty="0" smtClean="0">
-              <a:solidFill>
-                <a:srgbClr val="3366FF"/>
-              </a:solidFill>
-              <a:latin typeface="+mn-lt"/>
-            </a:endParaRPr>
           </a:p>
           <a:p>
             <a:r>
@@ -21676,6 +21782,13 @@
   <p:clrMapOvr>
     <a:masterClrMapping/>
   </p:clrMapOvr>
+  <p:timing>
+    <p:tnLst>
+      <p:par>
+        <p:cTn xmlns:p14="http://schemas.microsoft.com/office/powerpoint/2010/main" id="1" dur="indefinite" restart="never" nodeType="tmRoot"/>
+      </p:par>
+    </p:tnLst>
+  </p:timing>
 </p:sld>
 </file>
 
@@ -21869,6 +21982,13 @@
   <p:clrMapOvr>
     <a:masterClrMapping/>
   </p:clrMapOvr>
+  <p:timing>
+    <p:tnLst>
+      <p:par>
+        <p:cTn xmlns:p14="http://schemas.microsoft.com/office/powerpoint/2010/main" id="1" dur="indefinite" restart="never" nodeType="tmRoot"/>
+      </p:par>
+    </p:tnLst>
+  </p:timing>
 </p:sld>
 </file>
 
@@ -22135,7 +22255,7 @@
           <a:lstStyle/>
           <a:p>
             <a:r>
-              <a:rPr lang="en-US" sz="2000" dirty="0" err="1" smtClean="0">
+              <a:rPr lang="en-US" sz="2000" dirty="0" smtClean="0">
                 <a:solidFill>
                   <a:srgbClr val="3366FF"/>
                 </a:solidFill>
@@ -22143,12 +22263,6 @@
               </a:rPr>
               <a:t>ActsIn</a:t>
             </a:r>
-            <a:endParaRPr lang="en-US" sz="2000" dirty="0" smtClean="0">
-              <a:solidFill>
-                <a:srgbClr val="3366FF"/>
-              </a:solidFill>
-              <a:latin typeface="+mn-lt"/>
-            </a:endParaRPr>
           </a:p>
           <a:p>
             <a:r>
@@ -23136,6 +23250,13 @@
   <p:clrMapOvr>
     <a:masterClrMapping/>
   </p:clrMapOvr>
+  <p:timing>
+    <p:tnLst>
+      <p:par>
+        <p:cTn xmlns:p14="http://schemas.microsoft.com/office/powerpoint/2010/main" id="1" dur="indefinite" restart="never" nodeType="tmRoot"/>
+      </p:par>
+    </p:tnLst>
+  </p:timing>
 </p:sld>
 </file>
 
@@ -23196,6 +23317,13 @@
   <p:clrMapOvr>
     <a:masterClrMapping/>
   </p:clrMapOvr>
+  <p:timing>
+    <p:tnLst>
+      <p:par>
+        <p:cTn xmlns:p14="http://schemas.microsoft.com/office/powerpoint/2010/main" id="1" dur="indefinite" restart="never" nodeType="tmRoot"/>
+      </p:par>
+    </p:tnLst>
+  </p:timing>
 </p:sld>
 </file>
 
@@ -23985,6 +24113,13 @@
   <p:clrMapOvr>
     <a:masterClrMapping/>
   </p:clrMapOvr>
+  <p:timing>
+    <p:tnLst>
+      <p:par>
+        <p:cTn xmlns:p14="http://schemas.microsoft.com/office/powerpoint/2010/main" id="1" dur="indefinite" restart="never" nodeType="tmRoot"/>
+      </p:par>
+    </p:tnLst>
+  </p:timing>
 </p:sld>
 </file>
 
@@ -24025,11 +24160,11 @@
               <a:t>Data Tables for Unary </a:t>
             </a:r>
             <a:r>
-              <a:rPr lang="en-US" dirty="0" err="1"/>
+              <a:rPr lang="en-US" dirty="0"/>
               <a:t>F</a:t>
             </a:r>
             <a:r>
-              <a:rPr lang="en-US" dirty="0" err="1" smtClean="0"/>
+              <a:rPr lang="en-US" dirty="0" smtClean="0"/>
               <a:t>unctors</a:t>
             </a:r>
             <a:endParaRPr lang="en-US" dirty="0"/>
@@ -24111,6 +24246,13 @@
   <p:clrMapOvr>
     <a:masterClrMapping/>
   </p:clrMapOvr>
+  <p:timing>
+    <p:tnLst>
+      <p:par>
+        <p:cTn xmlns:p14="http://schemas.microsoft.com/office/powerpoint/2010/main" id="1" dur="indefinite" restart="never" nodeType="tmRoot"/>
+      </p:par>
+    </p:tnLst>
+  </p:timing>
 </p:sld>
 </file>
 
@@ -24155,11 +24297,7 @@
           <a:p>
             <a:r>
               <a:rPr lang="en-US" dirty="0" smtClean="0"/>
-              <a:t>Table Representation for Unary </a:t>
-            </a:r>
-            <a:r>
-              <a:rPr lang="en-US" dirty="0" err="1" smtClean="0"/>
-              <a:t>Functors</a:t>
+              <a:t>Table Representation for Unary Functors</a:t>
             </a:r>
             <a:endParaRPr lang="en-US" dirty="0"/>
           </a:p>
@@ -24348,16 +24486,6 @@
                     <a:p>
                       <a:pPr algn="ctr" fontAlgn="b"/>
                       <a:r>
-                        <a:rPr lang="en-US" sz="2600" b="1" i="0" u="none" strike="noStrike" dirty="0" err="1" smtClean="0">
-                          <a:solidFill>
-                            <a:srgbClr val="000000"/>
-                          </a:solidFill>
-                          <a:effectLst/>
-                          <a:latin typeface="+mn-lt"/>
-                        </a:rPr>
-                        <a:t>Functors</a:t>
-                      </a:r>
-                      <a:r>
                         <a:rPr lang="en-US" sz="2600" b="1" i="0" u="none" strike="noStrike" dirty="0" smtClean="0">
                           <a:solidFill>
                             <a:srgbClr val="000000"/>
@@ -24365,7 +24493,7 @@
                           <a:effectLst/>
                           <a:latin typeface="+mn-lt"/>
                         </a:rPr>
-                        <a:t>/Attributes</a:t>
+                        <a:t>Functors/Attributes</a:t>
                       </a:r>
                       <a:endParaRPr lang="en-US" sz="2600" b="1" i="0" u="none" strike="noStrike" dirty="0">
                         <a:solidFill>
@@ -24713,11 +24841,18 @@
   <p:clrMapOvr>
     <a:masterClrMapping/>
   </p:clrMapOvr>
+  <p:timing>
+    <p:tnLst>
+      <p:par>
+        <p:cTn xmlns:p14="http://schemas.microsoft.com/office/powerpoint/2010/main" id="1" dur="indefinite" restart="never" nodeType="tmRoot"/>
+      </p:par>
+    </p:tnLst>
+  </p:timing>
 </p:sld>
 </file>
 
 <file path=ppt/slides/slide38.xml><?xml version="1.0" encoding="utf-8"?>
-<p:sld xmlns:a="http://schemas.openxmlformats.org/drawingml/2006/main" xmlns:r="http://schemas.openxmlformats.org/officeDocument/2006/relationships" xmlns:p="http://schemas.openxmlformats.org/presentationml/2006/main">
+<p:sld xmlns:a="http://schemas.openxmlformats.org/drawingml/2006/main" xmlns:r="http://schemas.openxmlformats.org/officeDocument/2006/relationships" xmlns:p="http://schemas.openxmlformats.org/presentationml/2006/main" show="0">
   <p:cSld>
     <p:spTree>
       <p:nvGrpSpPr>
@@ -24787,15 +24922,7 @@
             </a:br>
             <a:r>
               <a:rPr lang="en-US" sz="2800" dirty="0" smtClean="0"/>
-              <a:t>A dataset for </a:t>
-            </a:r>
-            <a:r>
-              <a:rPr lang="en-US" sz="2800" dirty="0" err="1" smtClean="0"/>
-              <a:t>functors</a:t>
-            </a:r>
-            <a:r>
-              <a:rPr lang="en-US" sz="2800" dirty="0" smtClean="0"/>
-              <a:t> F can be represented by a single matrix</a:t>
+              <a:t>A dataset for functors F can be represented by a single matrix</a:t>
             </a:r>
             <a:br>
               <a:rPr lang="en-US" sz="2800" dirty="0" smtClean="0"/>
@@ -24809,15 +24936,7 @@
             </a:br>
             <a:r>
               <a:rPr lang="en-US" sz="2800" dirty="0" smtClean="0"/>
-              <a:t>all </a:t>
-            </a:r>
-            <a:r>
-              <a:rPr lang="en-US" sz="2800" dirty="0" err="1" smtClean="0"/>
-              <a:t>functors</a:t>
-            </a:r>
-            <a:r>
-              <a:rPr lang="en-US" sz="2800" dirty="0" smtClean="0"/>
-              <a:t> in F are unary</a:t>
+              <a:t>all functors in F are unary</a:t>
             </a:r>
           </a:p>
           <a:p>
@@ -24840,11 +24959,7 @@
             </a:r>
             <a:r>
               <a:rPr lang="en-US" sz="2800" dirty="0" smtClean="0"/>
-              <a:t> </a:t>
-            </a:r>
-            <a:r>
-              <a:rPr lang="en-US" sz="2800" dirty="0" err="1" smtClean="0"/>
-              <a:t>functors</a:t>
+              <a:t> functors</a:t>
             </a:r>
             <a:endParaRPr lang="en-US" sz="2800" dirty="0"/>
           </a:p>
@@ -24907,6 +25022,21 @@
   <p:clrMapOvr>
     <a:masterClrMapping/>
   </p:clrMapOvr>
+  <mc:AlternateContent xmlns:mc="http://schemas.openxmlformats.org/markup-compatibility/2006">
+    <mc:Choice xmlns:p14="http://schemas.microsoft.com/office/powerpoint/2010/main" Requires="p14">
+      <p:transition spd="slow" p14:dur="2000"/>
+    </mc:Choice>
+    <mc:Fallback>
+      <p:transition xmlns:p14="http://schemas.microsoft.com/office/powerpoint/2010/main" spd="slow"/>
+    </mc:Fallback>
+  </mc:AlternateContent>
+  <p:timing>
+    <p:tnLst>
+      <p:par>
+        <p:cTn xmlns:p14="http://schemas.microsoft.com/office/powerpoint/2010/main" id="1" dur="indefinite" restart="never" nodeType="tmRoot"/>
+      </p:par>
+    </p:tnLst>
+  </p:timing>
 </p:sld>
 </file>
 
@@ -24944,11 +25074,7 @@
           <a:p>
             <a:r>
               <a:rPr lang="en-US" dirty="0" smtClean="0"/>
-              <a:t>Data Tables for Relational </a:t>
-            </a:r>
-            <a:r>
-              <a:rPr lang="en-US" dirty="0" err="1" smtClean="0"/>
-              <a:t>Functors</a:t>
+              <a:t>Data Tables for Relational Functors</a:t>
             </a:r>
             <a:endParaRPr lang="en-US" dirty="0"/>
           </a:p>
@@ -25023,6 +25149,13 @@
   <p:clrMapOvr>
     <a:masterClrMapping/>
   </p:clrMapOvr>
+  <p:timing>
+    <p:tnLst>
+      <p:par>
+        <p:cTn xmlns:p14="http://schemas.microsoft.com/office/powerpoint/2010/main" id="1" dur="indefinite" restart="never" nodeType="tmRoot"/>
+      </p:par>
+    </p:tnLst>
+  </p:timing>
 </p:sld>
 </file>
 
@@ -25127,6 +25260,13 @@
   <p:clrMapOvr>
     <a:masterClrMapping/>
   </p:clrMapOvr>
+  <p:timing>
+    <p:tnLst>
+      <p:par>
+        <p:cTn xmlns:p14="http://schemas.microsoft.com/office/powerpoint/2010/main" id="1" dur="indefinite" restart="never" nodeType="tmRoot"/>
+      </p:par>
+    </p:tnLst>
+  </p:timing>
 </p:sld>
 </file>
 
@@ -25178,7 +25318,7 @@
               <a:t>Relational </a:t>
             </a:r>
             <a:r>
-              <a:rPr lang="en-US" dirty="0" err="1" smtClean="0"/>
+              <a:rPr lang="en-US" dirty="0" smtClean="0"/>
               <a:t>Functors</a:t>
             </a:r>
             <a:endParaRPr lang="en-US" dirty="0"/>
@@ -25736,7 +25876,7 @@
           <a:lstStyle/>
           <a:p>
             <a:r>
-              <a:rPr lang="en-US" sz="2000" dirty="0" err="1" smtClean="0">
+              <a:rPr lang="en-US" sz="2000" dirty="0" smtClean="0">
                 <a:latin typeface="+mn-lt"/>
               </a:rPr>
               <a:t>ActsIn</a:t>
@@ -25757,6 +25897,13 @@
   <p:clrMapOvr>
     <a:masterClrMapping/>
   </p:clrMapOvr>
+  <p:timing>
+    <p:tnLst>
+      <p:par>
+        <p:cTn xmlns:p14="http://schemas.microsoft.com/office/powerpoint/2010/main" id="1" dur="indefinite" restart="never" nodeType="tmRoot"/>
+      </p:par>
+    </p:tnLst>
+  </p:timing>
 </p:sld>
 </file>
 
@@ -25802,8 +25949,8 @@
               <a:t>Discussion: Relational </a:t>
             </a:r>
             <a:r>
-              <a:rPr lang="en-US" dirty="0" err="1" smtClean="0"/>
-              <a:t>Datapoints</a:t>
+              <a:rPr lang="en-US" smtClean="0"/>
+              <a:t>Data Points</a:t>
             </a:r>
             <a:endParaRPr lang="en-US" dirty="0"/>
           </a:p>
@@ -25964,6 +26111,13 @@
   <p:clrMapOvr>
     <a:masterClrMapping/>
   </p:clrMapOvr>
+  <p:timing>
+    <p:tnLst>
+      <p:par>
+        <p:cTn xmlns:p14="http://schemas.microsoft.com/office/powerpoint/2010/main" id="1" dur="indefinite" restart="never" nodeType="tmRoot"/>
+      </p:par>
+    </p:tnLst>
+  </p:timing>
 </p:sld>
 </file>
 
@@ -26439,6 +26593,13 @@
   <p:clrMapOvr>
     <a:masterClrMapping/>
   </p:clrMapOvr>
+  <p:timing>
+    <p:tnLst>
+      <p:par>
+        <p:cTn xmlns:p14="http://schemas.microsoft.com/office/powerpoint/2010/main" id="1" dur="indefinite" restart="never" nodeType="tmRoot"/>
+      </p:par>
+    </p:tnLst>
+  </p:timing>
 </p:sld>
 </file>
 
@@ -26461,6 +26622,906 @@
       </p:grpSpPr>
       <p:sp>
         <p:nvSpPr>
+          <p:cNvPr id="4" name="Title 3"/>
+          <p:cNvSpPr>
+            <a:spLocks noGrp="1"/>
+          </p:cNvSpPr>
+          <p:nvPr>
+            <p:ph type="title"/>
+          </p:nvPr>
+        </p:nvSpPr>
+        <p:spPr>
+          <a:xfrm>
+            <a:off x="460835" y="170974"/>
+            <a:ext cx="7772400" cy="1143000"/>
+          </a:xfrm>
+        </p:spPr>
+        <p:txBody>
+          <a:bodyPr>
+            <a:normAutofit/>
+          </a:bodyPr>
+          <a:lstStyle/>
+          <a:p>
+            <a:r>
+              <a:rPr lang="en-US" dirty="0" smtClean="0"/>
+              <a:t>Example </a:t>
+            </a:r>
+            <a:r>
+              <a:rPr lang="en-US" dirty="0" err="1" smtClean="0"/>
+              <a:t>Gaifman</a:t>
+            </a:r>
+            <a:r>
+              <a:rPr lang="en-US" dirty="0" smtClean="0"/>
+              <a:t> Graph</a:t>
+            </a:r>
+            <a:endParaRPr lang="en-US" dirty="0"/>
+          </a:p>
+        </p:txBody>
+      </p:sp>
+      <p:pic>
+        <p:nvPicPr>
+          <p:cNvPr id="13" name="Picture 12" descr="fargo.jpeg"/>
+          <p:cNvPicPr>
+            <a:picLocks noChangeAspect="1"/>
+          </p:cNvPicPr>
+          <p:nvPr/>
+        </p:nvPicPr>
+        <p:blipFill>
+          <a:blip r:embed="rId3">
+            <a:extLst>
+              <a:ext uri="{28A0092B-C50C-407E-A947-70E740481C1C}">
+                <a14:useLocalDpi xmlns:a14="http://schemas.microsoft.com/office/drawing/2010/main" val="0"/>
+              </a:ext>
+            </a:extLst>
+          </a:blip>
+          <a:stretch>
+            <a:fillRect/>
+          </a:stretch>
+        </p:blipFill>
+        <p:spPr>
+          <a:xfrm>
+            <a:off x="2219537" y="4255367"/>
+            <a:ext cx="907736" cy="1361604"/>
+          </a:xfrm>
+          <a:prstGeom prst="rect">
+            <a:avLst/>
+          </a:prstGeom>
+        </p:spPr>
+      </p:pic>
+      <p:pic>
+        <p:nvPicPr>
+          <p:cNvPr id="17" name="Picture 16" descr="kill-bill.jpeg"/>
+          <p:cNvPicPr>
+            <a:picLocks noChangeAspect="1"/>
+          </p:cNvPicPr>
+          <p:nvPr/>
+        </p:nvPicPr>
+        <p:blipFill>
+          <a:blip r:embed="rId4">
+            <a:extLst>
+              <a:ext uri="{28A0092B-C50C-407E-A947-70E740481C1C}">
+                <a14:useLocalDpi xmlns:a14="http://schemas.microsoft.com/office/drawing/2010/main" val="0"/>
+              </a:ext>
+            </a:extLst>
+          </a:blip>
+          <a:stretch>
+            <a:fillRect/>
+          </a:stretch>
+        </p:blipFill>
+        <p:spPr>
+          <a:xfrm>
+            <a:off x="5569059" y="4314243"/>
+            <a:ext cx="796960" cy="1243853"/>
+          </a:xfrm>
+          <a:prstGeom prst="rect">
+            <a:avLst/>
+          </a:prstGeom>
+        </p:spPr>
+      </p:pic>
+      <p:pic>
+        <p:nvPicPr>
+          <p:cNvPr id="21" name="Picture 20" descr="pitt.jpeg"/>
+          <p:cNvPicPr>
+            <a:picLocks noChangeAspect="1"/>
+          </p:cNvPicPr>
+          <p:nvPr/>
+        </p:nvPicPr>
+        <p:blipFill>
+          <a:blip r:embed="rId5">
+            <a:extLst>
+              <a:ext uri="{28A0092B-C50C-407E-A947-70E740481C1C}">
+                <a14:useLocalDpi xmlns:a14="http://schemas.microsoft.com/office/drawing/2010/main" val="0"/>
+              </a:ext>
+            </a:extLst>
+          </a:blip>
+          <a:stretch>
+            <a:fillRect/>
+          </a:stretch>
+        </p:blipFill>
+        <p:spPr>
+          <a:xfrm>
+            <a:off x="710081" y="2006891"/>
+            <a:ext cx="850900" cy="1244600"/>
+          </a:xfrm>
+          <a:prstGeom prst="rect">
+            <a:avLst/>
+          </a:prstGeom>
+        </p:spPr>
+      </p:pic>
+      <p:pic>
+        <p:nvPicPr>
+          <p:cNvPr id="24" name="Picture 23" descr="buscemi.jpeg"/>
+          <p:cNvPicPr>
+            <a:picLocks noChangeAspect="1"/>
+          </p:cNvPicPr>
+          <p:nvPr/>
+        </p:nvPicPr>
+        <p:blipFill>
+          <a:blip r:embed="rId6">
+            <a:extLst>
+              <a:ext uri="{28A0092B-C50C-407E-A947-70E740481C1C}">
+                <a14:useLocalDpi xmlns:a14="http://schemas.microsoft.com/office/drawing/2010/main" val="0"/>
+              </a:ext>
+            </a:extLst>
+          </a:blip>
+          <a:stretch>
+            <a:fillRect/>
+          </a:stretch>
+        </p:blipFill>
+        <p:spPr>
+          <a:xfrm>
+            <a:off x="2219537" y="1997927"/>
+            <a:ext cx="852307" cy="1262529"/>
+          </a:xfrm>
+          <a:prstGeom prst="rect">
+            <a:avLst/>
+          </a:prstGeom>
+        </p:spPr>
+      </p:pic>
+      <p:pic>
+        <p:nvPicPr>
+          <p:cNvPr id="29" name="Picture 28" descr="thurman.jpeg"/>
+          <p:cNvPicPr>
+            <a:picLocks noChangeAspect="1"/>
+          </p:cNvPicPr>
+          <p:nvPr/>
+        </p:nvPicPr>
+        <p:blipFill>
+          <a:blip r:embed="rId7">
+            <a:extLst>
+              <a:ext uri="{28A0092B-C50C-407E-A947-70E740481C1C}">
+                <a14:useLocalDpi xmlns:a14="http://schemas.microsoft.com/office/drawing/2010/main" val="0"/>
+              </a:ext>
+            </a:extLst>
+          </a:blip>
+          <a:stretch>
+            <a:fillRect/>
+          </a:stretch>
+        </p:blipFill>
+        <p:spPr>
+          <a:xfrm>
+            <a:off x="4364318" y="2006891"/>
+            <a:ext cx="850900" cy="1244600"/>
+          </a:xfrm>
+          <a:prstGeom prst="rect">
+            <a:avLst/>
+          </a:prstGeom>
+        </p:spPr>
+      </p:pic>
+      <p:pic>
+        <p:nvPicPr>
+          <p:cNvPr id="36" name="Picture 35" descr="lucy.jpeg"/>
+          <p:cNvPicPr>
+            <a:picLocks noChangeAspect="1"/>
+          </p:cNvPicPr>
+          <p:nvPr/>
+        </p:nvPicPr>
+        <p:blipFill>
+          <a:blip r:embed="rId8">
+            <a:extLst>
+              <a:ext uri="{28A0092B-C50C-407E-A947-70E740481C1C}">
+                <a14:useLocalDpi xmlns:a14="http://schemas.microsoft.com/office/drawing/2010/main" val="0"/>
+              </a:ext>
+            </a:extLst>
+          </a:blip>
+          <a:stretch>
+            <a:fillRect/>
+          </a:stretch>
+        </p:blipFill>
+        <p:spPr>
+          <a:xfrm>
+            <a:off x="6304841" y="2030797"/>
+            <a:ext cx="807927" cy="1196788"/>
+          </a:xfrm>
+          <a:prstGeom prst="rect">
+            <a:avLst/>
+          </a:prstGeom>
+        </p:spPr>
+      </p:pic>
+      <p:cxnSp>
+        <p:nvCxnSpPr>
+          <p:cNvPr id="6" name="Straight Connector 5"/>
+          <p:cNvCxnSpPr>
+            <a:stCxn id="24" idx="2"/>
+            <a:endCxn id="13" idx="0"/>
+          </p:cNvCxnSpPr>
+          <p:nvPr/>
+        </p:nvCxnSpPr>
+        <p:spPr>
+          <a:xfrm>
+            <a:off x="2645691" y="3260456"/>
+            <a:ext cx="27714" cy="994911"/>
+          </a:xfrm>
+          <a:prstGeom prst="line">
+            <a:avLst/>
+          </a:prstGeom>
+        </p:spPr>
+        <p:style>
+          <a:lnRef idx="2">
+            <a:schemeClr val="accent1"/>
+          </a:lnRef>
+          <a:fillRef idx="0">
+            <a:schemeClr val="accent1"/>
+          </a:fillRef>
+          <a:effectRef idx="1">
+            <a:schemeClr val="accent1"/>
+          </a:effectRef>
+          <a:fontRef idx="minor">
+            <a:schemeClr val="tx1"/>
+          </a:fontRef>
+        </p:style>
+      </p:cxnSp>
+      <p:cxnSp>
+        <p:nvCxnSpPr>
+          <p:cNvPr id="18" name="Straight Connector 17"/>
+          <p:cNvCxnSpPr>
+            <a:stCxn id="29" idx="2"/>
+            <a:endCxn id="17" idx="0"/>
+          </p:cNvCxnSpPr>
+          <p:nvPr/>
+        </p:nvCxnSpPr>
+        <p:spPr>
+          <a:xfrm>
+            <a:off x="4789768" y="3251491"/>
+            <a:ext cx="1177771" cy="1062752"/>
+          </a:xfrm>
+          <a:prstGeom prst="line">
+            <a:avLst/>
+          </a:prstGeom>
+        </p:spPr>
+        <p:style>
+          <a:lnRef idx="2">
+            <a:schemeClr val="accent1"/>
+          </a:lnRef>
+          <a:fillRef idx="0">
+            <a:schemeClr val="accent1"/>
+          </a:fillRef>
+          <a:effectRef idx="1">
+            <a:schemeClr val="accent1"/>
+          </a:effectRef>
+          <a:fontRef idx="minor">
+            <a:schemeClr val="tx1"/>
+          </a:fontRef>
+        </p:style>
+      </p:cxnSp>
+      <p:cxnSp>
+        <p:nvCxnSpPr>
+          <p:cNvPr id="20" name="Straight Connector 19"/>
+          <p:cNvCxnSpPr>
+            <a:stCxn id="36" idx="2"/>
+            <a:endCxn id="17" idx="0"/>
+          </p:cNvCxnSpPr>
+          <p:nvPr/>
+        </p:nvCxnSpPr>
+        <p:spPr>
+          <a:xfrm flipH="1">
+            <a:off x="5967539" y="3227585"/>
+            <a:ext cx="741266" cy="1086658"/>
+          </a:xfrm>
+          <a:prstGeom prst="line">
+            <a:avLst/>
+          </a:prstGeom>
+        </p:spPr>
+        <p:style>
+          <a:lnRef idx="2">
+            <a:schemeClr val="accent1"/>
+          </a:lnRef>
+          <a:fillRef idx="0">
+            <a:schemeClr val="accent1"/>
+          </a:fillRef>
+          <a:effectRef idx="1">
+            <a:schemeClr val="accent1"/>
+          </a:effectRef>
+          <a:fontRef idx="minor">
+            <a:schemeClr val="tx1"/>
+          </a:fontRef>
+        </p:style>
+      </p:cxnSp>
+      <p:sp>
+        <p:nvSpPr>
+          <p:cNvPr id="32" name="TextBox 31"/>
+          <p:cNvSpPr txBox="1"/>
+          <p:nvPr/>
+        </p:nvSpPr>
+        <p:spPr>
+          <a:xfrm>
+            <a:off x="2673405" y="3643948"/>
+            <a:ext cx="1165848" cy="369332"/>
+          </a:xfrm>
+          <a:prstGeom prst="rect">
+            <a:avLst/>
+          </a:prstGeom>
+          <a:noFill/>
+        </p:spPr>
+        <p:txBody>
+          <a:bodyPr wrap="square" rtlCol="0">
+            <a:spAutoFit/>
+          </a:bodyPr>
+          <a:lstStyle/>
+          <a:p>
+            <a:r>
+              <a:rPr lang="en-US" dirty="0" smtClean="0">
+                <a:solidFill>
+                  <a:srgbClr val="FF0000"/>
+                </a:solidFill>
+              </a:rPr>
+              <a:t>$500,000</a:t>
+            </a:r>
+            <a:endParaRPr lang="en-US" dirty="0">
+              <a:solidFill>
+                <a:srgbClr val="FF0000"/>
+              </a:solidFill>
+            </a:endParaRPr>
+          </a:p>
+        </p:txBody>
+      </p:sp>
+      <p:sp>
+        <p:nvSpPr>
+          <p:cNvPr id="33" name="TextBox 32"/>
+          <p:cNvSpPr txBox="1"/>
+          <p:nvPr/>
+        </p:nvSpPr>
+        <p:spPr>
+          <a:xfrm>
+            <a:off x="4093882" y="3643948"/>
+            <a:ext cx="1475177" cy="369332"/>
+          </a:xfrm>
+          <a:prstGeom prst="rect">
+            <a:avLst/>
+          </a:prstGeom>
+          <a:noFill/>
+        </p:spPr>
+        <p:txBody>
+          <a:bodyPr wrap="square" rtlCol="0">
+            <a:spAutoFit/>
+          </a:bodyPr>
+          <a:lstStyle/>
+          <a:p>
+            <a:r>
+              <a:rPr lang="en-US" dirty="0" smtClean="0">
+                <a:solidFill>
+                  <a:srgbClr val="FF0000"/>
+                </a:solidFill>
+              </a:rPr>
+              <a:t>$5,000,000</a:t>
+            </a:r>
+            <a:endParaRPr lang="en-US" dirty="0">
+              <a:solidFill>
+                <a:srgbClr val="FF0000"/>
+              </a:solidFill>
+            </a:endParaRPr>
+          </a:p>
+        </p:txBody>
+      </p:sp>
+      <p:sp>
+        <p:nvSpPr>
+          <p:cNvPr id="34" name="TextBox 33"/>
+          <p:cNvSpPr txBox="1"/>
+          <p:nvPr/>
+        </p:nvSpPr>
+        <p:spPr>
+          <a:xfrm>
+            <a:off x="6575170" y="3643948"/>
+            <a:ext cx="1644949" cy="369332"/>
+          </a:xfrm>
+          <a:prstGeom prst="rect">
+            <a:avLst/>
+          </a:prstGeom>
+          <a:noFill/>
+        </p:spPr>
+        <p:txBody>
+          <a:bodyPr wrap="square" rtlCol="0">
+            <a:spAutoFit/>
+          </a:bodyPr>
+          <a:lstStyle/>
+          <a:p>
+            <a:r>
+              <a:rPr lang="en-US" dirty="0" smtClean="0">
+                <a:solidFill>
+                  <a:srgbClr val="FF0000"/>
+                </a:solidFill>
+              </a:rPr>
+              <a:t>$2,000,000</a:t>
+            </a:r>
+            <a:endParaRPr lang="en-US" dirty="0">
+              <a:solidFill>
+                <a:srgbClr val="FF0000"/>
+              </a:solidFill>
+            </a:endParaRPr>
+          </a:p>
+        </p:txBody>
+      </p:sp>
+      <p:sp>
+        <p:nvSpPr>
+          <p:cNvPr id="35" name="TextBox 34"/>
+          <p:cNvSpPr txBox="1"/>
+          <p:nvPr/>
+        </p:nvSpPr>
+        <p:spPr>
+          <a:xfrm>
+            <a:off x="442259" y="1387756"/>
+            <a:ext cx="1649506" cy="646331"/>
+          </a:xfrm>
+          <a:prstGeom prst="rect">
+            <a:avLst/>
+          </a:prstGeom>
+          <a:noFill/>
+        </p:spPr>
+        <p:txBody>
+          <a:bodyPr wrap="square" rtlCol="0">
+            <a:spAutoFit/>
+          </a:bodyPr>
+          <a:lstStyle/>
+          <a:p>
+            <a:r>
+              <a:rPr lang="en-US" dirty="0" smtClean="0">
+                <a:solidFill>
+                  <a:srgbClr val="3366FF"/>
+                </a:solidFill>
+              </a:rPr>
+              <a:t>gender</a:t>
+            </a:r>
+            <a:r>
+              <a:rPr lang="en-US" dirty="0" smtClean="0"/>
+              <a:t> = </a:t>
+            </a:r>
+            <a:r>
+              <a:rPr lang="en-US" dirty="0" smtClean="0">
+                <a:solidFill>
+                  <a:srgbClr val="FF0000"/>
+                </a:solidFill>
+              </a:rPr>
+              <a:t>Man</a:t>
+            </a:r>
+          </a:p>
+          <a:p>
+            <a:r>
+              <a:rPr lang="en-US" dirty="0" smtClean="0">
+                <a:solidFill>
+                  <a:schemeClr val="accent1"/>
+                </a:solidFill>
+              </a:rPr>
+              <a:t>country</a:t>
+            </a:r>
+            <a:r>
+              <a:rPr lang="en-US" dirty="0" smtClean="0"/>
+              <a:t> = </a:t>
+            </a:r>
+            <a:r>
+              <a:rPr lang="en-US" dirty="0" smtClean="0">
+                <a:solidFill>
+                  <a:srgbClr val="FF0000"/>
+                </a:solidFill>
+              </a:rPr>
+              <a:t>U.S.</a:t>
+            </a:r>
+            <a:endParaRPr lang="en-US" dirty="0">
+              <a:solidFill>
+                <a:srgbClr val="FF0000"/>
+              </a:solidFill>
+            </a:endParaRPr>
+          </a:p>
+        </p:txBody>
+      </p:sp>
+      <p:sp>
+        <p:nvSpPr>
+          <p:cNvPr id="37" name="TextBox 36"/>
+          <p:cNvSpPr txBox="1"/>
+          <p:nvPr/>
+        </p:nvSpPr>
+        <p:spPr>
+          <a:xfrm>
+            <a:off x="2189747" y="1387756"/>
+            <a:ext cx="1649506" cy="646331"/>
+          </a:xfrm>
+          <a:prstGeom prst="rect">
+            <a:avLst/>
+          </a:prstGeom>
+          <a:noFill/>
+        </p:spPr>
+        <p:txBody>
+          <a:bodyPr wrap="square" rtlCol="0">
+            <a:spAutoFit/>
+          </a:bodyPr>
+          <a:lstStyle/>
+          <a:p>
+            <a:r>
+              <a:rPr lang="en-US" dirty="0" smtClean="0">
+                <a:solidFill>
+                  <a:srgbClr val="3366FF"/>
+                </a:solidFill>
+              </a:rPr>
+              <a:t>gender</a:t>
+            </a:r>
+            <a:r>
+              <a:rPr lang="en-US" dirty="0" smtClean="0"/>
+              <a:t> = </a:t>
+            </a:r>
+            <a:r>
+              <a:rPr lang="en-US" dirty="0" smtClean="0">
+                <a:solidFill>
+                  <a:srgbClr val="FF0000"/>
+                </a:solidFill>
+              </a:rPr>
+              <a:t>Man</a:t>
+            </a:r>
+          </a:p>
+          <a:p>
+            <a:r>
+              <a:rPr lang="en-US" dirty="0" smtClean="0">
+                <a:solidFill>
+                  <a:schemeClr val="accent1"/>
+                </a:solidFill>
+              </a:rPr>
+              <a:t>country</a:t>
+            </a:r>
+            <a:r>
+              <a:rPr lang="en-US" dirty="0" smtClean="0"/>
+              <a:t> = </a:t>
+            </a:r>
+            <a:r>
+              <a:rPr lang="en-US" dirty="0" smtClean="0">
+                <a:solidFill>
+                  <a:srgbClr val="FF0000"/>
+                </a:solidFill>
+              </a:rPr>
+              <a:t>U.S.</a:t>
+            </a:r>
+            <a:endParaRPr lang="en-US" dirty="0">
+              <a:solidFill>
+                <a:srgbClr val="FF0000"/>
+              </a:solidFill>
+            </a:endParaRPr>
+          </a:p>
+        </p:txBody>
+      </p:sp>
+      <p:sp>
+        <p:nvSpPr>
+          <p:cNvPr id="38" name="TextBox 37"/>
+          <p:cNvSpPr txBox="1"/>
+          <p:nvPr/>
+        </p:nvSpPr>
+        <p:spPr>
+          <a:xfrm>
+            <a:off x="4056762" y="1387756"/>
+            <a:ext cx="2099507" cy="646331"/>
+          </a:xfrm>
+          <a:prstGeom prst="rect">
+            <a:avLst/>
+          </a:prstGeom>
+          <a:noFill/>
+        </p:spPr>
+        <p:txBody>
+          <a:bodyPr wrap="square" rtlCol="0">
+            <a:spAutoFit/>
+          </a:bodyPr>
+          <a:lstStyle/>
+          <a:p>
+            <a:r>
+              <a:rPr lang="en-US" dirty="0" smtClean="0">
+                <a:solidFill>
+                  <a:srgbClr val="3366FF"/>
+                </a:solidFill>
+              </a:rPr>
+              <a:t>gender</a:t>
+            </a:r>
+            <a:r>
+              <a:rPr lang="en-US" dirty="0" smtClean="0"/>
+              <a:t> = </a:t>
+            </a:r>
+            <a:r>
+              <a:rPr lang="en-US" dirty="0" smtClean="0">
+                <a:solidFill>
+                  <a:srgbClr val="FF0000"/>
+                </a:solidFill>
+              </a:rPr>
+              <a:t>Woman</a:t>
+            </a:r>
+          </a:p>
+          <a:p>
+            <a:r>
+              <a:rPr lang="en-US" dirty="0" smtClean="0">
+                <a:solidFill>
+                  <a:schemeClr val="accent1"/>
+                </a:solidFill>
+              </a:rPr>
+              <a:t>country</a:t>
+            </a:r>
+            <a:r>
+              <a:rPr lang="en-US" dirty="0" smtClean="0"/>
+              <a:t> = </a:t>
+            </a:r>
+            <a:r>
+              <a:rPr lang="en-US" dirty="0" smtClean="0">
+                <a:solidFill>
+                  <a:srgbClr val="FF0000"/>
+                </a:solidFill>
+              </a:rPr>
+              <a:t>U.S.</a:t>
+            </a:r>
+            <a:endParaRPr lang="en-US" dirty="0">
+              <a:solidFill>
+                <a:srgbClr val="FF0000"/>
+              </a:solidFill>
+            </a:endParaRPr>
+          </a:p>
+        </p:txBody>
+      </p:sp>
+      <p:sp>
+        <p:nvSpPr>
+          <p:cNvPr id="39" name="TextBox 38"/>
+          <p:cNvSpPr txBox="1"/>
+          <p:nvPr/>
+        </p:nvSpPr>
+        <p:spPr>
+          <a:xfrm>
+            <a:off x="5923777" y="1387756"/>
+            <a:ext cx="2296342" cy="646331"/>
+          </a:xfrm>
+          <a:prstGeom prst="rect">
+            <a:avLst/>
+          </a:prstGeom>
+          <a:noFill/>
+        </p:spPr>
+        <p:txBody>
+          <a:bodyPr wrap="square" rtlCol="0">
+            <a:spAutoFit/>
+          </a:bodyPr>
+          <a:lstStyle/>
+          <a:p>
+            <a:r>
+              <a:rPr lang="en-US" dirty="0" smtClean="0">
+                <a:solidFill>
+                  <a:srgbClr val="3366FF"/>
+                </a:solidFill>
+              </a:rPr>
+              <a:t>gender</a:t>
+            </a:r>
+            <a:r>
+              <a:rPr lang="en-US" dirty="0" smtClean="0"/>
+              <a:t> = </a:t>
+            </a:r>
+            <a:r>
+              <a:rPr lang="en-US" dirty="0" smtClean="0">
+                <a:solidFill>
+                  <a:srgbClr val="FF0000"/>
+                </a:solidFill>
+              </a:rPr>
+              <a:t>Woman</a:t>
+            </a:r>
+          </a:p>
+          <a:p>
+            <a:r>
+              <a:rPr lang="en-US" dirty="0" smtClean="0">
+                <a:solidFill>
+                  <a:schemeClr val="accent1"/>
+                </a:solidFill>
+              </a:rPr>
+              <a:t>country</a:t>
+            </a:r>
+            <a:r>
+              <a:rPr lang="en-US" dirty="0" smtClean="0"/>
+              <a:t> = </a:t>
+            </a:r>
+            <a:r>
+              <a:rPr lang="en-US" dirty="0" smtClean="0">
+                <a:solidFill>
+                  <a:srgbClr val="FF0000"/>
+                </a:solidFill>
+              </a:rPr>
+              <a:t>U.S.</a:t>
+            </a:r>
+            <a:endParaRPr lang="en-US" dirty="0">
+              <a:solidFill>
+                <a:srgbClr val="FF0000"/>
+              </a:solidFill>
+            </a:endParaRPr>
+          </a:p>
+        </p:txBody>
+      </p:sp>
+      <p:sp>
+        <p:nvSpPr>
+          <p:cNvPr id="41" name="TextBox 40"/>
+          <p:cNvSpPr txBox="1"/>
+          <p:nvPr/>
+        </p:nvSpPr>
+        <p:spPr>
+          <a:xfrm>
+            <a:off x="1987178" y="5842657"/>
+            <a:ext cx="2069584" cy="646331"/>
+          </a:xfrm>
+          <a:prstGeom prst="rect">
+            <a:avLst/>
+          </a:prstGeom>
+          <a:noFill/>
+        </p:spPr>
+        <p:txBody>
+          <a:bodyPr wrap="square" rtlCol="0">
+            <a:spAutoFit/>
+          </a:bodyPr>
+          <a:lstStyle/>
+          <a:p>
+            <a:r>
+              <a:rPr lang="en-US" dirty="0" smtClean="0">
+                <a:solidFill>
+                  <a:srgbClr val="3366FF"/>
+                </a:solidFill>
+              </a:rPr>
+              <a:t>runtime</a:t>
+            </a:r>
+            <a:r>
+              <a:rPr lang="en-US" dirty="0" smtClean="0"/>
+              <a:t> = </a:t>
+            </a:r>
+            <a:r>
+              <a:rPr lang="en-US" dirty="0" smtClean="0">
+                <a:solidFill>
+                  <a:srgbClr val="FF0000"/>
+                </a:solidFill>
+              </a:rPr>
+              <a:t>98 min</a:t>
+            </a:r>
+          </a:p>
+          <a:p>
+            <a:r>
+              <a:rPr lang="en-US" dirty="0" smtClean="0">
+                <a:solidFill>
+                  <a:schemeClr val="accent1"/>
+                </a:solidFill>
+              </a:rPr>
+              <a:t>country</a:t>
+            </a:r>
+            <a:r>
+              <a:rPr lang="en-US" dirty="0" smtClean="0"/>
+              <a:t> = </a:t>
+            </a:r>
+            <a:r>
+              <a:rPr lang="en-US" dirty="0" smtClean="0">
+                <a:solidFill>
+                  <a:srgbClr val="FF0000"/>
+                </a:solidFill>
+              </a:rPr>
+              <a:t>U.S.</a:t>
+            </a:r>
+            <a:endParaRPr lang="en-US" dirty="0">
+              <a:solidFill>
+                <a:srgbClr val="FF0000"/>
+              </a:solidFill>
+            </a:endParaRPr>
+          </a:p>
+        </p:txBody>
+      </p:sp>
+      <p:sp>
+        <p:nvSpPr>
+          <p:cNvPr id="42" name="TextBox 41"/>
+          <p:cNvSpPr txBox="1"/>
+          <p:nvPr/>
+        </p:nvSpPr>
+        <p:spPr>
+          <a:xfrm>
+            <a:off x="5044095" y="5842657"/>
+            <a:ext cx="2085944" cy="646331"/>
+          </a:xfrm>
+          <a:prstGeom prst="rect">
+            <a:avLst/>
+          </a:prstGeom>
+          <a:noFill/>
+        </p:spPr>
+        <p:txBody>
+          <a:bodyPr wrap="square" rtlCol="0">
+            <a:spAutoFit/>
+          </a:bodyPr>
+          <a:lstStyle/>
+          <a:p>
+            <a:r>
+              <a:rPr lang="en-US" dirty="0" smtClean="0">
+                <a:solidFill>
+                  <a:srgbClr val="3366FF"/>
+                </a:solidFill>
+              </a:rPr>
+              <a:t>runtime</a:t>
+            </a:r>
+            <a:r>
+              <a:rPr lang="en-US" dirty="0" smtClean="0"/>
+              <a:t> = </a:t>
+            </a:r>
+            <a:r>
+              <a:rPr lang="en-US" dirty="0" smtClean="0">
+                <a:solidFill>
+                  <a:srgbClr val="FF0000"/>
+                </a:solidFill>
+              </a:rPr>
+              <a:t>111 min</a:t>
+            </a:r>
+          </a:p>
+          <a:p>
+            <a:r>
+              <a:rPr lang="en-US" dirty="0" smtClean="0">
+                <a:solidFill>
+                  <a:schemeClr val="accent1"/>
+                </a:solidFill>
+              </a:rPr>
+              <a:t>country</a:t>
+            </a:r>
+            <a:r>
+              <a:rPr lang="en-US" dirty="0" smtClean="0"/>
+              <a:t> = </a:t>
+            </a:r>
+            <a:r>
+              <a:rPr lang="en-US" dirty="0" smtClean="0">
+                <a:solidFill>
+                  <a:srgbClr val="FF0000"/>
+                </a:solidFill>
+              </a:rPr>
+              <a:t>U.S.</a:t>
+            </a:r>
+            <a:endParaRPr lang="en-US" dirty="0">
+              <a:solidFill>
+                <a:srgbClr val="FF0000"/>
+              </a:solidFill>
+            </a:endParaRPr>
+          </a:p>
+        </p:txBody>
+      </p:sp>
+    </p:spTree>
+    <p:extLst>
+      <p:ext uri="{BB962C8B-B14F-4D97-AF65-F5344CB8AC3E}">
+        <p14:creationId xmlns:p14="http://schemas.microsoft.com/office/powerpoint/2010/main" val="3758254737"/>
+      </p:ext>
+    </p:extLst>
+  </p:cSld>
+  <p:clrMapOvr>
+    <a:masterClrMapping/>
+  </p:clrMapOvr>
+  <p:timing>
+    <p:tnLst>
+      <p:par>
+        <p:cTn xmlns:p14="http://schemas.microsoft.com/office/powerpoint/2010/main" id="1" dur="indefinite" restart="never" nodeType="tmRoot"/>
+      </p:par>
+    </p:tnLst>
+  </p:timing>
+</p:sld>
+</file>
+
+<file path=ppt/slides/slide44.xml><?xml version="1.0" encoding="utf-8"?>
+<p:sld xmlns:a="http://schemas.openxmlformats.org/drawingml/2006/main" xmlns:r="http://schemas.openxmlformats.org/officeDocument/2006/relationships" xmlns:p="http://schemas.openxmlformats.org/presentationml/2006/main">
+  <p:cSld>
+    <p:spTree>
+      <p:nvGrpSpPr>
+        <p:cNvPr id="1" name=""/>
+        <p:cNvGrpSpPr/>
+        <p:nvPr/>
+      </p:nvGrpSpPr>
+      <p:grpSpPr>
+        <a:xfrm>
+          <a:off x="0" y="0"/>
+          <a:ext cx="0" cy="0"/>
+          <a:chOff x="0" y="0"/>
+          <a:chExt cx="0" cy="0"/>
+        </a:xfrm>
+      </p:grpSpPr>
+      <p:sp>
+        <p:nvSpPr>
           <p:cNvPr id="2" name="Title 1"/>
           <p:cNvSpPr>
             <a:spLocks noGrp="1"/>
@@ -26515,15 +27576,7 @@
           <a:p>
             <a:r>
               <a:rPr lang="en-US" sz="2400" dirty="0" smtClean="0"/>
-              <a:t>IID data equivalent to unary </a:t>
-            </a:r>
-            <a:r>
-              <a:rPr lang="en-US" sz="2400" dirty="0" err="1" smtClean="0"/>
-              <a:t>functors</a:t>
-            </a:r>
-            <a:r>
-              <a:rPr lang="en-US" sz="2400" dirty="0" smtClean="0"/>
-              <a:t> only</a:t>
+              <a:t>IID data equivalent to unary functors only</a:t>
             </a:r>
           </a:p>
           <a:p>
@@ -26574,12 +27627,8 @@
               <a:t>Unary </a:t>
             </a:r>
             <a:r>
-              <a:rPr lang="en-US" sz="2400" dirty="0" err="1" smtClean="0"/>
-              <a:t>functors</a:t>
-            </a:r>
-            <a:r>
               <a:rPr lang="en-US" sz="2400" dirty="0" smtClean="0"/>
-              <a:t>, table representation: </a:t>
+              <a:t>functors, table representation: </a:t>
             </a:r>
             <a:endParaRPr lang="en-US" sz="2400" dirty="0"/>
           </a:p>
@@ -26600,12 +27649,8 @@
           <a:p>
             <a:pPr lvl="1"/>
             <a:r>
-              <a:rPr lang="en-US" dirty="0" err="1"/>
-              <a:t>Datapoints</a:t>
-            </a:r>
-            <a:r>
               <a:rPr lang="en-US" dirty="0"/>
-              <a:t> = vector of </a:t>
+              <a:t>Datapoints = vector of </a:t>
             </a:r>
             <a:r>
               <a:rPr lang="en-US" dirty="0" err="1"/>
@@ -26622,12 +27667,8 @@
               <a:t>Relational </a:t>
             </a:r>
             <a:r>
-              <a:rPr lang="en-US" sz="2400" dirty="0" err="1" smtClean="0"/>
-              <a:t>functors</a:t>
-            </a:r>
-            <a:r>
               <a:rPr lang="en-US" sz="2400" dirty="0" smtClean="0"/>
-              <a:t>, table representation:</a:t>
+              <a:t>functors, table representation:</a:t>
             </a:r>
             <a:endParaRPr lang="en-US" sz="2400" dirty="0"/>
           </a:p>
@@ -26657,6 +27698,13 @@
   <p:clrMapOvr>
     <a:masterClrMapping/>
   </p:clrMapOvr>
+  <p:timing>
+    <p:tnLst>
+      <p:par>
+        <p:cTn xmlns:p14="http://schemas.microsoft.com/office/powerpoint/2010/main" id="1" dur="indefinite" restart="never" nodeType="tmRoot"/>
+      </p:par>
+    </p:tnLst>
+  </p:timing>
 </p:sld>
 </file>
 
@@ -27530,7 +28578,7 @@
           <a:p>
             <a:pPr lvl="1"/>
             <a:r>
-              <a:rPr lang="en-US" dirty="0" err="1" smtClean="0">
+              <a:rPr lang="en-US" dirty="0" smtClean="0">
                 <a:solidFill>
                   <a:srgbClr val="3366FF"/>
                 </a:solidFill>

--- a/ch1-data.pptx
+++ b/ch1-data.pptx
@@ -41,19 +41,19 @@
     <p:sldId id="340" r:id="rId29"/>
     <p:sldId id="284" r:id="rId30"/>
     <p:sldId id="285" r:id="rId31"/>
-    <p:sldId id="286" r:id="rId32"/>
-    <p:sldId id="287" r:id="rId33"/>
-    <p:sldId id="288" r:id="rId34"/>
-    <p:sldId id="323" r:id="rId35"/>
-    <p:sldId id="324" r:id="rId36"/>
-    <p:sldId id="328" r:id="rId37"/>
-    <p:sldId id="296" r:id="rId38"/>
-    <p:sldId id="330" r:id="rId39"/>
-    <p:sldId id="329" r:id="rId40"/>
-    <p:sldId id="331" r:id="rId41"/>
-    <p:sldId id="303" r:id="rId42"/>
-    <p:sldId id="304" r:id="rId43"/>
-    <p:sldId id="350" r:id="rId44"/>
+    <p:sldId id="351" r:id="rId32"/>
+    <p:sldId id="350" r:id="rId33"/>
+    <p:sldId id="286" r:id="rId34"/>
+    <p:sldId id="287" r:id="rId35"/>
+    <p:sldId id="288" r:id="rId36"/>
+    <p:sldId id="323" r:id="rId37"/>
+    <p:sldId id="324" r:id="rId38"/>
+    <p:sldId id="328" r:id="rId39"/>
+    <p:sldId id="296" r:id="rId40"/>
+    <p:sldId id="329" r:id="rId41"/>
+    <p:sldId id="331" r:id="rId42"/>
+    <p:sldId id="303" r:id="rId43"/>
+    <p:sldId id="304" r:id="rId44"/>
     <p:sldId id="318" r:id="rId45"/>
   </p:sldIdLst>
   <p:sldSz cx="9144000" cy="6858000" type="screen4x3"/>
@@ -238,6 +238,8 @@
             <p14:sldId id="340"/>
             <p14:sldId id="284"/>
             <p14:sldId id="285"/>
+            <p14:sldId id="351"/>
+            <p14:sldId id="350"/>
             <p14:sldId id="286"/>
             <p14:sldId id="287"/>
           </p14:sldIdLst>
@@ -253,7 +255,6 @@
           <p14:sldIdLst>
             <p14:sldId id="328"/>
             <p14:sldId id="296"/>
-            <p14:sldId id="330"/>
           </p14:sldIdLst>
         </p14:section>
         <p14:section name="Data Tables Relational Functors" id="{DB019DB6-9C44-D648-A048-B5B3EE13825A}">
@@ -262,7 +263,6 @@
             <p14:sldId id="331"/>
             <p14:sldId id="303"/>
             <p14:sldId id="304"/>
-            <p14:sldId id="350"/>
             <p14:sldId id="318"/>
           </p14:sldIdLst>
         </p14:section>
@@ -3047,7 +3047,7 @@
               <a:pPr>
                 <a:defRPr/>
               </a:pPr>
-              <a:t>2016-09-23</a:t>
+              <a:t>2016-09-24</a:t>
             </a:fld>
             <a:endParaRPr lang="en-US"/>
           </a:p>
@@ -3263,7 +3263,7 @@
               <a:pPr>
                 <a:defRPr/>
               </a:pPr>
-              <a:t>2016-09-23</a:t>
+              <a:t>2016-09-24</a:t>
             </a:fld>
             <a:endParaRPr lang="en-US"/>
           </a:p>
@@ -4904,23 +4904,7 @@
           <a:bodyPr/>
           <a:lstStyle/>
           <a:p>
-            <a:r>
-              <a:rPr lang="en-US" dirty="0" smtClean="0"/>
-              <a:t>TODO: cite </a:t>
-            </a:r>
-            <a:r>
-              <a:rPr lang="en-US" dirty="0" err="1" smtClean="0"/>
-              <a:t>Mondial</a:t>
-            </a:r>
-            <a:r>
-              <a:rPr lang="en-US" dirty="0" smtClean="0"/>
-              <a:t> </a:t>
-            </a:r>
-            <a:r>
-              <a:rPr lang="en-US" smtClean="0"/>
-              <a:t>for overview</a:t>
-            </a:r>
-            <a:endParaRPr lang="en-US"/>
+            <a:endParaRPr lang="en-US" dirty="0"/>
           </a:p>
         </p:txBody>
       </p:sp>
@@ -5414,25 +5398,7 @@
           <a:p>
             <a:r>
               <a:rPr lang="en-US" dirty="0" smtClean="0"/>
-              <a:t>This view of relational learning</a:t>
-            </a:r>
-            <a:r>
-              <a:rPr lang="en-US" baseline="0" dirty="0" smtClean="0"/>
-              <a:t> immediately generalizes learning the standard view of learning from </a:t>
-            </a:r>
-            <a:r>
-              <a:rPr lang="en-US" baseline="0" dirty="0" err="1" smtClean="0"/>
-              <a:t>i.i.d</a:t>
-            </a:r>
-            <a:r>
-              <a:rPr lang="en-US" baseline="0" dirty="0" smtClean="0"/>
-              <a:t>. data</a:t>
-            </a:r>
-          </a:p>
-          <a:p>
-            <a:r>
-              <a:rPr lang="en-US" baseline="0" dirty="0" smtClean="0"/>
-              <a:t>e.g. drawing balls from a urn containing a ball population</a:t>
+              <a:t>graphical representation for first-order structure</a:t>
             </a:r>
             <a:endParaRPr lang="en-US" dirty="0"/>
           </a:p>
@@ -5453,15 +5419,9 @@
           <a:bodyPr/>
           <a:lstStyle/>
           <a:p>
-            <a:pPr>
-              <a:defRPr/>
-            </a:pPr>
-            <a:fld id="{57BE7C63-45E8-3348-B2F7-0B0BBCE77ABE}" type="slidenum">
+            <a:fld id="{F6F03D15-B6FF-D14C-A60F-5A467C82F74A}" type="slidenum">
               <a:rPr lang="en-US" smtClean="0"/>
-              <a:pPr>
-                <a:defRPr/>
-              </a:pPr>
-              <a:t>31</a:t>
+              <a:t>32</a:t>
             </a:fld>
             <a:endParaRPr lang="en-US"/>
           </a:p>
@@ -5470,7 +5430,7 @@
     </p:spTree>
     <p:extLst>
       <p:ext uri="{BB962C8B-B14F-4D97-AF65-F5344CB8AC3E}">
-        <p14:creationId xmlns:p14="http://schemas.microsoft.com/office/powerpoint/2010/main" val="644828777"/>
+        <p14:creationId xmlns:p14="http://schemas.microsoft.com/office/powerpoint/2010/main" val="245251814"/>
       </p:ext>
     </p:extLst>
   </p:cSld>
@@ -5526,17 +5486,25 @@
           <a:p>
             <a:r>
               <a:rPr lang="en-US" dirty="0" smtClean="0"/>
-              <a:t>functors: gender, genre, who acts in what.</a:t>
-            </a:r>
-          </a:p>
-          <a:p>
-            <a:r>
-              <a:rPr lang="en-US" dirty="0" err="1" smtClean="0"/>
-              <a:t>subgraph</a:t>
+              <a:t>This view of relational learning</a:t>
             </a:r>
             <a:r>
               <a:rPr lang="en-US" baseline="0" dirty="0" smtClean="0"/>
-              <a:t> sampling</a:t>
+              <a:t> immediately generalizes learning the standard view of learning from </a:t>
+            </a:r>
+            <a:r>
+              <a:rPr lang="en-US" baseline="0" dirty="0" err="1" smtClean="0"/>
+              <a:t>i.i.d</a:t>
+            </a:r>
+            <a:r>
+              <a:rPr lang="en-US" baseline="0" dirty="0" smtClean="0"/>
+              <a:t>. data</a:t>
+            </a:r>
+          </a:p>
+          <a:p>
+            <a:r>
+              <a:rPr lang="en-US" baseline="0" dirty="0" smtClean="0"/>
+              <a:t>e.g. drawing balls from a urn containing a ball population</a:t>
             </a:r>
             <a:endParaRPr lang="en-US" dirty="0"/>
           </a:p>
@@ -5557,9 +5525,15 @@
           <a:bodyPr/>
           <a:lstStyle/>
           <a:p>
-            <a:fld id="{F6F03D15-B6FF-D14C-A60F-5A467C82F74A}" type="slidenum">
+            <a:pPr>
+              <a:defRPr/>
+            </a:pPr>
+            <a:fld id="{57BE7C63-45E8-3348-B2F7-0B0BBCE77ABE}" type="slidenum">
               <a:rPr lang="en-US" smtClean="0"/>
-              <a:t>32</a:t>
+              <a:pPr>
+                <a:defRPr/>
+              </a:pPr>
+              <a:t>33</a:t>
             </a:fld>
             <a:endParaRPr lang="en-US"/>
           </a:p>
@@ -5568,7 +5542,7 @@
     </p:spTree>
     <p:extLst>
       <p:ext uri="{BB962C8B-B14F-4D97-AF65-F5344CB8AC3E}">
-        <p14:creationId xmlns:p14="http://schemas.microsoft.com/office/powerpoint/2010/main" val="245251814"/>
+        <p14:creationId xmlns:p14="http://schemas.microsoft.com/office/powerpoint/2010/main" val="644828777"/>
       </p:ext>
     </p:extLst>
   </p:cSld>
@@ -5622,6 +5596,20 @@
           <a:bodyPr/>
           <a:lstStyle/>
           <a:p>
+            <a:r>
+              <a:rPr lang="en-US" dirty="0" smtClean="0"/>
+              <a:t>functors: gender, genre, who acts in what.</a:t>
+            </a:r>
+          </a:p>
+          <a:p>
+            <a:r>
+              <a:rPr lang="en-US" dirty="0" err="1" smtClean="0"/>
+              <a:t>subgraph</a:t>
+            </a:r>
+            <a:r>
+              <a:rPr lang="en-US" baseline="0" dirty="0" smtClean="0"/>
+              <a:t> sampling</a:t>
+            </a:r>
             <a:endParaRPr lang="en-US" dirty="0"/>
           </a:p>
         </p:txBody>
@@ -5641,15 +5629,9 @@
           <a:bodyPr/>
           <a:lstStyle/>
           <a:p>
-            <a:pPr>
-              <a:defRPr/>
-            </a:pPr>
-            <a:fld id="{57BE7C63-45E8-3348-B2F7-0B0BBCE77ABE}" type="slidenum">
+            <a:fld id="{F6F03D15-B6FF-D14C-A60F-5A467C82F74A}" type="slidenum">
               <a:rPr lang="en-US" smtClean="0"/>
-              <a:pPr>
-                <a:defRPr/>
-              </a:pPr>
-              <a:t>33</a:t>
+              <a:t>34</a:t>
             </a:fld>
             <a:endParaRPr lang="en-US"/>
           </a:p>
@@ -5658,7 +5640,7 @@
     </p:spTree>
     <p:extLst>
       <p:ext uri="{BB962C8B-B14F-4D97-AF65-F5344CB8AC3E}">
-        <p14:creationId xmlns:p14="http://schemas.microsoft.com/office/powerpoint/2010/main" val="810849876"/>
+        <p14:creationId xmlns:p14="http://schemas.microsoft.com/office/powerpoint/2010/main" val="245251814"/>
       </p:ext>
     </p:extLst>
   </p:cSld>
@@ -5712,63 +5694,6 @@
           <a:bodyPr/>
           <a:lstStyle/>
           <a:p>
-            <a:pPr marL="171450" indent="-171450">
-              <a:buFont typeface="Arial"/>
-              <a:buChar char="•"/>
-            </a:pPr>
-            <a:r>
-              <a:rPr lang="en-US" dirty="0" smtClean="0"/>
-              <a:t>this tutorial uses only the logical and tabular representations</a:t>
-            </a:r>
-          </a:p>
-          <a:p>
-            <a:pPr marL="171450" indent="-171450">
-              <a:buFont typeface="Arial"/>
-              <a:buChar char="•"/>
-            </a:pPr>
-            <a:r>
-              <a:rPr lang="en-US" dirty="0" smtClean="0"/>
-              <a:t>For graphical and tensor notation, the supplementary</a:t>
-            </a:r>
-            <a:r>
-              <a:rPr lang="en-US" baseline="0" dirty="0" smtClean="0"/>
-              <a:t> spreadsheet has worked-out examples</a:t>
-            </a:r>
-          </a:p>
-          <a:p>
-            <a:pPr marL="171450" indent="-171450">
-              <a:buFont typeface="Arial"/>
-              <a:buChar char="•"/>
-            </a:pPr>
-            <a:r>
-              <a:rPr lang="en-US" dirty="0" smtClean="0"/>
-              <a:t>Constraints on </a:t>
-            </a:r>
-            <a:r>
-              <a:rPr lang="en-US" dirty="0" err="1" smtClean="0"/>
-              <a:t>functor</a:t>
-            </a:r>
-            <a:r>
-              <a:rPr lang="en-US" dirty="0" smtClean="0"/>
-              <a:t> types can, and typically are, exploited in specific representations of relational data</a:t>
-            </a:r>
-          </a:p>
-          <a:p>
-            <a:pPr marL="171450" indent="-171450">
-              <a:buFont typeface="Arial"/>
-              <a:buChar char="•"/>
-            </a:pPr>
-            <a:r>
-              <a:rPr lang="en-US" dirty="0" smtClean="0"/>
-              <a:t>For example,</a:t>
-            </a:r>
-            <a:r>
-              <a:rPr lang="en-US" baseline="0" dirty="0" smtClean="0"/>
-              <a:t> functional or many-one relationships, see supplementary spreadsheet</a:t>
-            </a:r>
-            <a:endParaRPr lang="en-US" dirty="0" smtClean="0"/>
-          </a:p>
-          <a:p>
             <a:endParaRPr lang="en-US" dirty="0"/>
           </a:p>
         </p:txBody>
@@ -5796,7 +5721,7 @@
               <a:pPr>
                 <a:defRPr/>
               </a:pPr>
-              <a:t>34</a:t>
+              <a:t>35</a:t>
             </a:fld>
             <a:endParaRPr lang="en-US"/>
           </a:p>
@@ -5805,7 +5730,7 @@
     </p:spTree>
     <p:extLst>
       <p:ext uri="{BB962C8B-B14F-4D97-AF65-F5344CB8AC3E}">
-        <p14:creationId xmlns:p14="http://schemas.microsoft.com/office/powerpoint/2010/main" val="3651146937"/>
+        <p14:creationId xmlns:p14="http://schemas.microsoft.com/office/powerpoint/2010/main" val="810849876"/>
       </p:ext>
     </p:extLst>
   </p:cSld>
@@ -5859,6 +5784,63 @@
           <a:bodyPr/>
           <a:lstStyle/>
           <a:p>
+            <a:pPr marL="171450" indent="-171450">
+              <a:buFont typeface="Arial"/>
+              <a:buChar char="•"/>
+            </a:pPr>
+            <a:r>
+              <a:rPr lang="en-US" dirty="0" smtClean="0"/>
+              <a:t>this tutorial uses only the network and tabular representations</a:t>
+            </a:r>
+          </a:p>
+          <a:p>
+            <a:pPr marL="171450" indent="-171450">
+              <a:buFont typeface="Arial"/>
+              <a:buChar char="•"/>
+            </a:pPr>
+            <a:r>
+              <a:rPr lang="en-US" dirty="0" smtClean="0"/>
+              <a:t>For graphical and tensor notation, the supplementary</a:t>
+            </a:r>
+            <a:r>
+              <a:rPr lang="en-US" baseline="0" dirty="0" smtClean="0"/>
+              <a:t> presentation has worked-out examples</a:t>
+            </a:r>
+          </a:p>
+          <a:p>
+            <a:pPr marL="171450" indent="-171450">
+              <a:buFont typeface="Arial"/>
+              <a:buChar char="•"/>
+            </a:pPr>
+            <a:r>
+              <a:rPr lang="en-US" dirty="0" smtClean="0"/>
+              <a:t>Constraints on </a:t>
+            </a:r>
+            <a:r>
+              <a:rPr lang="en-US" dirty="0" err="1" smtClean="0"/>
+              <a:t>functor</a:t>
+            </a:r>
+            <a:r>
+              <a:rPr lang="en-US" dirty="0" smtClean="0"/>
+              <a:t> types can, and typically are, exploited in specific representations of relational data</a:t>
+            </a:r>
+          </a:p>
+          <a:p>
+            <a:pPr marL="171450" indent="-171450">
+              <a:buFont typeface="Arial"/>
+              <a:buChar char="•"/>
+            </a:pPr>
+            <a:r>
+              <a:rPr lang="en-US" dirty="0" smtClean="0"/>
+              <a:t>For example,</a:t>
+            </a:r>
+            <a:r>
+              <a:rPr lang="en-US" baseline="0" dirty="0" smtClean="0"/>
+              <a:t> functional or many-one relationships, see supplementary presentation</a:t>
+            </a:r>
+            <a:endParaRPr lang="en-US" dirty="0" smtClean="0"/>
+          </a:p>
+          <a:p>
             <a:endParaRPr lang="en-US" dirty="0"/>
           </a:p>
         </p:txBody>
@@ -5878,9 +5860,15 @@
           <a:bodyPr/>
           <a:lstStyle/>
           <a:p>
-            <a:fld id="{F6F03D15-B6FF-D14C-A60F-5A467C82F74A}" type="slidenum">
+            <a:pPr>
+              <a:defRPr/>
+            </a:pPr>
+            <a:fld id="{57BE7C63-45E8-3348-B2F7-0B0BBCE77ABE}" type="slidenum">
               <a:rPr lang="en-US" smtClean="0"/>
-              <a:t>38</a:t>
+              <a:pPr>
+                <a:defRPr/>
+              </a:pPr>
+              <a:t>36</a:t>
             </a:fld>
             <a:endParaRPr lang="en-US"/>
           </a:p>
@@ -5889,7 +5877,7 @@
     </p:spTree>
     <p:extLst>
       <p:ext uri="{BB962C8B-B14F-4D97-AF65-F5344CB8AC3E}">
-        <p14:creationId xmlns:p14="http://schemas.microsoft.com/office/powerpoint/2010/main" val="538581516"/>
+        <p14:creationId xmlns:p14="http://schemas.microsoft.com/office/powerpoint/2010/main" val="3651146937"/>
       </p:ext>
     </p:extLst>
   </p:cSld>
@@ -5978,7 +5966,7 @@
               <a:pPr>
                 <a:defRPr/>
               </a:pPr>
-              <a:t>40</a:t>
+              <a:t>41</a:t>
             </a:fld>
             <a:endParaRPr lang="en-US"/>
           </a:p>
@@ -6194,7 +6182,7 @@
               <a:pPr>
                 <a:defRPr/>
               </a:pPr>
-              <a:t>42</a:t>
+              <a:t>43</a:t>
             </a:fld>
             <a:endParaRPr lang="en-US"/>
           </a:p>
@@ -6214,94 +6202,6 @@
 </file>
 
 <file path=ppt/notesSlides/notesSlide31.xml><?xml version="1.0" encoding="utf-8"?>
-<p:notes xmlns:a="http://schemas.openxmlformats.org/drawingml/2006/main" xmlns:r="http://schemas.openxmlformats.org/officeDocument/2006/relationships" xmlns:p="http://schemas.openxmlformats.org/presentationml/2006/main">
-  <p:cSld>
-    <p:spTree>
-      <p:nvGrpSpPr>
-        <p:cNvPr id="1" name=""/>
-        <p:cNvGrpSpPr/>
-        <p:nvPr/>
-      </p:nvGrpSpPr>
-      <p:grpSpPr>
-        <a:xfrm>
-          <a:off x="0" y="0"/>
-          <a:ext cx="0" cy="0"/>
-          <a:chOff x="0" y="0"/>
-          <a:chExt cx="0" cy="0"/>
-        </a:xfrm>
-      </p:grpSpPr>
-      <p:sp>
-        <p:nvSpPr>
-          <p:cNvPr id="2" name="Slide Image Placeholder 1"/>
-          <p:cNvSpPr>
-            <a:spLocks noGrp="1" noRot="1" noChangeAspect="1"/>
-          </p:cNvSpPr>
-          <p:nvPr>
-            <p:ph type="sldImg"/>
-          </p:nvPr>
-        </p:nvSpPr>
-        <p:spPr/>
-      </p:sp>
-      <p:sp>
-        <p:nvSpPr>
-          <p:cNvPr id="3" name="Notes Placeholder 2"/>
-          <p:cNvSpPr>
-            <a:spLocks noGrp="1"/>
-          </p:cNvSpPr>
-          <p:nvPr>
-            <p:ph type="body" idx="1"/>
-          </p:nvPr>
-        </p:nvSpPr>
-        <p:spPr/>
-        <p:txBody>
-          <a:bodyPr/>
-          <a:lstStyle/>
-          <a:p>
-            <a:r>
-              <a:rPr lang="en-US" dirty="0" smtClean="0"/>
-              <a:t>graphical representation for first-order structure</a:t>
-            </a:r>
-            <a:endParaRPr lang="en-US" dirty="0"/>
-          </a:p>
-        </p:txBody>
-      </p:sp>
-      <p:sp>
-        <p:nvSpPr>
-          <p:cNvPr id="4" name="Slide Number Placeholder 3"/>
-          <p:cNvSpPr>
-            <a:spLocks noGrp="1"/>
-          </p:cNvSpPr>
-          <p:nvPr>
-            <p:ph type="sldNum" sz="quarter" idx="10"/>
-          </p:nvPr>
-        </p:nvSpPr>
-        <p:spPr/>
-        <p:txBody>
-          <a:bodyPr/>
-          <a:lstStyle/>
-          <a:p>
-            <a:fld id="{F6F03D15-B6FF-D14C-A60F-5A467C82F74A}" type="slidenum">
-              <a:rPr lang="en-US" smtClean="0"/>
-              <a:t>43</a:t>
-            </a:fld>
-            <a:endParaRPr lang="en-US"/>
-          </a:p>
-        </p:txBody>
-      </p:sp>
-    </p:spTree>
-    <p:extLst>
-      <p:ext uri="{BB962C8B-B14F-4D97-AF65-F5344CB8AC3E}">
-        <p14:creationId xmlns:p14="http://schemas.microsoft.com/office/powerpoint/2010/main" val="245251814"/>
-      </p:ext>
-    </p:extLst>
-  </p:cSld>
-  <p:clrMapOvr>
-    <a:masterClrMapping/>
-  </p:clrMapOvr>
-</p:notes>
-</file>
-
-<file path=ppt/notesSlides/notesSlide32.xml><?xml version="1.0" encoding="utf-8"?>
 <p:notes xmlns:a="http://schemas.openxmlformats.org/drawingml/2006/main" xmlns:r="http://schemas.openxmlformats.org/officeDocument/2006/relationships" xmlns:p="http://schemas.openxmlformats.org/presentationml/2006/main">
   <p:cSld>
     <p:spTree>
@@ -7372,7 +7272,7 @@
               <a:pPr>
                 <a:defRPr/>
               </a:pPr>
-              <a:t>2016-09-23</a:t>
+              <a:t>2016-09-24</a:t>
             </a:fld>
             <a:endParaRPr lang="en-US"/>
           </a:p>
@@ -7573,7 +7473,7 @@
               <a:pPr>
                 <a:defRPr/>
               </a:pPr>
-              <a:t>2016-09-23</a:t>
+              <a:t>2016-09-24</a:t>
             </a:fld>
             <a:endParaRPr lang="en-US"/>
           </a:p>
@@ -7784,7 +7684,7 @@
               <a:pPr>
                 <a:defRPr/>
               </a:pPr>
-              <a:t>2016-09-23</a:t>
+              <a:t>2016-09-24</a:t>
             </a:fld>
             <a:endParaRPr lang="en-US"/>
           </a:p>
@@ -7990,7 +7890,7 @@
               <a:pPr>
                 <a:defRPr/>
               </a:pPr>
-              <a:t>2016-09-23</a:t>
+              <a:t>2016-09-24</a:t>
             </a:fld>
             <a:endParaRPr lang="en-US"/>
           </a:p>
@@ -8509,7 +8409,7 @@
               <a:pPr>
                 <a:defRPr/>
               </a:pPr>
-              <a:t>2016-09-23</a:t>
+              <a:t>2016-09-24</a:t>
             </a:fld>
             <a:endParaRPr lang="en-US"/>
           </a:p>
@@ -8782,7 +8682,7 @@
               <a:pPr>
                 <a:defRPr/>
               </a:pPr>
-              <a:t>2016-09-23</a:t>
+              <a:t>2016-09-24</a:t>
             </a:fld>
             <a:endParaRPr lang="en-US"/>
           </a:p>
@@ -9180,7 +9080,7 @@
               <a:pPr>
                 <a:defRPr/>
               </a:pPr>
-              <a:t>2016-09-23</a:t>
+              <a:t>2016-09-24</a:t>
             </a:fld>
             <a:endParaRPr lang="en-US"/>
           </a:p>
@@ -9329,7 +9229,7 @@
               <a:pPr>
                 <a:defRPr/>
               </a:pPr>
-              <a:t>2016-09-23</a:t>
+              <a:t>2016-09-24</a:t>
             </a:fld>
             <a:endParaRPr lang="en-US"/>
           </a:p>
@@ -9455,7 +9355,7 @@
               <a:pPr>
                 <a:defRPr/>
               </a:pPr>
-              <a:t>2016-09-23</a:t>
+              <a:t>2016-09-24</a:t>
             </a:fld>
             <a:endParaRPr lang="en-US"/>
           </a:p>
@@ -9831,7 +9731,7 @@
               <a:pPr>
                 <a:defRPr/>
               </a:pPr>
-              <a:t>2016-09-23</a:t>
+              <a:t>2016-09-24</a:t>
             </a:fld>
             <a:endParaRPr lang="en-US"/>
           </a:p>
@@ -10254,7 +10154,7 @@
               <a:pPr>
                 <a:defRPr/>
               </a:pPr>
-              <a:t>2016-09-23</a:t>
+              <a:t>2016-09-24</a:t>
             </a:fld>
             <a:endParaRPr lang="en-US"/>
           </a:p>
@@ -10674,7 +10574,7 @@
               <a:pPr>
                 <a:defRPr/>
               </a:pPr>
-              <a:t>2016-09-23</a:t>
+              <a:t>2016-09-24</a:t>
             </a:fld>
             <a:endParaRPr lang="en-US"/>
           </a:p>
@@ -12954,19 +12854,7 @@
                 <a:rPr lang="en-US" sz="2000" dirty="0" smtClean="0">
                   <a:latin typeface="+mn-lt"/>
                 </a:rPr>
-                <a:t>single-table data</a:t>
-              </a:r>
-              <a:r>
-                <a:rPr lang="en-US" sz="2000" dirty="0" smtClean="0">
-                  <a:latin typeface="+mn-lt"/>
-                </a:rPr>
-                <a:t> </a:t>
-              </a:r>
-              <a:r>
-                <a:rPr lang="en-US" sz="2000" dirty="0" smtClean="0">
-                  <a:latin typeface="+mn-lt"/>
-                </a:rPr>
-                <a:t>= unary functors</a:t>
+                <a:t>single-table data = unary functors</a:t>
               </a:r>
               <a:endParaRPr lang="en-US" sz="2000" dirty="0">
                 <a:latin typeface="+mn-lt"/>
@@ -13296,11 +13184,7 @@
           <a:p>
             <a:r>
               <a:rPr lang="en-US" sz="2800" dirty="0" smtClean="0"/>
-              <a:t>Relational algorithms should generalize </a:t>
-            </a:r>
-            <a:r>
-              <a:rPr lang="en-US" sz="2800" dirty="0" smtClean="0"/>
-              <a:t>unary </a:t>
+              <a:t>Relational algorithms should generalize unary </a:t>
             </a:r>
             <a:r>
               <a:rPr lang="en-US" sz="2800" dirty="0" err="1" smtClean="0"/>
@@ -13308,11 +13192,7 @@
             </a:r>
             <a:r>
               <a:rPr lang="en-US" sz="2800" dirty="0" smtClean="0"/>
-              <a:t> (single-table) </a:t>
-            </a:r>
-            <a:r>
-              <a:rPr lang="en-US" sz="2800" dirty="0" smtClean="0"/>
-              <a:t>algorithms</a:t>
+              <a:t> (single-table) algorithms</a:t>
             </a:r>
             <a:br>
               <a:rPr lang="en-US" sz="2800" dirty="0" smtClean="0"/>
@@ -13356,15 +13236,7 @@
             </a:r>
             <a:r>
               <a:rPr lang="en-US" sz="2800" dirty="0" smtClean="0"/>
-              <a:t>same answer as traditional </a:t>
-            </a:r>
-            <a:r>
-              <a:rPr lang="en-US" sz="2800" dirty="0" smtClean="0"/>
-              <a:t>single-table algorithm</a:t>
-            </a:r>
-            <a:r>
-              <a:rPr lang="en-US" sz="2800" dirty="0" smtClean="0"/>
-              <a:t>.</a:t>
+              <a:t>same answer as traditional single-table algorithm.</a:t>
             </a:r>
           </a:p>
           <a:p>
@@ -21821,6 +21693,1140 @@
         </p:nvSpPr>
         <p:spPr/>
         <p:txBody>
+          <a:bodyPr/>
+          <a:lstStyle/>
+          <a:p>
+            <a:r>
+              <a:rPr lang="en-US" dirty="0" smtClean="0"/>
+              <a:t>Network View</a:t>
+            </a:r>
+            <a:endParaRPr lang="en-US" dirty="0"/>
+          </a:p>
+        </p:txBody>
+      </p:sp>
+      <p:sp>
+        <p:nvSpPr>
+          <p:cNvPr id="4" name="Content Placeholder 3"/>
+          <p:cNvSpPr>
+            <a:spLocks noGrp="1"/>
+          </p:cNvSpPr>
+          <p:nvPr>
+            <p:ph sz="quarter" idx="1"/>
+          </p:nvPr>
+        </p:nvSpPr>
+        <p:spPr/>
+        <p:txBody>
+          <a:bodyPr/>
+          <a:lstStyle/>
+          <a:p>
+            <a:r>
+              <a:rPr lang="en-US" dirty="0" smtClean="0"/>
+              <a:t>A possible world is equivalent to a heterogeneous network where</a:t>
+            </a:r>
+          </a:p>
+          <a:p>
+            <a:pPr lvl="1"/>
+            <a:r>
+              <a:rPr lang="en-US" dirty="0" smtClean="0"/>
+              <a:t>the nodes are individuals</a:t>
+            </a:r>
+          </a:p>
+          <a:p>
+            <a:pPr lvl="2"/>
+            <a:r>
+              <a:rPr lang="en-US" dirty="0" smtClean="0"/>
+              <a:t>we have multiple types of nodes</a:t>
+            </a:r>
+          </a:p>
+          <a:p>
+            <a:pPr lvl="2"/>
+            <a:r>
+              <a:rPr lang="en-US" dirty="0" smtClean="0"/>
+              <a:t>nodes are labelled with the attributes of the individual</a:t>
+            </a:r>
+          </a:p>
+          <a:p>
+            <a:pPr lvl="1"/>
+            <a:r>
+              <a:rPr lang="en-US" dirty="0" smtClean="0"/>
+              <a:t>the links represent existing relationships (true functors)</a:t>
+            </a:r>
+          </a:p>
+          <a:p>
+            <a:pPr lvl="2"/>
+            <a:r>
+              <a:rPr lang="en-US" dirty="0" smtClean="0"/>
+              <a:t>we have multiple types of links</a:t>
+            </a:r>
+          </a:p>
+          <a:p>
+            <a:pPr lvl="2"/>
+            <a:r>
+              <a:rPr lang="en-US" dirty="0" smtClean="0"/>
+              <a:t>links are labelled with the attributes of the link</a:t>
+            </a:r>
+          </a:p>
+          <a:p>
+            <a:r>
+              <a:rPr lang="en-US" dirty="0" smtClean="0"/>
+              <a:t>If some functors have </a:t>
+            </a:r>
+            <a:r>
+              <a:rPr lang="en-US" dirty="0" err="1" smtClean="0"/>
+              <a:t>arity</a:t>
+            </a:r>
+            <a:r>
+              <a:rPr lang="en-US" dirty="0" smtClean="0"/>
+              <a:t> &gt; 2, need </a:t>
+            </a:r>
+            <a:r>
+              <a:rPr lang="en-US" dirty="0" err="1" smtClean="0"/>
+              <a:t>hyperedges</a:t>
+            </a:r>
+            <a:endParaRPr lang="en-US" dirty="0" smtClean="0"/>
+          </a:p>
+          <a:p>
+            <a:r>
+              <a:rPr lang="en-US" dirty="0" smtClean="0"/>
+              <a:t>This is known as the </a:t>
+            </a:r>
+            <a:r>
+              <a:rPr lang="en-US" dirty="0" err="1" smtClean="0"/>
+              <a:t>Gaifman</a:t>
+            </a:r>
+            <a:r>
+              <a:rPr lang="en-US" dirty="0" smtClean="0"/>
+              <a:t> graph of a first-order relational structure</a:t>
+            </a:r>
+          </a:p>
+          <a:p>
+            <a:pPr lvl="1"/>
+            <a:endParaRPr lang="en-US" dirty="0"/>
+          </a:p>
+        </p:txBody>
+      </p:sp>
+      <p:sp>
+        <p:nvSpPr>
+          <p:cNvPr id="3" name="Footer Placeholder 2"/>
+          <p:cNvSpPr>
+            <a:spLocks noGrp="1"/>
+          </p:cNvSpPr>
+          <p:nvPr>
+            <p:ph type="ftr" sz="quarter" idx="11"/>
+          </p:nvPr>
+        </p:nvSpPr>
+        <p:spPr>
+          <a:xfrm>
+            <a:off x="914400" y="6172200"/>
+            <a:ext cx="6774912" cy="457200"/>
+          </a:xfrm>
+        </p:spPr>
+        <p:txBody>
+          <a:bodyPr/>
+          <a:lstStyle/>
+          <a:p>
+            <a:pPr>
+              <a:defRPr/>
+            </a:pPr>
+            <a:r>
+              <a:rPr lang="en-US" dirty="0"/>
+              <a:t>Russell, S. &amp; </a:t>
+            </a:r>
+            <a:r>
+              <a:rPr lang="en-US" dirty="0" err="1"/>
+              <a:t>Norvig</a:t>
+            </a:r>
+            <a:r>
+              <a:rPr lang="en-US" dirty="0"/>
+              <a:t>, P. (2010), Artificial Intelligence: A Modern Approach, Prentice Hall.</a:t>
+            </a:r>
+          </a:p>
+        </p:txBody>
+      </p:sp>
+    </p:spTree>
+    <p:extLst>
+      <p:ext uri="{BB962C8B-B14F-4D97-AF65-F5344CB8AC3E}">
+        <p14:creationId xmlns:p14="http://schemas.microsoft.com/office/powerpoint/2010/main" val="240619030"/>
+      </p:ext>
+    </p:extLst>
+  </p:cSld>
+  <p:clrMapOvr>
+    <a:masterClrMapping/>
+  </p:clrMapOvr>
+</p:sld>
+</file>
+
+<file path=ppt/slides/slide32.xml><?xml version="1.0" encoding="utf-8"?>
+<p:sld xmlns:a="http://schemas.openxmlformats.org/drawingml/2006/main" xmlns:r="http://schemas.openxmlformats.org/officeDocument/2006/relationships" xmlns:p="http://schemas.openxmlformats.org/presentationml/2006/main">
+  <p:cSld>
+    <p:spTree>
+      <p:nvGrpSpPr>
+        <p:cNvPr id="1" name=""/>
+        <p:cNvGrpSpPr/>
+        <p:nvPr/>
+      </p:nvGrpSpPr>
+      <p:grpSpPr>
+        <a:xfrm>
+          <a:off x="0" y="0"/>
+          <a:ext cx="0" cy="0"/>
+          <a:chOff x="0" y="0"/>
+          <a:chExt cx="0" cy="0"/>
+        </a:xfrm>
+      </p:grpSpPr>
+      <p:sp>
+        <p:nvSpPr>
+          <p:cNvPr id="4" name="Title 3"/>
+          <p:cNvSpPr>
+            <a:spLocks noGrp="1"/>
+          </p:cNvSpPr>
+          <p:nvPr>
+            <p:ph type="title"/>
+          </p:nvPr>
+        </p:nvSpPr>
+        <p:spPr>
+          <a:xfrm>
+            <a:off x="460835" y="170974"/>
+            <a:ext cx="7772400" cy="1143000"/>
+          </a:xfrm>
+        </p:spPr>
+        <p:txBody>
+          <a:bodyPr>
+            <a:normAutofit/>
+          </a:bodyPr>
+          <a:lstStyle/>
+          <a:p>
+            <a:r>
+              <a:rPr lang="en-US" dirty="0" smtClean="0"/>
+              <a:t>Network View: The </a:t>
+            </a:r>
+            <a:r>
+              <a:rPr lang="en-US" dirty="0" err="1" smtClean="0"/>
+              <a:t>Gaifman</a:t>
+            </a:r>
+            <a:r>
+              <a:rPr lang="en-US" dirty="0" smtClean="0"/>
+              <a:t> Graph</a:t>
+            </a:r>
+            <a:endParaRPr lang="en-US" dirty="0"/>
+          </a:p>
+        </p:txBody>
+      </p:sp>
+      <p:grpSp>
+        <p:nvGrpSpPr>
+          <p:cNvPr id="3" name="Group 2"/>
+          <p:cNvGrpSpPr/>
+          <p:nvPr/>
+        </p:nvGrpSpPr>
+        <p:grpSpPr>
+          <a:xfrm>
+            <a:off x="442259" y="1387756"/>
+            <a:ext cx="7777860" cy="4921754"/>
+            <a:chOff x="442259" y="1387756"/>
+            <a:chExt cx="7777860" cy="4921754"/>
+          </a:xfrm>
+        </p:grpSpPr>
+        <p:pic>
+          <p:nvPicPr>
+            <p:cNvPr id="13" name="Picture 12" descr="fargo.jpeg"/>
+            <p:cNvPicPr>
+              <a:picLocks noChangeAspect="1"/>
+            </p:cNvPicPr>
+            <p:nvPr/>
+          </p:nvPicPr>
+          <p:blipFill>
+            <a:blip r:embed="rId3">
+              <a:extLst>
+                <a:ext uri="{28A0092B-C50C-407E-A947-70E740481C1C}">
+                  <a14:useLocalDpi xmlns:a14="http://schemas.microsoft.com/office/drawing/2010/main" val="0"/>
+                </a:ext>
+              </a:extLst>
+            </a:blip>
+            <a:stretch>
+              <a:fillRect/>
+            </a:stretch>
+          </p:blipFill>
+          <p:spPr>
+            <a:xfrm>
+              <a:off x="2219537" y="4255367"/>
+              <a:ext cx="907736" cy="1361604"/>
+            </a:xfrm>
+            <a:prstGeom prst="rect">
+              <a:avLst/>
+            </a:prstGeom>
+          </p:spPr>
+        </p:pic>
+        <p:pic>
+          <p:nvPicPr>
+            <p:cNvPr id="17" name="Picture 16" descr="kill-bill.jpeg"/>
+            <p:cNvPicPr>
+              <a:picLocks noChangeAspect="1"/>
+            </p:cNvPicPr>
+            <p:nvPr/>
+          </p:nvPicPr>
+          <p:blipFill>
+            <a:blip r:embed="rId4">
+              <a:extLst>
+                <a:ext uri="{28A0092B-C50C-407E-A947-70E740481C1C}">
+                  <a14:useLocalDpi xmlns:a14="http://schemas.microsoft.com/office/drawing/2010/main" val="0"/>
+                </a:ext>
+              </a:extLst>
+            </a:blip>
+            <a:stretch>
+              <a:fillRect/>
+            </a:stretch>
+          </p:blipFill>
+          <p:spPr>
+            <a:xfrm>
+              <a:off x="5569059" y="4314243"/>
+              <a:ext cx="796960" cy="1243853"/>
+            </a:xfrm>
+            <a:prstGeom prst="rect">
+              <a:avLst/>
+            </a:prstGeom>
+          </p:spPr>
+        </p:pic>
+        <p:pic>
+          <p:nvPicPr>
+            <p:cNvPr id="21" name="Picture 20" descr="pitt.jpeg"/>
+            <p:cNvPicPr>
+              <a:picLocks noChangeAspect="1"/>
+            </p:cNvPicPr>
+            <p:nvPr/>
+          </p:nvPicPr>
+          <p:blipFill>
+            <a:blip r:embed="rId5">
+              <a:extLst>
+                <a:ext uri="{28A0092B-C50C-407E-A947-70E740481C1C}">
+                  <a14:useLocalDpi xmlns:a14="http://schemas.microsoft.com/office/drawing/2010/main" val="0"/>
+                </a:ext>
+              </a:extLst>
+            </a:blip>
+            <a:stretch>
+              <a:fillRect/>
+            </a:stretch>
+          </p:blipFill>
+          <p:spPr>
+            <a:xfrm>
+              <a:off x="710081" y="2006891"/>
+              <a:ext cx="850900" cy="1244600"/>
+            </a:xfrm>
+            <a:prstGeom prst="rect">
+              <a:avLst/>
+            </a:prstGeom>
+          </p:spPr>
+        </p:pic>
+        <p:pic>
+          <p:nvPicPr>
+            <p:cNvPr id="24" name="Picture 23" descr="buscemi.jpeg"/>
+            <p:cNvPicPr>
+              <a:picLocks noChangeAspect="1"/>
+            </p:cNvPicPr>
+            <p:nvPr/>
+          </p:nvPicPr>
+          <p:blipFill>
+            <a:blip r:embed="rId6">
+              <a:extLst>
+                <a:ext uri="{28A0092B-C50C-407E-A947-70E740481C1C}">
+                  <a14:useLocalDpi xmlns:a14="http://schemas.microsoft.com/office/drawing/2010/main" val="0"/>
+                </a:ext>
+              </a:extLst>
+            </a:blip>
+            <a:stretch>
+              <a:fillRect/>
+            </a:stretch>
+          </p:blipFill>
+          <p:spPr>
+            <a:xfrm>
+              <a:off x="2219537" y="1997927"/>
+              <a:ext cx="852307" cy="1262529"/>
+            </a:xfrm>
+            <a:prstGeom prst="rect">
+              <a:avLst/>
+            </a:prstGeom>
+          </p:spPr>
+        </p:pic>
+        <p:pic>
+          <p:nvPicPr>
+            <p:cNvPr id="29" name="Picture 28" descr="thurman.jpeg"/>
+            <p:cNvPicPr>
+              <a:picLocks noChangeAspect="1"/>
+            </p:cNvPicPr>
+            <p:nvPr/>
+          </p:nvPicPr>
+          <p:blipFill>
+            <a:blip r:embed="rId7">
+              <a:extLst>
+                <a:ext uri="{28A0092B-C50C-407E-A947-70E740481C1C}">
+                  <a14:useLocalDpi xmlns:a14="http://schemas.microsoft.com/office/drawing/2010/main" val="0"/>
+                </a:ext>
+              </a:extLst>
+            </a:blip>
+            <a:stretch>
+              <a:fillRect/>
+            </a:stretch>
+          </p:blipFill>
+          <p:spPr>
+            <a:xfrm>
+              <a:off x="4364318" y="2006891"/>
+              <a:ext cx="850900" cy="1244600"/>
+            </a:xfrm>
+            <a:prstGeom prst="rect">
+              <a:avLst/>
+            </a:prstGeom>
+          </p:spPr>
+        </p:pic>
+        <p:pic>
+          <p:nvPicPr>
+            <p:cNvPr id="36" name="Picture 35" descr="lucy.jpeg"/>
+            <p:cNvPicPr>
+              <a:picLocks noChangeAspect="1"/>
+            </p:cNvPicPr>
+            <p:nvPr/>
+          </p:nvPicPr>
+          <p:blipFill>
+            <a:blip r:embed="rId8">
+              <a:extLst>
+                <a:ext uri="{28A0092B-C50C-407E-A947-70E740481C1C}">
+                  <a14:useLocalDpi xmlns:a14="http://schemas.microsoft.com/office/drawing/2010/main" val="0"/>
+                </a:ext>
+              </a:extLst>
+            </a:blip>
+            <a:stretch>
+              <a:fillRect/>
+            </a:stretch>
+          </p:blipFill>
+          <p:spPr>
+            <a:xfrm>
+              <a:off x="6304841" y="2030797"/>
+              <a:ext cx="807927" cy="1196788"/>
+            </a:xfrm>
+            <a:prstGeom prst="rect">
+              <a:avLst/>
+            </a:prstGeom>
+          </p:spPr>
+        </p:pic>
+        <p:cxnSp>
+          <p:nvCxnSpPr>
+            <p:cNvPr id="6" name="Straight Connector 5"/>
+            <p:cNvCxnSpPr>
+              <a:stCxn id="24" idx="2"/>
+              <a:endCxn id="13" idx="0"/>
+            </p:cNvCxnSpPr>
+            <p:nvPr/>
+          </p:nvCxnSpPr>
+          <p:spPr>
+            <a:xfrm>
+              <a:off x="2645691" y="3260456"/>
+              <a:ext cx="27714" cy="994911"/>
+            </a:xfrm>
+            <a:prstGeom prst="line">
+              <a:avLst/>
+            </a:prstGeom>
+          </p:spPr>
+          <p:style>
+            <a:lnRef idx="2">
+              <a:schemeClr val="accent1"/>
+            </a:lnRef>
+            <a:fillRef idx="0">
+              <a:schemeClr val="accent1"/>
+            </a:fillRef>
+            <a:effectRef idx="1">
+              <a:schemeClr val="accent1"/>
+            </a:effectRef>
+            <a:fontRef idx="minor">
+              <a:schemeClr val="tx1"/>
+            </a:fontRef>
+          </p:style>
+        </p:cxnSp>
+        <p:cxnSp>
+          <p:nvCxnSpPr>
+            <p:cNvPr id="18" name="Straight Connector 17"/>
+            <p:cNvCxnSpPr>
+              <a:stCxn id="29" idx="2"/>
+              <a:endCxn id="17" idx="0"/>
+            </p:cNvCxnSpPr>
+            <p:nvPr/>
+          </p:nvCxnSpPr>
+          <p:spPr>
+            <a:xfrm>
+              <a:off x="4789768" y="3251491"/>
+              <a:ext cx="1177771" cy="1062752"/>
+            </a:xfrm>
+            <a:prstGeom prst="line">
+              <a:avLst/>
+            </a:prstGeom>
+          </p:spPr>
+          <p:style>
+            <a:lnRef idx="2">
+              <a:schemeClr val="accent1"/>
+            </a:lnRef>
+            <a:fillRef idx="0">
+              <a:schemeClr val="accent1"/>
+            </a:fillRef>
+            <a:effectRef idx="1">
+              <a:schemeClr val="accent1"/>
+            </a:effectRef>
+            <a:fontRef idx="minor">
+              <a:schemeClr val="tx1"/>
+            </a:fontRef>
+          </p:style>
+        </p:cxnSp>
+        <p:cxnSp>
+          <p:nvCxnSpPr>
+            <p:cNvPr id="20" name="Straight Connector 19"/>
+            <p:cNvCxnSpPr>
+              <a:stCxn id="36" idx="2"/>
+              <a:endCxn id="17" idx="0"/>
+            </p:cNvCxnSpPr>
+            <p:nvPr/>
+          </p:nvCxnSpPr>
+          <p:spPr>
+            <a:xfrm flipH="1">
+              <a:off x="5967539" y="3227585"/>
+              <a:ext cx="741266" cy="1086658"/>
+            </a:xfrm>
+            <a:prstGeom prst="line">
+              <a:avLst/>
+            </a:prstGeom>
+          </p:spPr>
+          <p:style>
+            <a:lnRef idx="2">
+              <a:schemeClr val="accent1"/>
+            </a:lnRef>
+            <a:fillRef idx="0">
+              <a:schemeClr val="accent1"/>
+            </a:fillRef>
+            <a:effectRef idx="1">
+              <a:schemeClr val="accent1"/>
+            </a:effectRef>
+            <a:fontRef idx="minor">
+              <a:schemeClr val="tx1"/>
+            </a:fontRef>
+          </p:style>
+        </p:cxnSp>
+        <p:sp>
+          <p:nvSpPr>
+            <p:cNvPr id="32" name="TextBox 31"/>
+            <p:cNvSpPr txBox="1"/>
+            <p:nvPr/>
+          </p:nvSpPr>
+          <p:spPr>
+            <a:xfrm>
+              <a:off x="2673405" y="3643948"/>
+              <a:ext cx="1165848" cy="369332"/>
+            </a:xfrm>
+            <a:prstGeom prst="rect">
+              <a:avLst/>
+            </a:prstGeom>
+            <a:noFill/>
+          </p:spPr>
+          <p:txBody>
+            <a:bodyPr wrap="square" rtlCol="0">
+              <a:spAutoFit/>
+            </a:bodyPr>
+            <a:lstStyle/>
+            <a:p>
+              <a:r>
+                <a:rPr lang="en-US" dirty="0" smtClean="0">
+                  <a:solidFill>
+                    <a:srgbClr val="FF0000"/>
+                  </a:solidFill>
+                </a:rPr>
+                <a:t>$500,000</a:t>
+              </a:r>
+              <a:endParaRPr lang="en-US" dirty="0">
+                <a:solidFill>
+                  <a:srgbClr val="FF0000"/>
+                </a:solidFill>
+              </a:endParaRPr>
+            </a:p>
+          </p:txBody>
+        </p:sp>
+        <p:sp>
+          <p:nvSpPr>
+            <p:cNvPr id="33" name="TextBox 32"/>
+            <p:cNvSpPr txBox="1"/>
+            <p:nvPr/>
+          </p:nvSpPr>
+          <p:spPr>
+            <a:xfrm>
+              <a:off x="4093882" y="3643948"/>
+              <a:ext cx="1475177" cy="369332"/>
+            </a:xfrm>
+            <a:prstGeom prst="rect">
+              <a:avLst/>
+            </a:prstGeom>
+            <a:noFill/>
+          </p:spPr>
+          <p:txBody>
+            <a:bodyPr wrap="square" rtlCol="0">
+              <a:spAutoFit/>
+            </a:bodyPr>
+            <a:lstStyle/>
+            <a:p>
+              <a:r>
+                <a:rPr lang="en-US" dirty="0" smtClean="0">
+                  <a:solidFill>
+                    <a:srgbClr val="FF0000"/>
+                  </a:solidFill>
+                </a:rPr>
+                <a:t>$5,000,000</a:t>
+              </a:r>
+              <a:endParaRPr lang="en-US" dirty="0">
+                <a:solidFill>
+                  <a:srgbClr val="FF0000"/>
+                </a:solidFill>
+              </a:endParaRPr>
+            </a:p>
+          </p:txBody>
+        </p:sp>
+        <p:sp>
+          <p:nvSpPr>
+            <p:cNvPr id="34" name="TextBox 33"/>
+            <p:cNvSpPr txBox="1"/>
+            <p:nvPr/>
+          </p:nvSpPr>
+          <p:spPr>
+            <a:xfrm>
+              <a:off x="6575170" y="3643948"/>
+              <a:ext cx="1644949" cy="369332"/>
+            </a:xfrm>
+            <a:prstGeom prst="rect">
+              <a:avLst/>
+            </a:prstGeom>
+            <a:noFill/>
+          </p:spPr>
+          <p:txBody>
+            <a:bodyPr wrap="square" rtlCol="0">
+              <a:spAutoFit/>
+            </a:bodyPr>
+            <a:lstStyle/>
+            <a:p>
+              <a:r>
+                <a:rPr lang="en-US" dirty="0" smtClean="0">
+                  <a:solidFill>
+                    <a:srgbClr val="FF0000"/>
+                  </a:solidFill>
+                </a:rPr>
+                <a:t>$2,000,000</a:t>
+              </a:r>
+              <a:endParaRPr lang="en-US" dirty="0">
+                <a:solidFill>
+                  <a:srgbClr val="FF0000"/>
+                </a:solidFill>
+              </a:endParaRPr>
+            </a:p>
+          </p:txBody>
+        </p:sp>
+        <p:sp>
+          <p:nvSpPr>
+            <p:cNvPr id="35" name="TextBox 34"/>
+            <p:cNvSpPr txBox="1"/>
+            <p:nvPr/>
+          </p:nvSpPr>
+          <p:spPr>
+            <a:xfrm>
+              <a:off x="442259" y="1387756"/>
+              <a:ext cx="1649506" cy="646331"/>
+            </a:xfrm>
+            <a:prstGeom prst="rect">
+              <a:avLst/>
+            </a:prstGeom>
+            <a:noFill/>
+          </p:spPr>
+          <p:txBody>
+            <a:bodyPr wrap="square" rtlCol="0">
+              <a:spAutoFit/>
+            </a:bodyPr>
+            <a:lstStyle/>
+            <a:p>
+              <a:r>
+                <a:rPr lang="en-US" dirty="0" smtClean="0">
+                  <a:solidFill>
+                    <a:srgbClr val="3366FF"/>
+                  </a:solidFill>
+                </a:rPr>
+                <a:t>gender</a:t>
+              </a:r>
+              <a:r>
+                <a:rPr lang="en-US" dirty="0" smtClean="0"/>
+                <a:t> = </a:t>
+              </a:r>
+              <a:r>
+                <a:rPr lang="en-US" dirty="0" smtClean="0">
+                  <a:solidFill>
+                    <a:srgbClr val="FF0000"/>
+                  </a:solidFill>
+                </a:rPr>
+                <a:t>Man</a:t>
+              </a:r>
+            </a:p>
+            <a:p>
+              <a:r>
+                <a:rPr lang="en-US" dirty="0" smtClean="0">
+                  <a:solidFill>
+                    <a:schemeClr val="accent1"/>
+                  </a:solidFill>
+                </a:rPr>
+                <a:t>country</a:t>
+              </a:r>
+              <a:r>
+                <a:rPr lang="en-US" dirty="0" smtClean="0"/>
+                <a:t> = </a:t>
+              </a:r>
+              <a:r>
+                <a:rPr lang="en-US" dirty="0" smtClean="0">
+                  <a:solidFill>
+                    <a:srgbClr val="FF0000"/>
+                  </a:solidFill>
+                </a:rPr>
+                <a:t>U.S.</a:t>
+              </a:r>
+              <a:endParaRPr lang="en-US" dirty="0">
+                <a:solidFill>
+                  <a:srgbClr val="FF0000"/>
+                </a:solidFill>
+              </a:endParaRPr>
+            </a:p>
+          </p:txBody>
+        </p:sp>
+        <p:sp>
+          <p:nvSpPr>
+            <p:cNvPr id="37" name="TextBox 36"/>
+            <p:cNvSpPr txBox="1"/>
+            <p:nvPr/>
+          </p:nvSpPr>
+          <p:spPr>
+            <a:xfrm>
+              <a:off x="2189747" y="1387756"/>
+              <a:ext cx="1649506" cy="646331"/>
+            </a:xfrm>
+            <a:prstGeom prst="rect">
+              <a:avLst/>
+            </a:prstGeom>
+            <a:noFill/>
+          </p:spPr>
+          <p:txBody>
+            <a:bodyPr wrap="square" rtlCol="0">
+              <a:spAutoFit/>
+            </a:bodyPr>
+            <a:lstStyle/>
+            <a:p>
+              <a:r>
+                <a:rPr lang="en-US" dirty="0" smtClean="0">
+                  <a:solidFill>
+                    <a:srgbClr val="3366FF"/>
+                  </a:solidFill>
+                </a:rPr>
+                <a:t>gender</a:t>
+              </a:r>
+              <a:r>
+                <a:rPr lang="en-US" dirty="0" smtClean="0"/>
+                <a:t> = </a:t>
+              </a:r>
+              <a:r>
+                <a:rPr lang="en-US" dirty="0" smtClean="0">
+                  <a:solidFill>
+                    <a:srgbClr val="FF0000"/>
+                  </a:solidFill>
+                </a:rPr>
+                <a:t>Man</a:t>
+              </a:r>
+            </a:p>
+            <a:p>
+              <a:r>
+                <a:rPr lang="en-US" dirty="0" smtClean="0">
+                  <a:solidFill>
+                    <a:schemeClr val="accent1"/>
+                  </a:solidFill>
+                </a:rPr>
+                <a:t>country</a:t>
+              </a:r>
+              <a:r>
+                <a:rPr lang="en-US" dirty="0" smtClean="0"/>
+                <a:t> = </a:t>
+              </a:r>
+              <a:r>
+                <a:rPr lang="en-US" dirty="0" smtClean="0">
+                  <a:solidFill>
+                    <a:srgbClr val="FF0000"/>
+                  </a:solidFill>
+                </a:rPr>
+                <a:t>U.S.</a:t>
+              </a:r>
+              <a:endParaRPr lang="en-US" dirty="0">
+                <a:solidFill>
+                  <a:srgbClr val="FF0000"/>
+                </a:solidFill>
+              </a:endParaRPr>
+            </a:p>
+          </p:txBody>
+        </p:sp>
+        <p:sp>
+          <p:nvSpPr>
+            <p:cNvPr id="38" name="TextBox 37"/>
+            <p:cNvSpPr txBox="1"/>
+            <p:nvPr/>
+          </p:nvSpPr>
+          <p:spPr>
+            <a:xfrm>
+              <a:off x="4056762" y="1387756"/>
+              <a:ext cx="2099507" cy="646331"/>
+            </a:xfrm>
+            <a:prstGeom prst="rect">
+              <a:avLst/>
+            </a:prstGeom>
+            <a:noFill/>
+          </p:spPr>
+          <p:txBody>
+            <a:bodyPr wrap="square" rtlCol="0">
+              <a:spAutoFit/>
+            </a:bodyPr>
+            <a:lstStyle/>
+            <a:p>
+              <a:r>
+                <a:rPr lang="en-US" dirty="0" smtClean="0">
+                  <a:solidFill>
+                    <a:srgbClr val="3366FF"/>
+                  </a:solidFill>
+                </a:rPr>
+                <a:t>gender</a:t>
+              </a:r>
+              <a:r>
+                <a:rPr lang="en-US" dirty="0" smtClean="0"/>
+                <a:t> = </a:t>
+              </a:r>
+              <a:r>
+                <a:rPr lang="en-US" dirty="0" smtClean="0">
+                  <a:solidFill>
+                    <a:srgbClr val="FF0000"/>
+                  </a:solidFill>
+                </a:rPr>
+                <a:t>Woman</a:t>
+              </a:r>
+            </a:p>
+            <a:p>
+              <a:r>
+                <a:rPr lang="en-US" dirty="0" smtClean="0">
+                  <a:solidFill>
+                    <a:schemeClr val="accent1"/>
+                  </a:solidFill>
+                </a:rPr>
+                <a:t>country</a:t>
+              </a:r>
+              <a:r>
+                <a:rPr lang="en-US" dirty="0" smtClean="0"/>
+                <a:t> = </a:t>
+              </a:r>
+              <a:r>
+                <a:rPr lang="en-US" dirty="0" smtClean="0">
+                  <a:solidFill>
+                    <a:srgbClr val="FF0000"/>
+                  </a:solidFill>
+                </a:rPr>
+                <a:t>U.S.</a:t>
+              </a:r>
+              <a:endParaRPr lang="en-US" dirty="0">
+                <a:solidFill>
+                  <a:srgbClr val="FF0000"/>
+                </a:solidFill>
+              </a:endParaRPr>
+            </a:p>
+          </p:txBody>
+        </p:sp>
+        <p:sp>
+          <p:nvSpPr>
+            <p:cNvPr id="39" name="TextBox 38"/>
+            <p:cNvSpPr txBox="1"/>
+            <p:nvPr/>
+          </p:nvSpPr>
+          <p:spPr>
+            <a:xfrm>
+              <a:off x="5923777" y="1387756"/>
+              <a:ext cx="2296342" cy="646331"/>
+            </a:xfrm>
+            <a:prstGeom prst="rect">
+              <a:avLst/>
+            </a:prstGeom>
+            <a:noFill/>
+          </p:spPr>
+          <p:txBody>
+            <a:bodyPr wrap="square" rtlCol="0">
+              <a:spAutoFit/>
+            </a:bodyPr>
+            <a:lstStyle/>
+            <a:p>
+              <a:r>
+                <a:rPr lang="en-US" dirty="0" smtClean="0">
+                  <a:solidFill>
+                    <a:srgbClr val="3366FF"/>
+                  </a:solidFill>
+                </a:rPr>
+                <a:t>gender</a:t>
+              </a:r>
+              <a:r>
+                <a:rPr lang="en-US" dirty="0" smtClean="0"/>
+                <a:t> = </a:t>
+              </a:r>
+              <a:r>
+                <a:rPr lang="en-US" dirty="0" smtClean="0">
+                  <a:solidFill>
+                    <a:srgbClr val="FF0000"/>
+                  </a:solidFill>
+                </a:rPr>
+                <a:t>Woman</a:t>
+              </a:r>
+            </a:p>
+            <a:p>
+              <a:r>
+                <a:rPr lang="en-US" dirty="0" smtClean="0">
+                  <a:solidFill>
+                    <a:schemeClr val="accent1"/>
+                  </a:solidFill>
+                </a:rPr>
+                <a:t>country</a:t>
+              </a:r>
+              <a:r>
+                <a:rPr lang="en-US" dirty="0" smtClean="0"/>
+                <a:t> = </a:t>
+              </a:r>
+              <a:r>
+                <a:rPr lang="en-US" dirty="0" smtClean="0">
+                  <a:solidFill>
+                    <a:srgbClr val="FF0000"/>
+                  </a:solidFill>
+                </a:rPr>
+                <a:t>U.S.</a:t>
+              </a:r>
+              <a:endParaRPr lang="en-US" dirty="0">
+                <a:solidFill>
+                  <a:srgbClr val="FF0000"/>
+                </a:solidFill>
+              </a:endParaRPr>
+            </a:p>
+          </p:txBody>
+        </p:sp>
+        <p:sp>
+          <p:nvSpPr>
+            <p:cNvPr id="41" name="TextBox 40"/>
+            <p:cNvSpPr txBox="1"/>
+            <p:nvPr/>
+          </p:nvSpPr>
+          <p:spPr>
+            <a:xfrm>
+              <a:off x="1987178" y="5663179"/>
+              <a:ext cx="2069584" cy="646331"/>
+            </a:xfrm>
+            <a:prstGeom prst="rect">
+              <a:avLst/>
+            </a:prstGeom>
+            <a:noFill/>
+          </p:spPr>
+          <p:txBody>
+            <a:bodyPr wrap="square" rtlCol="0">
+              <a:spAutoFit/>
+            </a:bodyPr>
+            <a:lstStyle/>
+            <a:p>
+              <a:r>
+                <a:rPr lang="en-US" dirty="0" smtClean="0">
+                  <a:solidFill>
+                    <a:srgbClr val="3366FF"/>
+                  </a:solidFill>
+                </a:rPr>
+                <a:t>runtime</a:t>
+              </a:r>
+              <a:r>
+                <a:rPr lang="en-US" dirty="0" smtClean="0"/>
+                <a:t> = </a:t>
+              </a:r>
+              <a:r>
+                <a:rPr lang="en-US" dirty="0" smtClean="0">
+                  <a:solidFill>
+                    <a:srgbClr val="FF0000"/>
+                  </a:solidFill>
+                </a:rPr>
+                <a:t>98 min</a:t>
+              </a:r>
+            </a:p>
+            <a:p>
+              <a:r>
+                <a:rPr lang="en-US" dirty="0" smtClean="0">
+                  <a:solidFill>
+                    <a:schemeClr val="accent1"/>
+                  </a:solidFill>
+                </a:rPr>
+                <a:t>country</a:t>
+              </a:r>
+              <a:r>
+                <a:rPr lang="en-US" dirty="0" smtClean="0"/>
+                <a:t> = </a:t>
+              </a:r>
+              <a:r>
+                <a:rPr lang="en-US" dirty="0" smtClean="0">
+                  <a:solidFill>
+                    <a:srgbClr val="FF0000"/>
+                  </a:solidFill>
+                </a:rPr>
+                <a:t>U.S.</a:t>
+              </a:r>
+              <a:endParaRPr lang="en-US" dirty="0">
+                <a:solidFill>
+                  <a:srgbClr val="FF0000"/>
+                </a:solidFill>
+              </a:endParaRPr>
+            </a:p>
+          </p:txBody>
+        </p:sp>
+        <p:sp>
+          <p:nvSpPr>
+            <p:cNvPr id="42" name="TextBox 41"/>
+            <p:cNvSpPr txBox="1"/>
+            <p:nvPr/>
+          </p:nvSpPr>
+          <p:spPr>
+            <a:xfrm>
+              <a:off x="5044095" y="5649373"/>
+              <a:ext cx="2085944" cy="646331"/>
+            </a:xfrm>
+            <a:prstGeom prst="rect">
+              <a:avLst/>
+            </a:prstGeom>
+            <a:noFill/>
+          </p:spPr>
+          <p:txBody>
+            <a:bodyPr wrap="square" rtlCol="0">
+              <a:spAutoFit/>
+            </a:bodyPr>
+            <a:lstStyle/>
+            <a:p>
+              <a:r>
+                <a:rPr lang="en-US" dirty="0" smtClean="0">
+                  <a:solidFill>
+                    <a:srgbClr val="3366FF"/>
+                  </a:solidFill>
+                </a:rPr>
+                <a:t>runtime</a:t>
+              </a:r>
+              <a:r>
+                <a:rPr lang="en-US" dirty="0" smtClean="0"/>
+                <a:t> = </a:t>
+              </a:r>
+              <a:r>
+                <a:rPr lang="en-US" dirty="0" smtClean="0">
+                  <a:solidFill>
+                    <a:srgbClr val="FF0000"/>
+                  </a:solidFill>
+                </a:rPr>
+                <a:t>111 min</a:t>
+              </a:r>
+            </a:p>
+            <a:p>
+              <a:r>
+                <a:rPr lang="en-US" dirty="0" smtClean="0">
+                  <a:solidFill>
+                    <a:schemeClr val="accent1"/>
+                  </a:solidFill>
+                </a:rPr>
+                <a:t>country</a:t>
+              </a:r>
+              <a:r>
+                <a:rPr lang="en-US" dirty="0" smtClean="0"/>
+                <a:t> = </a:t>
+              </a:r>
+              <a:r>
+                <a:rPr lang="en-US" dirty="0" smtClean="0">
+                  <a:solidFill>
+                    <a:srgbClr val="FF0000"/>
+                  </a:solidFill>
+                </a:rPr>
+                <a:t>U.S.</a:t>
+              </a:r>
+              <a:endParaRPr lang="en-US" dirty="0">
+                <a:solidFill>
+                  <a:srgbClr val="FF0000"/>
+                </a:solidFill>
+              </a:endParaRPr>
+            </a:p>
+          </p:txBody>
+        </p:sp>
+      </p:grpSp>
+      <p:sp>
+        <p:nvSpPr>
+          <p:cNvPr id="2" name="Footer Placeholder 1"/>
+          <p:cNvSpPr>
+            <a:spLocks noGrp="1"/>
+          </p:cNvSpPr>
+          <p:nvPr>
+            <p:ph type="ftr" sz="quarter" idx="11"/>
+          </p:nvPr>
+        </p:nvSpPr>
+        <p:spPr>
+          <a:xfrm>
+            <a:off x="914400" y="6172200"/>
+            <a:ext cx="6650668" cy="457200"/>
+          </a:xfrm>
+        </p:spPr>
+        <p:txBody>
+          <a:bodyPr/>
+          <a:lstStyle/>
+          <a:p>
+            <a:pPr>
+              <a:defRPr/>
+            </a:pPr>
+            <a:endParaRPr lang="en-US" dirty="0"/>
+          </a:p>
+        </p:txBody>
+      </p:sp>
+    </p:spTree>
+    <p:extLst>
+      <p:ext uri="{BB962C8B-B14F-4D97-AF65-F5344CB8AC3E}">
+        <p14:creationId xmlns:p14="http://schemas.microsoft.com/office/powerpoint/2010/main" val="3629905999"/>
+      </p:ext>
+    </p:extLst>
+  </p:cSld>
+  <p:clrMapOvr>
+    <a:masterClrMapping/>
+  </p:clrMapOvr>
+  <p:timing>
+    <p:tnLst>
+      <p:par>
+        <p:cTn xmlns:p14="http://schemas.microsoft.com/office/powerpoint/2010/main" id="1" dur="indefinite" restart="never" nodeType="tmRoot"/>
+      </p:par>
+    </p:tnLst>
+  </p:timing>
+</p:sld>
+</file>
+
+<file path=ppt/slides/slide33.xml><?xml version="1.0" encoding="utf-8"?>
+<p:sld xmlns:a="http://schemas.openxmlformats.org/drawingml/2006/main" xmlns:r="http://schemas.openxmlformats.org/officeDocument/2006/relationships" xmlns:p="http://schemas.openxmlformats.org/presentationml/2006/main">
+  <p:cSld>
+    <p:spTree>
+      <p:nvGrpSpPr>
+        <p:cNvPr id="1" name=""/>
+        <p:cNvGrpSpPr/>
+        <p:nvPr/>
+      </p:nvGrpSpPr>
+      <p:grpSpPr>
+        <a:xfrm>
+          <a:off x="0" y="0"/>
+          <a:ext cx="0" cy="0"/>
+          <a:chOff x="0" y="0"/>
+          <a:chExt cx="0" cy="0"/>
+        </a:xfrm>
+      </p:grpSpPr>
+      <p:sp>
+        <p:nvSpPr>
+          <p:cNvPr id="2" name="Title 1"/>
+          <p:cNvSpPr>
+            <a:spLocks noGrp="1"/>
+          </p:cNvSpPr>
+          <p:nvPr>
+            <p:ph type="title"/>
+          </p:nvPr>
+        </p:nvSpPr>
+        <p:spPr/>
+        <p:txBody>
           <a:bodyPr>
             <a:normAutofit/>
           </a:bodyPr>
@@ -21992,7 +22998,7 @@
 </p:sld>
 </file>
 
-<file path=ppt/slides/slide32.xml><?xml version="1.0" encoding="utf-8"?>
+<file path=ppt/slides/slide34.xml><?xml version="1.0" encoding="utf-8"?>
 <p:sld xmlns:a="http://schemas.openxmlformats.org/drawingml/2006/main" xmlns:r="http://schemas.openxmlformats.org/officeDocument/2006/relationships" xmlns:p="http://schemas.openxmlformats.org/presentationml/2006/main">
   <p:cSld>
     <p:spTree>
@@ -23260,7 +24266,7 @@
 </p:sld>
 </file>
 
-<file path=ppt/slides/slide33.xml><?xml version="1.0" encoding="utf-8"?>
+<file path=ppt/slides/slide35.xml><?xml version="1.0" encoding="utf-8"?>
 <p:sld xmlns:a="http://schemas.openxmlformats.org/drawingml/2006/main" xmlns:r="http://schemas.openxmlformats.org/officeDocument/2006/relationships" xmlns:p="http://schemas.openxmlformats.org/presentationml/2006/main">
   <p:cSld>
     <p:spTree>
@@ -23327,7 +24333,7 @@
 </p:sld>
 </file>
 
-<file path=ppt/slides/slide34.xml><?xml version="1.0" encoding="utf-8"?>
+<file path=ppt/slides/slide36.xml><?xml version="1.0" encoding="utf-8"?>
 <p:sld xmlns:a="http://schemas.openxmlformats.org/drawingml/2006/main" xmlns:r="http://schemas.openxmlformats.org/officeDocument/2006/relationships" xmlns:p="http://schemas.openxmlformats.org/presentationml/2006/main">
   <p:cSld>
     <p:spTree>
@@ -23527,31 +24533,31 @@
           <a:lstStyle/>
           <a:p>
             <a:r>
-              <a:rPr lang="en-US" sz="2400" dirty="0">
+              <a:rPr lang="en-US" sz="2400" b="1" dirty="0">
                 <a:latin typeface="+mn-lt"/>
               </a:rPr>
               <a:t>Nodes and edges in </a:t>
             </a:r>
             <a:r>
-              <a:rPr lang="en-US" sz="2400" dirty="0" err="1">
+              <a:rPr lang="en-US" sz="2400" b="1" dirty="0" err="1">
                 <a:latin typeface="+mn-lt"/>
               </a:rPr>
               <a:t>heterogenous</a:t>
             </a:r>
             <a:r>
-              <a:rPr lang="en-US" sz="2400" dirty="0">
+              <a:rPr lang="en-US" sz="2400" b="1" dirty="0">
                 <a:latin typeface="+mn-lt"/>
               </a:rPr>
               <a:t> network </a:t>
             </a:r>
             <a:r>
-              <a:rPr lang="en-US" sz="2400" dirty="0" smtClean="0">
+              <a:rPr lang="en-US" sz="2400" b="1" dirty="0" smtClean="0">
                 <a:latin typeface="+mn-lt"/>
               </a:rPr>
               <a:t/>
             </a:r>
             <a:br>
-              <a:rPr lang="en-US" sz="2400" dirty="0" smtClean="0">
+              <a:rPr lang="en-US" sz="2400" b="1" dirty="0" smtClean="0">
                 <a:latin typeface="+mn-lt"/>
               </a:rPr>
             </a:br>
@@ -23654,7 +24660,7 @@
           <a:lstStyle/>
           <a:p>
             <a:r>
-              <a:rPr lang="en-US" sz="2400" b="1" dirty="0" smtClean="0">
+              <a:rPr lang="en-US" sz="2400" dirty="0" smtClean="0">
                 <a:latin typeface="+mn-lt"/>
               </a:rPr>
               <a:t>Logical Facts</a:t>
@@ -23666,29 +24672,29 @@
               <a:buChar char="•"/>
             </a:pPr>
             <a:r>
-              <a:rPr lang="en-US" sz="2400" b="1" dirty="0" smtClean="0">
+              <a:rPr lang="en-US" sz="2400" dirty="0" smtClean="0">
                 <a:latin typeface="+mn-lt"/>
               </a:rPr>
               <a:t>Knowledge Graph Triples </a:t>
             </a:r>
             <a:br>
-              <a:rPr lang="en-US" sz="2400" b="1" dirty="0" smtClean="0">
+              <a:rPr lang="en-US" sz="2400" dirty="0" smtClean="0">
                 <a:latin typeface="+mn-lt"/>
               </a:rPr>
             </a:br>
             <a:r>
-              <a:rPr lang="en-US" sz="2400" b="1" dirty="0" smtClean="0">
+              <a:rPr lang="en-US" sz="2400" dirty="0" smtClean="0">
                 <a:latin typeface="+mn-lt"/>
               </a:rPr>
               <a:t>(</a:t>
             </a:r>
             <a:r>
-              <a:rPr lang="en-US" sz="2400" b="1" dirty="0">
+              <a:rPr lang="en-US" sz="2400" dirty="0">
                 <a:latin typeface="+mn-lt"/>
               </a:rPr>
               <a:t>Nickel et al. 2015)</a:t>
             </a:r>
-            <a:endParaRPr lang="en-US" sz="2400" b="1" dirty="0" smtClean="0">
+            <a:endParaRPr lang="en-US" sz="2400" dirty="0" smtClean="0">
               <a:latin typeface="+mn-lt"/>
             </a:endParaRPr>
           </a:p>
@@ -23698,12 +24704,12 @@
               <a:buChar char="•"/>
             </a:pPr>
             <a:r>
-              <a:rPr lang="en-US" sz="2400" b="1" dirty="0" smtClean="0">
+              <a:rPr lang="en-US" sz="2400" dirty="0" smtClean="0">
                 <a:latin typeface="+mn-lt"/>
               </a:rPr>
               <a:t>Atoms/Literals</a:t>
             </a:r>
-            <a:endParaRPr lang="en-US" sz="2400" b="1" dirty="0">
+            <a:endParaRPr lang="en-US" sz="2400" dirty="0">
               <a:latin typeface="+mn-lt"/>
             </a:endParaRPr>
           </a:p>
@@ -24020,7 +25026,7 @@
 </p:sld>
 </file>
 
-<file path=ppt/slides/slide35.xml><?xml version="1.0" encoding="utf-8"?>
+<file path=ppt/slides/slide37.xml><?xml version="1.0" encoding="utf-8"?>
 <p:sld xmlns:a="http://schemas.openxmlformats.org/drawingml/2006/main" xmlns:r="http://schemas.openxmlformats.org/officeDocument/2006/relationships" xmlns:p="http://schemas.openxmlformats.org/presentationml/2006/main">
   <p:cSld>
     <p:spTree>
@@ -24123,7 +25129,7 @@
 </p:sld>
 </file>
 
-<file path=ppt/slides/slide36.xml><?xml version="1.0" encoding="utf-8"?>
+<file path=ppt/slides/slide38.xml><?xml version="1.0" encoding="utf-8"?>
 <p:sld xmlns:a="http://schemas.openxmlformats.org/drawingml/2006/main" xmlns:r="http://schemas.openxmlformats.org/officeDocument/2006/relationships" xmlns:p="http://schemas.openxmlformats.org/presentationml/2006/main">
   <p:cSld>
     <p:spTree>
@@ -24256,7 +25262,7 @@
 </p:sld>
 </file>
 
-<file path=ppt/slides/slide37.xml><?xml version="1.0" encoding="utf-8"?>
+<file path=ppt/slides/slide39.xml><?xml version="1.0" encoding="utf-8"?>
 <p:sld xmlns:a="http://schemas.openxmlformats.org/drawingml/2006/main" xmlns:r="http://schemas.openxmlformats.org/officeDocument/2006/relationships" xmlns:p="http://schemas.openxmlformats.org/presentationml/2006/main">
   <p:cSld>
     <p:spTree>
@@ -24851,314 +25857,6 @@
 </p:sld>
 </file>
 
-<file path=ppt/slides/slide38.xml><?xml version="1.0" encoding="utf-8"?>
-<p:sld xmlns:a="http://schemas.openxmlformats.org/drawingml/2006/main" xmlns:r="http://schemas.openxmlformats.org/officeDocument/2006/relationships" xmlns:p="http://schemas.openxmlformats.org/presentationml/2006/main" show="0">
-  <p:cSld>
-    <p:spTree>
-      <p:nvGrpSpPr>
-        <p:cNvPr id="1" name=""/>
-        <p:cNvGrpSpPr/>
-        <p:nvPr/>
-      </p:nvGrpSpPr>
-      <p:grpSpPr>
-        <a:xfrm>
-          <a:off x="0" y="0"/>
-          <a:ext cx="0" cy="0"/>
-          <a:chOff x="0" y="0"/>
-          <a:chExt cx="0" cy="0"/>
-        </a:xfrm>
-      </p:grpSpPr>
-      <p:sp>
-        <p:nvSpPr>
-          <p:cNvPr id="2" name="Title 1"/>
-          <p:cNvSpPr>
-            <a:spLocks noGrp="1"/>
-          </p:cNvSpPr>
-          <p:nvPr>
-            <p:ph type="title"/>
-          </p:nvPr>
-        </p:nvSpPr>
-        <p:spPr/>
-        <p:txBody>
-          <a:bodyPr/>
-          <a:lstStyle/>
-          <a:p>
-            <a:r>
-              <a:rPr lang="en-US" dirty="0" smtClean="0"/>
-              <a:t>IID Data</a:t>
-            </a:r>
-            <a:endParaRPr lang="en-US" dirty="0"/>
-          </a:p>
-        </p:txBody>
-      </p:sp>
-      <p:sp>
-        <p:nvSpPr>
-          <p:cNvPr id="3" name="Content Placeholder 2"/>
-          <p:cNvSpPr>
-            <a:spLocks noGrp="1"/>
-          </p:cNvSpPr>
-          <p:nvPr>
-            <p:ph idx="1"/>
-          </p:nvPr>
-        </p:nvSpPr>
-        <p:spPr/>
-        <p:txBody>
-          <a:bodyPr/>
-          <a:lstStyle/>
-          <a:p>
-            <a:pPr marL="0" indent="0">
-              <a:buNone/>
-            </a:pPr>
-            <a:r>
-              <a:rPr lang="en-US" sz="2800" b="1" dirty="0" smtClean="0"/>
-              <a:t>Observation</a:t>
-            </a:r>
-            <a:r>
-              <a:rPr lang="en-US" sz="2800" dirty="0"/>
-              <a:t/>
-            </a:r>
-            <a:br>
-              <a:rPr lang="en-US" sz="2800" dirty="0"/>
-            </a:br>
-            <a:r>
-              <a:rPr lang="en-US" sz="2800" dirty="0" smtClean="0"/>
-              <a:t>A dataset for functors F can be represented by a single matrix</a:t>
-            </a:r>
-            <a:br>
-              <a:rPr lang="en-US" sz="2800" dirty="0" smtClean="0"/>
-            </a:br>
-            <a:r>
-              <a:rPr lang="en-US" sz="2800" i="1" dirty="0" smtClean="0"/>
-              <a:t>if and only if</a:t>
-            </a:r>
-            <a:br>
-              <a:rPr lang="en-US" sz="2800" i="1" dirty="0" smtClean="0"/>
-            </a:br>
-            <a:r>
-              <a:rPr lang="en-US" sz="2800" dirty="0" smtClean="0"/>
-              <a:t>all functors in F are unary</a:t>
-            </a:r>
-          </a:p>
-          <a:p>
-            <a:pPr marL="0" indent="0">
-              <a:buNone/>
-            </a:pPr>
-            <a:endParaRPr lang="en-US" sz="2800" dirty="0"/>
-          </a:p>
-          <a:p>
-            <a:pPr marL="0" indent="0">
-              <a:buNone/>
-            </a:pPr>
-            <a:r>
-              <a:rPr lang="en-US" sz="2800" dirty="0" smtClean="0"/>
-              <a:t>IID data = random sample with </a:t>
-            </a:r>
-            <a:r>
-              <a:rPr lang="en-US" sz="2800" u="sng" dirty="0" smtClean="0"/>
-              <a:t>unary</a:t>
-            </a:r>
-            <a:r>
-              <a:rPr lang="en-US" sz="2800" dirty="0" smtClean="0"/>
-              <a:t> functors</a:t>
-            </a:r>
-            <a:endParaRPr lang="en-US" sz="2800" dirty="0"/>
-          </a:p>
-        </p:txBody>
-      </p:sp>
-      <p:sp>
-        <p:nvSpPr>
-          <p:cNvPr id="6" name="Footer Placeholder 5"/>
-          <p:cNvSpPr>
-            <a:spLocks noGrp="1"/>
-          </p:cNvSpPr>
-          <p:nvPr>
-            <p:ph type="ftr" sz="quarter" idx="11"/>
-          </p:nvPr>
-        </p:nvSpPr>
-        <p:spPr>
-          <a:xfrm>
-            <a:off x="755661" y="5943600"/>
-            <a:ext cx="6771190" cy="457200"/>
-          </a:xfrm>
-        </p:spPr>
-        <p:txBody>
-          <a:bodyPr/>
-          <a:lstStyle/>
-          <a:p>
-            <a:pPr>
-              <a:defRPr/>
-            </a:pPr>
-            <a:r>
-              <a:rPr lang="en-US" dirty="0" smtClean="0"/>
-              <a:t>Nickel, M.; Murphy, K.; </a:t>
-            </a:r>
-            <a:r>
-              <a:rPr lang="en-US" dirty="0" err="1" smtClean="0"/>
-              <a:t>Tresp</a:t>
-            </a:r>
-            <a:r>
-              <a:rPr lang="en-US" dirty="0" smtClean="0"/>
-              <a:t>, V. &amp; </a:t>
-            </a:r>
-            <a:r>
-              <a:rPr lang="en-US" dirty="0" err="1" smtClean="0"/>
-              <a:t>Gabrilovich</a:t>
-            </a:r>
-            <a:r>
-              <a:rPr lang="en-US" dirty="0" smtClean="0"/>
-              <a:t>, E. (2016), 'A review of relational machine learning for knowledge graphs', Proceedings of the IEEE 104(1), 11--33.</a:t>
-            </a:r>
-            <a:endParaRPr lang="en-US" dirty="0"/>
-          </a:p>
-        </p:txBody>
-      </p:sp>
-    </p:spTree>
-    <p:extLst>
-      <p:ext uri="{BB962C8B-B14F-4D97-AF65-F5344CB8AC3E}">
-        <p14:creationId xmlns:p14="http://schemas.microsoft.com/office/powerpoint/2010/main" val="1594431597"/>
-      </p:ext>
-    </p:extLst>
-  </p:cSld>
-  <p:clrMapOvr>
-    <a:masterClrMapping/>
-  </p:clrMapOvr>
-  <mc:AlternateContent xmlns:mc="http://schemas.openxmlformats.org/markup-compatibility/2006">
-    <mc:Choice xmlns:p14="http://schemas.microsoft.com/office/powerpoint/2010/main" Requires="p14">
-      <p:transition spd="slow" p14:dur="2000"/>
-    </mc:Choice>
-    <mc:Fallback>
-      <p:transition xmlns:p14="http://schemas.microsoft.com/office/powerpoint/2010/main" spd="slow"/>
-    </mc:Fallback>
-  </mc:AlternateContent>
-  <p:timing>
-    <p:tnLst>
-      <p:par>
-        <p:cTn xmlns:p14="http://schemas.microsoft.com/office/powerpoint/2010/main" id="1" dur="indefinite" restart="never" nodeType="tmRoot"/>
-      </p:par>
-    </p:tnLst>
-  </p:timing>
-</p:sld>
-</file>
-
-<file path=ppt/slides/slide39.xml><?xml version="1.0" encoding="utf-8"?>
-<p:sld xmlns:a="http://schemas.openxmlformats.org/drawingml/2006/main" xmlns:r="http://schemas.openxmlformats.org/officeDocument/2006/relationships" xmlns:p="http://schemas.openxmlformats.org/presentationml/2006/main">
-  <p:cSld>
-    <p:spTree>
-      <p:nvGrpSpPr>
-        <p:cNvPr id="1" name=""/>
-        <p:cNvGrpSpPr/>
-        <p:nvPr/>
-      </p:nvGrpSpPr>
-      <p:grpSpPr>
-        <a:xfrm>
-          <a:off x="0" y="0"/>
-          <a:ext cx="0" cy="0"/>
-          <a:chOff x="0" y="0"/>
-          <a:chExt cx="0" cy="0"/>
-        </a:xfrm>
-      </p:grpSpPr>
-      <p:sp>
-        <p:nvSpPr>
-          <p:cNvPr id="5" name="Title 4"/>
-          <p:cNvSpPr>
-            <a:spLocks noGrp="1"/>
-          </p:cNvSpPr>
-          <p:nvPr>
-            <p:ph type="title"/>
-          </p:nvPr>
-        </p:nvSpPr>
-        <p:spPr/>
-        <p:txBody>
-          <a:bodyPr/>
-          <a:lstStyle/>
-          <a:p>
-            <a:r>
-              <a:rPr lang="en-US" dirty="0" smtClean="0"/>
-              <a:t>Data Tables for Relational Functors</a:t>
-            </a:r>
-            <a:endParaRPr lang="en-US" dirty="0"/>
-          </a:p>
-        </p:txBody>
-      </p:sp>
-      <p:sp>
-        <p:nvSpPr>
-          <p:cNvPr id="6" name="Text Placeholder 5"/>
-          <p:cNvSpPr>
-            <a:spLocks noGrp="1"/>
-          </p:cNvSpPr>
-          <p:nvPr>
-            <p:ph type="body" idx="1"/>
-          </p:nvPr>
-        </p:nvSpPr>
-        <p:spPr>
-          <a:xfrm>
-            <a:off x="722313" y="2796564"/>
-            <a:ext cx="7772400" cy="1089636"/>
-          </a:xfrm>
-        </p:spPr>
-        <p:txBody>
-          <a:bodyPr/>
-          <a:lstStyle/>
-          <a:p>
-            <a:pPr algn="ctr"/>
-            <a:r>
-              <a:rPr lang="en-US" dirty="0" err="1" smtClean="0"/>
-              <a:t>Arity</a:t>
-            </a:r>
-            <a:r>
-              <a:rPr lang="en-US" dirty="0" smtClean="0"/>
-              <a:t> &gt; 1</a:t>
-            </a:r>
-            <a:endParaRPr lang="en-US" dirty="0"/>
-          </a:p>
-        </p:txBody>
-      </p:sp>
-      <p:sp>
-        <p:nvSpPr>
-          <p:cNvPr id="4" name="Footer Placeholder 3"/>
-          <p:cNvSpPr>
-            <a:spLocks noGrp="1"/>
-          </p:cNvSpPr>
-          <p:nvPr>
-            <p:ph type="ftr" sz="quarter" idx="11"/>
-          </p:nvPr>
-        </p:nvSpPr>
-        <p:spPr/>
-        <p:txBody>
-          <a:bodyPr/>
-          <a:lstStyle/>
-          <a:p>
-            <a:pPr>
-              <a:defRPr/>
-            </a:pPr>
-            <a:r>
-              <a:rPr lang="en-US" dirty="0" smtClean="0"/>
-              <a:t>Learning Bayesian Networks for Complex Relational Data</a:t>
-            </a:r>
-            <a:endParaRPr lang="en-US" dirty="0"/>
-          </a:p>
-        </p:txBody>
-      </p:sp>
-    </p:spTree>
-    <p:extLst>
-      <p:ext uri="{BB962C8B-B14F-4D97-AF65-F5344CB8AC3E}">
-        <p14:creationId xmlns:p14="http://schemas.microsoft.com/office/powerpoint/2010/main" val="2262378959"/>
-      </p:ext>
-    </p:extLst>
-  </p:cSld>
-  <p:clrMapOvr>
-    <a:masterClrMapping/>
-  </p:clrMapOvr>
-  <p:timing>
-    <p:tnLst>
-      <p:par>
-        <p:cTn xmlns:p14="http://schemas.microsoft.com/office/powerpoint/2010/main" id="1" dur="indefinite" restart="never" nodeType="tmRoot"/>
-      </p:par>
-    </p:tnLst>
-  </p:timing>
-</p:sld>
-</file>
-
 <file path=ppt/slides/slide4.xml><?xml version="1.0" encoding="utf-8"?>
 <p:sld xmlns:a="http://schemas.openxmlformats.org/drawingml/2006/main" xmlns:r="http://schemas.openxmlformats.org/officeDocument/2006/relationships" xmlns:p="http://schemas.openxmlformats.org/presentationml/2006/main">
   <p:cSld>
@@ -25271,6 +25969,125 @@
 </file>
 
 <file path=ppt/slides/slide40.xml><?xml version="1.0" encoding="utf-8"?>
+<p:sld xmlns:a="http://schemas.openxmlformats.org/drawingml/2006/main" xmlns:r="http://schemas.openxmlformats.org/officeDocument/2006/relationships" xmlns:p="http://schemas.openxmlformats.org/presentationml/2006/main">
+  <p:cSld>
+    <p:spTree>
+      <p:nvGrpSpPr>
+        <p:cNvPr id="1" name=""/>
+        <p:cNvGrpSpPr/>
+        <p:nvPr/>
+      </p:nvGrpSpPr>
+      <p:grpSpPr>
+        <a:xfrm>
+          <a:off x="0" y="0"/>
+          <a:ext cx="0" cy="0"/>
+          <a:chOff x="0" y="0"/>
+          <a:chExt cx="0" cy="0"/>
+        </a:xfrm>
+      </p:grpSpPr>
+      <p:sp>
+        <p:nvSpPr>
+          <p:cNvPr id="5" name="Title 4"/>
+          <p:cNvSpPr>
+            <a:spLocks noGrp="1"/>
+          </p:cNvSpPr>
+          <p:nvPr>
+            <p:ph type="title"/>
+          </p:nvPr>
+        </p:nvSpPr>
+        <p:spPr/>
+        <p:txBody>
+          <a:bodyPr/>
+          <a:lstStyle/>
+          <a:p>
+            <a:r>
+              <a:rPr lang="en-US" dirty="0" smtClean="0"/>
+              <a:t>Data Tables for Relational Functors</a:t>
+            </a:r>
+            <a:endParaRPr lang="en-US" dirty="0"/>
+          </a:p>
+        </p:txBody>
+      </p:sp>
+      <p:sp>
+        <p:nvSpPr>
+          <p:cNvPr id="6" name="Text Placeholder 5"/>
+          <p:cNvSpPr>
+            <a:spLocks noGrp="1"/>
+          </p:cNvSpPr>
+          <p:nvPr>
+            <p:ph type="body" idx="1"/>
+          </p:nvPr>
+        </p:nvSpPr>
+        <p:spPr>
+          <a:xfrm>
+            <a:off x="722313" y="2796564"/>
+            <a:ext cx="7772400" cy="1089636"/>
+          </a:xfrm>
+        </p:spPr>
+        <p:txBody>
+          <a:bodyPr/>
+          <a:lstStyle/>
+          <a:p>
+            <a:pPr algn="ctr"/>
+            <a:r>
+              <a:rPr lang="en-US" dirty="0" err="1" smtClean="0"/>
+              <a:t>Arity</a:t>
+            </a:r>
+            <a:r>
+              <a:rPr lang="en-US" dirty="0" smtClean="0"/>
+              <a:t> &gt; 1</a:t>
+            </a:r>
+            <a:endParaRPr lang="en-US" dirty="0"/>
+          </a:p>
+        </p:txBody>
+      </p:sp>
+      <p:sp>
+        <p:nvSpPr>
+          <p:cNvPr id="4" name="Footer Placeholder 3"/>
+          <p:cNvSpPr>
+            <a:spLocks noGrp="1"/>
+          </p:cNvSpPr>
+          <p:nvPr>
+            <p:ph type="ftr" sz="quarter" idx="11"/>
+          </p:nvPr>
+        </p:nvSpPr>
+        <p:spPr/>
+        <p:txBody>
+          <a:bodyPr/>
+          <a:lstStyle/>
+          <a:p>
+            <a:pPr>
+              <a:defRPr/>
+            </a:pPr>
+            <a:r>
+              <a:rPr lang="en-US" dirty="0" smtClean="0"/>
+              <a:t>Learning Bayesian Networks for Complex Relational Data</a:t>
+            </a:r>
+            <a:endParaRPr lang="en-US" dirty="0"/>
+          </a:p>
+        </p:txBody>
+      </p:sp>
+    </p:spTree>
+    <p:extLst>
+      <p:ext uri="{BB962C8B-B14F-4D97-AF65-F5344CB8AC3E}">
+        <p14:creationId xmlns:p14="http://schemas.microsoft.com/office/powerpoint/2010/main" val="2262378959"/>
+      </p:ext>
+    </p:extLst>
+  </p:cSld>
+  <p:clrMapOvr>
+    <a:masterClrMapping/>
+  </p:clrMapOvr>
+  <p:timing>
+    <p:tnLst>
+      <p:par>
+        <p:cTn xmlns:p14="http://schemas.microsoft.com/office/powerpoint/2010/main" id="1" dur="indefinite" restart="never" nodeType="tmRoot"/>
+      </p:par>
+    </p:tnLst>
+  </p:timing>
+</p:sld>
+</file>
+
+<file path=ppt/slides/slide41.xml><?xml version="1.0" encoding="utf-8"?>
 <p:sld xmlns:a="http://schemas.openxmlformats.org/drawingml/2006/main" xmlns:r="http://schemas.openxmlformats.org/officeDocument/2006/relationships" xmlns:p="http://schemas.openxmlformats.org/presentationml/2006/main">
   <p:cSld>
     <p:spTree>
@@ -25907,7 +26724,7 @@
 </p:sld>
 </file>
 
-<file path=ppt/slides/slide41.xml><?xml version="1.0" encoding="utf-8"?>
+<file path=ppt/slides/slide42.xml><?xml version="1.0" encoding="utf-8"?>
 <p:sld xmlns:a="http://schemas.openxmlformats.org/drawingml/2006/main" xmlns:r="http://schemas.openxmlformats.org/officeDocument/2006/relationships" xmlns:p="http://schemas.openxmlformats.org/presentationml/2006/main">
   <p:cSld>
     <p:spTree>
@@ -26121,7 +26938,7 @@
 </p:sld>
 </file>
 
-<file path=ppt/slides/slide42.xml><?xml version="1.0" encoding="utf-8"?>
+<file path=ppt/slides/slide43.xml><?xml version="1.0" encoding="utf-8"?>
 <p:sld xmlns:a="http://schemas.openxmlformats.org/drawingml/2006/main" xmlns:r="http://schemas.openxmlformats.org/officeDocument/2006/relationships" xmlns:p="http://schemas.openxmlformats.org/presentationml/2006/main">
   <p:cSld>
     <p:spTree>
@@ -26575,7 +27392,7 @@
               <a:rPr lang="en-US" sz="2400" dirty="0" smtClean="0">
                 <a:latin typeface="+mn-lt"/>
               </a:rPr>
-              <a:t>Also information about Lucy Liu’s salary in Kill Bill</a:t>
+              <a:t>Also carries information about Lucy Liu’s salary in Kill Bill</a:t>
             </a:r>
             <a:endParaRPr lang="en-US" sz="2400" dirty="0">
               <a:latin typeface="+mn-lt"/>
@@ -26587,906 +27404,6 @@
     <p:extLst>
       <p:ext uri="{BB962C8B-B14F-4D97-AF65-F5344CB8AC3E}">
         <p14:creationId xmlns:p14="http://schemas.microsoft.com/office/powerpoint/2010/main" val="1327174365"/>
-      </p:ext>
-    </p:extLst>
-  </p:cSld>
-  <p:clrMapOvr>
-    <a:masterClrMapping/>
-  </p:clrMapOvr>
-  <p:timing>
-    <p:tnLst>
-      <p:par>
-        <p:cTn xmlns:p14="http://schemas.microsoft.com/office/powerpoint/2010/main" id="1" dur="indefinite" restart="never" nodeType="tmRoot"/>
-      </p:par>
-    </p:tnLst>
-  </p:timing>
-</p:sld>
-</file>
-
-<file path=ppt/slides/slide43.xml><?xml version="1.0" encoding="utf-8"?>
-<p:sld xmlns:a="http://schemas.openxmlformats.org/drawingml/2006/main" xmlns:r="http://schemas.openxmlformats.org/officeDocument/2006/relationships" xmlns:p="http://schemas.openxmlformats.org/presentationml/2006/main">
-  <p:cSld>
-    <p:spTree>
-      <p:nvGrpSpPr>
-        <p:cNvPr id="1" name=""/>
-        <p:cNvGrpSpPr/>
-        <p:nvPr/>
-      </p:nvGrpSpPr>
-      <p:grpSpPr>
-        <a:xfrm>
-          <a:off x="0" y="0"/>
-          <a:ext cx="0" cy="0"/>
-          <a:chOff x="0" y="0"/>
-          <a:chExt cx="0" cy="0"/>
-        </a:xfrm>
-      </p:grpSpPr>
-      <p:sp>
-        <p:nvSpPr>
-          <p:cNvPr id="4" name="Title 3"/>
-          <p:cNvSpPr>
-            <a:spLocks noGrp="1"/>
-          </p:cNvSpPr>
-          <p:nvPr>
-            <p:ph type="title"/>
-          </p:nvPr>
-        </p:nvSpPr>
-        <p:spPr>
-          <a:xfrm>
-            <a:off x="460835" y="170974"/>
-            <a:ext cx="7772400" cy="1143000"/>
-          </a:xfrm>
-        </p:spPr>
-        <p:txBody>
-          <a:bodyPr>
-            <a:normAutofit/>
-          </a:bodyPr>
-          <a:lstStyle/>
-          <a:p>
-            <a:r>
-              <a:rPr lang="en-US" dirty="0" smtClean="0"/>
-              <a:t>Example </a:t>
-            </a:r>
-            <a:r>
-              <a:rPr lang="en-US" dirty="0" err="1" smtClean="0"/>
-              <a:t>Gaifman</a:t>
-            </a:r>
-            <a:r>
-              <a:rPr lang="en-US" dirty="0" smtClean="0"/>
-              <a:t> Graph</a:t>
-            </a:r>
-            <a:endParaRPr lang="en-US" dirty="0"/>
-          </a:p>
-        </p:txBody>
-      </p:sp>
-      <p:pic>
-        <p:nvPicPr>
-          <p:cNvPr id="13" name="Picture 12" descr="fargo.jpeg"/>
-          <p:cNvPicPr>
-            <a:picLocks noChangeAspect="1"/>
-          </p:cNvPicPr>
-          <p:nvPr/>
-        </p:nvPicPr>
-        <p:blipFill>
-          <a:blip r:embed="rId3">
-            <a:extLst>
-              <a:ext uri="{28A0092B-C50C-407E-A947-70E740481C1C}">
-                <a14:useLocalDpi xmlns:a14="http://schemas.microsoft.com/office/drawing/2010/main" val="0"/>
-              </a:ext>
-            </a:extLst>
-          </a:blip>
-          <a:stretch>
-            <a:fillRect/>
-          </a:stretch>
-        </p:blipFill>
-        <p:spPr>
-          <a:xfrm>
-            <a:off x="2219537" y="4255367"/>
-            <a:ext cx="907736" cy="1361604"/>
-          </a:xfrm>
-          <a:prstGeom prst="rect">
-            <a:avLst/>
-          </a:prstGeom>
-        </p:spPr>
-      </p:pic>
-      <p:pic>
-        <p:nvPicPr>
-          <p:cNvPr id="17" name="Picture 16" descr="kill-bill.jpeg"/>
-          <p:cNvPicPr>
-            <a:picLocks noChangeAspect="1"/>
-          </p:cNvPicPr>
-          <p:nvPr/>
-        </p:nvPicPr>
-        <p:blipFill>
-          <a:blip r:embed="rId4">
-            <a:extLst>
-              <a:ext uri="{28A0092B-C50C-407E-A947-70E740481C1C}">
-                <a14:useLocalDpi xmlns:a14="http://schemas.microsoft.com/office/drawing/2010/main" val="0"/>
-              </a:ext>
-            </a:extLst>
-          </a:blip>
-          <a:stretch>
-            <a:fillRect/>
-          </a:stretch>
-        </p:blipFill>
-        <p:spPr>
-          <a:xfrm>
-            <a:off x="5569059" y="4314243"/>
-            <a:ext cx="796960" cy="1243853"/>
-          </a:xfrm>
-          <a:prstGeom prst="rect">
-            <a:avLst/>
-          </a:prstGeom>
-        </p:spPr>
-      </p:pic>
-      <p:pic>
-        <p:nvPicPr>
-          <p:cNvPr id="21" name="Picture 20" descr="pitt.jpeg"/>
-          <p:cNvPicPr>
-            <a:picLocks noChangeAspect="1"/>
-          </p:cNvPicPr>
-          <p:nvPr/>
-        </p:nvPicPr>
-        <p:blipFill>
-          <a:blip r:embed="rId5">
-            <a:extLst>
-              <a:ext uri="{28A0092B-C50C-407E-A947-70E740481C1C}">
-                <a14:useLocalDpi xmlns:a14="http://schemas.microsoft.com/office/drawing/2010/main" val="0"/>
-              </a:ext>
-            </a:extLst>
-          </a:blip>
-          <a:stretch>
-            <a:fillRect/>
-          </a:stretch>
-        </p:blipFill>
-        <p:spPr>
-          <a:xfrm>
-            <a:off x="710081" y="2006891"/>
-            <a:ext cx="850900" cy="1244600"/>
-          </a:xfrm>
-          <a:prstGeom prst="rect">
-            <a:avLst/>
-          </a:prstGeom>
-        </p:spPr>
-      </p:pic>
-      <p:pic>
-        <p:nvPicPr>
-          <p:cNvPr id="24" name="Picture 23" descr="buscemi.jpeg"/>
-          <p:cNvPicPr>
-            <a:picLocks noChangeAspect="1"/>
-          </p:cNvPicPr>
-          <p:nvPr/>
-        </p:nvPicPr>
-        <p:blipFill>
-          <a:blip r:embed="rId6">
-            <a:extLst>
-              <a:ext uri="{28A0092B-C50C-407E-A947-70E740481C1C}">
-                <a14:useLocalDpi xmlns:a14="http://schemas.microsoft.com/office/drawing/2010/main" val="0"/>
-              </a:ext>
-            </a:extLst>
-          </a:blip>
-          <a:stretch>
-            <a:fillRect/>
-          </a:stretch>
-        </p:blipFill>
-        <p:spPr>
-          <a:xfrm>
-            <a:off x="2219537" y="1997927"/>
-            <a:ext cx="852307" cy="1262529"/>
-          </a:xfrm>
-          <a:prstGeom prst="rect">
-            <a:avLst/>
-          </a:prstGeom>
-        </p:spPr>
-      </p:pic>
-      <p:pic>
-        <p:nvPicPr>
-          <p:cNvPr id="29" name="Picture 28" descr="thurman.jpeg"/>
-          <p:cNvPicPr>
-            <a:picLocks noChangeAspect="1"/>
-          </p:cNvPicPr>
-          <p:nvPr/>
-        </p:nvPicPr>
-        <p:blipFill>
-          <a:blip r:embed="rId7">
-            <a:extLst>
-              <a:ext uri="{28A0092B-C50C-407E-A947-70E740481C1C}">
-                <a14:useLocalDpi xmlns:a14="http://schemas.microsoft.com/office/drawing/2010/main" val="0"/>
-              </a:ext>
-            </a:extLst>
-          </a:blip>
-          <a:stretch>
-            <a:fillRect/>
-          </a:stretch>
-        </p:blipFill>
-        <p:spPr>
-          <a:xfrm>
-            <a:off x="4364318" y="2006891"/>
-            <a:ext cx="850900" cy="1244600"/>
-          </a:xfrm>
-          <a:prstGeom prst="rect">
-            <a:avLst/>
-          </a:prstGeom>
-        </p:spPr>
-      </p:pic>
-      <p:pic>
-        <p:nvPicPr>
-          <p:cNvPr id="36" name="Picture 35" descr="lucy.jpeg"/>
-          <p:cNvPicPr>
-            <a:picLocks noChangeAspect="1"/>
-          </p:cNvPicPr>
-          <p:nvPr/>
-        </p:nvPicPr>
-        <p:blipFill>
-          <a:blip r:embed="rId8">
-            <a:extLst>
-              <a:ext uri="{28A0092B-C50C-407E-A947-70E740481C1C}">
-                <a14:useLocalDpi xmlns:a14="http://schemas.microsoft.com/office/drawing/2010/main" val="0"/>
-              </a:ext>
-            </a:extLst>
-          </a:blip>
-          <a:stretch>
-            <a:fillRect/>
-          </a:stretch>
-        </p:blipFill>
-        <p:spPr>
-          <a:xfrm>
-            <a:off x="6304841" y="2030797"/>
-            <a:ext cx="807927" cy="1196788"/>
-          </a:xfrm>
-          <a:prstGeom prst="rect">
-            <a:avLst/>
-          </a:prstGeom>
-        </p:spPr>
-      </p:pic>
-      <p:cxnSp>
-        <p:nvCxnSpPr>
-          <p:cNvPr id="6" name="Straight Connector 5"/>
-          <p:cNvCxnSpPr>
-            <a:stCxn id="24" idx="2"/>
-            <a:endCxn id="13" idx="0"/>
-          </p:cNvCxnSpPr>
-          <p:nvPr/>
-        </p:nvCxnSpPr>
-        <p:spPr>
-          <a:xfrm>
-            <a:off x="2645691" y="3260456"/>
-            <a:ext cx="27714" cy="994911"/>
-          </a:xfrm>
-          <a:prstGeom prst="line">
-            <a:avLst/>
-          </a:prstGeom>
-        </p:spPr>
-        <p:style>
-          <a:lnRef idx="2">
-            <a:schemeClr val="accent1"/>
-          </a:lnRef>
-          <a:fillRef idx="0">
-            <a:schemeClr val="accent1"/>
-          </a:fillRef>
-          <a:effectRef idx="1">
-            <a:schemeClr val="accent1"/>
-          </a:effectRef>
-          <a:fontRef idx="minor">
-            <a:schemeClr val="tx1"/>
-          </a:fontRef>
-        </p:style>
-      </p:cxnSp>
-      <p:cxnSp>
-        <p:nvCxnSpPr>
-          <p:cNvPr id="18" name="Straight Connector 17"/>
-          <p:cNvCxnSpPr>
-            <a:stCxn id="29" idx="2"/>
-            <a:endCxn id="17" idx="0"/>
-          </p:cNvCxnSpPr>
-          <p:nvPr/>
-        </p:nvCxnSpPr>
-        <p:spPr>
-          <a:xfrm>
-            <a:off x="4789768" y="3251491"/>
-            <a:ext cx="1177771" cy="1062752"/>
-          </a:xfrm>
-          <a:prstGeom prst="line">
-            <a:avLst/>
-          </a:prstGeom>
-        </p:spPr>
-        <p:style>
-          <a:lnRef idx="2">
-            <a:schemeClr val="accent1"/>
-          </a:lnRef>
-          <a:fillRef idx="0">
-            <a:schemeClr val="accent1"/>
-          </a:fillRef>
-          <a:effectRef idx="1">
-            <a:schemeClr val="accent1"/>
-          </a:effectRef>
-          <a:fontRef idx="minor">
-            <a:schemeClr val="tx1"/>
-          </a:fontRef>
-        </p:style>
-      </p:cxnSp>
-      <p:cxnSp>
-        <p:nvCxnSpPr>
-          <p:cNvPr id="20" name="Straight Connector 19"/>
-          <p:cNvCxnSpPr>
-            <a:stCxn id="36" idx="2"/>
-            <a:endCxn id="17" idx="0"/>
-          </p:cNvCxnSpPr>
-          <p:nvPr/>
-        </p:nvCxnSpPr>
-        <p:spPr>
-          <a:xfrm flipH="1">
-            <a:off x="5967539" y="3227585"/>
-            <a:ext cx="741266" cy="1086658"/>
-          </a:xfrm>
-          <a:prstGeom prst="line">
-            <a:avLst/>
-          </a:prstGeom>
-        </p:spPr>
-        <p:style>
-          <a:lnRef idx="2">
-            <a:schemeClr val="accent1"/>
-          </a:lnRef>
-          <a:fillRef idx="0">
-            <a:schemeClr val="accent1"/>
-          </a:fillRef>
-          <a:effectRef idx="1">
-            <a:schemeClr val="accent1"/>
-          </a:effectRef>
-          <a:fontRef idx="minor">
-            <a:schemeClr val="tx1"/>
-          </a:fontRef>
-        </p:style>
-      </p:cxnSp>
-      <p:sp>
-        <p:nvSpPr>
-          <p:cNvPr id="32" name="TextBox 31"/>
-          <p:cNvSpPr txBox="1"/>
-          <p:nvPr/>
-        </p:nvSpPr>
-        <p:spPr>
-          <a:xfrm>
-            <a:off x="2673405" y="3643948"/>
-            <a:ext cx="1165848" cy="369332"/>
-          </a:xfrm>
-          <a:prstGeom prst="rect">
-            <a:avLst/>
-          </a:prstGeom>
-          <a:noFill/>
-        </p:spPr>
-        <p:txBody>
-          <a:bodyPr wrap="square" rtlCol="0">
-            <a:spAutoFit/>
-          </a:bodyPr>
-          <a:lstStyle/>
-          <a:p>
-            <a:r>
-              <a:rPr lang="en-US" dirty="0" smtClean="0">
-                <a:solidFill>
-                  <a:srgbClr val="FF0000"/>
-                </a:solidFill>
-              </a:rPr>
-              <a:t>$500,000</a:t>
-            </a:r>
-            <a:endParaRPr lang="en-US" dirty="0">
-              <a:solidFill>
-                <a:srgbClr val="FF0000"/>
-              </a:solidFill>
-            </a:endParaRPr>
-          </a:p>
-        </p:txBody>
-      </p:sp>
-      <p:sp>
-        <p:nvSpPr>
-          <p:cNvPr id="33" name="TextBox 32"/>
-          <p:cNvSpPr txBox="1"/>
-          <p:nvPr/>
-        </p:nvSpPr>
-        <p:spPr>
-          <a:xfrm>
-            <a:off x="4093882" y="3643948"/>
-            <a:ext cx="1475177" cy="369332"/>
-          </a:xfrm>
-          <a:prstGeom prst="rect">
-            <a:avLst/>
-          </a:prstGeom>
-          <a:noFill/>
-        </p:spPr>
-        <p:txBody>
-          <a:bodyPr wrap="square" rtlCol="0">
-            <a:spAutoFit/>
-          </a:bodyPr>
-          <a:lstStyle/>
-          <a:p>
-            <a:r>
-              <a:rPr lang="en-US" dirty="0" smtClean="0">
-                <a:solidFill>
-                  <a:srgbClr val="FF0000"/>
-                </a:solidFill>
-              </a:rPr>
-              <a:t>$5,000,000</a:t>
-            </a:r>
-            <a:endParaRPr lang="en-US" dirty="0">
-              <a:solidFill>
-                <a:srgbClr val="FF0000"/>
-              </a:solidFill>
-            </a:endParaRPr>
-          </a:p>
-        </p:txBody>
-      </p:sp>
-      <p:sp>
-        <p:nvSpPr>
-          <p:cNvPr id="34" name="TextBox 33"/>
-          <p:cNvSpPr txBox="1"/>
-          <p:nvPr/>
-        </p:nvSpPr>
-        <p:spPr>
-          <a:xfrm>
-            <a:off x="6575170" y="3643948"/>
-            <a:ext cx="1644949" cy="369332"/>
-          </a:xfrm>
-          <a:prstGeom prst="rect">
-            <a:avLst/>
-          </a:prstGeom>
-          <a:noFill/>
-        </p:spPr>
-        <p:txBody>
-          <a:bodyPr wrap="square" rtlCol="0">
-            <a:spAutoFit/>
-          </a:bodyPr>
-          <a:lstStyle/>
-          <a:p>
-            <a:r>
-              <a:rPr lang="en-US" dirty="0" smtClean="0">
-                <a:solidFill>
-                  <a:srgbClr val="FF0000"/>
-                </a:solidFill>
-              </a:rPr>
-              <a:t>$2,000,000</a:t>
-            </a:r>
-            <a:endParaRPr lang="en-US" dirty="0">
-              <a:solidFill>
-                <a:srgbClr val="FF0000"/>
-              </a:solidFill>
-            </a:endParaRPr>
-          </a:p>
-        </p:txBody>
-      </p:sp>
-      <p:sp>
-        <p:nvSpPr>
-          <p:cNvPr id="35" name="TextBox 34"/>
-          <p:cNvSpPr txBox="1"/>
-          <p:nvPr/>
-        </p:nvSpPr>
-        <p:spPr>
-          <a:xfrm>
-            <a:off x="442259" y="1387756"/>
-            <a:ext cx="1649506" cy="646331"/>
-          </a:xfrm>
-          <a:prstGeom prst="rect">
-            <a:avLst/>
-          </a:prstGeom>
-          <a:noFill/>
-        </p:spPr>
-        <p:txBody>
-          <a:bodyPr wrap="square" rtlCol="0">
-            <a:spAutoFit/>
-          </a:bodyPr>
-          <a:lstStyle/>
-          <a:p>
-            <a:r>
-              <a:rPr lang="en-US" dirty="0" smtClean="0">
-                <a:solidFill>
-                  <a:srgbClr val="3366FF"/>
-                </a:solidFill>
-              </a:rPr>
-              <a:t>gender</a:t>
-            </a:r>
-            <a:r>
-              <a:rPr lang="en-US" dirty="0" smtClean="0"/>
-              <a:t> = </a:t>
-            </a:r>
-            <a:r>
-              <a:rPr lang="en-US" dirty="0" smtClean="0">
-                <a:solidFill>
-                  <a:srgbClr val="FF0000"/>
-                </a:solidFill>
-              </a:rPr>
-              <a:t>Man</a:t>
-            </a:r>
-          </a:p>
-          <a:p>
-            <a:r>
-              <a:rPr lang="en-US" dirty="0" smtClean="0">
-                <a:solidFill>
-                  <a:schemeClr val="accent1"/>
-                </a:solidFill>
-              </a:rPr>
-              <a:t>country</a:t>
-            </a:r>
-            <a:r>
-              <a:rPr lang="en-US" dirty="0" smtClean="0"/>
-              <a:t> = </a:t>
-            </a:r>
-            <a:r>
-              <a:rPr lang="en-US" dirty="0" smtClean="0">
-                <a:solidFill>
-                  <a:srgbClr val="FF0000"/>
-                </a:solidFill>
-              </a:rPr>
-              <a:t>U.S.</a:t>
-            </a:r>
-            <a:endParaRPr lang="en-US" dirty="0">
-              <a:solidFill>
-                <a:srgbClr val="FF0000"/>
-              </a:solidFill>
-            </a:endParaRPr>
-          </a:p>
-        </p:txBody>
-      </p:sp>
-      <p:sp>
-        <p:nvSpPr>
-          <p:cNvPr id="37" name="TextBox 36"/>
-          <p:cNvSpPr txBox="1"/>
-          <p:nvPr/>
-        </p:nvSpPr>
-        <p:spPr>
-          <a:xfrm>
-            <a:off x="2189747" y="1387756"/>
-            <a:ext cx="1649506" cy="646331"/>
-          </a:xfrm>
-          <a:prstGeom prst="rect">
-            <a:avLst/>
-          </a:prstGeom>
-          <a:noFill/>
-        </p:spPr>
-        <p:txBody>
-          <a:bodyPr wrap="square" rtlCol="0">
-            <a:spAutoFit/>
-          </a:bodyPr>
-          <a:lstStyle/>
-          <a:p>
-            <a:r>
-              <a:rPr lang="en-US" dirty="0" smtClean="0">
-                <a:solidFill>
-                  <a:srgbClr val="3366FF"/>
-                </a:solidFill>
-              </a:rPr>
-              <a:t>gender</a:t>
-            </a:r>
-            <a:r>
-              <a:rPr lang="en-US" dirty="0" smtClean="0"/>
-              <a:t> = </a:t>
-            </a:r>
-            <a:r>
-              <a:rPr lang="en-US" dirty="0" smtClean="0">
-                <a:solidFill>
-                  <a:srgbClr val="FF0000"/>
-                </a:solidFill>
-              </a:rPr>
-              <a:t>Man</a:t>
-            </a:r>
-          </a:p>
-          <a:p>
-            <a:r>
-              <a:rPr lang="en-US" dirty="0" smtClean="0">
-                <a:solidFill>
-                  <a:schemeClr val="accent1"/>
-                </a:solidFill>
-              </a:rPr>
-              <a:t>country</a:t>
-            </a:r>
-            <a:r>
-              <a:rPr lang="en-US" dirty="0" smtClean="0"/>
-              <a:t> = </a:t>
-            </a:r>
-            <a:r>
-              <a:rPr lang="en-US" dirty="0" smtClean="0">
-                <a:solidFill>
-                  <a:srgbClr val="FF0000"/>
-                </a:solidFill>
-              </a:rPr>
-              <a:t>U.S.</a:t>
-            </a:r>
-            <a:endParaRPr lang="en-US" dirty="0">
-              <a:solidFill>
-                <a:srgbClr val="FF0000"/>
-              </a:solidFill>
-            </a:endParaRPr>
-          </a:p>
-        </p:txBody>
-      </p:sp>
-      <p:sp>
-        <p:nvSpPr>
-          <p:cNvPr id="38" name="TextBox 37"/>
-          <p:cNvSpPr txBox="1"/>
-          <p:nvPr/>
-        </p:nvSpPr>
-        <p:spPr>
-          <a:xfrm>
-            <a:off x="4056762" y="1387756"/>
-            <a:ext cx="2099507" cy="646331"/>
-          </a:xfrm>
-          <a:prstGeom prst="rect">
-            <a:avLst/>
-          </a:prstGeom>
-          <a:noFill/>
-        </p:spPr>
-        <p:txBody>
-          <a:bodyPr wrap="square" rtlCol="0">
-            <a:spAutoFit/>
-          </a:bodyPr>
-          <a:lstStyle/>
-          <a:p>
-            <a:r>
-              <a:rPr lang="en-US" dirty="0" smtClean="0">
-                <a:solidFill>
-                  <a:srgbClr val="3366FF"/>
-                </a:solidFill>
-              </a:rPr>
-              <a:t>gender</a:t>
-            </a:r>
-            <a:r>
-              <a:rPr lang="en-US" dirty="0" smtClean="0"/>
-              <a:t> = </a:t>
-            </a:r>
-            <a:r>
-              <a:rPr lang="en-US" dirty="0" smtClean="0">
-                <a:solidFill>
-                  <a:srgbClr val="FF0000"/>
-                </a:solidFill>
-              </a:rPr>
-              <a:t>Woman</a:t>
-            </a:r>
-          </a:p>
-          <a:p>
-            <a:r>
-              <a:rPr lang="en-US" dirty="0" smtClean="0">
-                <a:solidFill>
-                  <a:schemeClr val="accent1"/>
-                </a:solidFill>
-              </a:rPr>
-              <a:t>country</a:t>
-            </a:r>
-            <a:r>
-              <a:rPr lang="en-US" dirty="0" smtClean="0"/>
-              <a:t> = </a:t>
-            </a:r>
-            <a:r>
-              <a:rPr lang="en-US" dirty="0" smtClean="0">
-                <a:solidFill>
-                  <a:srgbClr val="FF0000"/>
-                </a:solidFill>
-              </a:rPr>
-              <a:t>U.S.</a:t>
-            </a:r>
-            <a:endParaRPr lang="en-US" dirty="0">
-              <a:solidFill>
-                <a:srgbClr val="FF0000"/>
-              </a:solidFill>
-            </a:endParaRPr>
-          </a:p>
-        </p:txBody>
-      </p:sp>
-      <p:sp>
-        <p:nvSpPr>
-          <p:cNvPr id="39" name="TextBox 38"/>
-          <p:cNvSpPr txBox="1"/>
-          <p:nvPr/>
-        </p:nvSpPr>
-        <p:spPr>
-          <a:xfrm>
-            <a:off x="5923777" y="1387756"/>
-            <a:ext cx="2296342" cy="646331"/>
-          </a:xfrm>
-          <a:prstGeom prst="rect">
-            <a:avLst/>
-          </a:prstGeom>
-          <a:noFill/>
-        </p:spPr>
-        <p:txBody>
-          <a:bodyPr wrap="square" rtlCol="0">
-            <a:spAutoFit/>
-          </a:bodyPr>
-          <a:lstStyle/>
-          <a:p>
-            <a:r>
-              <a:rPr lang="en-US" dirty="0" smtClean="0">
-                <a:solidFill>
-                  <a:srgbClr val="3366FF"/>
-                </a:solidFill>
-              </a:rPr>
-              <a:t>gender</a:t>
-            </a:r>
-            <a:r>
-              <a:rPr lang="en-US" dirty="0" smtClean="0"/>
-              <a:t> = </a:t>
-            </a:r>
-            <a:r>
-              <a:rPr lang="en-US" dirty="0" smtClean="0">
-                <a:solidFill>
-                  <a:srgbClr val="FF0000"/>
-                </a:solidFill>
-              </a:rPr>
-              <a:t>Woman</a:t>
-            </a:r>
-          </a:p>
-          <a:p>
-            <a:r>
-              <a:rPr lang="en-US" dirty="0" smtClean="0">
-                <a:solidFill>
-                  <a:schemeClr val="accent1"/>
-                </a:solidFill>
-              </a:rPr>
-              <a:t>country</a:t>
-            </a:r>
-            <a:r>
-              <a:rPr lang="en-US" dirty="0" smtClean="0"/>
-              <a:t> = </a:t>
-            </a:r>
-            <a:r>
-              <a:rPr lang="en-US" dirty="0" smtClean="0">
-                <a:solidFill>
-                  <a:srgbClr val="FF0000"/>
-                </a:solidFill>
-              </a:rPr>
-              <a:t>U.S.</a:t>
-            </a:r>
-            <a:endParaRPr lang="en-US" dirty="0">
-              <a:solidFill>
-                <a:srgbClr val="FF0000"/>
-              </a:solidFill>
-            </a:endParaRPr>
-          </a:p>
-        </p:txBody>
-      </p:sp>
-      <p:sp>
-        <p:nvSpPr>
-          <p:cNvPr id="41" name="TextBox 40"/>
-          <p:cNvSpPr txBox="1"/>
-          <p:nvPr/>
-        </p:nvSpPr>
-        <p:spPr>
-          <a:xfrm>
-            <a:off x="1987178" y="5842657"/>
-            <a:ext cx="2069584" cy="646331"/>
-          </a:xfrm>
-          <a:prstGeom prst="rect">
-            <a:avLst/>
-          </a:prstGeom>
-          <a:noFill/>
-        </p:spPr>
-        <p:txBody>
-          <a:bodyPr wrap="square" rtlCol="0">
-            <a:spAutoFit/>
-          </a:bodyPr>
-          <a:lstStyle/>
-          <a:p>
-            <a:r>
-              <a:rPr lang="en-US" dirty="0" smtClean="0">
-                <a:solidFill>
-                  <a:srgbClr val="3366FF"/>
-                </a:solidFill>
-              </a:rPr>
-              <a:t>runtime</a:t>
-            </a:r>
-            <a:r>
-              <a:rPr lang="en-US" dirty="0" smtClean="0"/>
-              <a:t> = </a:t>
-            </a:r>
-            <a:r>
-              <a:rPr lang="en-US" dirty="0" smtClean="0">
-                <a:solidFill>
-                  <a:srgbClr val="FF0000"/>
-                </a:solidFill>
-              </a:rPr>
-              <a:t>98 min</a:t>
-            </a:r>
-          </a:p>
-          <a:p>
-            <a:r>
-              <a:rPr lang="en-US" dirty="0" smtClean="0">
-                <a:solidFill>
-                  <a:schemeClr val="accent1"/>
-                </a:solidFill>
-              </a:rPr>
-              <a:t>country</a:t>
-            </a:r>
-            <a:r>
-              <a:rPr lang="en-US" dirty="0" smtClean="0"/>
-              <a:t> = </a:t>
-            </a:r>
-            <a:r>
-              <a:rPr lang="en-US" dirty="0" smtClean="0">
-                <a:solidFill>
-                  <a:srgbClr val="FF0000"/>
-                </a:solidFill>
-              </a:rPr>
-              <a:t>U.S.</a:t>
-            </a:r>
-            <a:endParaRPr lang="en-US" dirty="0">
-              <a:solidFill>
-                <a:srgbClr val="FF0000"/>
-              </a:solidFill>
-            </a:endParaRPr>
-          </a:p>
-        </p:txBody>
-      </p:sp>
-      <p:sp>
-        <p:nvSpPr>
-          <p:cNvPr id="42" name="TextBox 41"/>
-          <p:cNvSpPr txBox="1"/>
-          <p:nvPr/>
-        </p:nvSpPr>
-        <p:spPr>
-          <a:xfrm>
-            <a:off x="5044095" y="5842657"/>
-            <a:ext cx="2085944" cy="646331"/>
-          </a:xfrm>
-          <a:prstGeom prst="rect">
-            <a:avLst/>
-          </a:prstGeom>
-          <a:noFill/>
-        </p:spPr>
-        <p:txBody>
-          <a:bodyPr wrap="square" rtlCol="0">
-            <a:spAutoFit/>
-          </a:bodyPr>
-          <a:lstStyle/>
-          <a:p>
-            <a:r>
-              <a:rPr lang="en-US" dirty="0" smtClean="0">
-                <a:solidFill>
-                  <a:srgbClr val="3366FF"/>
-                </a:solidFill>
-              </a:rPr>
-              <a:t>runtime</a:t>
-            </a:r>
-            <a:r>
-              <a:rPr lang="en-US" dirty="0" smtClean="0"/>
-              <a:t> = </a:t>
-            </a:r>
-            <a:r>
-              <a:rPr lang="en-US" dirty="0" smtClean="0">
-                <a:solidFill>
-                  <a:srgbClr val="FF0000"/>
-                </a:solidFill>
-              </a:rPr>
-              <a:t>111 min</a:t>
-            </a:r>
-          </a:p>
-          <a:p>
-            <a:r>
-              <a:rPr lang="en-US" dirty="0" smtClean="0">
-                <a:solidFill>
-                  <a:schemeClr val="accent1"/>
-                </a:solidFill>
-              </a:rPr>
-              <a:t>country</a:t>
-            </a:r>
-            <a:r>
-              <a:rPr lang="en-US" dirty="0" smtClean="0"/>
-              <a:t> = </a:t>
-            </a:r>
-            <a:r>
-              <a:rPr lang="en-US" dirty="0" smtClean="0">
-                <a:solidFill>
-                  <a:srgbClr val="FF0000"/>
-                </a:solidFill>
-              </a:rPr>
-              <a:t>U.S.</a:t>
-            </a:r>
-            <a:endParaRPr lang="en-US" dirty="0">
-              <a:solidFill>
-                <a:srgbClr val="FF0000"/>
-              </a:solidFill>
-            </a:endParaRPr>
-          </a:p>
-        </p:txBody>
-      </p:sp>
-    </p:spTree>
-    <p:extLst>
-      <p:ext uri="{BB962C8B-B14F-4D97-AF65-F5344CB8AC3E}">
-        <p14:creationId xmlns:p14="http://schemas.microsoft.com/office/powerpoint/2010/main" val="3758254737"/>
       </p:ext>
     </p:extLst>
   </p:cSld>

--- a/ch1-data.pptx
+++ b/ch1-data.pptx
@@ -5,10 +5,10 @@
     <p:sldMasterId id="2147483660" r:id="rId1"/>
   </p:sldMasterIdLst>
   <p:notesMasterIdLst>
-    <p:notesMasterId r:id="rId46"/>
+    <p:notesMasterId r:id="rId45"/>
   </p:notesMasterIdLst>
   <p:handoutMasterIdLst>
-    <p:handoutMasterId r:id="rId47"/>
+    <p:handoutMasterId r:id="rId46"/>
   </p:handoutMasterIdLst>
   <p:sldIdLst>
     <p:sldId id="257" r:id="rId2"/>
@@ -41,20 +41,19 @@
     <p:sldId id="340" r:id="rId29"/>
     <p:sldId id="284" r:id="rId30"/>
     <p:sldId id="285" r:id="rId31"/>
-    <p:sldId id="351" r:id="rId32"/>
-    <p:sldId id="350" r:id="rId33"/>
-    <p:sldId id="286" r:id="rId34"/>
-    <p:sldId id="287" r:id="rId35"/>
-    <p:sldId id="288" r:id="rId36"/>
-    <p:sldId id="323" r:id="rId37"/>
-    <p:sldId id="324" r:id="rId38"/>
-    <p:sldId id="328" r:id="rId39"/>
-    <p:sldId id="296" r:id="rId40"/>
-    <p:sldId id="329" r:id="rId41"/>
-    <p:sldId id="331" r:id="rId42"/>
-    <p:sldId id="303" r:id="rId43"/>
-    <p:sldId id="304" r:id="rId44"/>
-    <p:sldId id="318" r:id="rId45"/>
+    <p:sldId id="286" r:id="rId32"/>
+    <p:sldId id="287" r:id="rId33"/>
+    <p:sldId id="288" r:id="rId34"/>
+    <p:sldId id="323" r:id="rId35"/>
+    <p:sldId id="324" r:id="rId36"/>
+    <p:sldId id="328" r:id="rId37"/>
+    <p:sldId id="296" r:id="rId38"/>
+    <p:sldId id="330" r:id="rId39"/>
+    <p:sldId id="329" r:id="rId40"/>
+    <p:sldId id="331" r:id="rId41"/>
+    <p:sldId id="303" r:id="rId42"/>
+    <p:sldId id="304" r:id="rId43"/>
+    <p:sldId id="318" r:id="rId44"/>
   </p:sldIdLst>
   <p:sldSz cx="9144000" cy="6858000" type="screen4x3"/>
   <p:notesSz cx="6858000" cy="9144000"/>
@@ -238,8 +237,6 @@
             <p14:sldId id="340"/>
             <p14:sldId id="284"/>
             <p14:sldId id="285"/>
-            <p14:sldId id="351"/>
-            <p14:sldId id="350"/>
             <p14:sldId id="286"/>
             <p14:sldId id="287"/>
           </p14:sldIdLst>
@@ -255,6 +252,7 @@
           <p14:sldIdLst>
             <p14:sldId id="328"/>
             <p14:sldId id="296"/>
+            <p14:sldId id="330"/>
           </p14:sldIdLst>
         </p14:section>
         <p14:section name="Data Tables Relational Functors" id="{DB019DB6-9C44-D648-A048-B5B3EE13825A}">
@@ -3047,7 +3045,7 @@
               <a:pPr>
                 <a:defRPr/>
               </a:pPr>
-              <a:t>2016-09-24</a:t>
+              <a:t>2016-08-30</a:t>
             </a:fld>
             <a:endParaRPr lang="en-US"/>
           </a:p>
@@ -3263,7 +3261,7 @@
               <a:pPr>
                 <a:defRPr/>
               </a:pPr>
-              <a:t>2016-09-24</a:t>
+              <a:t>2016-08-30</a:t>
             </a:fld>
             <a:endParaRPr lang="en-US"/>
           </a:p>
@@ -3638,13 +3636,127 @@
           <a:lstStyle/>
           <a:p>
             <a:r>
-              <a:rPr lang="en-US" dirty="0" smtClean="0"/>
-              <a:t>Section</a:t>
-            </a:r>
-            <a:r>
-              <a:rPr lang="en-US" baseline="0" dirty="0" smtClean="0"/>
-              <a:t> 0 and 1: 30 min</a:t>
-            </a:r>
+              <a:rPr lang="en-US" sz="1200" kern="1200" dirty="0" smtClean="0">
+                <a:solidFill>
+                  <a:schemeClr val="tx1"/>
+                </a:solidFill>
+                <a:latin typeface="+mn-lt"/>
+                <a:ea typeface="+mn-ea"/>
+                <a:cs typeface="+mn-cs"/>
+              </a:rPr>
+              <a:t>TODO: Fix examples</a:t>
+            </a:r>
+            <a:r>
+              <a:rPr lang="en-US" sz="1200" kern="1200" baseline="0" dirty="0" smtClean="0">
+                <a:solidFill>
+                  <a:schemeClr val="tx1"/>
+                </a:solidFill>
+                <a:latin typeface="+mn-lt"/>
+                <a:ea typeface="+mn-ea"/>
+                <a:cs typeface="+mn-cs"/>
+              </a:rPr>
+              <a:t>: drama(Movie) throughout. Pay attention to likelihood vs. log-likelihood</a:t>
+            </a:r>
+            <a:endParaRPr lang="en-US" sz="1200" kern="1200" dirty="0" smtClean="0">
+              <a:solidFill>
+                <a:schemeClr val="tx1"/>
+              </a:solidFill>
+              <a:latin typeface="+mn-lt"/>
+              <a:ea typeface="+mn-ea"/>
+              <a:cs typeface="+mn-cs"/>
+            </a:endParaRPr>
+          </a:p>
+          <a:p>
+            <a:endParaRPr lang="en-US" sz="1200" kern="1200" dirty="0" smtClean="0">
+              <a:solidFill>
+                <a:schemeClr val="tx1"/>
+              </a:solidFill>
+              <a:latin typeface="+mn-lt"/>
+              <a:ea typeface="+mn-ea"/>
+              <a:cs typeface="+mn-cs"/>
+            </a:endParaRPr>
+          </a:p>
+          <a:p>
+            <a:r>
+              <a:rPr lang="en-US" sz="1200" kern="1200" dirty="0" smtClean="0">
+                <a:solidFill>
+                  <a:schemeClr val="tx1"/>
+                </a:solidFill>
+                <a:latin typeface="+mn-lt"/>
+                <a:ea typeface="+mn-ea"/>
+                <a:cs typeface="+mn-cs"/>
+              </a:rPr>
+              <a:t>To derive CRFs from BNs: do it over all ground atoms (using </a:t>
+            </a:r>
+            <a:r>
+              <a:rPr lang="en-US" sz="1200" kern="1200" dirty="0" err="1" smtClean="0">
+                <a:solidFill>
+                  <a:schemeClr val="tx1"/>
+                </a:solidFill>
+                <a:latin typeface="+mn-lt"/>
+                <a:ea typeface="+mn-ea"/>
+                <a:cs typeface="+mn-cs"/>
+              </a:rPr>
+              <a:t>Lowd’s</a:t>
+            </a:r>
+            <a:r>
+              <a:rPr lang="en-US" sz="1200" kern="1200" dirty="0" smtClean="0">
+                <a:solidFill>
+                  <a:schemeClr val="tx1"/>
+                </a:solidFill>
+                <a:latin typeface="+mn-lt"/>
+                <a:ea typeface="+mn-ea"/>
+                <a:cs typeface="+mn-cs"/>
+              </a:rPr>
+              <a:t> notation). Still need to consider target grounding to make it relative to </a:t>
+            </a:r>
+            <a:r>
+              <a:rPr lang="en-US" sz="1200" kern="1200" dirty="0" err="1" smtClean="0">
+                <a:solidFill>
+                  <a:schemeClr val="tx1"/>
+                </a:solidFill>
+                <a:latin typeface="+mn-lt"/>
+                <a:ea typeface="+mn-ea"/>
+                <a:cs typeface="+mn-cs"/>
+              </a:rPr>
+              <a:t>neighbourhood</a:t>
+            </a:r>
+            <a:r>
+              <a:rPr lang="en-US" sz="1200" kern="1200" dirty="0" smtClean="0">
+                <a:solidFill>
+                  <a:schemeClr val="tx1"/>
+                </a:solidFill>
+                <a:latin typeface="+mn-lt"/>
+                <a:ea typeface="+mn-ea"/>
+                <a:cs typeface="+mn-cs"/>
+              </a:rPr>
+              <a:t>.</a:t>
+            </a:r>
+          </a:p>
+          <a:p>
+            <a:endParaRPr lang="en-US" sz="1200" kern="1200" dirty="0" smtClean="0">
+              <a:solidFill>
+                <a:schemeClr val="tx1"/>
+              </a:solidFill>
+              <a:latin typeface="+mn-lt"/>
+              <a:ea typeface="+mn-ea"/>
+              <a:cs typeface="+mn-cs"/>
+            </a:endParaRPr>
+          </a:p>
+          <a:p>
+            <a:r>
+              <a:rPr lang="en-US" sz="1200" kern="1200" dirty="0" smtClean="0">
+                <a:solidFill>
+                  <a:schemeClr val="tx1"/>
+                </a:solidFill>
+                <a:latin typeface="+mn-lt"/>
+                <a:ea typeface="+mn-ea"/>
+                <a:cs typeface="+mn-cs"/>
+              </a:rPr>
+              <a:t>Terminology: use first-order BN.</a:t>
+            </a:r>
+          </a:p>
+          <a:p>
             <a:endParaRPr lang="en-US" dirty="0"/>
           </a:p>
         </p:txBody>
@@ -4904,7 +5016,23 @@
           <a:bodyPr/>
           <a:lstStyle/>
           <a:p>
-            <a:endParaRPr lang="en-US" dirty="0"/>
+            <a:r>
+              <a:rPr lang="en-US" dirty="0" smtClean="0"/>
+              <a:t>TODO: cite </a:t>
+            </a:r>
+            <a:r>
+              <a:rPr lang="en-US" dirty="0" err="1" smtClean="0"/>
+              <a:t>Mondial</a:t>
+            </a:r>
+            <a:r>
+              <a:rPr lang="en-US" dirty="0" smtClean="0"/>
+              <a:t> </a:t>
+            </a:r>
+            <a:r>
+              <a:rPr lang="en-US" smtClean="0"/>
+              <a:t>for overview</a:t>
+            </a:r>
+            <a:endParaRPr lang="en-US"/>
           </a:p>
         </p:txBody>
       </p:sp>
@@ -5309,10 +5437,18 @@
           <a:lstStyle/>
           <a:p>
             <a:r>
+              <a:rPr lang="en-US" dirty="0" err="1" smtClean="0"/>
+              <a:t>functors</a:t>
+            </a:r>
+            <a:r>
               <a:rPr lang="en-US" dirty="0" smtClean="0"/>
-              <a:t>functors: gender, genre, who acts in what.</a:t>
-            </a:r>
-            <a:endParaRPr lang="en-US" dirty="0"/>
+              <a:t>: gender, genre, who acts </a:t>
+            </a:r>
+            <a:r>
+              <a:rPr lang="en-US" smtClean="0"/>
+              <a:t>in what.</a:t>
+            </a:r>
+            <a:endParaRPr lang="en-US"/>
           </a:p>
         </p:txBody>
       </p:sp>
@@ -5398,7 +5534,25 @@
           <a:p>
             <a:r>
               <a:rPr lang="en-US" dirty="0" smtClean="0"/>
-              <a:t>graphical representation for first-order structure</a:t>
+              <a:t>This view of relational learning</a:t>
+            </a:r>
+            <a:r>
+              <a:rPr lang="en-US" baseline="0" dirty="0" smtClean="0"/>
+              <a:t> immediately generalizes learning the standard view of learning from </a:t>
+            </a:r>
+            <a:r>
+              <a:rPr lang="en-US" baseline="0" dirty="0" err="1" smtClean="0"/>
+              <a:t>i.i.d</a:t>
+            </a:r>
+            <a:r>
+              <a:rPr lang="en-US" baseline="0" dirty="0" smtClean="0"/>
+              <a:t>. data</a:t>
+            </a:r>
+          </a:p>
+          <a:p>
+            <a:r>
+              <a:rPr lang="en-US" baseline="0" dirty="0" smtClean="0"/>
+              <a:t>e.g. drawing balls from a urn containing a ball population</a:t>
             </a:r>
             <a:endParaRPr lang="en-US" dirty="0"/>
           </a:p>
@@ -5419,9 +5573,15 @@
           <a:bodyPr/>
           <a:lstStyle/>
           <a:p>
-            <a:fld id="{F6F03D15-B6FF-D14C-A60F-5A467C82F74A}" type="slidenum">
+            <a:pPr>
+              <a:defRPr/>
+            </a:pPr>
+            <a:fld id="{57BE7C63-45E8-3348-B2F7-0B0BBCE77ABE}" type="slidenum">
               <a:rPr lang="en-US" smtClean="0"/>
-              <a:t>32</a:t>
+              <a:pPr>
+                <a:defRPr/>
+              </a:pPr>
+              <a:t>31</a:t>
             </a:fld>
             <a:endParaRPr lang="en-US"/>
           </a:p>
@@ -5430,7 +5590,7 @@
     </p:spTree>
     <p:extLst>
       <p:ext uri="{BB962C8B-B14F-4D97-AF65-F5344CB8AC3E}">
-        <p14:creationId xmlns:p14="http://schemas.microsoft.com/office/powerpoint/2010/main" val="245251814"/>
+        <p14:creationId xmlns:p14="http://schemas.microsoft.com/office/powerpoint/2010/main" val="644828777"/>
       </p:ext>
     </p:extLst>
   </p:cSld>
@@ -5485,28 +5645,28 @@
           <a:lstStyle/>
           <a:p>
             <a:r>
+              <a:rPr lang="en-US" dirty="0" err="1" smtClean="0"/>
+              <a:t>functors</a:t>
+            </a:r>
+            <a:r>
               <a:rPr lang="en-US" dirty="0" smtClean="0"/>
-              <a:t>This view of relational learning</a:t>
-            </a:r>
-            <a:r>
-              <a:rPr lang="en-US" baseline="0" dirty="0" smtClean="0"/>
-              <a:t> immediately generalizes learning the standard view of learning from </a:t>
-            </a:r>
-            <a:r>
-              <a:rPr lang="en-US" baseline="0" dirty="0" err="1" smtClean="0"/>
-              <a:t>i.i.d</a:t>
-            </a:r>
-            <a:r>
-              <a:rPr lang="en-US" baseline="0" dirty="0" smtClean="0"/>
-              <a:t>. data</a:t>
-            </a:r>
-          </a:p>
-          <a:p>
-            <a:r>
-              <a:rPr lang="en-US" baseline="0" dirty="0" smtClean="0"/>
-              <a:t>e.g. drawing balls from a urn containing a ball population</a:t>
-            </a:r>
-            <a:endParaRPr lang="en-US" dirty="0"/>
+              <a:t>: gender, genre, who acts </a:t>
+            </a:r>
+            <a:r>
+              <a:rPr lang="en-US" smtClean="0"/>
+              <a:t>in what.</a:t>
+            </a:r>
+          </a:p>
+          <a:p>
+            <a:r>
+              <a:rPr lang="en-US" smtClean="0"/>
+              <a:t>subgraph</a:t>
+            </a:r>
+            <a:r>
+              <a:rPr lang="en-US" baseline="0" smtClean="0"/>
+              <a:t> sampling</a:t>
+            </a:r>
+            <a:endParaRPr lang="en-US"/>
           </a:p>
         </p:txBody>
       </p:sp>
@@ -5525,15 +5685,9 @@
           <a:bodyPr/>
           <a:lstStyle/>
           <a:p>
-            <a:pPr>
-              <a:defRPr/>
-            </a:pPr>
-            <a:fld id="{57BE7C63-45E8-3348-B2F7-0B0BBCE77ABE}" type="slidenum">
+            <a:fld id="{F6F03D15-B6FF-D14C-A60F-5A467C82F74A}" type="slidenum">
               <a:rPr lang="en-US" smtClean="0"/>
-              <a:pPr>
-                <a:defRPr/>
-              </a:pPr>
-              <a:t>33</a:t>
+              <a:t>32</a:t>
             </a:fld>
             <a:endParaRPr lang="en-US"/>
           </a:p>
@@ -5542,7 +5696,7 @@
     </p:spTree>
     <p:extLst>
       <p:ext uri="{BB962C8B-B14F-4D97-AF65-F5344CB8AC3E}">
-        <p14:creationId xmlns:p14="http://schemas.microsoft.com/office/powerpoint/2010/main" val="644828777"/>
+        <p14:creationId xmlns:p14="http://schemas.microsoft.com/office/powerpoint/2010/main" val="245251814"/>
       </p:ext>
     </p:extLst>
   </p:cSld>
@@ -5598,17 +5752,11 @@
           <a:p>
             <a:r>
               <a:rPr lang="en-US" dirty="0" smtClean="0"/>
-              <a:t>functors: gender, genre, who acts in what.</a:t>
-            </a:r>
-          </a:p>
-          <a:p>
-            <a:r>
-              <a:rPr lang="en-US" dirty="0" err="1" smtClean="0"/>
-              <a:t>subgraph</a:t>
+              <a:t>TODO: make this section optional.</a:t>
             </a:r>
             <a:r>
               <a:rPr lang="en-US" baseline="0" dirty="0" smtClean="0"/>
-              <a:t> sampling</a:t>
+              <a:t> Maybe mention only SQL and tables?</a:t>
             </a:r>
             <a:endParaRPr lang="en-US" dirty="0"/>
           </a:p>
@@ -5629,9 +5777,15 @@
           <a:bodyPr/>
           <a:lstStyle/>
           <a:p>
-            <a:fld id="{F6F03D15-B6FF-D14C-A60F-5A467C82F74A}" type="slidenum">
+            <a:pPr>
+              <a:defRPr/>
+            </a:pPr>
+            <a:fld id="{57BE7C63-45E8-3348-B2F7-0B0BBCE77ABE}" type="slidenum">
               <a:rPr lang="en-US" smtClean="0"/>
-              <a:t>34</a:t>
+              <a:pPr>
+                <a:defRPr/>
+              </a:pPr>
+              <a:t>33</a:t>
             </a:fld>
             <a:endParaRPr lang="en-US"/>
           </a:p>
@@ -5640,7 +5794,7 @@
     </p:spTree>
     <p:extLst>
       <p:ext uri="{BB962C8B-B14F-4D97-AF65-F5344CB8AC3E}">
-        <p14:creationId xmlns:p14="http://schemas.microsoft.com/office/powerpoint/2010/main" val="245251814"/>
+        <p14:creationId xmlns:p14="http://schemas.microsoft.com/office/powerpoint/2010/main" val="810849876"/>
       </p:ext>
     </p:extLst>
   </p:cSld>
@@ -5694,6 +5848,63 @@
           <a:bodyPr/>
           <a:lstStyle/>
           <a:p>
+            <a:pPr marL="171450" indent="-171450">
+              <a:buFont typeface="Arial"/>
+              <a:buChar char="•"/>
+            </a:pPr>
+            <a:r>
+              <a:rPr lang="en-US" dirty="0" smtClean="0"/>
+              <a:t>this tutorial uses only the logical and tabular representations</a:t>
+            </a:r>
+          </a:p>
+          <a:p>
+            <a:pPr marL="171450" indent="-171450">
+              <a:buFont typeface="Arial"/>
+              <a:buChar char="•"/>
+            </a:pPr>
+            <a:r>
+              <a:rPr lang="en-US" dirty="0" smtClean="0"/>
+              <a:t>For graphical and tensor notation, the supplementary</a:t>
+            </a:r>
+            <a:r>
+              <a:rPr lang="en-US" baseline="0" dirty="0" smtClean="0"/>
+              <a:t> spreadsheet has worked-out examples</a:t>
+            </a:r>
+          </a:p>
+          <a:p>
+            <a:pPr marL="171450" indent="-171450">
+              <a:buFont typeface="Arial"/>
+              <a:buChar char="•"/>
+            </a:pPr>
+            <a:r>
+              <a:rPr lang="en-US" dirty="0" smtClean="0"/>
+              <a:t>Constraints on </a:t>
+            </a:r>
+            <a:r>
+              <a:rPr lang="en-US" dirty="0" err="1" smtClean="0"/>
+              <a:t>functor</a:t>
+            </a:r>
+            <a:r>
+              <a:rPr lang="en-US" dirty="0" smtClean="0"/>
+              <a:t> types can, and typically are, exploited in specific representations of relational data</a:t>
+            </a:r>
+          </a:p>
+          <a:p>
+            <a:pPr marL="171450" indent="-171450">
+              <a:buFont typeface="Arial"/>
+              <a:buChar char="•"/>
+            </a:pPr>
+            <a:r>
+              <a:rPr lang="en-US" dirty="0" smtClean="0"/>
+              <a:t>For example,</a:t>
+            </a:r>
+            <a:r>
+              <a:rPr lang="en-US" baseline="0" dirty="0" smtClean="0"/>
+              <a:t> functional or many-one relationships, see supplementary spreadsheet</a:t>
+            </a:r>
+            <a:endParaRPr lang="en-US" dirty="0" smtClean="0"/>
+          </a:p>
+          <a:p>
             <a:endParaRPr lang="en-US" dirty="0"/>
           </a:p>
         </p:txBody>
@@ -5721,7 +5932,7 @@
               <a:pPr>
                 <a:defRPr/>
               </a:pPr>
-              <a:t>35</a:t>
+              <a:t>34</a:t>
             </a:fld>
             <a:endParaRPr lang="en-US"/>
           </a:p>
@@ -5730,7 +5941,7 @@
     </p:spTree>
     <p:extLst>
       <p:ext uri="{BB962C8B-B14F-4D97-AF65-F5344CB8AC3E}">
-        <p14:creationId xmlns:p14="http://schemas.microsoft.com/office/powerpoint/2010/main" val="810849876"/>
+        <p14:creationId xmlns:p14="http://schemas.microsoft.com/office/powerpoint/2010/main" val="3651146937"/>
       </p:ext>
     </p:extLst>
   </p:cSld>
@@ -5784,63 +5995,6 @@
           <a:bodyPr/>
           <a:lstStyle/>
           <a:p>
-            <a:pPr marL="171450" indent="-171450">
-              <a:buFont typeface="Arial"/>
-              <a:buChar char="•"/>
-            </a:pPr>
-            <a:r>
-              <a:rPr lang="en-US" dirty="0" smtClean="0"/>
-              <a:t>this tutorial uses only the network and tabular representations</a:t>
-            </a:r>
-          </a:p>
-          <a:p>
-            <a:pPr marL="171450" indent="-171450">
-              <a:buFont typeface="Arial"/>
-              <a:buChar char="•"/>
-            </a:pPr>
-            <a:r>
-              <a:rPr lang="en-US" dirty="0" smtClean="0"/>
-              <a:t>For graphical and tensor notation, the supplementary</a:t>
-            </a:r>
-            <a:r>
-              <a:rPr lang="en-US" baseline="0" dirty="0" smtClean="0"/>
-              <a:t> presentation has worked-out examples</a:t>
-            </a:r>
-          </a:p>
-          <a:p>
-            <a:pPr marL="171450" indent="-171450">
-              <a:buFont typeface="Arial"/>
-              <a:buChar char="•"/>
-            </a:pPr>
-            <a:r>
-              <a:rPr lang="en-US" dirty="0" smtClean="0"/>
-              <a:t>Constraints on </a:t>
-            </a:r>
-            <a:r>
-              <a:rPr lang="en-US" dirty="0" err="1" smtClean="0"/>
-              <a:t>functor</a:t>
-            </a:r>
-            <a:r>
-              <a:rPr lang="en-US" dirty="0" smtClean="0"/>
-              <a:t> types can, and typically are, exploited in specific representations of relational data</a:t>
-            </a:r>
-          </a:p>
-          <a:p>
-            <a:pPr marL="171450" indent="-171450">
-              <a:buFont typeface="Arial"/>
-              <a:buChar char="•"/>
-            </a:pPr>
-            <a:r>
-              <a:rPr lang="en-US" dirty="0" smtClean="0"/>
-              <a:t>For example,</a:t>
-            </a:r>
-            <a:r>
-              <a:rPr lang="en-US" baseline="0" dirty="0" smtClean="0"/>
-              <a:t> functional or many-one relationships, see supplementary presentation</a:t>
-            </a:r>
-            <a:endParaRPr lang="en-US" dirty="0" smtClean="0"/>
-          </a:p>
-          <a:p>
             <a:endParaRPr lang="en-US" dirty="0"/>
           </a:p>
         </p:txBody>
@@ -5860,15 +6014,9 @@
           <a:bodyPr/>
           <a:lstStyle/>
           <a:p>
-            <a:pPr>
-              <a:defRPr/>
-            </a:pPr>
-            <a:fld id="{57BE7C63-45E8-3348-B2F7-0B0BBCE77ABE}" type="slidenum">
+            <a:fld id="{F6F03D15-B6FF-D14C-A60F-5A467C82F74A}" type="slidenum">
               <a:rPr lang="en-US" smtClean="0"/>
-              <a:pPr>
-                <a:defRPr/>
-              </a:pPr>
-              <a:t>36</a:t>
+              <a:t>38</a:t>
             </a:fld>
             <a:endParaRPr lang="en-US"/>
           </a:p>
@@ -5877,7 +6025,7 @@
     </p:spTree>
     <p:extLst>
       <p:ext uri="{BB962C8B-B14F-4D97-AF65-F5344CB8AC3E}">
-        <p14:creationId xmlns:p14="http://schemas.microsoft.com/office/powerpoint/2010/main" val="3651146937"/>
+        <p14:creationId xmlns:p14="http://schemas.microsoft.com/office/powerpoint/2010/main" val="538581516"/>
       </p:ext>
     </p:extLst>
   </p:cSld>
@@ -5932,7 +6080,7 @@
           <a:lstStyle/>
           <a:p>
             <a:r>
-              <a:rPr lang="en-US" dirty="0"/>
+              <a:rPr lang="en-US" dirty="0" err="1"/>
               <a:t>ActsIn</a:t>
             </a:r>
             <a:r>
@@ -5966,7 +6114,7 @@
               <a:pPr>
                 <a:defRPr/>
               </a:pPr>
-              <a:t>41</a:t>
+              <a:t>40</a:t>
             </a:fld>
             <a:endParaRPr lang="en-US"/>
           </a:p>
@@ -6182,7 +6330,7 @@
               <a:pPr>
                 <a:defRPr/>
               </a:pPr>
-              <a:t>43</a:t>
+              <a:t>42</a:t>
             </a:fld>
             <a:endParaRPr lang="en-US"/>
           </a:p>
@@ -6266,7 +6414,7 @@
           <a:p>
             <a:fld id="{F6F03D15-B6FF-D14C-A60F-5A467C82F74A}" type="slidenum">
               <a:rPr lang="en-US" smtClean="0"/>
-              <a:t>44</a:t>
+              <a:t>43</a:t>
             </a:fld>
             <a:endParaRPr lang="en-US"/>
           </a:p>
@@ -6631,10 +6779,18 @@
           <a:lstStyle/>
           <a:p>
             <a:r>
+              <a:rPr lang="en-US" dirty="0" err="1" smtClean="0"/>
+              <a:t>functors</a:t>
+            </a:r>
+            <a:r>
               <a:rPr lang="en-US" dirty="0" smtClean="0"/>
-              <a:t>functors: gender, genre, who acts in what.</a:t>
-            </a:r>
-            <a:endParaRPr lang="en-US" dirty="0"/>
+              <a:t>: gender, genre, who acts </a:t>
+            </a:r>
+            <a:r>
+              <a:rPr lang="en-US" smtClean="0"/>
+              <a:t>in what.</a:t>
+            </a:r>
+            <a:endParaRPr lang="en-US"/>
           </a:p>
         </p:txBody>
       </p:sp>
@@ -6719,10 +6875,18 @@
           <a:lstStyle/>
           <a:p>
             <a:r>
+              <a:rPr lang="en-US" dirty="0" err="1" smtClean="0"/>
+              <a:t>functors</a:t>
+            </a:r>
+            <a:r>
               <a:rPr lang="en-US" dirty="0" smtClean="0"/>
-              <a:t>functors: gender, genre, who acts in what.</a:t>
-            </a:r>
-            <a:endParaRPr lang="en-US" dirty="0"/>
+              <a:t>: gender, genre, who acts </a:t>
+            </a:r>
+            <a:r>
+              <a:rPr lang="en-US" smtClean="0"/>
+              <a:t>in what.</a:t>
+            </a:r>
+            <a:endParaRPr lang="en-US"/>
           </a:p>
         </p:txBody>
       </p:sp>
@@ -6807,10 +6971,18 @@
           <a:lstStyle/>
           <a:p>
             <a:r>
+              <a:rPr lang="en-US" dirty="0" err="1" smtClean="0"/>
+              <a:t>functors</a:t>
+            </a:r>
+            <a:r>
               <a:rPr lang="en-US" dirty="0" smtClean="0"/>
-              <a:t>functors: gender, genre, who acts in what.</a:t>
-            </a:r>
-            <a:endParaRPr lang="en-US" dirty="0"/>
+              <a:t>: gender, genre, who acts </a:t>
+            </a:r>
+            <a:r>
+              <a:rPr lang="en-US" smtClean="0"/>
+              <a:t>in what.</a:t>
+            </a:r>
+            <a:endParaRPr lang="en-US"/>
           </a:p>
         </p:txBody>
       </p:sp>
@@ -7272,7 +7444,7 @@
               <a:pPr>
                 <a:defRPr/>
               </a:pPr>
-              <a:t>2016-09-24</a:t>
+              <a:t>2016-08-30</a:t>
             </a:fld>
             <a:endParaRPr lang="en-US"/>
           </a:p>
@@ -7473,7 +7645,7 @@
               <a:pPr>
                 <a:defRPr/>
               </a:pPr>
-              <a:t>2016-09-24</a:t>
+              <a:t>2016-08-30</a:t>
             </a:fld>
             <a:endParaRPr lang="en-US"/>
           </a:p>
@@ -7684,7 +7856,7 @@
               <a:pPr>
                 <a:defRPr/>
               </a:pPr>
-              <a:t>2016-09-24</a:t>
+              <a:t>2016-08-30</a:t>
             </a:fld>
             <a:endParaRPr lang="en-US"/>
           </a:p>
@@ -7890,7 +8062,7 @@
               <a:pPr>
                 <a:defRPr/>
               </a:pPr>
-              <a:t>2016-09-24</a:t>
+              <a:t>2016-08-30</a:t>
             </a:fld>
             <a:endParaRPr lang="en-US"/>
           </a:p>
@@ -8409,7 +8581,7 @@
               <a:pPr>
                 <a:defRPr/>
               </a:pPr>
-              <a:t>2016-09-24</a:t>
+              <a:t>2016-08-30</a:t>
             </a:fld>
             <a:endParaRPr lang="en-US"/>
           </a:p>
@@ -8682,7 +8854,7 @@
               <a:pPr>
                 <a:defRPr/>
               </a:pPr>
-              <a:t>2016-09-24</a:t>
+              <a:t>2016-08-30</a:t>
             </a:fld>
             <a:endParaRPr lang="en-US"/>
           </a:p>
@@ -9080,7 +9252,7 @@
               <a:pPr>
                 <a:defRPr/>
               </a:pPr>
-              <a:t>2016-09-24</a:t>
+              <a:t>2016-08-30</a:t>
             </a:fld>
             <a:endParaRPr lang="en-US"/>
           </a:p>
@@ -9229,7 +9401,7 @@
               <a:pPr>
                 <a:defRPr/>
               </a:pPr>
-              <a:t>2016-09-24</a:t>
+              <a:t>2016-08-30</a:t>
             </a:fld>
             <a:endParaRPr lang="en-US"/>
           </a:p>
@@ -9355,7 +9527,7 @@
               <a:pPr>
                 <a:defRPr/>
               </a:pPr>
-              <a:t>2016-09-24</a:t>
+              <a:t>2016-08-30</a:t>
             </a:fld>
             <a:endParaRPr lang="en-US"/>
           </a:p>
@@ -9731,7 +9903,7 @@
               <a:pPr>
                 <a:defRPr/>
               </a:pPr>
-              <a:t>2016-09-24</a:t>
+              <a:t>2016-08-30</a:t>
             </a:fld>
             <a:endParaRPr lang="en-US"/>
           </a:p>
@@ -10154,7 +10326,7 @@
               <a:pPr>
                 <a:defRPr/>
               </a:pPr>
-              <a:t>2016-09-24</a:t>
+              <a:t>2016-08-30</a:t>
             </a:fld>
             <a:endParaRPr lang="en-US"/>
           </a:p>
@@ -10574,7 +10746,7 @@
               <a:pPr>
                 <a:defRPr/>
               </a:pPr>
-              <a:t>2016-09-24</a:t>
+              <a:t>2016-08-30</a:t>
             </a:fld>
             <a:endParaRPr lang="en-US"/>
           </a:p>
@@ -12643,7 +12815,7 @@
           <a:lstStyle/>
           <a:p>
             <a:r>
-              <a:rPr lang="en-US" sz="2000" dirty="0" smtClean="0">
+              <a:rPr lang="en-US" sz="2000" dirty="0" err="1" smtClean="0">
                 <a:solidFill>
                   <a:srgbClr val="3366FF"/>
                 </a:solidFill>
@@ -12670,13 +12842,6 @@
   <p:clrMapOvr>
     <a:masterClrMapping/>
   </p:clrMapOvr>
-  <p:timing>
-    <p:tnLst>
-      <p:par>
-        <p:cTn xmlns:p14="http://schemas.microsoft.com/office/powerpoint/2010/main" id="1" dur="indefinite" restart="never" nodeType="tmRoot"/>
-      </p:par>
-    </p:tnLst>
-  </p:timing>
 </p:sld>
 </file>
 
@@ -12745,8 +12910,8 @@
         </p:nvSpPr>
         <p:spPr>
           <a:xfrm>
-            <a:off x="457199" y="1226676"/>
-            <a:ext cx="8459537" cy="2663536"/>
+            <a:off x="457200" y="1226675"/>
+            <a:ext cx="8229600" cy="3599329"/>
           </a:xfrm>
         </p:spPr>
         <p:txBody>
@@ -12785,7 +12950,7 @@
             </a:r>
             <a:r>
               <a:rPr lang="en-US" sz="2800" dirty="0" smtClean="0"/>
-              <a:t>argument (Nickel et al. 2016)</a:t>
+              <a:t>argument</a:t>
             </a:r>
             <a:endParaRPr lang="en-US" sz="2800" dirty="0"/>
           </a:p>
@@ -12797,7 +12962,15 @@
             </a:r>
             <a:r>
               <a:rPr lang="en-US" sz="2800" dirty="0"/>
-              <a:t>Data: functors assign values to &gt;1 </a:t>
+              <a:t>Data: </a:t>
+            </a:r>
+            <a:r>
+              <a:rPr lang="en-US" sz="2800" dirty="0" err="1"/>
+              <a:t>functors</a:t>
+            </a:r>
+            <a:r>
+              <a:rPr lang="en-US" sz="2800" dirty="0"/>
+              <a:t> assign values to &gt;1 </a:t>
             </a:r>
             <a:r>
               <a:rPr lang="en-US" sz="2800" dirty="0" smtClean="0"/>
@@ -12808,290 +12981,242 @@
             <a:pPr marL="285750" indent="-285750"/>
             <a:r>
               <a:rPr lang="en-US" sz="2800" dirty="0" smtClean="0"/>
-              <a:t>Relational Data: Structured Data with Boolean functors for classes and relationships</a:t>
+              <a:t>Relational Data: Structured Data with Boolean </a:t>
+            </a:r>
+            <a:r>
+              <a:rPr lang="en-US" sz="2800" dirty="0" err="1" smtClean="0"/>
+              <a:t>functors</a:t>
+            </a:r>
+            <a:r>
+              <a:rPr lang="en-US" sz="2800" dirty="0" smtClean="0"/>
+              <a:t> for classes and relationships</a:t>
             </a:r>
             <a:endParaRPr lang="en-US" sz="2800" dirty="0"/>
           </a:p>
         </p:txBody>
       </p:sp>
-      <p:grpSp>
-        <p:nvGrpSpPr>
-          <p:cNvPr id="4" name="Group 3"/>
-          <p:cNvGrpSpPr/>
+      <p:sp>
+        <p:nvSpPr>
+          <p:cNvPr id="11" name="TextBox 10"/>
+          <p:cNvSpPr txBox="1"/>
           <p:nvPr/>
-        </p:nvGrpSpPr>
-        <p:grpSpPr>
-          <a:xfrm>
-            <a:off x="941294" y="3628358"/>
-            <a:ext cx="5752353" cy="2390588"/>
-            <a:chOff x="941294" y="4229918"/>
-            <a:chExt cx="5752353" cy="2390588"/>
-          </a:xfrm>
-        </p:grpSpPr>
-        <p:sp>
-          <p:nvSpPr>
-            <p:cNvPr id="11" name="TextBox 10"/>
-            <p:cNvSpPr txBox="1"/>
-            <p:nvPr/>
-          </p:nvSpPr>
-          <p:spPr>
-            <a:xfrm>
-              <a:off x="2406317" y="5558110"/>
-              <a:ext cx="3355472" cy="400110"/>
-            </a:xfrm>
-            <a:prstGeom prst="rect">
-              <a:avLst/>
-            </a:prstGeom>
-            <a:noFill/>
-          </p:spPr>
-          <p:txBody>
-            <a:bodyPr wrap="square" rtlCol="0">
-              <a:spAutoFit/>
-            </a:bodyPr>
-            <a:lstStyle/>
-            <a:p>
-              <a:r>
-                <a:rPr lang="en-US" sz="2000" dirty="0" smtClean="0">
-                  <a:latin typeface="+mn-lt"/>
-                </a:rPr>
-                <a:t>single-table data = unary functors</a:t>
-              </a:r>
-              <a:endParaRPr lang="en-US" sz="2000" dirty="0">
-                <a:latin typeface="+mn-lt"/>
-              </a:endParaRPr>
-            </a:p>
-          </p:txBody>
-        </p:sp>
-        <p:sp>
-          <p:nvSpPr>
-            <p:cNvPr id="12" name="TextBox 11"/>
-            <p:cNvSpPr txBox="1"/>
-            <p:nvPr/>
-          </p:nvSpPr>
-          <p:spPr>
-            <a:xfrm>
-              <a:off x="2823880" y="4388498"/>
-              <a:ext cx="2002117" cy="400110"/>
-            </a:xfrm>
-            <a:prstGeom prst="rect">
-              <a:avLst/>
-            </a:prstGeom>
-            <a:noFill/>
-          </p:spPr>
-          <p:txBody>
-            <a:bodyPr wrap="square" rtlCol="0">
-              <a:spAutoFit/>
-            </a:bodyPr>
-            <a:lstStyle/>
-            <a:p>
-              <a:r>
-                <a:rPr lang="en-US" sz="2000" dirty="0" smtClean="0">
-                  <a:latin typeface="+mn-lt"/>
-                </a:rPr>
-                <a:t>Structured Data</a:t>
-              </a:r>
-              <a:endParaRPr lang="en-US" sz="2000" dirty="0">
-                <a:latin typeface="+mn-lt"/>
-              </a:endParaRPr>
-            </a:p>
-          </p:txBody>
-        </p:sp>
-        <p:sp>
-          <p:nvSpPr>
-            <p:cNvPr id="13" name="TextBox 12"/>
-            <p:cNvSpPr txBox="1"/>
-            <p:nvPr/>
-          </p:nvSpPr>
-          <p:spPr>
-            <a:xfrm>
-              <a:off x="2988233" y="4930575"/>
-              <a:ext cx="1897528" cy="400110"/>
-            </a:xfrm>
-            <a:prstGeom prst="rect">
-              <a:avLst/>
-            </a:prstGeom>
-            <a:noFill/>
-          </p:spPr>
-          <p:txBody>
-            <a:bodyPr wrap="square" rtlCol="0">
-              <a:spAutoFit/>
-            </a:bodyPr>
-            <a:lstStyle/>
-            <a:p>
-              <a:r>
-                <a:rPr lang="en-US" sz="2000" dirty="0" smtClean="0">
-                  <a:latin typeface="+mn-lt"/>
-                </a:rPr>
-                <a:t>Relational Data</a:t>
-              </a:r>
-              <a:endParaRPr lang="en-US" sz="2000" dirty="0">
-                <a:latin typeface="+mn-lt"/>
-              </a:endParaRPr>
-            </a:p>
-          </p:txBody>
-        </p:sp>
-        <p:sp>
-          <p:nvSpPr>
-            <p:cNvPr id="14" name="Oval 13"/>
-            <p:cNvSpPr/>
-            <p:nvPr/>
-          </p:nvSpPr>
-          <p:spPr>
-            <a:xfrm>
-              <a:off x="2271059" y="5333992"/>
-              <a:ext cx="3490730" cy="806823"/>
-            </a:xfrm>
-            <a:prstGeom prst="ellipse">
-              <a:avLst/>
-            </a:prstGeom>
-            <a:noFill/>
-          </p:spPr>
-          <p:style>
-            <a:lnRef idx="1">
-              <a:schemeClr val="accent1"/>
-            </a:lnRef>
-            <a:fillRef idx="3">
-              <a:schemeClr val="accent1"/>
-            </a:fillRef>
-            <a:effectRef idx="2">
-              <a:schemeClr val="accent1"/>
-            </a:effectRef>
-            <a:fontRef idx="minor">
-              <a:schemeClr val="lt1"/>
-            </a:fontRef>
-          </p:style>
-          <p:txBody>
-            <a:bodyPr rtlCol="0" anchor="ctr"/>
-            <a:lstStyle/>
-            <a:p>
-              <a:pPr algn="ctr"/>
-              <a:endParaRPr lang="en-US" sz="2000"/>
-            </a:p>
-          </p:txBody>
-        </p:sp>
-        <p:sp>
-          <p:nvSpPr>
-            <p:cNvPr id="15" name="Oval 14"/>
-            <p:cNvSpPr/>
-            <p:nvPr/>
-          </p:nvSpPr>
-          <p:spPr>
-            <a:xfrm>
-              <a:off x="1643528" y="4885757"/>
-              <a:ext cx="4572787" cy="1449294"/>
-            </a:xfrm>
-            <a:prstGeom prst="ellipse">
-              <a:avLst/>
-            </a:prstGeom>
-            <a:noFill/>
-          </p:spPr>
-          <p:style>
-            <a:lnRef idx="1">
-              <a:schemeClr val="accent1"/>
-            </a:lnRef>
-            <a:fillRef idx="3">
-              <a:schemeClr val="accent1"/>
-            </a:fillRef>
-            <a:effectRef idx="2">
-              <a:schemeClr val="accent1"/>
-            </a:effectRef>
-            <a:fontRef idx="minor">
-              <a:schemeClr val="lt1"/>
-            </a:fontRef>
-          </p:style>
-          <p:txBody>
-            <a:bodyPr rtlCol="0" anchor="ctr"/>
-            <a:lstStyle/>
-            <a:p>
-              <a:pPr algn="ctr"/>
-              <a:endParaRPr lang="en-US" sz="2000"/>
-            </a:p>
-          </p:txBody>
-        </p:sp>
-        <p:sp>
-          <p:nvSpPr>
-            <p:cNvPr id="16" name="Oval 15"/>
-            <p:cNvSpPr/>
-            <p:nvPr/>
-          </p:nvSpPr>
-          <p:spPr>
-            <a:xfrm>
-              <a:off x="941294" y="4229918"/>
-              <a:ext cx="5752353" cy="2390588"/>
-            </a:xfrm>
-            <a:prstGeom prst="ellipse">
-              <a:avLst/>
-            </a:prstGeom>
-            <a:noFill/>
-          </p:spPr>
-          <p:style>
-            <a:lnRef idx="1">
-              <a:schemeClr val="accent1"/>
-            </a:lnRef>
-            <a:fillRef idx="3">
-              <a:schemeClr val="accent1"/>
-            </a:fillRef>
-            <a:effectRef idx="2">
-              <a:schemeClr val="accent1"/>
-            </a:effectRef>
-            <a:fontRef idx="minor">
-              <a:schemeClr val="lt1"/>
-            </a:fontRef>
-          </p:style>
-          <p:txBody>
-            <a:bodyPr rtlCol="0" anchor="ctr"/>
-            <a:lstStyle/>
-            <a:p>
-              <a:pPr algn="ctr"/>
-              <a:endParaRPr lang="en-US"/>
-            </a:p>
-          </p:txBody>
-        </p:sp>
-      </p:grpSp>
-      <p:sp>
-        <p:nvSpPr>
-          <p:cNvPr id="5" name="Footer Placeholder 4"/>
-          <p:cNvSpPr>
-            <a:spLocks noGrp="1"/>
-          </p:cNvSpPr>
-          <p:nvPr>
-            <p:ph type="ftr" sz="quarter" idx="11"/>
-          </p:nvPr>
         </p:nvSpPr>
         <p:spPr>
           <a:xfrm>
-            <a:off x="914400" y="6172200"/>
-            <a:ext cx="6451600" cy="457200"/>
-          </a:xfrm>
+            <a:off x="2584824" y="5558110"/>
+            <a:ext cx="2928470" cy="400110"/>
+          </a:xfrm>
+          <a:prstGeom prst="rect">
+            <a:avLst/>
+          </a:prstGeom>
+          <a:noFill/>
         </p:spPr>
         <p:txBody>
-          <a:bodyPr/>
+          <a:bodyPr wrap="square" rtlCol="0">
+            <a:spAutoFit/>
+          </a:bodyPr>
           <a:lstStyle/>
           <a:p>
-            <a:pPr>
-              <a:defRPr/>
-            </a:pPr>
-            <a:r>
-              <a:rPr lang="en-US" dirty="0" smtClean="0"/>
-              <a:t>Nickel, M.; Murphy, K.; </a:t>
-            </a:r>
-            <a:r>
-              <a:rPr lang="en-US" dirty="0" err="1" smtClean="0"/>
-              <a:t>Tresp</a:t>
-            </a:r>
-            <a:r>
-              <a:rPr lang="en-US" dirty="0" smtClean="0"/>
-              <a:t>, V. &amp; </a:t>
-            </a:r>
-            <a:r>
-              <a:rPr lang="en-US" dirty="0" err="1" smtClean="0"/>
-              <a:t>Gabrilovich</a:t>
-            </a:r>
-            <a:r>
-              <a:rPr lang="en-US" dirty="0" smtClean="0"/>
-              <a:t>, E. (2016), 'A review of relational machine learning for knowledge graphs', Proceedings of the IEEE 104(1), 11--33. </a:t>
-            </a:r>
-            <a:endParaRPr lang="en-US" dirty="0"/>
+            <a:r>
+              <a:rPr lang="en-US" sz="2000" dirty="0" smtClean="0">
+                <a:latin typeface="+mn-lt"/>
+              </a:rPr>
+              <a:t>IID Data = unary </a:t>
+            </a:r>
+            <a:r>
+              <a:rPr lang="en-US" sz="2000" dirty="0" err="1" smtClean="0">
+                <a:latin typeface="+mn-lt"/>
+              </a:rPr>
+              <a:t>functors</a:t>
+            </a:r>
+            <a:endParaRPr lang="en-US" sz="2000" dirty="0">
+              <a:latin typeface="+mn-lt"/>
+            </a:endParaRPr>
+          </a:p>
+        </p:txBody>
+      </p:sp>
+      <p:sp>
+        <p:nvSpPr>
+          <p:cNvPr id="12" name="TextBox 11"/>
+          <p:cNvSpPr txBox="1"/>
+          <p:nvPr/>
+        </p:nvSpPr>
+        <p:spPr>
+          <a:xfrm>
+            <a:off x="2823880" y="4388498"/>
+            <a:ext cx="2002117" cy="400110"/>
+          </a:xfrm>
+          <a:prstGeom prst="rect">
+            <a:avLst/>
+          </a:prstGeom>
+          <a:noFill/>
+        </p:spPr>
+        <p:txBody>
+          <a:bodyPr wrap="square" rtlCol="0">
+            <a:spAutoFit/>
+          </a:bodyPr>
+          <a:lstStyle/>
+          <a:p>
+            <a:r>
+              <a:rPr lang="en-US" sz="2000" dirty="0" smtClean="0">
+                <a:latin typeface="+mn-lt"/>
+              </a:rPr>
+              <a:t>Structured Data</a:t>
+            </a:r>
+            <a:endParaRPr lang="en-US" sz="2000" dirty="0">
+              <a:latin typeface="+mn-lt"/>
+            </a:endParaRPr>
+          </a:p>
+        </p:txBody>
+      </p:sp>
+      <p:sp>
+        <p:nvSpPr>
+          <p:cNvPr id="13" name="TextBox 12"/>
+          <p:cNvSpPr txBox="1"/>
+          <p:nvPr/>
+        </p:nvSpPr>
+        <p:spPr>
+          <a:xfrm>
+            <a:off x="2988233" y="4930575"/>
+            <a:ext cx="1897528" cy="400110"/>
+          </a:xfrm>
+          <a:prstGeom prst="rect">
+            <a:avLst/>
+          </a:prstGeom>
+          <a:noFill/>
+        </p:spPr>
+        <p:txBody>
+          <a:bodyPr wrap="square" rtlCol="0">
+            <a:spAutoFit/>
+          </a:bodyPr>
+          <a:lstStyle/>
+          <a:p>
+            <a:r>
+              <a:rPr lang="en-US" sz="2000" dirty="0" smtClean="0">
+                <a:latin typeface="+mn-lt"/>
+              </a:rPr>
+              <a:t>Relational Data</a:t>
+            </a:r>
+            <a:endParaRPr lang="en-US" sz="2000" dirty="0">
+              <a:latin typeface="+mn-lt"/>
+            </a:endParaRPr>
+          </a:p>
+        </p:txBody>
+      </p:sp>
+      <p:sp>
+        <p:nvSpPr>
+          <p:cNvPr id="14" name="Oval 13"/>
+          <p:cNvSpPr/>
+          <p:nvPr/>
+        </p:nvSpPr>
+        <p:spPr>
+          <a:xfrm>
+            <a:off x="2271059" y="5333992"/>
+            <a:ext cx="3242235" cy="806823"/>
+          </a:xfrm>
+          <a:prstGeom prst="ellipse">
+            <a:avLst/>
+          </a:prstGeom>
+          <a:noFill/>
+        </p:spPr>
+        <p:style>
+          <a:lnRef idx="1">
+            <a:schemeClr val="accent1"/>
+          </a:lnRef>
+          <a:fillRef idx="3">
+            <a:schemeClr val="accent1"/>
+          </a:fillRef>
+          <a:effectRef idx="2">
+            <a:schemeClr val="accent1"/>
+          </a:effectRef>
+          <a:fontRef idx="minor">
+            <a:schemeClr val="lt1"/>
+          </a:fontRef>
+        </p:style>
+        <p:txBody>
+          <a:bodyPr rtlCol="0" anchor="ctr"/>
+          <a:lstStyle/>
+          <a:p>
+            <a:pPr algn="ctr"/>
+            <a:endParaRPr lang="en-US" sz="2000"/>
+          </a:p>
+        </p:txBody>
+      </p:sp>
+      <p:sp>
+        <p:nvSpPr>
+          <p:cNvPr id="15" name="Oval 14"/>
+          <p:cNvSpPr/>
+          <p:nvPr/>
+        </p:nvSpPr>
+        <p:spPr>
+          <a:xfrm>
+            <a:off x="1643529" y="4885757"/>
+            <a:ext cx="4332942" cy="1449294"/>
+          </a:xfrm>
+          <a:prstGeom prst="ellipse">
+            <a:avLst/>
+          </a:prstGeom>
+          <a:noFill/>
+        </p:spPr>
+        <p:style>
+          <a:lnRef idx="1">
+            <a:schemeClr val="accent1"/>
+          </a:lnRef>
+          <a:fillRef idx="3">
+            <a:schemeClr val="accent1"/>
+          </a:fillRef>
+          <a:effectRef idx="2">
+            <a:schemeClr val="accent1"/>
+          </a:effectRef>
+          <a:fontRef idx="minor">
+            <a:schemeClr val="lt1"/>
+          </a:fontRef>
+        </p:style>
+        <p:txBody>
+          <a:bodyPr rtlCol="0" anchor="ctr"/>
+          <a:lstStyle/>
+          <a:p>
+            <a:pPr algn="ctr"/>
+            <a:endParaRPr lang="en-US" sz="2000"/>
+          </a:p>
+        </p:txBody>
+      </p:sp>
+      <p:sp>
+        <p:nvSpPr>
+          <p:cNvPr id="16" name="Oval 15"/>
+          <p:cNvSpPr/>
+          <p:nvPr/>
+        </p:nvSpPr>
+        <p:spPr>
+          <a:xfrm>
+            <a:off x="941294" y="4243286"/>
+            <a:ext cx="5752353" cy="2390588"/>
+          </a:xfrm>
+          <a:prstGeom prst="ellipse">
+            <a:avLst/>
+          </a:prstGeom>
+          <a:noFill/>
+        </p:spPr>
+        <p:style>
+          <a:lnRef idx="1">
+            <a:schemeClr val="accent1"/>
+          </a:lnRef>
+          <a:fillRef idx="3">
+            <a:schemeClr val="accent1"/>
+          </a:fillRef>
+          <a:effectRef idx="2">
+            <a:schemeClr val="accent1"/>
+          </a:effectRef>
+          <a:fontRef idx="minor">
+            <a:schemeClr val="lt1"/>
+          </a:fontRef>
+        </p:style>
+        <p:txBody>
+          <a:bodyPr rtlCol="0" anchor="ctr"/>
+          <a:lstStyle/>
+          <a:p>
+            <a:pPr algn="ctr"/>
+            <a:endParaRPr lang="en-US"/>
           </a:p>
         </p:txBody>
       </p:sp>
@@ -13105,13 +13230,6 @@
   <p:clrMapOvr>
     <a:masterClrMapping/>
   </p:clrMapOvr>
-  <p:timing>
-    <p:tnLst>
-      <p:par>
-        <p:cTn xmlns:p14="http://schemas.microsoft.com/office/powerpoint/2010/main" id="1" dur="indefinite" restart="never" nodeType="tmRoot"/>
-      </p:par>
-    </p:tnLst>
-  </p:timing>
 </p:sld>
 </file>
 
@@ -13178,21 +13296,13 @@
         </p:spPr>
         <p:txBody>
           <a:bodyPr>
-            <a:normAutofit lnSpcReduction="10000"/>
+            <a:normAutofit/>
           </a:bodyPr>
           <a:lstStyle/>
           <a:p>
             <a:r>
               <a:rPr lang="en-US" sz="2800" dirty="0" smtClean="0"/>
-              <a:t>Relational algorithms should generalize unary </a:t>
-            </a:r>
-            <a:r>
-              <a:rPr lang="en-US" sz="2800" dirty="0" err="1" smtClean="0"/>
-              <a:t>functor</a:t>
-            </a:r>
-            <a:r>
-              <a:rPr lang="en-US" sz="2800" dirty="0" smtClean="0"/>
-              <a:t> (single-table) algorithms</a:t>
+              <a:t>Relational algorithms should generalize IID algorithms</a:t>
             </a:r>
             <a:br>
               <a:rPr lang="en-US" sz="2800" dirty="0" smtClean="0"/>
@@ -13221,7 +13331,15 @@
           <a:p>
             <a:r>
               <a:rPr lang="en-US" sz="2800" dirty="0" smtClean="0"/>
-              <a:t>Apply a relational algorithm in the special case where all functors are unary </a:t>
+              <a:t>Apply a relational algorithm in the special case where all </a:t>
+            </a:r>
+            <a:r>
+              <a:rPr lang="en-US" sz="2800" dirty="0" err="1" smtClean="0"/>
+              <a:t>functors</a:t>
+            </a:r>
+            <a:r>
+              <a:rPr lang="en-US" sz="2800" dirty="0" smtClean="0"/>
+              <a:t> are unary </a:t>
             </a:r>
             <a:br>
               <a:rPr lang="en-US" sz="2800" dirty="0" smtClean="0"/>
@@ -13236,7 +13354,7 @@
             </a:r>
             <a:r>
               <a:rPr lang="en-US" sz="2800" dirty="0" smtClean="0"/>
-              <a:t>same answer as traditional single-table algorithm.</a:t>
+              <a:t>same answer as traditional IID (single-table) algorithm.</a:t>
             </a:r>
           </a:p>
           <a:p>
@@ -13346,13 +13464,6 @@
   <p:clrMapOvr>
     <a:masterClrMapping/>
   </p:clrMapOvr>
-  <p:timing>
-    <p:tnLst>
-      <p:par>
-        <p:cTn xmlns:p14="http://schemas.microsoft.com/office/powerpoint/2010/main" id="1" dur="indefinite" restart="never" nodeType="tmRoot"/>
-      </p:par>
-    </p:tnLst>
-  </p:timing>
 </p:sld>
 </file>
 
@@ -13425,13 +13536,6 @@
   <p:clrMapOvr>
     <a:masterClrMapping/>
   </p:clrMapOvr>
-  <p:timing>
-    <p:tnLst>
-      <p:par>
-        <p:cTn xmlns:p14="http://schemas.microsoft.com/office/powerpoint/2010/main" id="1" dur="indefinite" restart="never" nodeType="tmRoot"/>
-      </p:par>
-    </p:tnLst>
-  </p:timing>
 </p:sld>
 </file>
 
@@ -13749,13 +13853,6 @@
   <p:clrMapOvr>
     <a:masterClrMapping/>
   </p:clrMapOvr>
-  <p:timing>
-    <p:tnLst>
-      <p:par>
-        <p:cTn xmlns:p14="http://schemas.microsoft.com/office/powerpoint/2010/main" id="1" dur="indefinite" restart="never" nodeType="tmRoot"/>
-      </p:par>
-    </p:tnLst>
-  </p:timing>
 </p:sld>
 </file>
 
@@ -14032,13 +14129,6 @@
   <p:clrMapOvr>
     <a:masterClrMapping/>
   </p:clrMapOvr>
-  <p:timing>
-    <p:tnLst>
-      <p:par>
-        <p:cTn xmlns:p14="http://schemas.microsoft.com/office/powerpoint/2010/main" id="1" dur="indefinite" restart="never" nodeType="tmRoot"/>
-      </p:par>
-    </p:tnLst>
-  </p:timing>
 </p:sld>
 </file>
 
@@ -14775,13 +14865,6 @@
   <p:clrMapOvr>
     <a:masterClrMapping/>
   </p:clrMapOvr>
-  <p:timing>
-    <p:tnLst>
-      <p:par>
-        <p:cTn xmlns:p14="http://schemas.microsoft.com/office/powerpoint/2010/main" id="1" dur="indefinite" restart="never" nodeType="tmRoot"/>
-      </p:par>
-    </p:tnLst>
-  </p:timing>
 </p:sld>
 </file>
 
@@ -14931,13 +15014,6 @@
   <p:clrMapOvr>
     <a:masterClrMapping/>
   </p:clrMapOvr>
-  <p:timing>
-    <p:tnLst>
-      <p:par>
-        <p:cTn xmlns:p14="http://schemas.microsoft.com/office/powerpoint/2010/main" id="1" dur="indefinite" restart="never" nodeType="tmRoot"/>
-      </p:par>
-    </p:tnLst>
-  </p:timing>
 </p:sld>
 </file>
 
@@ -14974,7 +15050,7 @@
           <a:lstStyle/>
           <a:p>
             <a:r>
-              <a:rPr lang="en-US" dirty="0" smtClean="0"/>
+              <a:rPr lang="en-US" dirty="0" err="1" smtClean="0"/>
               <a:t>Functors</a:t>
             </a:r>
             <a:endParaRPr lang="en-US" dirty="0"/>
@@ -15010,13 +15086,6 @@
   <p:clrMapOvr>
     <a:masterClrMapping/>
   </p:clrMapOvr>
-  <p:timing>
-    <p:tnLst>
-      <p:par>
-        <p:cTn xmlns:p14="http://schemas.microsoft.com/office/powerpoint/2010/main" id="1" dur="indefinite" restart="never" nodeType="tmRoot"/>
-      </p:par>
-    </p:tnLst>
-  </p:timing>
 </p:sld>
 </file>
 
@@ -15224,7 +15293,7 @@
           <a:lstStyle/>
           <a:p>
             <a:r>
-              <a:rPr lang="en-US" dirty="0" smtClean="0"/>
+              <a:rPr lang="en-US" dirty="0" err="1" smtClean="0"/>
               <a:t>Functors</a:t>
             </a:r>
             <a:endParaRPr lang="en-US" dirty="0"/>
@@ -15504,13 +15573,6 @@
   <p:clrMapOvr>
     <a:masterClrMapping/>
   </p:clrMapOvr>
-  <p:timing>
-    <p:tnLst>
-      <p:par>
-        <p:cTn xmlns:p14="http://schemas.microsoft.com/office/powerpoint/2010/main" id="1" dur="indefinite" restart="never" nodeType="tmRoot"/>
-      </p:par>
-    </p:tnLst>
-  </p:timing>
 </p:sld>
 </file>
 
@@ -15633,9 +15695,10 @@
                     <a:p>
                       <a:pPr algn="l"/>
                       <a:r>
-                        <a:rPr lang="en-US" sz="2800" dirty="0" smtClean="0"/>
+                        <a:rPr lang="en-US" sz="2800" dirty="0" err="1" smtClean="0"/>
                         <a:t>ActsIn</a:t>
                       </a:r>
+                      <a:endParaRPr lang="en-US" sz="2800" dirty="0" smtClean="0"/>
                     </a:p>
                   </a:txBody>
                   <a:tcPr/>
@@ -15859,13 +15922,6 @@
   <p:clrMapOvr>
     <a:masterClrMapping/>
   </p:clrMapOvr>
-  <p:timing>
-    <p:tnLst>
-      <p:par>
-        <p:cTn xmlns:p14="http://schemas.microsoft.com/office/powerpoint/2010/main" id="1" dur="indefinite" restart="never" nodeType="tmRoot"/>
-      </p:par>
-    </p:tnLst>
-  </p:timing>
 </p:sld>
 </file>
 
@@ -15903,7 +15959,11 @@
           <a:p>
             <a:r>
               <a:rPr lang="en-US" dirty="0" smtClean="0"/>
-              <a:t>Relational Functors</a:t>
+              <a:t>Relational </a:t>
+            </a:r>
+            <a:r>
+              <a:rPr lang="en-US" dirty="0" err="1" smtClean="0"/>
+              <a:t>Functors</a:t>
             </a:r>
             <a:endParaRPr lang="en-US" dirty="0"/>
           </a:p>
@@ -15942,13 +16002,6 @@
   <p:clrMapOvr>
     <a:masterClrMapping/>
   </p:clrMapOvr>
-  <p:timing>
-    <p:tnLst>
-      <p:par>
-        <p:cTn xmlns:p14="http://schemas.microsoft.com/office/powerpoint/2010/main" id="1" dur="indefinite" restart="never" nodeType="tmRoot"/>
-      </p:par>
-    </p:tnLst>
-  </p:timing>
 </p:sld>
 </file>
 
@@ -16025,7 +16078,11 @@
           <a:p>
             <a:r>
               <a:rPr lang="en-US" sz="2800" dirty="0" smtClean="0"/>
-              <a:t>A class-relationship diagram defines a set of functors</a:t>
+              <a:t>A class-relationship diagram defines a set of </a:t>
+            </a:r>
+            <a:r>
+              <a:rPr lang="en-US" sz="2800" dirty="0" err="1" smtClean="0"/>
+              <a:t>functors</a:t>
             </a:r>
             <a:endParaRPr lang="en-US" sz="2800" dirty="0"/>
           </a:p>
@@ -16071,13 +16128,6 @@
   <p:clrMapOvr>
     <a:masterClrMapping/>
   </p:clrMapOvr>
-  <p:timing>
-    <p:tnLst>
-      <p:par>
-        <p:cTn xmlns:p14="http://schemas.microsoft.com/office/powerpoint/2010/main" id="1" dur="indefinite" restart="never" nodeType="tmRoot"/>
-      </p:par>
-    </p:tnLst>
-  </p:timing>
 </p:sld>
 </file>
 
@@ -16114,8 +16164,8 @@
         </p:blipFill>
         <p:spPr>
           <a:xfrm>
-            <a:off x="-614947" y="485133"/>
-            <a:ext cx="9168581" cy="6478985"/>
+            <a:off x="-82145" y="861638"/>
+            <a:ext cx="8635779" cy="6102480"/>
           </a:xfrm>
           <a:prstGeom prst="rect">
             <a:avLst/>
@@ -17268,13 +17318,6 @@
       <p:transition xmlns:p14="http://schemas.microsoft.com/office/powerpoint/2010/main" spd="slow"/>
     </mc:Fallback>
   </mc:AlternateContent>
-  <p:timing>
-    <p:tnLst>
-      <p:par>
-        <p:cTn xmlns:p14="http://schemas.microsoft.com/office/powerpoint/2010/main" id="1" dur="indefinite" restart="never" nodeType="tmRoot"/>
-      </p:par>
-    </p:tnLst>
-  </p:timing>
 </p:sld>
 </file>
 
@@ -17818,7 +17861,7 @@
           <a:lstStyle/>
           <a:p>
             <a:r>
-              <a:rPr lang="en-US" sz="2000" dirty="0" smtClean="0">
+              <a:rPr lang="en-US" sz="2000" dirty="0" err="1" smtClean="0">
                 <a:solidFill>
                   <a:srgbClr val="3366FF"/>
                 </a:solidFill>
@@ -18122,7 +18165,7 @@
                     <a:lstStyle/>
                     <a:p>
                       <a:r>
-                        <a:rPr lang="en-US" sz="2000" dirty="0" smtClean="0"/>
+                        <a:rPr lang="en-US" sz="2000" dirty="0" err="1" smtClean="0"/>
                         <a:t>ActsIn</a:t>
                       </a:r>
                       <a:endParaRPr lang="en-US" sz="2000" dirty="0"/>
@@ -18300,13 +18343,6 @@
   <p:clrMapOvr>
     <a:masterClrMapping/>
   </p:clrMapOvr>
-  <p:timing>
-    <p:tnLst>
-      <p:par>
-        <p:cTn xmlns:p14="http://schemas.microsoft.com/office/powerpoint/2010/main" id="1" dur="indefinite" restart="never" nodeType="tmRoot"/>
-      </p:par>
-    </p:tnLst>
-  </p:timing>
 </p:sld>
 </file>
 
@@ -19072,13 +19108,6 @@
   <p:clrMapOvr>
     <a:masterClrMapping/>
   </p:clrMapOvr>
-  <p:timing>
-    <p:tnLst>
-      <p:par>
-        <p:cTn xmlns:p14="http://schemas.microsoft.com/office/powerpoint/2010/main" id="1" dur="indefinite" restart="never" nodeType="tmRoot"/>
-      </p:par>
-    </p:tnLst>
-  </p:timing>
 </p:sld>
 </file>
 
@@ -19177,13 +19206,6 @@
   <p:clrMapOvr>
     <a:masterClrMapping/>
   </p:clrMapOvr>
-  <p:timing>
-    <p:tnLst>
-      <p:par>
-        <p:cTn xmlns:p14="http://schemas.microsoft.com/office/powerpoint/2010/main" id="1" dur="indefinite" restart="never" nodeType="tmRoot"/>
-      </p:par>
-    </p:tnLst>
-  </p:timing>
 </p:sld>
 </file>
 
@@ -19267,7 +19289,15 @@
             </a:r>
             <a:r>
               <a:rPr lang="en-US" sz="3200" dirty="0" smtClean="0"/>
-              <a:t>for a set of functors specifies</a:t>
+              <a:t>for a set of </a:t>
+            </a:r>
+            <a:r>
+              <a:rPr lang="en-US" sz="3200" dirty="0" err="1" smtClean="0"/>
+              <a:t>functors</a:t>
+            </a:r>
+            <a:r>
+              <a:rPr lang="en-US" sz="3200" dirty="0" smtClean="0"/>
+              <a:t> specifies</a:t>
             </a:r>
           </a:p>
           <a:p>
@@ -19469,13 +19499,6 @@
   <p:clrMapOvr>
     <a:masterClrMapping/>
   </p:clrMapOvr>
-  <p:timing>
-    <p:tnLst>
-      <p:par>
-        <p:cTn xmlns:p14="http://schemas.microsoft.com/office/powerpoint/2010/main" id="1" dur="indefinite" restart="never" nodeType="tmRoot"/>
-      </p:par>
-    </p:tnLst>
-  </p:timing>
 </p:sld>
 </file>
 
@@ -19662,13 +19685,6 @@
   <p:clrMapOvr>
     <a:masterClrMapping/>
   </p:clrMapOvr>
-  <p:timing>
-    <p:tnLst>
-      <p:par>
-        <p:cTn xmlns:p14="http://schemas.microsoft.com/office/powerpoint/2010/main" id="1" dur="indefinite" restart="never" nodeType="tmRoot"/>
-      </p:par>
-    </p:tnLst>
-  </p:timing>
 </p:sld>
 </file>
 
@@ -20170,7 +20186,7 @@
           <a:lstStyle/>
           <a:p>
             <a:r>
-              <a:rPr lang="en-US" sz="2000" dirty="0" smtClean="0">
+              <a:rPr lang="en-US" sz="2000" dirty="0" err="1" smtClean="0">
                 <a:solidFill>
                   <a:srgbClr val="3366FF"/>
                 </a:solidFill>
@@ -20178,6 +20194,12 @@
               </a:rPr>
               <a:t>ActsIn</a:t>
             </a:r>
+            <a:endParaRPr lang="en-US" sz="2000" dirty="0" smtClean="0">
+              <a:solidFill>
+                <a:srgbClr val="3366FF"/>
+              </a:solidFill>
+              <a:latin typeface="+mn-lt"/>
+            </a:endParaRPr>
           </a:p>
           <a:p>
             <a:r>
@@ -21654,13 +21676,6 @@
   <p:clrMapOvr>
     <a:masterClrMapping/>
   </p:clrMapOvr>
-  <p:timing>
-    <p:tnLst>
-      <p:par>
-        <p:cTn xmlns:p14="http://schemas.microsoft.com/office/powerpoint/2010/main" id="1" dur="indefinite" restart="never" nodeType="tmRoot"/>
-      </p:par>
-    </p:tnLst>
-  </p:timing>
 </p:sld>
 </file>
 
@@ -21693,12 +21708,14 @@
         </p:nvSpPr>
         <p:spPr/>
         <p:txBody>
-          <a:bodyPr/>
+          <a:bodyPr>
+            <a:normAutofit/>
+          </a:bodyPr>
           <a:lstStyle/>
           <a:p>
             <a:r>
               <a:rPr lang="en-US" dirty="0" smtClean="0"/>
-              <a:t>Network View</a:t>
+              <a:t>Learning From Relational Samples</a:t>
             </a:r>
             <a:endParaRPr lang="en-US" dirty="0"/>
           </a:p>
@@ -21706,108 +21723,114 @@
       </p:sp>
       <p:sp>
         <p:nvSpPr>
-          <p:cNvPr id="4" name="Content Placeholder 3"/>
+          <p:cNvPr id="3" name="Content Placeholder 2"/>
           <p:cNvSpPr>
             <a:spLocks noGrp="1"/>
           </p:cNvSpPr>
           <p:nvPr>
-            <p:ph sz="quarter" idx="1"/>
+            <p:ph idx="1"/>
           </p:nvPr>
         </p:nvSpPr>
-        <p:spPr/>
+        <p:spPr>
+          <a:xfrm>
+            <a:off x="358191" y="1580438"/>
+            <a:ext cx="8531414" cy="4201327"/>
+          </a:xfrm>
+        </p:spPr>
         <p:txBody>
           <a:bodyPr/>
           <a:lstStyle/>
           <a:p>
             <a:r>
+              <a:rPr lang="en-US" sz="2800" dirty="0" smtClean="0"/>
+              <a:t>A </a:t>
+            </a:r>
+            <a:r>
+              <a:rPr lang="en-US" sz="2800" b="1" dirty="0" smtClean="0"/>
+              <a:t>sample</a:t>
+            </a:r>
+            <a:r>
+              <a:rPr lang="en-US" sz="2800" dirty="0" smtClean="0"/>
+              <a:t> specifies </a:t>
+            </a:r>
+          </a:p>
+          <a:p>
+            <a:pPr lvl="1"/>
+            <a:r>
               <a:rPr lang="en-US" dirty="0" smtClean="0"/>
-              <a:t>A possible world is equivalent to a heterogeneous network where</a:t>
-            </a:r>
+              <a:t>a set of observed individuals</a:t>
+            </a:r>
+            <a:endParaRPr lang="en-US" dirty="0"/>
           </a:p>
           <a:p>
             <a:pPr lvl="1"/>
             <a:r>
               <a:rPr lang="en-US" dirty="0" smtClean="0"/>
-              <a:t>the nodes are individuals</a:t>
-            </a:r>
-          </a:p>
-          <a:p>
-            <a:pPr lvl="2"/>
+              <a:t>For each tuple of observed individuals</a:t>
+            </a:r>
+            <a:r>
+              <a:rPr lang="en-US" dirty="0"/>
+              <a:t>,</a:t>
+            </a:r>
             <a:r>
               <a:rPr lang="en-US" dirty="0" smtClean="0"/>
-              <a:t>we have multiple types of nodes</a:t>
-            </a:r>
-          </a:p>
-          <a:p>
-            <a:pPr lvl="2"/>
-            <a:r>
+              <a:t>  </a:t>
+            </a:r>
+            <a:br>
               <a:rPr lang="en-US" dirty="0" smtClean="0"/>
-              <a:t>nodes are labelled with the attributes of the individual</a:t>
-            </a:r>
-          </a:p>
-          <a:p>
-            <a:pPr lvl="1"/>
+            </a:br>
             <a:r>
               <a:rPr lang="en-US" dirty="0" smtClean="0"/>
-              <a:t>the links represent existing relationships (true functors)</a:t>
-            </a:r>
-          </a:p>
-          <a:p>
-            <a:pPr lvl="2"/>
+              <a:t>the argument value for each </a:t>
+            </a:r>
+            <a:r>
+              <a:rPr lang="en-US" dirty="0" err="1" smtClean="0"/>
+              <a:t>functor</a:t>
+            </a:r>
+            <a:endParaRPr lang="en-US" dirty="0" smtClean="0"/>
+          </a:p>
+          <a:p>
+            <a:pPr marL="457200" lvl="1" indent="0">
+              <a:buNone/>
+            </a:pPr>
             <a:r>
               <a:rPr lang="en-US" dirty="0" smtClean="0"/>
-              <a:t>we have multiple types of links</a:t>
-            </a:r>
-          </a:p>
-          <a:p>
-            <a:pPr lvl="2"/>
-            <a:r>
-              <a:rPr lang="en-US" dirty="0" smtClean="0"/>
-              <a:t>links are labelled with the attributes of the link</a:t>
-            </a:r>
-          </a:p>
-          <a:p>
-            <a:r>
-              <a:rPr lang="en-US" dirty="0" smtClean="0"/>
-              <a:t>If some functors have </a:t>
-            </a:r>
-            <a:r>
-              <a:rPr lang="en-US" dirty="0" err="1" smtClean="0"/>
-              <a:t>arity</a:t>
-            </a:r>
-            <a:r>
-              <a:rPr lang="en-US" dirty="0" smtClean="0"/>
-              <a:t> &gt; 2, need </a:t>
-            </a:r>
-            <a:r>
-              <a:rPr lang="en-US" dirty="0" err="1" smtClean="0"/>
-              <a:t>hyperedges</a:t>
-            </a:r>
-            <a:endParaRPr lang="en-US" dirty="0" smtClean="0"/>
-          </a:p>
-          <a:p>
-            <a:r>
-              <a:rPr lang="en-US" dirty="0" smtClean="0"/>
-              <a:t>This is known as the </a:t>
-            </a:r>
-            <a:r>
-              <a:rPr lang="en-US" dirty="0" err="1" smtClean="0"/>
-              <a:t>Gaifman</a:t>
-            </a:r>
-            <a:r>
-              <a:rPr lang="en-US" dirty="0" smtClean="0"/>
-              <a:t> graph of a first-order relational structure</a:t>
-            </a:r>
-          </a:p>
-          <a:p>
-            <a:pPr lvl="1"/>
-            <a:endParaRPr lang="en-US" dirty="0"/>
-          </a:p>
-        </p:txBody>
-      </p:sp>
-      <p:sp>
-        <p:nvSpPr>
-          <p:cNvPr id="3" name="Footer Placeholder 2"/>
+              <a:t>= possible world restricted to observed individuals</a:t>
+            </a:r>
+          </a:p>
+          <a:p>
+            <a:r>
+              <a:rPr lang="en-US" sz="2800" dirty="0" smtClean="0"/>
+              <a:t>As with IID samples, we may have missing data =</a:t>
+            </a:r>
+            <a:br>
+              <a:rPr lang="en-US" sz="2800" dirty="0" smtClean="0"/>
+            </a:br>
+            <a:r>
+              <a:rPr lang="en-US" sz="2800" dirty="0" smtClean="0"/>
+              <a:t>missing values for some arguments of a </a:t>
+            </a:r>
+            <a:r>
+              <a:rPr lang="en-US" sz="2800" dirty="0" err="1" smtClean="0"/>
+              <a:t>functor</a:t>
+            </a:r>
+            <a:endParaRPr lang="en-US" sz="2800" dirty="0" smtClean="0"/>
+          </a:p>
+          <a:p>
+            <a:r>
+              <a:rPr lang="en-US" sz="2800" i="1" dirty="0" smtClean="0"/>
+              <a:t>Relational learning</a:t>
+            </a:r>
+            <a:r>
+              <a:rPr lang="en-US" sz="2800" dirty="0" smtClean="0"/>
+              <a:t>: given observed values of functions, extrapolate to unobserved values</a:t>
+            </a:r>
+          </a:p>
+        </p:txBody>
+      </p:sp>
+      <p:sp>
+        <p:nvSpPr>
+          <p:cNvPr id="5" name="Footer Placeholder 4"/>
           <p:cNvSpPr>
             <a:spLocks noGrp="1"/>
           </p:cNvSpPr>
@@ -21817,8 +21840,8 @@
         </p:nvSpPr>
         <p:spPr>
           <a:xfrm>
-            <a:off x="914400" y="6172200"/>
-            <a:ext cx="6774912" cy="457200"/>
+            <a:off x="702743" y="6058239"/>
+            <a:ext cx="6638908" cy="457200"/>
           </a:xfrm>
         </p:spPr>
         <p:txBody>
@@ -21829,24 +21852,17 @@
               <a:defRPr/>
             </a:pPr>
             <a:r>
-              <a:rPr lang="en-US" dirty="0"/>
-              <a:t>Russell, S. &amp; </a:t>
-            </a:r>
-            <a:r>
-              <a:rPr lang="en-US" dirty="0" err="1"/>
-              <a:t>Norvig</a:t>
-            </a:r>
-            <a:r>
-              <a:rPr lang="en-US" dirty="0"/>
-              <a:t>, P. (2010), Artificial Intelligence: A Modern Approach, Prentice Hall.</a:t>
-            </a:r>
+              <a:rPr lang="en-US" dirty="0" smtClean="0"/>
+              <a:t>Xiang, R. &amp; Neville, J. (2011), Relational learning with one network: An asymptotic analysis, in 'Artificial Intelligence and Statistics', pp. 779--788.</a:t>
+            </a:r>
+            <a:endParaRPr lang="en-US" dirty="0"/>
           </a:p>
         </p:txBody>
       </p:sp>
     </p:spTree>
     <p:extLst>
       <p:ext uri="{BB962C8B-B14F-4D97-AF65-F5344CB8AC3E}">
-        <p14:creationId xmlns:p14="http://schemas.microsoft.com/office/powerpoint/2010/main" val="240619030"/>
+        <p14:creationId xmlns:p14="http://schemas.microsoft.com/office/powerpoint/2010/main" val="3876270619"/>
       </p:ext>
     </p:extLst>
   </p:cSld>
@@ -21857,1148 +21873,6 @@
 </file>
 
 <file path=ppt/slides/slide32.xml><?xml version="1.0" encoding="utf-8"?>
-<p:sld xmlns:a="http://schemas.openxmlformats.org/drawingml/2006/main" xmlns:r="http://schemas.openxmlformats.org/officeDocument/2006/relationships" xmlns:p="http://schemas.openxmlformats.org/presentationml/2006/main">
-  <p:cSld>
-    <p:spTree>
-      <p:nvGrpSpPr>
-        <p:cNvPr id="1" name=""/>
-        <p:cNvGrpSpPr/>
-        <p:nvPr/>
-      </p:nvGrpSpPr>
-      <p:grpSpPr>
-        <a:xfrm>
-          <a:off x="0" y="0"/>
-          <a:ext cx="0" cy="0"/>
-          <a:chOff x="0" y="0"/>
-          <a:chExt cx="0" cy="0"/>
-        </a:xfrm>
-      </p:grpSpPr>
-      <p:sp>
-        <p:nvSpPr>
-          <p:cNvPr id="4" name="Title 3"/>
-          <p:cNvSpPr>
-            <a:spLocks noGrp="1"/>
-          </p:cNvSpPr>
-          <p:nvPr>
-            <p:ph type="title"/>
-          </p:nvPr>
-        </p:nvSpPr>
-        <p:spPr>
-          <a:xfrm>
-            <a:off x="460835" y="170974"/>
-            <a:ext cx="7772400" cy="1143000"/>
-          </a:xfrm>
-        </p:spPr>
-        <p:txBody>
-          <a:bodyPr>
-            <a:normAutofit/>
-          </a:bodyPr>
-          <a:lstStyle/>
-          <a:p>
-            <a:r>
-              <a:rPr lang="en-US" dirty="0" smtClean="0"/>
-              <a:t>Network View: The </a:t>
-            </a:r>
-            <a:r>
-              <a:rPr lang="en-US" dirty="0" err="1" smtClean="0"/>
-              <a:t>Gaifman</a:t>
-            </a:r>
-            <a:r>
-              <a:rPr lang="en-US" dirty="0" smtClean="0"/>
-              <a:t> Graph</a:t>
-            </a:r>
-            <a:endParaRPr lang="en-US" dirty="0"/>
-          </a:p>
-        </p:txBody>
-      </p:sp>
-      <p:grpSp>
-        <p:nvGrpSpPr>
-          <p:cNvPr id="3" name="Group 2"/>
-          <p:cNvGrpSpPr/>
-          <p:nvPr/>
-        </p:nvGrpSpPr>
-        <p:grpSpPr>
-          <a:xfrm>
-            <a:off x="442259" y="1387756"/>
-            <a:ext cx="7777860" cy="4921754"/>
-            <a:chOff x="442259" y="1387756"/>
-            <a:chExt cx="7777860" cy="4921754"/>
-          </a:xfrm>
-        </p:grpSpPr>
-        <p:pic>
-          <p:nvPicPr>
-            <p:cNvPr id="13" name="Picture 12" descr="fargo.jpeg"/>
-            <p:cNvPicPr>
-              <a:picLocks noChangeAspect="1"/>
-            </p:cNvPicPr>
-            <p:nvPr/>
-          </p:nvPicPr>
-          <p:blipFill>
-            <a:blip r:embed="rId3">
-              <a:extLst>
-                <a:ext uri="{28A0092B-C50C-407E-A947-70E740481C1C}">
-                  <a14:useLocalDpi xmlns:a14="http://schemas.microsoft.com/office/drawing/2010/main" val="0"/>
-                </a:ext>
-              </a:extLst>
-            </a:blip>
-            <a:stretch>
-              <a:fillRect/>
-            </a:stretch>
-          </p:blipFill>
-          <p:spPr>
-            <a:xfrm>
-              <a:off x="2219537" y="4255367"/>
-              <a:ext cx="907736" cy="1361604"/>
-            </a:xfrm>
-            <a:prstGeom prst="rect">
-              <a:avLst/>
-            </a:prstGeom>
-          </p:spPr>
-        </p:pic>
-        <p:pic>
-          <p:nvPicPr>
-            <p:cNvPr id="17" name="Picture 16" descr="kill-bill.jpeg"/>
-            <p:cNvPicPr>
-              <a:picLocks noChangeAspect="1"/>
-            </p:cNvPicPr>
-            <p:nvPr/>
-          </p:nvPicPr>
-          <p:blipFill>
-            <a:blip r:embed="rId4">
-              <a:extLst>
-                <a:ext uri="{28A0092B-C50C-407E-A947-70E740481C1C}">
-                  <a14:useLocalDpi xmlns:a14="http://schemas.microsoft.com/office/drawing/2010/main" val="0"/>
-                </a:ext>
-              </a:extLst>
-            </a:blip>
-            <a:stretch>
-              <a:fillRect/>
-            </a:stretch>
-          </p:blipFill>
-          <p:spPr>
-            <a:xfrm>
-              <a:off x="5569059" y="4314243"/>
-              <a:ext cx="796960" cy="1243853"/>
-            </a:xfrm>
-            <a:prstGeom prst="rect">
-              <a:avLst/>
-            </a:prstGeom>
-          </p:spPr>
-        </p:pic>
-        <p:pic>
-          <p:nvPicPr>
-            <p:cNvPr id="21" name="Picture 20" descr="pitt.jpeg"/>
-            <p:cNvPicPr>
-              <a:picLocks noChangeAspect="1"/>
-            </p:cNvPicPr>
-            <p:nvPr/>
-          </p:nvPicPr>
-          <p:blipFill>
-            <a:blip r:embed="rId5">
-              <a:extLst>
-                <a:ext uri="{28A0092B-C50C-407E-A947-70E740481C1C}">
-                  <a14:useLocalDpi xmlns:a14="http://schemas.microsoft.com/office/drawing/2010/main" val="0"/>
-                </a:ext>
-              </a:extLst>
-            </a:blip>
-            <a:stretch>
-              <a:fillRect/>
-            </a:stretch>
-          </p:blipFill>
-          <p:spPr>
-            <a:xfrm>
-              <a:off x="710081" y="2006891"/>
-              <a:ext cx="850900" cy="1244600"/>
-            </a:xfrm>
-            <a:prstGeom prst="rect">
-              <a:avLst/>
-            </a:prstGeom>
-          </p:spPr>
-        </p:pic>
-        <p:pic>
-          <p:nvPicPr>
-            <p:cNvPr id="24" name="Picture 23" descr="buscemi.jpeg"/>
-            <p:cNvPicPr>
-              <a:picLocks noChangeAspect="1"/>
-            </p:cNvPicPr>
-            <p:nvPr/>
-          </p:nvPicPr>
-          <p:blipFill>
-            <a:blip r:embed="rId6">
-              <a:extLst>
-                <a:ext uri="{28A0092B-C50C-407E-A947-70E740481C1C}">
-                  <a14:useLocalDpi xmlns:a14="http://schemas.microsoft.com/office/drawing/2010/main" val="0"/>
-                </a:ext>
-              </a:extLst>
-            </a:blip>
-            <a:stretch>
-              <a:fillRect/>
-            </a:stretch>
-          </p:blipFill>
-          <p:spPr>
-            <a:xfrm>
-              <a:off x="2219537" y="1997927"/>
-              <a:ext cx="852307" cy="1262529"/>
-            </a:xfrm>
-            <a:prstGeom prst="rect">
-              <a:avLst/>
-            </a:prstGeom>
-          </p:spPr>
-        </p:pic>
-        <p:pic>
-          <p:nvPicPr>
-            <p:cNvPr id="29" name="Picture 28" descr="thurman.jpeg"/>
-            <p:cNvPicPr>
-              <a:picLocks noChangeAspect="1"/>
-            </p:cNvPicPr>
-            <p:nvPr/>
-          </p:nvPicPr>
-          <p:blipFill>
-            <a:blip r:embed="rId7">
-              <a:extLst>
-                <a:ext uri="{28A0092B-C50C-407E-A947-70E740481C1C}">
-                  <a14:useLocalDpi xmlns:a14="http://schemas.microsoft.com/office/drawing/2010/main" val="0"/>
-                </a:ext>
-              </a:extLst>
-            </a:blip>
-            <a:stretch>
-              <a:fillRect/>
-            </a:stretch>
-          </p:blipFill>
-          <p:spPr>
-            <a:xfrm>
-              <a:off x="4364318" y="2006891"/>
-              <a:ext cx="850900" cy="1244600"/>
-            </a:xfrm>
-            <a:prstGeom prst="rect">
-              <a:avLst/>
-            </a:prstGeom>
-          </p:spPr>
-        </p:pic>
-        <p:pic>
-          <p:nvPicPr>
-            <p:cNvPr id="36" name="Picture 35" descr="lucy.jpeg"/>
-            <p:cNvPicPr>
-              <a:picLocks noChangeAspect="1"/>
-            </p:cNvPicPr>
-            <p:nvPr/>
-          </p:nvPicPr>
-          <p:blipFill>
-            <a:blip r:embed="rId8">
-              <a:extLst>
-                <a:ext uri="{28A0092B-C50C-407E-A947-70E740481C1C}">
-                  <a14:useLocalDpi xmlns:a14="http://schemas.microsoft.com/office/drawing/2010/main" val="0"/>
-                </a:ext>
-              </a:extLst>
-            </a:blip>
-            <a:stretch>
-              <a:fillRect/>
-            </a:stretch>
-          </p:blipFill>
-          <p:spPr>
-            <a:xfrm>
-              <a:off x="6304841" y="2030797"/>
-              <a:ext cx="807927" cy="1196788"/>
-            </a:xfrm>
-            <a:prstGeom prst="rect">
-              <a:avLst/>
-            </a:prstGeom>
-          </p:spPr>
-        </p:pic>
-        <p:cxnSp>
-          <p:nvCxnSpPr>
-            <p:cNvPr id="6" name="Straight Connector 5"/>
-            <p:cNvCxnSpPr>
-              <a:stCxn id="24" idx="2"/>
-              <a:endCxn id="13" idx="0"/>
-            </p:cNvCxnSpPr>
-            <p:nvPr/>
-          </p:nvCxnSpPr>
-          <p:spPr>
-            <a:xfrm>
-              <a:off x="2645691" y="3260456"/>
-              <a:ext cx="27714" cy="994911"/>
-            </a:xfrm>
-            <a:prstGeom prst="line">
-              <a:avLst/>
-            </a:prstGeom>
-          </p:spPr>
-          <p:style>
-            <a:lnRef idx="2">
-              <a:schemeClr val="accent1"/>
-            </a:lnRef>
-            <a:fillRef idx="0">
-              <a:schemeClr val="accent1"/>
-            </a:fillRef>
-            <a:effectRef idx="1">
-              <a:schemeClr val="accent1"/>
-            </a:effectRef>
-            <a:fontRef idx="minor">
-              <a:schemeClr val="tx1"/>
-            </a:fontRef>
-          </p:style>
-        </p:cxnSp>
-        <p:cxnSp>
-          <p:nvCxnSpPr>
-            <p:cNvPr id="18" name="Straight Connector 17"/>
-            <p:cNvCxnSpPr>
-              <a:stCxn id="29" idx="2"/>
-              <a:endCxn id="17" idx="0"/>
-            </p:cNvCxnSpPr>
-            <p:nvPr/>
-          </p:nvCxnSpPr>
-          <p:spPr>
-            <a:xfrm>
-              <a:off x="4789768" y="3251491"/>
-              <a:ext cx="1177771" cy="1062752"/>
-            </a:xfrm>
-            <a:prstGeom prst="line">
-              <a:avLst/>
-            </a:prstGeom>
-          </p:spPr>
-          <p:style>
-            <a:lnRef idx="2">
-              <a:schemeClr val="accent1"/>
-            </a:lnRef>
-            <a:fillRef idx="0">
-              <a:schemeClr val="accent1"/>
-            </a:fillRef>
-            <a:effectRef idx="1">
-              <a:schemeClr val="accent1"/>
-            </a:effectRef>
-            <a:fontRef idx="minor">
-              <a:schemeClr val="tx1"/>
-            </a:fontRef>
-          </p:style>
-        </p:cxnSp>
-        <p:cxnSp>
-          <p:nvCxnSpPr>
-            <p:cNvPr id="20" name="Straight Connector 19"/>
-            <p:cNvCxnSpPr>
-              <a:stCxn id="36" idx="2"/>
-              <a:endCxn id="17" idx="0"/>
-            </p:cNvCxnSpPr>
-            <p:nvPr/>
-          </p:nvCxnSpPr>
-          <p:spPr>
-            <a:xfrm flipH="1">
-              <a:off x="5967539" y="3227585"/>
-              <a:ext cx="741266" cy="1086658"/>
-            </a:xfrm>
-            <a:prstGeom prst="line">
-              <a:avLst/>
-            </a:prstGeom>
-          </p:spPr>
-          <p:style>
-            <a:lnRef idx="2">
-              <a:schemeClr val="accent1"/>
-            </a:lnRef>
-            <a:fillRef idx="0">
-              <a:schemeClr val="accent1"/>
-            </a:fillRef>
-            <a:effectRef idx="1">
-              <a:schemeClr val="accent1"/>
-            </a:effectRef>
-            <a:fontRef idx="minor">
-              <a:schemeClr val="tx1"/>
-            </a:fontRef>
-          </p:style>
-        </p:cxnSp>
-        <p:sp>
-          <p:nvSpPr>
-            <p:cNvPr id="32" name="TextBox 31"/>
-            <p:cNvSpPr txBox="1"/>
-            <p:nvPr/>
-          </p:nvSpPr>
-          <p:spPr>
-            <a:xfrm>
-              <a:off x="2673405" y="3643948"/>
-              <a:ext cx="1165848" cy="369332"/>
-            </a:xfrm>
-            <a:prstGeom prst="rect">
-              <a:avLst/>
-            </a:prstGeom>
-            <a:noFill/>
-          </p:spPr>
-          <p:txBody>
-            <a:bodyPr wrap="square" rtlCol="0">
-              <a:spAutoFit/>
-            </a:bodyPr>
-            <a:lstStyle/>
-            <a:p>
-              <a:r>
-                <a:rPr lang="en-US" dirty="0" smtClean="0">
-                  <a:solidFill>
-                    <a:srgbClr val="FF0000"/>
-                  </a:solidFill>
-                </a:rPr>
-                <a:t>$500,000</a:t>
-              </a:r>
-              <a:endParaRPr lang="en-US" dirty="0">
-                <a:solidFill>
-                  <a:srgbClr val="FF0000"/>
-                </a:solidFill>
-              </a:endParaRPr>
-            </a:p>
-          </p:txBody>
-        </p:sp>
-        <p:sp>
-          <p:nvSpPr>
-            <p:cNvPr id="33" name="TextBox 32"/>
-            <p:cNvSpPr txBox="1"/>
-            <p:nvPr/>
-          </p:nvSpPr>
-          <p:spPr>
-            <a:xfrm>
-              <a:off x="4093882" y="3643948"/>
-              <a:ext cx="1475177" cy="369332"/>
-            </a:xfrm>
-            <a:prstGeom prst="rect">
-              <a:avLst/>
-            </a:prstGeom>
-            <a:noFill/>
-          </p:spPr>
-          <p:txBody>
-            <a:bodyPr wrap="square" rtlCol="0">
-              <a:spAutoFit/>
-            </a:bodyPr>
-            <a:lstStyle/>
-            <a:p>
-              <a:r>
-                <a:rPr lang="en-US" dirty="0" smtClean="0">
-                  <a:solidFill>
-                    <a:srgbClr val="FF0000"/>
-                  </a:solidFill>
-                </a:rPr>
-                <a:t>$5,000,000</a:t>
-              </a:r>
-              <a:endParaRPr lang="en-US" dirty="0">
-                <a:solidFill>
-                  <a:srgbClr val="FF0000"/>
-                </a:solidFill>
-              </a:endParaRPr>
-            </a:p>
-          </p:txBody>
-        </p:sp>
-        <p:sp>
-          <p:nvSpPr>
-            <p:cNvPr id="34" name="TextBox 33"/>
-            <p:cNvSpPr txBox="1"/>
-            <p:nvPr/>
-          </p:nvSpPr>
-          <p:spPr>
-            <a:xfrm>
-              <a:off x="6575170" y="3643948"/>
-              <a:ext cx="1644949" cy="369332"/>
-            </a:xfrm>
-            <a:prstGeom prst="rect">
-              <a:avLst/>
-            </a:prstGeom>
-            <a:noFill/>
-          </p:spPr>
-          <p:txBody>
-            <a:bodyPr wrap="square" rtlCol="0">
-              <a:spAutoFit/>
-            </a:bodyPr>
-            <a:lstStyle/>
-            <a:p>
-              <a:r>
-                <a:rPr lang="en-US" dirty="0" smtClean="0">
-                  <a:solidFill>
-                    <a:srgbClr val="FF0000"/>
-                  </a:solidFill>
-                </a:rPr>
-                <a:t>$2,000,000</a:t>
-              </a:r>
-              <a:endParaRPr lang="en-US" dirty="0">
-                <a:solidFill>
-                  <a:srgbClr val="FF0000"/>
-                </a:solidFill>
-              </a:endParaRPr>
-            </a:p>
-          </p:txBody>
-        </p:sp>
-        <p:sp>
-          <p:nvSpPr>
-            <p:cNvPr id="35" name="TextBox 34"/>
-            <p:cNvSpPr txBox="1"/>
-            <p:nvPr/>
-          </p:nvSpPr>
-          <p:spPr>
-            <a:xfrm>
-              <a:off x="442259" y="1387756"/>
-              <a:ext cx="1649506" cy="646331"/>
-            </a:xfrm>
-            <a:prstGeom prst="rect">
-              <a:avLst/>
-            </a:prstGeom>
-            <a:noFill/>
-          </p:spPr>
-          <p:txBody>
-            <a:bodyPr wrap="square" rtlCol="0">
-              <a:spAutoFit/>
-            </a:bodyPr>
-            <a:lstStyle/>
-            <a:p>
-              <a:r>
-                <a:rPr lang="en-US" dirty="0" smtClean="0">
-                  <a:solidFill>
-                    <a:srgbClr val="3366FF"/>
-                  </a:solidFill>
-                </a:rPr>
-                <a:t>gender</a:t>
-              </a:r>
-              <a:r>
-                <a:rPr lang="en-US" dirty="0" smtClean="0"/>
-                <a:t> = </a:t>
-              </a:r>
-              <a:r>
-                <a:rPr lang="en-US" dirty="0" smtClean="0">
-                  <a:solidFill>
-                    <a:srgbClr val="FF0000"/>
-                  </a:solidFill>
-                </a:rPr>
-                <a:t>Man</a:t>
-              </a:r>
-            </a:p>
-            <a:p>
-              <a:r>
-                <a:rPr lang="en-US" dirty="0" smtClean="0">
-                  <a:solidFill>
-                    <a:schemeClr val="accent1"/>
-                  </a:solidFill>
-                </a:rPr>
-                <a:t>country</a:t>
-              </a:r>
-              <a:r>
-                <a:rPr lang="en-US" dirty="0" smtClean="0"/>
-                <a:t> = </a:t>
-              </a:r>
-              <a:r>
-                <a:rPr lang="en-US" dirty="0" smtClean="0">
-                  <a:solidFill>
-                    <a:srgbClr val="FF0000"/>
-                  </a:solidFill>
-                </a:rPr>
-                <a:t>U.S.</a:t>
-              </a:r>
-              <a:endParaRPr lang="en-US" dirty="0">
-                <a:solidFill>
-                  <a:srgbClr val="FF0000"/>
-                </a:solidFill>
-              </a:endParaRPr>
-            </a:p>
-          </p:txBody>
-        </p:sp>
-        <p:sp>
-          <p:nvSpPr>
-            <p:cNvPr id="37" name="TextBox 36"/>
-            <p:cNvSpPr txBox="1"/>
-            <p:nvPr/>
-          </p:nvSpPr>
-          <p:spPr>
-            <a:xfrm>
-              <a:off x="2189747" y="1387756"/>
-              <a:ext cx="1649506" cy="646331"/>
-            </a:xfrm>
-            <a:prstGeom prst="rect">
-              <a:avLst/>
-            </a:prstGeom>
-            <a:noFill/>
-          </p:spPr>
-          <p:txBody>
-            <a:bodyPr wrap="square" rtlCol="0">
-              <a:spAutoFit/>
-            </a:bodyPr>
-            <a:lstStyle/>
-            <a:p>
-              <a:r>
-                <a:rPr lang="en-US" dirty="0" smtClean="0">
-                  <a:solidFill>
-                    <a:srgbClr val="3366FF"/>
-                  </a:solidFill>
-                </a:rPr>
-                <a:t>gender</a:t>
-              </a:r>
-              <a:r>
-                <a:rPr lang="en-US" dirty="0" smtClean="0"/>
-                <a:t> = </a:t>
-              </a:r>
-              <a:r>
-                <a:rPr lang="en-US" dirty="0" smtClean="0">
-                  <a:solidFill>
-                    <a:srgbClr val="FF0000"/>
-                  </a:solidFill>
-                </a:rPr>
-                <a:t>Man</a:t>
-              </a:r>
-            </a:p>
-            <a:p>
-              <a:r>
-                <a:rPr lang="en-US" dirty="0" smtClean="0">
-                  <a:solidFill>
-                    <a:schemeClr val="accent1"/>
-                  </a:solidFill>
-                </a:rPr>
-                <a:t>country</a:t>
-              </a:r>
-              <a:r>
-                <a:rPr lang="en-US" dirty="0" smtClean="0"/>
-                <a:t> = </a:t>
-              </a:r>
-              <a:r>
-                <a:rPr lang="en-US" dirty="0" smtClean="0">
-                  <a:solidFill>
-                    <a:srgbClr val="FF0000"/>
-                  </a:solidFill>
-                </a:rPr>
-                <a:t>U.S.</a:t>
-              </a:r>
-              <a:endParaRPr lang="en-US" dirty="0">
-                <a:solidFill>
-                  <a:srgbClr val="FF0000"/>
-                </a:solidFill>
-              </a:endParaRPr>
-            </a:p>
-          </p:txBody>
-        </p:sp>
-        <p:sp>
-          <p:nvSpPr>
-            <p:cNvPr id="38" name="TextBox 37"/>
-            <p:cNvSpPr txBox="1"/>
-            <p:nvPr/>
-          </p:nvSpPr>
-          <p:spPr>
-            <a:xfrm>
-              <a:off x="4056762" y="1387756"/>
-              <a:ext cx="2099507" cy="646331"/>
-            </a:xfrm>
-            <a:prstGeom prst="rect">
-              <a:avLst/>
-            </a:prstGeom>
-            <a:noFill/>
-          </p:spPr>
-          <p:txBody>
-            <a:bodyPr wrap="square" rtlCol="0">
-              <a:spAutoFit/>
-            </a:bodyPr>
-            <a:lstStyle/>
-            <a:p>
-              <a:r>
-                <a:rPr lang="en-US" dirty="0" smtClean="0">
-                  <a:solidFill>
-                    <a:srgbClr val="3366FF"/>
-                  </a:solidFill>
-                </a:rPr>
-                <a:t>gender</a:t>
-              </a:r>
-              <a:r>
-                <a:rPr lang="en-US" dirty="0" smtClean="0"/>
-                <a:t> = </a:t>
-              </a:r>
-              <a:r>
-                <a:rPr lang="en-US" dirty="0" smtClean="0">
-                  <a:solidFill>
-                    <a:srgbClr val="FF0000"/>
-                  </a:solidFill>
-                </a:rPr>
-                <a:t>Woman</a:t>
-              </a:r>
-            </a:p>
-            <a:p>
-              <a:r>
-                <a:rPr lang="en-US" dirty="0" smtClean="0">
-                  <a:solidFill>
-                    <a:schemeClr val="accent1"/>
-                  </a:solidFill>
-                </a:rPr>
-                <a:t>country</a:t>
-              </a:r>
-              <a:r>
-                <a:rPr lang="en-US" dirty="0" smtClean="0"/>
-                <a:t> = </a:t>
-              </a:r>
-              <a:r>
-                <a:rPr lang="en-US" dirty="0" smtClean="0">
-                  <a:solidFill>
-                    <a:srgbClr val="FF0000"/>
-                  </a:solidFill>
-                </a:rPr>
-                <a:t>U.S.</a:t>
-              </a:r>
-              <a:endParaRPr lang="en-US" dirty="0">
-                <a:solidFill>
-                  <a:srgbClr val="FF0000"/>
-                </a:solidFill>
-              </a:endParaRPr>
-            </a:p>
-          </p:txBody>
-        </p:sp>
-        <p:sp>
-          <p:nvSpPr>
-            <p:cNvPr id="39" name="TextBox 38"/>
-            <p:cNvSpPr txBox="1"/>
-            <p:nvPr/>
-          </p:nvSpPr>
-          <p:spPr>
-            <a:xfrm>
-              <a:off x="5923777" y="1387756"/>
-              <a:ext cx="2296342" cy="646331"/>
-            </a:xfrm>
-            <a:prstGeom prst="rect">
-              <a:avLst/>
-            </a:prstGeom>
-            <a:noFill/>
-          </p:spPr>
-          <p:txBody>
-            <a:bodyPr wrap="square" rtlCol="0">
-              <a:spAutoFit/>
-            </a:bodyPr>
-            <a:lstStyle/>
-            <a:p>
-              <a:r>
-                <a:rPr lang="en-US" dirty="0" smtClean="0">
-                  <a:solidFill>
-                    <a:srgbClr val="3366FF"/>
-                  </a:solidFill>
-                </a:rPr>
-                <a:t>gender</a:t>
-              </a:r>
-              <a:r>
-                <a:rPr lang="en-US" dirty="0" smtClean="0"/>
-                <a:t> = </a:t>
-              </a:r>
-              <a:r>
-                <a:rPr lang="en-US" dirty="0" smtClean="0">
-                  <a:solidFill>
-                    <a:srgbClr val="FF0000"/>
-                  </a:solidFill>
-                </a:rPr>
-                <a:t>Woman</a:t>
-              </a:r>
-            </a:p>
-            <a:p>
-              <a:r>
-                <a:rPr lang="en-US" dirty="0" smtClean="0">
-                  <a:solidFill>
-                    <a:schemeClr val="accent1"/>
-                  </a:solidFill>
-                </a:rPr>
-                <a:t>country</a:t>
-              </a:r>
-              <a:r>
-                <a:rPr lang="en-US" dirty="0" smtClean="0"/>
-                <a:t> = </a:t>
-              </a:r>
-              <a:r>
-                <a:rPr lang="en-US" dirty="0" smtClean="0">
-                  <a:solidFill>
-                    <a:srgbClr val="FF0000"/>
-                  </a:solidFill>
-                </a:rPr>
-                <a:t>U.S.</a:t>
-              </a:r>
-              <a:endParaRPr lang="en-US" dirty="0">
-                <a:solidFill>
-                  <a:srgbClr val="FF0000"/>
-                </a:solidFill>
-              </a:endParaRPr>
-            </a:p>
-          </p:txBody>
-        </p:sp>
-        <p:sp>
-          <p:nvSpPr>
-            <p:cNvPr id="41" name="TextBox 40"/>
-            <p:cNvSpPr txBox="1"/>
-            <p:nvPr/>
-          </p:nvSpPr>
-          <p:spPr>
-            <a:xfrm>
-              <a:off x="1987178" y="5663179"/>
-              <a:ext cx="2069584" cy="646331"/>
-            </a:xfrm>
-            <a:prstGeom prst="rect">
-              <a:avLst/>
-            </a:prstGeom>
-            <a:noFill/>
-          </p:spPr>
-          <p:txBody>
-            <a:bodyPr wrap="square" rtlCol="0">
-              <a:spAutoFit/>
-            </a:bodyPr>
-            <a:lstStyle/>
-            <a:p>
-              <a:r>
-                <a:rPr lang="en-US" dirty="0" smtClean="0">
-                  <a:solidFill>
-                    <a:srgbClr val="3366FF"/>
-                  </a:solidFill>
-                </a:rPr>
-                <a:t>runtime</a:t>
-              </a:r>
-              <a:r>
-                <a:rPr lang="en-US" dirty="0" smtClean="0"/>
-                <a:t> = </a:t>
-              </a:r>
-              <a:r>
-                <a:rPr lang="en-US" dirty="0" smtClean="0">
-                  <a:solidFill>
-                    <a:srgbClr val="FF0000"/>
-                  </a:solidFill>
-                </a:rPr>
-                <a:t>98 min</a:t>
-              </a:r>
-            </a:p>
-            <a:p>
-              <a:r>
-                <a:rPr lang="en-US" dirty="0" smtClean="0">
-                  <a:solidFill>
-                    <a:schemeClr val="accent1"/>
-                  </a:solidFill>
-                </a:rPr>
-                <a:t>country</a:t>
-              </a:r>
-              <a:r>
-                <a:rPr lang="en-US" dirty="0" smtClean="0"/>
-                <a:t> = </a:t>
-              </a:r>
-              <a:r>
-                <a:rPr lang="en-US" dirty="0" smtClean="0">
-                  <a:solidFill>
-                    <a:srgbClr val="FF0000"/>
-                  </a:solidFill>
-                </a:rPr>
-                <a:t>U.S.</a:t>
-              </a:r>
-              <a:endParaRPr lang="en-US" dirty="0">
-                <a:solidFill>
-                  <a:srgbClr val="FF0000"/>
-                </a:solidFill>
-              </a:endParaRPr>
-            </a:p>
-          </p:txBody>
-        </p:sp>
-        <p:sp>
-          <p:nvSpPr>
-            <p:cNvPr id="42" name="TextBox 41"/>
-            <p:cNvSpPr txBox="1"/>
-            <p:nvPr/>
-          </p:nvSpPr>
-          <p:spPr>
-            <a:xfrm>
-              <a:off x="5044095" y="5649373"/>
-              <a:ext cx="2085944" cy="646331"/>
-            </a:xfrm>
-            <a:prstGeom prst="rect">
-              <a:avLst/>
-            </a:prstGeom>
-            <a:noFill/>
-          </p:spPr>
-          <p:txBody>
-            <a:bodyPr wrap="square" rtlCol="0">
-              <a:spAutoFit/>
-            </a:bodyPr>
-            <a:lstStyle/>
-            <a:p>
-              <a:r>
-                <a:rPr lang="en-US" dirty="0" smtClean="0">
-                  <a:solidFill>
-                    <a:srgbClr val="3366FF"/>
-                  </a:solidFill>
-                </a:rPr>
-                <a:t>runtime</a:t>
-              </a:r>
-              <a:r>
-                <a:rPr lang="en-US" dirty="0" smtClean="0"/>
-                <a:t> = </a:t>
-              </a:r>
-              <a:r>
-                <a:rPr lang="en-US" dirty="0" smtClean="0">
-                  <a:solidFill>
-                    <a:srgbClr val="FF0000"/>
-                  </a:solidFill>
-                </a:rPr>
-                <a:t>111 min</a:t>
-              </a:r>
-            </a:p>
-            <a:p>
-              <a:r>
-                <a:rPr lang="en-US" dirty="0" smtClean="0">
-                  <a:solidFill>
-                    <a:schemeClr val="accent1"/>
-                  </a:solidFill>
-                </a:rPr>
-                <a:t>country</a:t>
-              </a:r>
-              <a:r>
-                <a:rPr lang="en-US" dirty="0" smtClean="0"/>
-                <a:t> = </a:t>
-              </a:r>
-              <a:r>
-                <a:rPr lang="en-US" dirty="0" smtClean="0">
-                  <a:solidFill>
-                    <a:srgbClr val="FF0000"/>
-                  </a:solidFill>
-                </a:rPr>
-                <a:t>U.S.</a:t>
-              </a:r>
-              <a:endParaRPr lang="en-US" dirty="0">
-                <a:solidFill>
-                  <a:srgbClr val="FF0000"/>
-                </a:solidFill>
-              </a:endParaRPr>
-            </a:p>
-          </p:txBody>
-        </p:sp>
-      </p:grpSp>
-      <p:sp>
-        <p:nvSpPr>
-          <p:cNvPr id="2" name="Footer Placeholder 1"/>
-          <p:cNvSpPr>
-            <a:spLocks noGrp="1"/>
-          </p:cNvSpPr>
-          <p:nvPr>
-            <p:ph type="ftr" sz="quarter" idx="11"/>
-          </p:nvPr>
-        </p:nvSpPr>
-        <p:spPr>
-          <a:xfrm>
-            <a:off x="914400" y="6172200"/>
-            <a:ext cx="6650668" cy="457200"/>
-          </a:xfrm>
-        </p:spPr>
-        <p:txBody>
-          <a:bodyPr/>
-          <a:lstStyle/>
-          <a:p>
-            <a:pPr>
-              <a:defRPr/>
-            </a:pPr>
-            <a:endParaRPr lang="en-US" dirty="0"/>
-          </a:p>
-        </p:txBody>
-      </p:sp>
-    </p:spTree>
-    <p:extLst>
-      <p:ext uri="{BB962C8B-B14F-4D97-AF65-F5344CB8AC3E}">
-        <p14:creationId xmlns:p14="http://schemas.microsoft.com/office/powerpoint/2010/main" val="3629905999"/>
-      </p:ext>
-    </p:extLst>
-  </p:cSld>
-  <p:clrMapOvr>
-    <a:masterClrMapping/>
-  </p:clrMapOvr>
-  <p:timing>
-    <p:tnLst>
-      <p:par>
-        <p:cTn xmlns:p14="http://schemas.microsoft.com/office/powerpoint/2010/main" id="1" dur="indefinite" restart="never" nodeType="tmRoot"/>
-      </p:par>
-    </p:tnLst>
-  </p:timing>
-</p:sld>
-</file>
-
-<file path=ppt/slides/slide33.xml><?xml version="1.0" encoding="utf-8"?>
-<p:sld xmlns:a="http://schemas.openxmlformats.org/drawingml/2006/main" xmlns:r="http://schemas.openxmlformats.org/officeDocument/2006/relationships" xmlns:p="http://schemas.openxmlformats.org/presentationml/2006/main">
-  <p:cSld>
-    <p:spTree>
-      <p:nvGrpSpPr>
-        <p:cNvPr id="1" name=""/>
-        <p:cNvGrpSpPr/>
-        <p:nvPr/>
-      </p:nvGrpSpPr>
-      <p:grpSpPr>
-        <a:xfrm>
-          <a:off x="0" y="0"/>
-          <a:ext cx="0" cy="0"/>
-          <a:chOff x="0" y="0"/>
-          <a:chExt cx="0" cy="0"/>
-        </a:xfrm>
-      </p:grpSpPr>
-      <p:sp>
-        <p:nvSpPr>
-          <p:cNvPr id="2" name="Title 1"/>
-          <p:cNvSpPr>
-            <a:spLocks noGrp="1"/>
-          </p:cNvSpPr>
-          <p:nvPr>
-            <p:ph type="title"/>
-          </p:nvPr>
-        </p:nvSpPr>
-        <p:spPr/>
-        <p:txBody>
-          <a:bodyPr>
-            <a:normAutofit/>
-          </a:bodyPr>
-          <a:lstStyle/>
-          <a:p>
-            <a:r>
-              <a:rPr lang="en-US" dirty="0" smtClean="0"/>
-              <a:t>Learning From Relational Samples</a:t>
-            </a:r>
-            <a:endParaRPr lang="en-US" dirty="0"/>
-          </a:p>
-        </p:txBody>
-      </p:sp>
-      <p:sp>
-        <p:nvSpPr>
-          <p:cNvPr id="3" name="Content Placeholder 2"/>
-          <p:cNvSpPr>
-            <a:spLocks noGrp="1"/>
-          </p:cNvSpPr>
-          <p:nvPr>
-            <p:ph idx="1"/>
-          </p:nvPr>
-        </p:nvSpPr>
-        <p:spPr>
-          <a:xfrm>
-            <a:off x="358191" y="1580438"/>
-            <a:ext cx="8531414" cy="4201327"/>
-          </a:xfrm>
-        </p:spPr>
-        <p:txBody>
-          <a:bodyPr/>
-          <a:lstStyle/>
-          <a:p>
-            <a:r>
-              <a:rPr lang="en-US" sz="2800" dirty="0" smtClean="0"/>
-              <a:t>A </a:t>
-            </a:r>
-            <a:r>
-              <a:rPr lang="en-US" sz="2800" b="1" dirty="0" smtClean="0"/>
-              <a:t>sample</a:t>
-            </a:r>
-            <a:r>
-              <a:rPr lang="en-US" sz="2800" dirty="0" smtClean="0"/>
-              <a:t> specifies </a:t>
-            </a:r>
-          </a:p>
-          <a:p>
-            <a:pPr lvl="1"/>
-            <a:r>
-              <a:rPr lang="en-US" dirty="0" smtClean="0"/>
-              <a:t>a set of observed individuals</a:t>
-            </a:r>
-            <a:endParaRPr lang="en-US" dirty="0"/>
-          </a:p>
-          <a:p>
-            <a:pPr lvl="1"/>
-            <a:r>
-              <a:rPr lang="en-US" dirty="0" smtClean="0"/>
-              <a:t>For each tuple of observed individuals</a:t>
-            </a:r>
-            <a:r>
-              <a:rPr lang="en-US" dirty="0"/>
-              <a:t>,</a:t>
-            </a:r>
-            <a:r>
-              <a:rPr lang="en-US" dirty="0" smtClean="0"/>
-              <a:t>  </a:t>
-            </a:r>
-            <a:br>
-              <a:rPr lang="en-US" dirty="0" smtClean="0"/>
-            </a:br>
-            <a:r>
-              <a:rPr lang="en-US" dirty="0" smtClean="0"/>
-              <a:t>the argument value for each </a:t>
-            </a:r>
-            <a:r>
-              <a:rPr lang="en-US" dirty="0" err="1" smtClean="0"/>
-              <a:t>functor</a:t>
-            </a:r>
-            <a:endParaRPr lang="en-US" dirty="0" smtClean="0"/>
-          </a:p>
-          <a:p>
-            <a:pPr marL="457200" lvl="1" indent="0">
-              <a:buNone/>
-            </a:pPr>
-            <a:r>
-              <a:rPr lang="en-US" dirty="0" smtClean="0"/>
-              <a:t>= possible world restricted to observed individuals</a:t>
-            </a:r>
-          </a:p>
-          <a:p>
-            <a:r>
-              <a:rPr lang="en-US" sz="2800" dirty="0" smtClean="0"/>
-              <a:t>As with IID samples, we may have missing data =</a:t>
-            </a:r>
-            <a:br>
-              <a:rPr lang="en-US" sz="2800" dirty="0" smtClean="0"/>
-            </a:br>
-            <a:r>
-              <a:rPr lang="en-US" sz="2800" dirty="0" smtClean="0"/>
-              <a:t>missing values for some arguments of a </a:t>
-            </a:r>
-            <a:r>
-              <a:rPr lang="en-US" sz="2800" dirty="0" err="1" smtClean="0"/>
-              <a:t>functor</a:t>
-            </a:r>
-            <a:endParaRPr lang="en-US" sz="2800" dirty="0" smtClean="0"/>
-          </a:p>
-          <a:p>
-            <a:r>
-              <a:rPr lang="en-US" sz="2800" i="1" dirty="0" smtClean="0"/>
-              <a:t>Relational learning</a:t>
-            </a:r>
-            <a:r>
-              <a:rPr lang="en-US" sz="2800" dirty="0" smtClean="0"/>
-              <a:t>: given observed values of functions, extrapolate to unobserved values</a:t>
-            </a:r>
-          </a:p>
-        </p:txBody>
-      </p:sp>
-      <p:sp>
-        <p:nvSpPr>
-          <p:cNvPr id="5" name="Footer Placeholder 4"/>
-          <p:cNvSpPr>
-            <a:spLocks noGrp="1"/>
-          </p:cNvSpPr>
-          <p:nvPr>
-            <p:ph type="ftr" sz="quarter" idx="11"/>
-          </p:nvPr>
-        </p:nvSpPr>
-        <p:spPr>
-          <a:xfrm>
-            <a:off x="702743" y="6058239"/>
-            <a:ext cx="6638908" cy="457200"/>
-          </a:xfrm>
-        </p:spPr>
-        <p:txBody>
-          <a:bodyPr/>
-          <a:lstStyle/>
-          <a:p>
-            <a:pPr>
-              <a:defRPr/>
-            </a:pPr>
-            <a:r>
-              <a:rPr lang="en-US" dirty="0" smtClean="0"/>
-              <a:t>Xiang, R. &amp; Neville, J. (2011), Relational learning with one network: An asymptotic analysis, in 'Artificial Intelligence and Statistics', pp. 779--788.</a:t>
-            </a:r>
-            <a:endParaRPr lang="en-US" dirty="0"/>
-          </a:p>
-        </p:txBody>
-      </p:sp>
-    </p:spTree>
-    <p:extLst>
-      <p:ext uri="{BB962C8B-B14F-4D97-AF65-F5344CB8AC3E}">
-        <p14:creationId xmlns:p14="http://schemas.microsoft.com/office/powerpoint/2010/main" val="3876270619"/>
-      </p:ext>
-    </p:extLst>
-  </p:cSld>
-  <p:clrMapOvr>
-    <a:masterClrMapping/>
-  </p:clrMapOvr>
-  <p:timing>
-    <p:tnLst>
-      <p:par>
-        <p:cTn xmlns:p14="http://schemas.microsoft.com/office/powerpoint/2010/main" id="1" dur="indefinite" restart="never" nodeType="tmRoot"/>
-      </p:par>
-    </p:tnLst>
-  </p:timing>
-</p:sld>
-</file>
-
-<file path=ppt/slides/slide34.xml><?xml version="1.0" encoding="utf-8"?>
 <p:sld xmlns:a="http://schemas.openxmlformats.org/drawingml/2006/main" xmlns:r="http://schemas.openxmlformats.org/officeDocument/2006/relationships" xmlns:p="http://schemas.openxmlformats.org/presentationml/2006/main">
   <p:cSld>
     <p:spTree>
@@ -23261,7 +22135,7 @@
           <a:lstStyle/>
           <a:p>
             <a:r>
-              <a:rPr lang="en-US" sz="2000" dirty="0" smtClean="0">
+              <a:rPr lang="en-US" sz="2000" dirty="0" err="1" smtClean="0">
                 <a:solidFill>
                   <a:srgbClr val="3366FF"/>
                 </a:solidFill>
@@ -23269,6 +22143,12 @@
               </a:rPr>
               <a:t>ActsIn</a:t>
             </a:r>
+            <a:endParaRPr lang="en-US" sz="2000" dirty="0" smtClean="0">
+              <a:solidFill>
+                <a:srgbClr val="3366FF"/>
+              </a:solidFill>
+              <a:latin typeface="+mn-lt"/>
+            </a:endParaRPr>
           </a:p>
           <a:p>
             <a:r>
@@ -24256,17 +23136,10 @@
   <p:clrMapOvr>
     <a:masterClrMapping/>
   </p:clrMapOvr>
-  <p:timing>
-    <p:tnLst>
-      <p:par>
-        <p:cTn xmlns:p14="http://schemas.microsoft.com/office/powerpoint/2010/main" id="1" dur="indefinite" restart="never" nodeType="tmRoot"/>
-      </p:par>
-    </p:tnLst>
-  </p:timing>
 </p:sld>
 </file>
 
-<file path=ppt/slides/slide35.xml><?xml version="1.0" encoding="utf-8"?>
+<file path=ppt/slides/slide33.xml><?xml version="1.0" encoding="utf-8"?>
 <p:sld xmlns:a="http://schemas.openxmlformats.org/drawingml/2006/main" xmlns:r="http://schemas.openxmlformats.org/officeDocument/2006/relationships" xmlns:p="http://schemas.openxmlformats.org/presentationml/2006/main">
   <p:cSld>
     <p:spTree>
@@ -24323,17 +23196,10 @@
   <p:clrMapOvr>
     <a:masterClrMapping/>
   </p:clrMapOvr>
-  <p:timing>
-    <p:tnLst>
-      <p:par>
-        <p:cTn xmlns:p14="http://schemas.microsoft.com/office/powerpoint/2010/main" id="1" dur="indefinite" restart="never" nodeType="tmRoot"/>
-      </p:par>
-    </p:tnLst>
-  </p:timing>
 </p:sld>
 </file>
 
-<file path=ppt/slides/slide36.xml><?xml version="1.0" encoding="utf-8"?>
+<file path=ppt/slides/slide34.xml><?xml version="1.0" encoding="utf-8"?>
 <p:sld xmlns:a="http://schemas.openxmlformats.org/drawingml/2006/main" xmlns:r="http://schemas.openxmlformats.org/officeDocument/2006/relationships" xmlns:p="http://schemas.openxmlformats.org/presentationml/2006/main">
   <p:cSld>
     <p:spTree>
@@ -24533,31 +23399,31 @@
           <a:lstStyle/>
           <a:p>
             <a:r>
-              <a:rPr lang="en-US" sz="2400" b="1" dirty="0">
+              <a:rPr lang="en-US" sz="2400" dirty="0">
                 <a:latin typeface="+mn-lt"/>
               </a:rPr>
               <a:t>Nodes and edges in </a:t>
             </a:r>
             <a:r>
-              <a:rPr lang="en-US" sz="2400" b="1" dirty="0" err="1">
+              <a:rPr lang="en-US" sz="2400" dirty="0" err="1">
                 <a:latin typeface="+mn-lt"/>
               </a:rPr>
               <a:t>heterogenous</a:t>
             </a:r>
             <a:r>
-              <a:rPr lang="en-US" sz="2400" b="1" dirty="0">
+              <a:rPr lang="en-US" sz="2400" dirty="0">
                 <a:latin typeface="+mn-lt"/>
               </a:rPr>
               <a:t> network </a:t>
             </a:r>
             <a:r>
-              <a:rPr lang="en-US" sz="2400" b="1" dirty="0" smtClean="0">
+              <a:rPr lang="en-US" sz="2400" dirty="0" smtClean="0">
                 <a:latin typeface="+mn-lt"/>
               </a:rPr>
               <a:t/>
             </a:r>
             <a:br>
-              <a:rPr lang="en-US" sz="2400" b="1" dirty="0" smtClean="0">
+              <a:rPr lang="en-US" sz="2400" dirty="0" smtClean="0">
                 <a:latin typeface="+mn-lt"/>
               </a:rPr>
             </a:br>
@@ -24660,7 +23526,7 @@
           <a:lstStyle/>
           <a:p>
             <a:r>
-              <a:rPr lang="en-US" sz="2400" dirty="0" smtClean="0">
+              <a:rPr lang="en-US" sz="2400" b="1" dirty="0" smtClean="0">
                 <a:latin typeface="+mn-lt"/>
               </a:rPr>
               <a:t>Logical Facts</a:t>
@@ -24672,29 +23538,29 @@
               <a:buChar char="•"/>
             </a:pPr>
             <a:r>
-              <a:rPr lang="en-US" sz="2400" dirty="0" smtClean="0">
+              <a:rPr lang="en-US" sz="2400" b="1" dirty="0" smtClean="0">
                 <a:latin typeface="+mn-lt"/>
               </a:rPr>
               <a:t>Knowledge Graph Triples </a:t>
             </a:r>
             <a:br>
-              <a:rPr lang="en-US" sz="2400" dirty="0" smtClean="0">
+              <a:rPr lang="en-US" sz="2400" b="1" dirty="0" smtClean="0">
                 <a:latin typeface="+mn-lt"/>
               </a:rPr>
             </a:br>
             <a:r>
-              <a:rPr lang="en-US" sz="2400" dirty="0" smtClean="0">
+              <a:rPr lang="en-US" sz="2400" b="1" dirty="0" smtClean="0">
                 <a:latin typeface="+mn-lt"/>
               </a:rPr>
               <a:t>(</a:t>
             </a:r>
             <a:r>
-              <a:rPr lang="en-US" sz="2400" dirty="0">
+              <a:rPr lang="en-US" sz="2400" b="1" dirty="0">
                 <a:latin typeface="+mn-lt"/>
               </a:rPr>
               <a:t>Nickel et al. 2015)</a:t>
             </a:r>
-            <a:endParaRPr lang="en-US" sz="2400" dirty="0" smtClean="0">
+            <a:endParaRPr lang="en-US" sz="2400" b="1" dirty="0" smtClean="0">
               <a:latin typeface="+mn-lt"/>
             </a:endParaRPr>
           </a:p>
@@ -24704,12 +23570,12 @@
               <a:buChar char="•"/>
             </a:pPr>
             <a:r>
-              <a:rPr lang="en-US" sz="2400" dirty="0" smtClean="0">
+              <a:rPr lang="en-US" sz="2400" b="1" dirty="0" smtClean="0">
                 <a:latin typeface="+mn-lt"/>
               </a:rPr>
               <a:t>Atoms/Literals</a:t>
             </a:r>
-            <a:endParaRPr lang="en-US" sz="2400" dirty="0">
+            <a:endParaRPr lang="en-US" sz="2400" b="1" dirty="0">
               <a:latin typeface="+mn-lt"/>
             </a:endParaRPr>
           </a:p>
@@ -25026,6 +23892,228 @@
 </p:sld>
 </file>
 
+<file path=ppt/slides/slide35.xml><?xml version="1.0" encoding="utf-8"?>
+<p:sld xmlns:a="http://schemas.openxmlformats.org/drawingml/2006/main" xmlns:r="http://schemas.openxmlformats.org/officeDocument/2006/relationships" xmlns:p="http://schemas.openxmlformats.org/presentationml/2006/main">
+  <p:cSld>
+    <p:spTree>
+      <p:nvGrpSpPr>
+        <p:cNvPr id="1" name=""/>
+        <p:cNvGrpSpPr/>
+        <p:nvPr/>
+      </p:nvGrpSpPr>
+      <p:grpSpPr>
+        <a:xfrm>
+          <a:off x="0" y="0"/>
+          <a:ext cx="0" cy="0"/>
+          <a:chOff x="0" y="0"/>
+          <a:chExt cx="0" cy="0"/>
+        </a:xfrm>
+      </p:grpSpPr>
+      <p:sp>
+        <p:nvSpPr>
+          <p:cNvPr id="2" name="Title 1"/>
+          <p:cNvSpPr>
+            <a:spLocks noGrp="1"/>
+          </p:cNvSpPr>
+          <p:nvPr>
+            <p:ph type="title"/>
+          </p:nvPr>
+        </p:nvSpPr>
+        <p:spPr/>
+        <p:txBody>
+          <a:bodyPr/>
+          <a:lstStyle/>
+          <a:p>
+            <a:r>
+              <a:rPr lang="en-US" dirty="0" smtClean="0"/>
+              <a:t>Tabular Representations</a:t>
+            </a:r>
+            <a:endParaRPr lang="en-US" dirty="0"/>
+          </a:p>
+        </p:txBody>
+      </p:sp>
+      <p:sp>
+        <p:nvSpPr>
+          <p:cNvPr id="3" name="Content Placeholder 2"/>
+          <p:cNvSpPr>
+            <a:spLocks noGrp="1"/>
+          </p:cNvSpPr>
+          <p:nvPr>
+            <p:ph sz="quarter" idx="1"/>
+          </p:nvPr>
+        </p:nvSpPr>
+        <p:spPr/>
+        <p:txBody>
+          <a:bodyPr/>
+          <a:lstStyle/>
+          <a:p>
+            <a:r>
+              <a:rPr lang="en-US" sz="2800" dirty="0" smtClean="0"/>
+              <a:t>Most widely used in industry. </a:t>
+            </a:r>
+          </a:p>
+          <a:p>
+            <a:pPr lvl="1"/>
+            <a:r>
+              <a:rPr lang="en-US" dirty="0" smtClean="0"/>
+              <a:t>Database management systems: $15bn+ (Gardner).</a:t>
+            </a:r>
+          </a:p>
+          <a:p>
+            <a:r>
+              <a:rPr lang="en-US" sz="2800" dirty="0" smtClean="0"/>
+              <a:t>Directly comparable to tabular representations of </a:t>
+            </a:r>
+            <a:r>
+              <a:rPr lang="en-US" sz="2800" dirty="0" err="1" smtClean="0"/>
+              <a:t>i.i.d</a:t>
+            </a:r>
+            <a:r>
+              <a:rPr lang="en-US" sz="2800" dirty="0" smtClean="0"/>
+              <a:t>. data.</a:t>
+            </a:r>
+          </a:p>
+        </p:txBody>
+      </p:sp>
+    </p:spTree>
+    <p:extLst>
+      <p:ext uri="{BB962C8B-B14F-4D97-AF65-F5344CB8AC3E}">
+        <p14:creationId xmlns:p14="http://schemas.microsoft.com/office/powerpoint/2010/main" val="2900873106"/>
+      </p:ext>
+    </p:extLst>
+  </p:cSld>
+  <p:clrMapOvr>
+    <a:masterClrMapping/>
+  </p:clrMapOvr>
+</p:sld>
+</file>
+
+<file path=ppt/slides/slide36.xml><?xml version="1.0" encoding="utf-8"?>
+<p:sld xmlns:a="http://schemas.openxmlformats.org/drawingml/2006/main" xmlns:r="http://schemas.openxmlformats.org/officeDocument/2006/relationships" xmlns:p="http://schemas.openxmlformats.org/presentationml/2006/main">
+  <p:cSld>
+    <p:spTree>
+      <p:nvGrpSpPr>
+        <p:cNvPr id="1" name=""/>
+        <p:cNvGrpSpPr/>
+        <p:nvPr/>
+      </p:nvGrpSpPr>
+      <p:grpSpPr>
+        <a:xfrm>
+          <a:off x="0" y="0"/>
+          <a:ext cx="0" cy="0"/>
+          <a:chOff x="0" y="0"/>
+          <a:chExt cx="0" cy="0"/>
+        </a:xfrm>
+      </p:grpSpPr>
+      <p:sp>
+        <p:nvSpPr>
+          <p:cNvPr id="5" name="Title 4"/>
+          <p:cNvSpPr>
+            <a:spLocks noGrp="1"/>
+          </p:cNvSpPr>
+          <p:nvPr>
+            <p:ph type="title"/>
+          </p:nvPr>
+        </p:nvSpPr>
+        <p:spPr/>
+        <p:txBody>
+          <a:bodyPr/>
+          <a:lstStyle/>
+          <a:p>
+            <a:r>
+              <a:rPr lang="en-US" dirty="0" smtClean="0"/>
+              <a:t>Data Tables for Unary </a:t>
+            </a:r>
+            <a:r>
+              <a:rPr lang="en-US" dirty="0" err="1"/>
+              <a:t>F</a:t>
+            </a:r>
+            <a:r>
+              <a:rPr lang="en-US" dirty="0" err="1" smtClean="0"/>
+              <a:t>unctors</a:t>
+            </a:r>
+            <a:endParaRPr lang="en-US" dirty="0"/>
+          </a:p>
+        </p:txBody>
+      </p:sp>
+      <p:sp>
+        <p:nvSpPr>
+          <p:cNvPr id="6" name="Text Placeholder 5"/>
+          <p:cNvSpPr>
+            <a:spLocks noGrp="1"/>
+          </p:cNvSpPr>
+          <p:nvPr>
+            <p:ph type="body" idx="1"/>
+          </p:nvPr>
+        </p:nvSpPr>
+        <p:spPr>
+          <a:xfrm>
+            <a:off x="722313" y="2958684"/>
+            <a:ext cx="7772400" cy="927516"/>
+          </a:xfrm>
+        </p:spPr>
+        <p:txBody>
+          <a:bodyPr/>
+          <a:lstStyle/>
+          <a:p>
+            <a:pPr algn="ctr"/>
+            <a:r>
+              <a:rPr lang="en-US" dirty="0" err="1" smtClean="0"/>
+              <a:t>Arity</a:t>
+            </a:r>
+            <a:r>
+              <a:rPr lang="en-US" dirty="0" smtClean="0"/>
+              <a:t> = 1</a:t>
+            </a:r>
+          </a:p>
+          <a:p>
+            <a:pPr algn="ctr"/>
+            <a:r>
+              <a:rPr lang="en-US" dirty="0" smtClean="0"/>
+              <a:t>IID data</a:t>
+            </a:r>
+          </a:p>
+        </p:txBody>
+      </p:sp>
+      <p:sp>
+        <p:nvSpPr>
+          <p:cNvPr id="4" name="Footer Placeholder 3"/>
+          <p:cNvSpPr>
+            <a:spLocks noGrp="1"/>
+          </p:cNvSpPr>
+          <p:nvPr>
+            <p:ph type="ftr" sz="quarter" idx="11"/>
+          </p:nvPr>
+        </p:nvSpPr>
+        <p:spPr/>
+        <p:txBody>
+          <a:bodyPr/>
+          <a:lstStyle/>
+          <a:p>
+            <a:pPr>
+              <a:defRPr/>
+            </a:pPr>
+            <a:r>
+              <a:rPr lang="en-US" dirty="0" smtClean="0"/>
+              <a:t>Learning Bayesian Networks for Complex Relational Data</a:t>
+            </a:r>
+            <a:endParaRPr lang="en-US" dirty="0"/>
+          </a:p>
+        </p:txBody>
+      </p:sp>
+    </p:spTree>
+    <p:extLst>
+      <p:ext uri="{BB962C8B-B14F-4D97-AF65-F5344CB8AC3E}">
+        <p14:creationId xmlns:p14="http://schemas.microsoft.com/office/powerpoint/2010/main" val="2908159519"/>
+      </p:ext>
+    </p:extLst>
+  </p:cSld>
+  <p:clrMapOvr>
+    <a:masterClrMapping/>
+  </p:clrMapOvr>
+</p:sld>
+</file>
+
 <file path=ppt/slides/slide37.xml><?xml version="1.0" encoding="utf-8"?>
 <p:sld xmlns:a="http://schemas.openxmlformats.org/drawingml/2006/main" xmlns:r="http://schemas.openxmlformats.org/officeDocument/2006/relationships" xmlns:p="http://schemas.openxmlformats.org/presentationml/2006/main">
   <p:cSld>
@@ -25053,242 +24141,6 @@
             <p:ph type="title"/>
           </p:nvPr>
         </p:nvSpPr>
-        <p:spPr/>
-        <p:txBody>
-          <a:bodyPr/>
-          <a:lstStyle/>
-          <a:p>
-            <a:r>
-              <a:rPr lang="en-US" dirty="0" smtClean="0"/>
-              <a:t>Tabular Representations</a:t>
-            </a:r>
-            <a:endParaRPr lang="en-US" dirty="0"/>
-          </a:p>
-        </p:txBody>
-      </p:sp>
-      <p:sp>
-        <p:nvSpPr>
-          <p:cNvPr id="3" name="Content Placeholder 2"/>
-          <p:cNvSpPr>
-            <a:spLocks noGrp="1"/>
-          </p:cNvSpPr>
-          <p:nvPr>
-            <p:ph sz="quarter" idx="1"/>
-          </p:nvPr>
-        </p:nvSpPr>
-        <p:spPr/>
-        <p:txBody>
-          <a:bodyPr/>
-          <a:lstStyle/>
-          <a:p>
-            <a:r>
-              <a:rPr lang="en-US" sz="2800" dirty="0" smtClean="0"/>
-              <a:t>Most widely used in industry. </a:t>
-            </a:r>
-          </a:p>
-          <a:p>
-            <a:pPr lvl="1"/>
-            <a:r>
-              <a:rPr lang="en-US" dirty="0" smtClean="0"/>
-              <a:t>Database management systems: $15bn+ (Gardner).</a:t>
-            </a:r>
-          </a:p>
-          <a:p>
-            <a:r>
-              <a:rPr lang="en-US" sz="2800" dirty="0" smtClean="0"/>
-              <a:t>Directly comparable to tabular representations of </a:t>
-            </a:r>
-            <a:r>
-              <a:rPr lang="en-US" sz="2800" dirty="0" err="1" smtClean="0"/>
-              <a:t>i.i.d</a:t>
-            </a:r>
-            <a:r>
-              <a:rPr lang="en-US" sz="2800" dirty="0" smtClean="0"/>
-              <a:t>. data.</a:t>
-            </a:r>
-          </a:p>
-        </p:txBody>
-      </p:sp>
-    </p:spTree>
-    <p:extLst>
-      <p:ext uri="{BB962C8B-B14F-4D97-AF65-F5344CB8AC3E}">
-        <p14:creationId xmlns:p14="http://schemas.microsoft.com/office/powerpoint/2010/main" val="2900873106"/>
-      </p:ext>
-    </p:extLst>
-  </p:cSld>
-  <p:clrMapOvr>
-    <a:masterClrMapping/>
-  </p:clrMapOvr>
-  <p:timing>
-    <p:tnLst>
-      <p:par>
-        <p:cTn xmlns:p14="http://schemas.microsoft.com/office/powerpoint/2010/main" id="1" dur="indefinite" restart="never" nodeType="tmRoot"/>
-      </p:par>
-    </p:tnLst>
-  </p:timing>
-</p:sld>
-</file>
-
-<file path=ppt/slides/slide38.xml><?xml version="1.0" encoding="utf-8"?>
-<p:sld xmlns:a="http://schemas.openxmlformats.org/drawingml/2006/main" xmlns:r="http://schemas.openxmlformats.org/officeDocument/2006/relationships" xmlns:p="http://schemas.openxmlformats.org/presentationml/2006/main">
-  <p:cSld>
-    <p:spTree>
-      <p:nvGrpSpPr>
-        <p:cNvPr id="1" name=""/>
-        <p:cNvGrpSpPr/>
-        <p:nvPr/>
-      </p:nvGrpSpPr>
-      <p:grpSpPr>
-        <a:xfrm>
-          <a:off x="0" y="0"/>
-          <a:ext cx="0" cy="0"/>
-          <a:chOff x="0" y="0"/>
-          <a:chExt cx="0" cy="0"/>
-        </a:xfrm>
-      </p:grpSpPr>
-      <p:sp>
-        <p:nvSpPr>
-          <p:cNvPr id="5" name="Title 4"/>
-          <p:cNvSpPr>
-            <a:spLocks noGrp="1"/>
-          </p:cNvSpPr>
-          <p:nvPr>
-            <p:ph type="title"/>
-          </p:nvPr>
-        </p:nvSpPr>
-        <p:spPr/>
-        <p:txBody>
-          <a:bodyPr/>
-          <a:lstStyle/>
-          <a:p>
-            <a:r>
-              <a:rPr lang="en-US" dirty="0" smtClean="0"/>
-              <a:t>Data Tables for Unary </a:t>
-            </a:r>
-            <a:r>
-              <a:rPr lang="en-US" dirty="0"/>
-              <a:t>F</a:t>
-            </a:r>
-            <a:r>
-              <a:rPr lang="en-US" dirty="0" smtClean="0"/>
-              <a:t>unctors</a:t>
-            </a:r>
-            <a:endParaRPr lang="en-US" dirty="0"/>
-          </a:p>
-        </p:txBody>
-      </p:sp>
-      <p:sp>
-        <p:nvSpPr>
-          <p:cNvPr id="6" name="Text Placeholder 5"/>
-          <p:cNvSpPr>
-            <a:spLocks noGrp="1"/>
-          </p:cNvSpPr>
-          <p:nvPr>
-            <p:ph type="body" idx="1"/>
-          </p:nvPr>
-        </p:nvSpPr>
-        <p:spPr>
-          <a:xfrm>
-            <a:off x="722313" y="2958684"/>
-            <a:ext cx="7772400" cy="927516"/>
-          </a:xfrm>
-        </p:spPr>
-        <p:txBody>
-          <a:bodyPr/>
-          <a:lstStyle/>
-          <a:p>
-            <a:pPr algn="ctr"/>
-            <a:r>
-              <a:rPr lang="en-US" dirty="0" err="1" smtClean="0"/>
-              <a:t>Arity</a:t>
-            </a:r>
-            <a:r>
-              <a:rPr lang="en-US" dirty="0" smtClean="0"/>
-              <a:t> = 1</a:t>
-            </a:r>
-          </a:p>
-          <a:p>
-            <a:pPr algn="ctr"/>
-            <a:r>
-              <a:rPr lang="en-US" dirty="0" smtClean="0"/>
-              <a:t>IID data</a:t>
-            </a:r>
-          </a:p>
-        </p:txBody>
-      </p:sp>
-      <p:sp>
-        <p:nvSpPr>
-          <p:cNvPr id="4" name="Footer Placeholder 3"/>
-          <p:cNvSpPr>
-            <a:spLocks noGrp="1"/>
-          </p:cNvSpPr>
-          <p:nvPr>
-            <p:ph type="ftr" sz="quarter" idx="11"/>
-          </p:nvPr>
-        </p:nvSpPr>
-        <p:spPr/>
-        <p:txBody>
-          <a:bodyPr/>
-          <a:lstStyle/>
-          <a:p>
-            <a:pPr>
-              <a:defRPr/>
-            </a:pPr>
-            <a:r>
-              <a:rPr lang="en-US" dirty="0" smtClean="0"/>
-              <a:t>Learning Bayesian Networks for Complex Relational Data</a:t>
-            </a:r>
-            <a:endParaRPr lang="en-US" dirty="0"/>
-          </a:p>
-        </p:txBody>
-      </p:sp>
-    </p:spTree>
-    <p:extLst>
-      <p:ext uri="{BB962C8B-B14F-4D97-AF65-F5344CB8AC3E}">
-        <p14:creationId xmlns:p14="http://schemas.microsoft.com/office/powerpoint/2010/main" val="2908159519"/>
-      </p:ext>
-    </p:extLst>
-  </p:cSld>
-  <p:clrMapOvr>
-    <a:masterClrMapping/>
-  </p:clrMapOvr>
-  <p:timing>
-    <p:tnLst>
-      <p:par>
-        <p:cTn xmlns:p14="http://schemas.microsoft.com/office/powerpoint/2010/main" id="1" dur="indefinite" restart="never" nodeType="tmRoot"/>
-      </p:par>
-    </p:tnLst>
-  </p:timing>
-</p:sld>
-</file>
-
-<file path=ppt/slides/slide39.xml><?xml version="1.0" encoding="utf-8"?>
-<p:sld xmlns:a="http://schemas.openxmlformats.org/drawingml/2006/main" xmlns:r="http://schemas.openxmlformats.org/officeDocument/2006/relationships" xmlns:p="http://schemas.openxmlformats.org/presentationml/2006/main">
-  <p:cSld>
-    <p:spTree>
-      <p:nvGrpSpPr>
-        <p:cNvPr id="1" name=""/>
-        <p:cNvGrpSpPr/>
-        <p:nvPr/>
-      </p:nvGrpSpPr>
-      <p:grpSpPr>
-        <a:xfrm>
-          <a:off x="0" y="0"/>
-          <a:ext cx="0" cy="0"/>
-          <a:chOff x="0" y="0"/>
-          <a:chExt cx="0" cy="0"/>
-        </a:xfrm>
-      </p:grpSpPr>
-      <p:sp>
-        <p:nvSpPr>
-          <p:cNvPr id="2" name="Title 1"/>
-          <p:cNvSpPr>
-            <a:spLocks noGrp="1"/>
-          </p:cNvSpPr>
-          <p:nvPr>
-            <p:ph type="title"/>
-          </p:nvPr>
-        </p:nvSpPr>
         <p:spPr>
           <a:xfrm>
             <a:off x="414681" y="274638"/>
@@ -25303,7 +24155,11 @@
           <a:p>
             <a:r>
               <a:rPr lang="en-US" dirty="0" smtClean="0"/>
-              <a:t>Table Representation for Unary Functors</a:t>
+              <a:t>Table Representation for Unary </a:t>
+            </a:r>
+            <a:r>
+              <a:rPr lang="en-US" dirty="0" err="1" smtClean="0"/>
+              <a:t>Functors</a:t>
             </a:r>
             <a:endParaRPr lang="en-US" dirty="0"/>
           </a:p>
@@ -25492,6 +24348,16 @@
                     <a:p>
                       <a:pPr algn="ctr" fontAlgn="b"/>
                       <a:r>
+                        <a:rPr lang="en-US" sz="2600" b="1" i="0" u="none" strike="noStrike" dirty="0" err="1" smtClean="0">
+                          <a:solidFill>
+                            <a:srgbClr val="000000"/>
+                          </a:solidFill>
+                          <a:effectLst/>
+                          <a:latin typeface="+mn-lt"/>
+                        </a:rPr>
+                        <a:t>Functors</a:t>
+                      </a:r>
+                      <a:r>
                         <a:rPr lang="en-US" sz="2600" b="1" i="0" u="none" strike="noStrike" dirty="0" smtClean="0">
                           <a:solidFill>
                             <a:srgbClr val="000000"/>
@@ -25499,7 +24365,7 @@
                           <a:effectLst/>
                           <a:latin typeface="+mn-lt"/>
                         </a:rPr>
-                        <a:t>Functors/Attributes</a:t>
+                        <a:t>/Attributes</a:t>
                       </a:r>
                       <a:endParaRPr lang="en-US" sz="2600" b="1" i="0" u="none" strike="noStrike" dirty="0">
                         <a:solidFill>
@@ -25847,13 +24713,316 @@
   <p:clrMapOvr>
     <a:masterClrMapping/>
   </p:clrMapOvr>
-  <p:timing>
-    <p:tnLst>
-      <p:par>
-        <p:cTn xmlns:p14="http://schemas.microsoft.com/office/powerpoint/2010/main" id="1" dur="indefinite" restart="never" nodeType="tmRoot"/>
-      </p:par>
-    </p:tnLst>
-  </p:timing>
+</p:sld>
+</file>
+
+<file path=ppt/slides/slide38.xml><?xml version="1.0" encoding="utf-8"?>
+<p:sld xmlns:a="http://schemas.openxmlformats.org/drawingml/2006/main" xmlns:r="http://schemas.openxmlformats.org/officeDocument/2006/relationships" xmlns:p="http://schemas.openxmlformats.org/presentationml/2006/main">
+  <p:cSld>
+    <p:spTree>
+      <p:nvGrpSpPr>
+        <p:cNvPr id="1" name=""/>
+        <p:cNvGrpSpPr/>
+        <p:nvPr/>
+      </p:nvGrpSpPr>
+      <p:grpSpPr>
+        <a:xfrm>
+          <a:off x="0" y="0"/>
+          <a:ext cx="0" cy="0"/>
+          <a:chOff x="0" y="0"/>
+          <a:chExt cx="0" cy="0"/>
+        </a:xfrm>
+      </p:grpSpPr>
+      <p:sp>
+        <p:nvSpPr>
+          <p:cNvPr id="2" name="Title 1"/>
+          <p:cNvSpPr>
+            <a:spLocks noGrp="1"/>
+          </p:cNvSpPr>
+          <p:nvPr>
+            <p:ph type="title"/>
+          </p:nvPr>
+        </p:nvSpPr>
+        <p:spPr/>
+        <p:txBody>
+          <a:bodyPr/>
+          <a:lstStyle/>
+          <a:p>
+            <a:r>
+              <a:rPr lang="en-US" dirty="0" smtClean="0"/>
+              <a:t>IID Data</a:t>
+            </a:r>
+            <a:endParaRPr lang="en-US" dirty="0"/>
+          </a:p>
+        </p:txBody>
+      </p:sp>
+      <p:sp>
+        <p:nvSpPr>
+          <p:cNvPr id="3" name="Content Placeholder 2"/>
+          <p:cNvSpPr>
+            <a:spLocks noGrp="1"/>
+          </p:cNvSpPr>
+          <p:nvPr>
+            <p:ph idx="1"/>
+          </p:nvPr>
+        </p:nvSpPr>
+        <p:spPr/>
+        <p:txBody>
+          <a:bodyPr/>
+          <a:lstStyle/>
+          <a:p>
+            <a:pPr marL="0" indent="0">
+              <a:buNone/>
+            </a:pPr>
+            <a:r>
+              <a:rPr lang="en-US" sz="2800" b="1" dirty="0" smtClean="0"/>
+              <a:t>Observation</a:t>
+            </a:r>
+            <a:r>
+              <a:rPr lang="en-US" sz="2800" dirty="0"/>
+              <a:t/>
+            </a:r>
+            <a:br>
+              <a:rPr lang="en-US" sz="2800" dirty="0"/>
+            </a:br>
+            <a:r>
+              <a:rPr lang="en-US" sz="2800" dirty="0" smtClean="0"/>
+              <a:t>A dataset for </a:t>
+            </a:r>
+            <a:r>
+              <a:rPr lang="en-US" sz="2800" dirty="0" err="1" smtClean="0"/>
+              <a:t>functors</a:t>
+            </a:r>
+            <a:r>
+              <a:rPr lang="en-US" sz="2800" dirty="0" smtClean="0"/>
+              <a:t> F can be represented by a single matrix</a:t>
+            </a:r>
+            <a:br>
+              <a:rPr lang="en-US" sz="2800" dirty="0" smtClean="0"/>
+            </a:br>
+            <a:r>
+              <a:rPr lang="en-US" sz="2800" i="1" dirty="0" smtClean="0"/>
+              <a:t>if and only if</a:t>
+            </a:r>
+            <a:br>
+              <a:rPr lang="en-US" sz="2800" i="1" dirty="0" smtClean="0"/>
+            </a:br>
+            <a:r>
+              <a:rPr lang="en-US" sz="2800" dirty="0" smtClean="0"/>
+              <a:t>all </a:t>
+            </a:r>
+            <a:r>
+              <a:rPr lang="en-US" sz="2800" dirty="0" err="1" smtClean="0"/>
+              <a:t>functors</a:t>
+            </a:r>
+            <a:r>
+              <a:rPr lang="en-US" sz="2800" dirty="0" smtClean="0"/>
+              <a:t> in F are unary</a:t>
+            </a:r>
+          </a:p>
+          <a:p>
+            <a:pPr marL="0" indent="0">
+              <a:buNone/>
+            </a:pPr>
+            <a:endParaRPr lang="en-US" sz="2800" dirty="0"/>
+          </a:p>
+          <a:p>
+            <a:pPr marL="0" indent="0">
+              <a:buNone/>
+            </a:pPr>
+            <a:r>
+              <a:rPr lang="en-US" sz="2800" dirty="0" smtClean="0"/>
+              <a:t>IID data = random sample with </a:t>
+            </a:r>
+            <a:r>
+              <a:rPr lang="en-US" sz="2800" u="sng" dirty="0" smtClean="0"/>
+              <a:t>unary</a:t>
+            </a:r>
+            <a:r>
+              <a:rPr lang="en-US" sz="2800" dirty="0" smtClean="0"/>
+              <a:t> </a:t>
+            </a:r>
+            <a:r>
+              <a:rPr lang="en-US" sz="2800" dirty="0" err="1" smtClean="0"/>
+              <a:t>functors</a:t>
+            </a:r>
+            <a:endParaRPr lang="en-US" sz="2800" dirty="0"/>
+          </a:p>
+        </p:txBody>
+      </p:sp>
+      <p:sp>
+        <p:nvSpPr>
+          <p:cNvPr id="6" name="Footer Placeholder 5"/>
+          <p:cNvSpPr>
+            <a:spLocks noGrp="1"/>
+          </p:cNvSpPr>
+          <p:nvPr>
+            <p:ph type="ftr" sz="quarter" idx="11"/>
+          </p:nvPr>
+        </p:nvSpPr>
+        <p:spPr>
+          <a:xfrm>
+            <a:off x="755661" y="5943600"/>
+            <a:ext cx="6771190" cy="457200"/>
+          </a:xfrm>
+        </p:spPr>
+        <p:txBody>
+          <a:bodyPr/>
+          <a:lstStyle/>
+          <a:p>
+            <a:pPr>
+              <a:defRPr/>
+            </a:pPr>
+            <a:r>
+              <a:rPr lang="en-US" dirty="0" smtClean="0"/>
+              <a:t>Nickel, M.; Murphy, K.; </a:t>
+            </a:r>
+            <a:r>
+              <a:rPr lang="en-US" dirty="0" err="1" smtClean="0"/>
+              <a:t>Tresp</a:t>
+            </a:r>
+            <a:r>
+              <a:rPr lang="en-US" dirty="0" smtClean="0"/>
+              <a:t>, V. &amp; </a:t>
+            </a:r>
+            <a:r>
+              <a:rPr lang="en-US" dirty="0" err="1" smtClean="0"/>
+              <a:t>Gabrilovich</a:t>
+            </a:r>
+            <a:r>
+              <a:rPr lang="en-US" dirty="0" smtClean="0"/>
+              <a:t>, E. (2016), 'A review of relational machine learning for knowledge graphs', Proceedings of the IEEE 104(1), 11--33.</a:t>
+            </a:r>
+            <a:endParaRPr lang="en-US" dirty="0"/>
+          </a:p>
+        </p:txBody>
+      </p:sp>
+    </p:spTree>
+    <p:extLst>
+      <p:ext uri="{BB962C8B-B14F-4D97-AF65-F5344CB8AC3E}">
+        <p14:creationId xmlns:p14="http://schemas.microsoft.com/office/powerpoint/2010/main" val="1594431597"/>
+      </p:ext>
+    </p:extLst>
+  </p:cSld>
+  <p:clrMapOvr>
+    <a:masterClrMapping/>
+  </p:clrMapOvr>
+</p:sld>
+</file>
+
+<file path=ppt/slides/slide39.xml><?xml version="1.0" encoding="utf-8"?>
+<p:sld xmlns:a="http://schemas.openxmlformats.org/drawingml/2006/main" xmlns:r="http://schemas.openxmlformats.org/officeDocument/2006/relationships" xmlns:p="http://schemas.openxmlformats.org/presentationml/2006/main">
+  <p:cSld>
+    <p:spTree>
+      <p:nvGrpSpPr>
+        <p:cNvPr id="1" name=""/>
+        <p:cNvGrpSpPr/>
+        <p:nvPr/>
+      </p:nvGrpSpPr>
+      <p:grpSpPr>
+        <a:xfrm>
+          <a:off x="0" y="0"/>
+          <a:ext cx="0" cy="0"/>
+          <a:chOff x="0" y="0"/>
+          <a:chExt cx="0" cy="0"/>
+        </a:xfrm>
+      </p:grpSpPr>
+      <p:sp>
+        <p:nvSpPr>
+          <p:cNvPr id="5" name="Title 4"/>
+          <p:cNvSpPr>
+            <a:spLocks noGrp="1"/>
+          </p:cNvSpPr>
+          <p:nvPr>
+            <p:ph type="title"/>
+          </p:nvPr>
+        </p:nvSpPr>
+        <p:spPr/>
+        <p:txBody>
+          <a:bodyPr/>
+          <a:lstStyle/>
+          <a:p>
+            <a:r>
+              <a:rPr lang="en-US" dirty="0" smtClean="0"/>
+              <a:t>Data Tables for Relational </a:t>
+            </a:r>
+            <a:r>
+              <a:rPr lang="en-US" dirty="0" err="1" smtClean="0"/>
+              <a:t>Functors</a:t>
+            </a:r>
+            <a:endParaRPr lang="en-US" dirty="0"/>
+          </a:p>
+        </p:txBody>
+      </p:sp>
+      <p:sp>
+        <p:nvSpPr>
+          <p:cNvPr id="6" name="Text Placeholder 5"/>
+          <p:cNvSpPr>
+            <a:spLocks noGrp="1"/>
+          </p:cNvSpPr>
+          <p:nvPr>
+            <p:ph type="body" idx="1"/>
+          </p:nvPr>
+        </p:nvSpPr>
+        <p:spPr>
+          <a:xfrm>
+            <a:off x="722313" y="2796564"/>
+            <a:ext cx="7772400" cy="1089636"/>
+          </a:xfrm>
+        </p:spPr>
+        <p:txBody>
+          <a:bodyPr/>
+          <a:lstStyle/>
+          <a:p>
+            <a:pPr algn="ctr"/>
+            <a:r>
+              <a:rPr lang="en-US" dirty="0" err="1" smtClean="0"/>
+              <a:t>Arity</a:t>
+            </a:r>
+            <a:r>
+              <a:rPr lang="en-US" dirty="0" smtClean="0"/>
+              <a:t> &gt; 1</a:t>
+            </a:r>
+            <a:endParaRPr lang="en-US" dirty="0"/>
+          </a:p>
+        </p:txBody>
+      </p:sp>
+      <p:sp>
+        <p:nvSpPr>
+          <p:cNvPr id="4" name="Footer Placeholder 3"/>
+          <p:cNvSpPr>
+            <a:spLocks noGrp="1"/>
+          </p:cNvSpPr>
+          <p:nvPr>
+            <p:ph type="ftr" sz="quarter" idx="11"/>
+          </p:nvPr>
+        </p:nvSpPr>
+        <p:spPr/>
+        <p:txBody>
+          <a:bodyPr/>
+          <a:lstStyle/>
+          <a:p>
+            <a:pPr>
+              <a:defRPr/>
+            </a:pPr>
+            <a:r>
+              <a:rPr lang="en-US" dirty="0" smtClean="0"/>
+              <a:t>Learning Bayesian Networks for Complex Relational Data</a:t>
+            </a:r>
+            <a:endParaRPr lang="en-US" dirty="0"/>
+          </a:p>
+        </p:txBody>
+      </p:sp>
+    </p:spTree>
+    <p:extLst>
+      <p:ext uri="{BB962C8B-B14F-4D97-AF65-F5344CB8AC3E}">
+        <p14:creationId xmlns:p14="http://schemas.microsoft.com/office/powerpoint/2010/main" val="2262378959"/>
+      </p:ext>
+    </p:extLst>
+  </p:cSld>
+  <p:clrMapOvr>
+    <a:masterClrMapping/>
+  </p:clrMapOvr>
 </p:sld>
 </file>
 
@@ -25958,13 +25127,6 @@
   <p:clrMapOvr>
     <a:masterClrMapping/>
   </p:clrMapOvr>
-  <p:timing>
-    <p:tnLst>
-      <p:par>
-        <p:cTn xmlns:p14="http://schemas.microsoft.com/office/powerpoint/2010/main" id="1" dur="indefinite" restart="never" nodeType="tmRoot"/>
-      </p:par>
-    </p:tnLst>
-  </p:timing>
 </p:sld>
 </file>
 
@@ -25987,125 +25149,6 @@
       </p:grpSpPr>
       <p:sp>
         <p:nvSpPr>
-          <p:cNvPr id="5" name="Title 4"/>
-          <p:cNvSpPr>
-            <a:spLocks noGrp="1"/>
-          </p:cNvSpPr>
-          <p:nvPr>
-            <p:ph type="title"/>
-          </p:nvPr>
-        </p:nvSpPr>
-        <p:spPr/>
-        <p:txBody>
-          <a:bodyPr/>
-          <a:lstStyle/>
-          <a:p>
-            <a:r>
-              <a:rPr lang="en-US" dirty="0" smtClean="0"/>
-              <a:t>Data Tables for Relational Functors</a:t>
-            </a:r>
-            <a:endParaRPr lang="en-US" dirty="0"/>
-          </a:p>
-        </p:txBody>
-      </p:sp>
-      <p:sp>
-        <p:nvSpPr>
-          <p:cNvPr id="6" name="Text Placeholder 5"/>
-          <p:cNvSpPr>
-            <a:spLocks noGrp="1"/>
-          </p:cNvSpPr>
-          <p:nvPr>
-            <p:ph type="body" idx="1"/>
-          </p:nvPr>
-        </p:nvSpPr>
-        <p:spPr>
-          <a:xfrm>
-            <a:off x="722313" y="2796564"/>
-            <a:ext cx="7772400" cy="1089636"/>
-          </a:xfrm>
-        </p:spPr>
-        <p:txBody>
-          <a:bodyPr/>
-          <a:lstStyle/>
-          <a:p>
-            <a:pPr algn="ctr"/>
-            <a:r>
-              <a:rPr lang="en-US" dirty="0" err="1" smtClean="0"/>
-              <a:t>Arity</a:t>
-            </a:r>
-            <a:r>
-              <a:rPr lang="en-US" dirty="0" smtClean="0"/>
-              <a:t> &gt; 1</a:t>
-            </a:r>
-            <a:endParaRPr lang="en-US" dirty="0"/>
-          </a:p>
-        </p:txBody>
-      </p:sp>
-      <p:sp>
-        <p:nvSpPr>
-          <p:cNvPr id="4" name="Footer Placeholder 3"/>
-          <p:cNvSpPr>
-            <a:spLocks noGrp="1"/>
-          </p:cNvSpPr>
-          <p:nvPr>
-            <p:ph type="ftr" sz="quarter" idx="11"/>
-          </p:nvPr>
-        </p:nvSpPr>
-        <p:spPr/>
-        <p:txBody>
-          <a:bodyPr/>
-          <a:lstStyle/>
-          <a:p>
-            <a:pPr>
-              <a:defRPr/>
-            </a:pPr>
-            <a:r>
-              <a:rPr lang="en-US" dirty="0" smtClean="0"/>
-              <a:t>Learning Bayesian Networks for Complex Relational Data</a:t>
-            </a:r>
-            <a:endParaRPr lang="en-US" dirty="0"/>
-          </a:p>
-        </p:txBody>
-      </p:sp>
-    </p:spTree>
-    <p:extLst>
-      <p:ext uri="{BB962C8B-B14F-4D97-AF65-F5344CB8AC3E}">
-        <p14:creationId xmlns:p14="http://schemas.microsoft.com/office/powerpoint/2010/main" val="2262378959"/>
-      </p:ext>
-    </p:extLst>
-  </p:cSld>
-  <p:clrMapOvr>
-    <a:masterClrMapping/>
-  </p:clrMapOvr>
-  <p:timing>
-    <p:tnLst>
-      <p:par>
-        <p:cTn xmlns:p14="http://schemas.microsoft.com/office/powerpoint/2010/main" id="1" dur="indefinite" restart="never" nodeType="tmRoot"/>
-      </p:par>
-    </p:tnLst>
-  </p:timing>
-</p:sld>
-</file>
-
-<file path=ppt/slides/slide41.xml><?xml version="1.0" encoding="utf-8"?>
-<p:sld xmlns:a="http://schemas.openxmlformats.org/drawingml/2006/main" xmlns:r="http://schemas.openxmlformats.org/officeDocument/2006/relationships" xmlns:p="http://schemas.openxmlformats.org/presentationml/2006/main">
-  <p:cSld>
-    <p:spTree>
-      <p:nvGrpSpPr>
-        <p:cNvPr id="1" name=""/>
-        <p:cNvGrpSpPr/>
-        <p:nvPr/>
-      </p:nvGrpSpPr>
-      <p:grpSpPr>
-        <a:xfrm>
-          <a:off x="0" y="0"/>
-          <a:ext cx="0" cy="0"/>
-          <a:chOff x="0" y="0"/>
-          <a:chExt cx="0" cy="0"/>
-        </a:xfrm>
-      </p:grpSpPr>
-      <p:sp>
-        <p:nvSpPr>
           <p:cNvPr id="2" name="Title 1"/>
           <p:cNvSpPr>
             <a:spLocks noGrp="1"/>
@@ -26135,7 +25178,7 @@
               <a:t>Relational </a:t>
             </a:r>
             <a:r>
-              <a:rPr lang="en-US" dirty="0" smtClean="0"/>
+              <a:rPr lang="en-US" dirty="0" err="1" smtClean="0"/>
               <a:t>Functors</a:t>
             </a:r>
             <a:endParaRPr lang="en-US" dirty="0"/>
@@ -26693,7 +25736,7 @@
           <a:lstStyle/>
           <a:p>
             <a:r>
-              <a:rPr lang="en-US" sz="2000" dirty="0" smtClean="0">
+              <a:rPr lang="en-US" sz="2000" dirty="0" err="1" smtClean="0">
                 <a:latin typeface="+mn-lt"/>
               </a:rPr>
               <a:t>ActsIn</a:t>
@@ -26714,17 +25757,10 @@
   <p:clrMapOvr>
     <a:masterClrMapping/>
   </p:clrMapOvr>
-  <p:timing>
-    <p:tnLst>
-      <p:par>
-        <p:cTn xmlns:p14="http://schemas.microsoft.com/office/powerpoint/2010/main" id="1" dur="indefinite" restart="never" nodeType="tmRoot"/>
-      </p:par>
-    </p:tnLst>
-  </p:timing>
 </p:sld>
 </file>
 
-<file path=ppt/slides/slide42.xml><?xml version="1.0" encoding="utf-8"?>
+<file path=ppt/slides/slide41.xml><?xml version="1.0" encoding="utf-8"?>
 <p:sld xmlns:a="http://schemas.openxmlformats.org/drawingml/2006/main" xmlns:r="http://schemas.openxmlformats.org/officeDocument/2006/relationships" xmlns:p="http://schemas.openxmlformats.org/presentationml/2006/main">
   <p:cSld>
     <p:spTree>
@@ -26766,8 +25802,8 @@
               <a:t>Discussion: Relational </a:t>
             </a:r>
             <a:r>
-              <a:rPr lang="en-US" smtClean="0"/>
-              <a:t>Data Points</a:t>
+              <a:rPr lang="en-US" dirty="0" err="1" smtClean="0"/>
+              <a:t>Datapoints</a:t>
             </a:r>
             <a:endParaRPr lang="en-US" dirty="0"/>
           </a:p>
@@ -26928,17 +25964,10 @@
   <p:clrMapOvr>
     <a:masterClrMapping/>
   </p:clrMapOvr>
-  <p:timing>
-    <p:tnLst>
-      <p:par>
-        <p:cTn xmlns:p14="http://schemas.microsoft.com/office/powerpoint/2010/main" id="1" dur="indefinite" restart="never" nodeType="tmRoot"/>
-      </p:par>
-    </p:tnLst>
-  </p:timing>
 </p:sld>
 </file>
 
-<file path=ppt/slides/slide43.xml><?xml version="1.0" encoding="utf-8"?>
+<file path=ppt/slides/slide42.xml><?xml version="1.0" encoding="utf-8"?>
 <p:sld xmlns:a="http://schemas.openxmlformats.org/drawingml/2006/main" xmlns:r="http://schemas.openxmlformats.org/officeDocument/2006/relationships" xmlns:p="http://schemas.openxmlformats.org/presentationml/2006/main">
   <p:cSld>
     <p:spTree>
@@ -27392,7 +26421,7 @@
               <a:rPr lang="en-US" sz="2400" dirty="0" smtClean="0">
                 <a:latin typeface="+mn-lt"/>
               </a:rPr>
-              <a:t>Also carries information about Lucy Liu’s salary in Kill Bill</a:t>
+              <a:t>Also information about Lucy Liu’s salary in Kill Bill</a:t>
             </a:r>
             <a:endParaRPr lang="en-US" sz="2400" dirty="0">
               <a:latin typeface="+mn-lt"/>
@@ -27410,17 +26439,10 @@
   <p:clrMapOvr>
     <a:masterClrMapping/>
   </p:clrMapOvr>
-  <p:timing>
-    <p:tnLst>
-      <p:par>
-        <p:cTn xmlns:p14="http://schemas.microsoft.com/office/powerpoint/2010/main" id="1" dur="indefinite" restart="never" nodeType="tmRoot"/>
-      </p:par>
-    </p:tnLst>
-  </p:timing>
 </p:sld>
 </file>
 
-<file path=ppt/slides/slide44.xml><?xml version="1.0" encoding="utf-8"?>
+<file path=ppt/slides/slide43.xml><?xml version="1.0" encoding="utf-8"?>
 <p:sld xmlns:a="http://schemas.openxmlformats.org/drawingml/2006/main" xmlns:r="http://schemas.openxmlformats.org/officeDocument/2006/relationships" xmlns:p="http://schemas.openxmlformats.org/presentationml/2006/main">
   <p:cSld>
     <p:spTree>
@@ -27493,7 +26515,15 @@
           <a:p>
             <a:r>
               <a:rPr lang="en-US" sz="2400" dirty="0" smtClean="0"/>
-              <a:t>IID data equivalent to unary functors only</a:t>
+              <a:t>IID data equivalent to unary </a:t>
+            </a:r>
+            <a:r>
+              <a:rPr lang="en-US" sz="2400" dirty="0" err="1" smtClean="0"/>
+              <a:t>functors</a:t>
+            </a:r>
+            <a:r>
+              <a:rPr lang="en-US" sz="2400" dirty="0" smtClean="0"/>
+              <a:t> only</a:t>
             </a:r>
           </a:p>
           <a:p>
@@ -27544,8 +26574,12 @@
               <a:t>Unary </a:t>
             </a:r>
             <a:r>
+              <a:rPr lang="en-US" sz="2400" dirty="0" err="1" smtClean="0"/>
+              <a:t>functors</a:t>
+            </a:r>
+            <a:r>
               <a:rPr lang="en-US" sz="2400" dirty="0" smtClean="0"/>
-              <a:t>functors, table representation: </a:t>
+              <a:t>, table representation: </a:t>
             </a:r>
             <a:endParaRPr lang="en-US" sz="2400" dirty="0"/>
           </a:p>
@@ -27566,8 +26600,12 @@
           <a:p>
             <a:pPr lvl="1"/>
             <a:r>
+              <a:rPr lang="en-US" dirty="0" err="1"/>
+              <a:t>Datapoints</a:t>
+            </a:r>
+            <a:r>
               <a:rPr lang="en-US" dirty="0"/>
-              <a:t>Datapoints = vector of </a:t>
+              <a:t> = vector of </a:t>
             </a:r>
             <a:r>
               <a:rPr lang="en-US" dirty="0" err="1"/>
@@ -27584,8 +26622,12 @@
               <a:t>Relational </a:t>
             </a:r>
             <a:r>
+              <a:rPr lang="en-US" sz="2400" dirty="0" err="1" smtClean="0"/>
+              <a:t>functors</a:t>
+            </a:r>
+            <a:r>
               <a:rPr lang="en-US" sz="2400" dirty="0" smtClean="0"/>
-              <a:t>functors, table representation:</a:t>
+              <a:t>, table representation:</a:t>
             </a:r>
             <a:endParaRPr lang="en-US" sz="2400" dirty="0"/>
           </a:p>
@@ -27615,13 +26657,6 @@
   <p:clrMapOvr>
     <a:masterClrMapping/>
   </p:clrMapOvr>
-  <p:timing>
-    <p:tnLst>
-      <p:par>
-        <p:cTn xmlns:p14="http://schemas.microsoft.com/office/powerpoint/2010/main" id="1" dur="indefinite" restart="never" nodeType="tmRoot"/>
-      </p:par>
-    </p:tnLst>
-  </p:timing>
 </p:sld>
 </file>
 
@@ -28495,7 +27530,7 @@
           <a:p>
             <a:pPr lvl="1"/>
             <a:r>
-              <a:rPr lang="en-US" dirty="0" smtClean="0">
+              <a:rPr lang="en-US" dirty="0" err="1" smtClean="0">
                 <a:solidFill>
                   <a:srgbClr val="3366FF"/>
                 </a:solidFill>

--- a/ch1-data.pptx
+++ b/ch1-data.pptx
@@ -41,12 +41,12 @@
     <p:sldId id="340" r:id="rId29"/>
     <p:sldId id="284" r:id="rId30"/>
     <p:sldId id="285" r:id="rId31"/>
-    <p:sldId id="351" r:id="rId32"/>
-    <p:sldId id="350" r:id="rId33"/>
-    <p:sldId id="286" r:id="rId34"/>
-    <p:sldId id="287" r:id="rId35"/>
-    <p:sldId id="288" r:id="rId36"/>
-    <p:sldId id="323" r:id="rId37"/>
+    <p:sldId id="286" r:id="rId32"/>
+    <p:sldId id="287" r:id="rId33"/>
+    <p:sldId id="288" r:id="rId34"/>
+    <p:sldId id="323" r:id="rId35"/>
+    <p:sldId id="350" r:id="rId36"/>
+    <p:sldId id="351" r:id="rId37"/>
     <p:sldId id="324" r:id="rId38"/>
     <p:sldId id="328" r:id="rId39"/>
     <p:sldId id="296" r:id="rId40"/>
@@ -238,8 +238,6 @@
             <p14:sldId id="340"/>
             <p14:sldId id="284"/>
             <p14:sldId id="285"/>
-            <p14:sldId id="351"/>
-            <p14:sldId id="350"/>
             <p14:sldId id="286"/>
             <p14:sldId id="287"/>
           </p14:sldIdLst>
@@ -248,6 +246,8 @@
           <p14:sldIdLst>
             <p14:sldId id="288"/>
             <p14:sldId id="323"/>
+            <p14:sldId id="350"/>
+            <p14:sldId id="351"/>
             <p14:sldId id="324"/>
           </p14:sldIdLst>
         </p14:section>
@@ -3047,7 +3047,7 @@
               <a:pPr>
                 <a:defRPr/>
               </a:pPr>
-              <a:t>2016-09-24</a:t>
+              <a:t>2016-10-06</a:t>
             </a:fld>
             <a:endParaRPr lang="en-US"/>
           </a:p>
@@ -3263,7 +3263,7 @@
               <a:pPr>
                 <a:defRPr/>
               </a:pPr>
-              <a:t>2016-09-24</a:t>
+              <a:t>2016-10-06</a:t>
             </a:fld>
             <a:endParaRPr lang="en-US"/>
           </a:p>
@@ -5398,7 +5398,25 @@
           <a:p>
             <a:r>
               <a:rPr lang="en-US" dirty="0" smtClean="0"/>
-              <a:t>graphical representation for first-order structure</a:t>
+              <a:t>This view of relational learning</a:t>
+            </a:r>
+            <a:r>
+              <a:rPr lang="en-US" baseline="0" dirty="0" smtClean="0"/>
+              <a:t> immediately generalizes learning the standard view of learning from </a:t>
+            </a:r>
+            <a:r>
+              <a:rPr lang="en-US" baseline="0" dirty="0" err="1" smtClean="0"/>
+              <a:t>i.i.d</a:t>
+            </a:r>
+            <a:r>
+              <a:rPr lang="en-US" baseline="0" dirty="0" smtClean="0"/>
+              <a:t>. data</a:t>
+            </a:r>
+          </a:p>
+          <a:p>
+            <a:r>
+              <a:rPr lang="en-US" baseline="0" dirty="0" smtClean="0"/>
+              <a:t>e.g. drawing balls from a urn containing a ball population</a:t>
             </a:r>
             <a:endParaRPr lang="en-US" dirty="0"/>
           </a:p>
@@ -5419,9 +5437,15 @@
           <a:bodyPr/>
           <a:lstStyle/>
           <a:p>
-            <a:fld id="{F6F03D15-B6FF-D14C-A60F-5A467C82F74A}" type="slidenum">
+            <a:pPr>
+              <a:defRPr/>
+            </a:pPr>
+            <a:fld id="{57BE7C63-45E8-3348-B2F7-0B0BBCE77ABE}" type="slidenum">
               <a:rPr lang="en-US" smtClean="0"/>
-              <a:t>32</a:t>
+              <a:pPr>
+                <a:defRPr/>
+              </a:pPr>
+              <a:t>31</a:t>
             </a:fld>
             <a:endParaRPr lang="en-US"/>
           </a:p>
@@ -5430,7 +5454,7 @@
     </p:spTree>
     <p:extLst>
       <p:ext uri="{BB962C8B-B14F-4D97-AF65-F5344CB8AC3E}">
-        <p14:creationId xmlns:p14="http://schemas.microsoft.com/office/powerpoint/2010/main" val="245251814"/>
+        <p14:creationId xmlns:p14="http://schemas.microsoft.com/office/powerpoint/2010/main" val="644828777"/>
       </p:ext>
     </p:extLst>
   </p:cSld>
@@ -5486,25 +5510,17 @@
           <a:p>
             <a:r>
               <a:rPr lang="en-US" dirty="0" smtClean="0"/>
-              <a:t>This view of relational learning</a:t>
+              <a:t>functors: gender, genre, who acts in what.</a:t>
+            </a:r>
+          </a:p>
+          <a:p>
+            <a:r>
+              <a:rPr lang="en-US" dirty="0" err="1" smtClean="0"/>
+              <a:t>subgraph</a:t>
             </a:r>
             <a:r>
               <a:rPr lang="en-US" baseline="0" dirty="0" smtClean="0"/>
-              <a:t> immediately generalizes learning the standard view of learning from </a:t>
-            </a:r>
-            <a:r>
-              <a:rPr lang="en-US" baseline="0" dirty="0" err="1" smtClean="0"/>
-              <a:t>i.i.d</a:t>
-            </a:r>
-            <a:r>
-              <a:rPr lang="en-US" baseline="0" dirty="0" smtClean="0"/>
-              <a:t>. data</a:t>
-            </a:r>
-          </a:p>
-          <a:p>
-            <a:r>
-              <a:rPr lang="en-US" baseline="0" dirty="0" smtClean="0"/>
-              <a:t>e.g. drawing balls from a urn containing a ball population</a:t>
+              <a:t> sampling</a:t>
             </a:r>
             <a:endParaRPr lang="en-US" dirty="0"/>
           </a:p>
@@ -5525,15 +5541,9 @@
           <a:bodyPr/>
           <a:lstStyle/>
           <a:p>
-            <a:pPr>
-              <a:defRPr/>
-            </a:pPr>
-            <a:fld id="{57BE7C63-45E8-3348-B2F7-0B0BBCE77ABE}" type="slidenum">
+            <a:fld id="{F6F03D15-B6FF-D14C-A60F-5A467C82F74A}" type="slidenum">
               <a:rPr lang="en-US" smtClean="0"/>
-              <a:pPr>
-                <a:defRPr/>
-              </a:pPr>
-              <a:t>33</a:t>
+              <a:t>32</a:t>
             </a:fld>
             <a:endParaRPr lang="en-US"/>
           </a:p>
@@ -5542,7 +5552,7 @@
     </p:spTree>
     <p:extLst>
       <p:ext uri="{BB962C8B-B14F-4D97-AF65-F5344CB8AC3E}">
-        <p14:creationId xmlns:p14="http://schemas.microsoft.com/office/powerpoint/2010/main" val="644828777"/>
+        <p14:creationId xmlns:p14="http://schemas.microsoft.com/office/powerpoint/2010/main" val="245251814"/>
       </p:ext>
     </p:extLst>
   </p:cSld>
@@ -5596,20 +5606,6 @@
           <a:bodyPr/>
           <a:lstStyle/>
           <a:p>
-            <a:r>
-              <a:rPr lang="en-US" dirty="0" smtClean="0"/>
-              <a:t>functors: gender, genre, who acts in what.</a:t>
-            </a:r>
-          </a:p>
-          <a:p>
-            <a:r>
-              <a:rPr lang="en-US" dirty="0" err="1" smtClean="0"/>
-              <a:t>subgraph</a:t>
-            </a:r>
-            <a:r>
-              <a:rPr lang="en-US" baseline="0" dirty="0" smtClean="0"/>
-              <a:t> sampling</a:t>
-            </a:r>
             <a:endParaRPr lang="en-US" dirty="0"/>
           </a:p>
         </p:txBody>
@@ -5629,9 +5625,15 @@
           <a:bodyPr/>
           <a:lstStyle/>
           <a:p>
-            <a:fld id="{F6F03D15-B6FF-D14C-A60F-5A467C82F74A}" type="slidenum">
+            <a:pPr>
+              <a:defRPr/>
+            </a:pPr>
+            <a:fld id="{57BE7C63-45E8-3348-B2F7-0B0BBCE77ABE}" type="slidenum">
               <a:rPr lang="en-US" smtClean="0"/>
-              <a:t>34</a:t>
+              <a:pPr>
+                <a:defRPr/>
+              </a:pPr>
+              <a:t>33</a:t>
             </a:fld>
             <a:endParaRPr lang="en-US"/>
           </a:p>
@@ -5640,7 +5642,7 @@
     </p:spTree>
     <p:extLst>
       <p:ext uri="{BB962C8B-B14F-4D97-AF65-F5344CB8AC3E}">
-        <p14:creationId xmlns:p14="http://schemas.microsoft.com/office/powerpoint/2010/main" val="245251814"/>
+        <p14:creationId xmlns:p14="http://schemas.microsoft.com/office/powerpoint/2010/main" val="810849876"/>
       </p:ext>
     </p:extLst>
   </p:cSld>
@@ -5694,6 +5696,63 @@
           <a:bodyPr/>
           <a:lstStyle/>
           <a:p>
+            <a:pPr marL="171450" indent="-171450">
+              <a:buFont typeface="Arial"/>
+              <a:buChar char="•"/>
+            </a:pPr>
+            <a:r>
+              <a:rPr lang="en-US" dirty="0" smtClean="0"/>
+              <a:t>this tutorial uses only the network and tabular representations</a:t>
+            </a:r>
+          </a:p>
+          <a:p>
+            <a:pPr marL="171450" indent="-171450">
+              <a:buFont typeface="Arial"/>
+              <a:buChar char="•"/>
+            </a:pPr>
+            <a:r>
+              <a:rPr lang="en-US" dirty="0" smtClean="0"/>
+              <a:t>For graphical and tensor notation, the supplementary</a:t>
+            </a:r>
+            <a:r>
+              <a:rPr lang="en-US" baseline="0" dirty="0" smtClean="0"/>
+              <a:t> presentation has worked-out examples</a:t>
+            </a:r>
+          </a:p>
+          <a:p>
+            <a:pPr marL="171450" indent="-171450">
+              <a:buFont typeface="Arial"/>
+              <a:buChar char="•"/>
+            </a:pPr>
+            <a:r>
+              <a:rPr lang="en-US" dirty="0" smtClean="0"/>
+              <a:t>Constraints on </a:t>
+            </a:r>
+            <a:r>
+              <a:rPr lang="en-US" dirty="0" err="1" smtClean="0"/>
+              <a:t>functor</a:t>
+            </a:r>
+            <a:r>
+              <a:rPr lang="en-US" dirty="0" smtClean="0"/>
+              <a:t> types can, and typically are, exploited in specific representations of relational data</a:t>
+            </a:r>
+          </a:p>
+          <a:p>
+            <a:pPr marL="171450" indent="-171450">
+              <a:buFont typeface="Arial"/>
+              <a:buChar char="•"/>
+            </a:pPr>
+            <a:r>
+              <a:rPr lang="en-US" dirty="0" smtClean="0"/>
+              <a:t>For example,</a:t>
+            </a:r>
+            <a:r>
+              <a:rPr lang="en-US" baseline="0" dirty="0" smtClean="0"/>
+              <a:t> functional or many-one relationships, see supplementary presentation</a:t>
+            </a:r>
+            <a:endParaRPr lang="en-US" dirty="0" smtClean="0"/>
+          </a:p>
+          <a:p>
             <a:endParaRPr lang="en-US" dirty="0"/>
           </a:p>
         </p:txBody>
@@ -5721,7 +5780,7 @@
               <a:pPr>
                 <a:defRPr/>
               </a:pPr>
-              <a:t>35</a:t>
+              <a:t>34</a:t>
             </a:fld>
             <a:endParaRPr lang="en-US"/>
           </a:p>
@@ -5730,7 +5789,7 @@
     </p:spTree>
     <p:extLst>
       <p:ext uri="{BB962C8B-B14F-4D97-AF65-F5344CB8AC3E}">
-        <p14:creationId xmlns:p14="http://schemas.microsoft.com/office/powerpoint/2010/main" val="810849876"/>
+        <p14:creationId xmlns:p14="http://schemas.microsoft.com/office/powerpoint/2010/main" val="3651146937"/>
       </p:ext>
     </p:extLst>
   </p:cSld>
@@ -5784,63 +5843,10 @@
           <a:bodyPr/>
           <a:lstStyle/>
           <a:p>
-            <a:pPr marL="171450" indent="-171450">
-              <a:buFont typeface="Arial"/>
-              <a:buChar char="•"/>
-            </a:pPr>
             <a:r>
               <a:rPr lang="en-US" dirty="0" smtClean="0"/>
-              <a:t>this tutorial uses only the network and tabular representations</a:t>
-            </a:r>
-          </a:p>
-          <a:p>
-            <a:pPr marL="171450" indent="-171450">
-              <a:buFont typeface="Arial"/>
-              <a:buChar char="•"/>
-            </a:pPr>
-            <a:r>
-              <a:rPr lang="en-US" dirty="0" smtClean="0"/>
-              <a:t>For graphical and tensor notation, the supplementary</a:t>
-            </a:r>
-            <a:r>
-              <a:rPr lang="en-US" baseline="0" dirty="0" smtClean="0"/>
-              <a:t> presentation has worked-out examples</a:t>
-            </a:r>
-          </a:p>
-          <a:p>
-            <a:pPr marL="171450" indent="-171450">
-              <a:buFont typeface="Arial"/>
-              <a:buChar char="•"/>
-            </a:pPr>
-            <a:r>
-              <a:rPr lang="en-US" dirty="0" smtClean="0"/>
-              <a:t>Constraints on </a:t>
-            </a:r>
-            <a:r>
-              <a:rPr lang="en-US" dirty="0" err="1" smtClean="0"/>
-              <a:t>functor</a:t>
-            </a:r>
-            <a:r>
-              <a:rPr lang="en-US" dirty="0" smtClean="0"/>
-              <a:t> types can, and typically are, exploited in specific representations of relational data</a:t>
-            </a:r>
-          </a:p>
-          <a:p>
-            <a:pPr marL="171450" indent="-171450">
-              <a:buFont typeface="Arial"/>
-              <a:buChar char="•"/>
-            </a:pPr>
-            <a:r>
-              <a:rPr lang="en-US" dirty="0" smtClean="0"/>
-              <a:t>For example,</a:t>
-            </a:r>
-            <a:r>
-              <a:rPr lang="en-US" baseline="0" dirty="0" smtClean="0"/>
-              <a:t> functional or many-one relationships, see supplementary presentation</a:t>
-            </a:r>
-            <a:endParaRPr lang="en-US" dirty="0" smtClean="0"/>
-          </a:p>
-          <a:p>
+              <a:t>graphical representation for first-order structure</a:t>
+            </a:r>
             <a:endParaRPr lang="en-US" dirty="0"/>
           </a:p>
         </p:txBody>
@@ -5860,14 +5866,8 @@
           <a:bodyPr/>
           <a:lstStyle/>
           <a:p>
-            <a:pPr>
-              <a:defRPr/>
-            </a:pPr>
-            <a:fld id="{57BE7C63-45E8-3348-B2F7-0B0BBCE77ABE}" type="slidenum">
+            <a:fld id="{F6F03D15-B6FF-D14C-A60F-5A467C82F74A}" type="slidenum">
               <a:rPr lang="en-US" smtClean="0"/>
-              <a:pPr>
-                <a:defRPr/>
-              </a:pPr>
               <a:t>36</a:t>
             </a:fld>
             <a:endParaRPr lang="en-US"/>
@@ -5877,7 +5877,7 @@
     </p:spTree>
     <p:extLst>
       <p:ext uri="{BB962C8B-B14F-4D97-AF65-F5344CB8AC3E}">
-        <p14:creationId xmlns:p14="http://schemas.microsoft.com/office/powerpoint/2010/main" val="3651146937"/>
+        <p14:creationId xmlns:p14="http://schemas.microsoft.com/office/powerpoint/2010/main" val="245251814"/>
       </p:ext>
     </p:extLst>
   </p:cSld>
@@ -7272,7 +7272,7 @@
               <a:pPr>
                 <a:defRPr/>
               </a:pPr>
-              <a:t>2016-09-24</a:t>
+              <a:t>2016-10-06</a:t>
             </a:fld>
             <a:endParaRPr lang="en-US"/>
           </a:p>
@@ -7473,7 +7473,7 @@
               <a:pPr>
                 <a:defRPr/>
               </a:pPr>
-              <a:t>2016-09-24</a:t>
+              <a:t>2016-10-06</a:t>
             </a:fld>
             <a:endParaRPr lang="en-US"/>
           </a:p>
@@ -7684,7 +7684,7 @@
               <a:pPr>
                 <a:defRPr/>
               </a:pPr>
-              <a:t>2016-09-24</a:t>
+              <a:t>2016-10-06</a:t>
             </a:fld>
             <a:endParaRPr lang="en-US"/>
           </a:p>
@@ -7890,7 +7890,7 @@
               <a:pPr>
                 <a:defRPr/>
               </a:pPr>
-              <a:t>2016-09-24</a:t>
+              <a:t>2016-10-06</a:t>
             </a:fld>
             <a:endParaRPr lang="en-US"/>
           </a:p>
@@ -8409,7 +8409,7 @@
               <a:pPr>
                 <a:defRPr/>
               </a:pPr>
-              <a:t>2016-09-24</a:t>
+              <a:t>2016-10-06</a:t>
             </a:fld>
             <a:endParaRPr lang="en-US"/>
           </a:p>
@@ -8682,7 +8682,7 @@
               <a:pPr>
                 <a:defRPr/>
               </a:pPr>
-              <a:t>2016-09-24</a:t>
+              <a:t>2016-10-06</a:t>
             </a:fld>
             <a:endParaRPr lang="en-US"/>
           </a:p>
@@ -9080,7 +9080,7 @@
               <a:pPr>
                 <a:defRPr/>
               </a:pPr>
-              <a:t>2016-09-24</a:t>
+              <a:t>2016-10-06</a:t>
             </a:fld>
             <a:endParaRPr lang="en-US"/>
           </a:p>
@@ -9229,7 +9229,7 @@
               <a:pPr>
                 <a:defRPr/>
               </a:pPr>
-              <a:t>2016-09-24</a:t>
+              <a:t>2016-10-06</a:t>
             </a:fld>
             <a:endParaRPr lang="en-US"/>
           </a:p>
@@ -9355,7 +9355,7 @@
               <a:pPr>
                 <a:defRPr/>
               </a:pPr>
-              <a:t>2016-09-24</a:t>
+              <a:t>2016-10-06</a:t>
             </a:fld>
             <a:endParaRPr lang="en-US"/>
           </a:p>
@@ -9731,7 +9731,7 @@
               <a:pPr>
                 <a:defRPr/>
               </a:pPr>
-              <a:t>2016-09-24</a:t>
+              <a:t>2016-10-06</a:t>
             </a:fld>
             <a:endParaRPr lang="en-US"/>
           </a:p>
@@ -10154,7 +10154,7 @@
               <a:pPr>
                 <a:defRPr/>
               </a:pPr>
-              <a:t>2016-09-24</a:t>
+              <a:t>2016-10-06</a:t>
             </a:fld>
             <a:endParaRPr lang="en-US"/>
           </a:p>
@@ -10574,7 +10574,7 @@
               <a:pPr>
                 <a:defRPr/>
               </a:pPr>
-              <a:t>2016-09-24</a:t>
+              <a:t>2016-10-06</a:t>
             </a:fld>
             <a:endParaRPr lang="en-US"/>
           </a:p>
@@ -21693,6 +21693,2234 @@
         </p:nvSpPr>
         <p:spPr/>
         <p:txBody>
+          <a:bodyPr>
+            <a:normAutofit/>
+          </a:bodyPr>
+          <a:lstStyle/>
+          <a:p>
+            <a:r>
+              <a:rPr lang="en-US" dirty="0" smtClean="0"/>
+              <a:t>Learning From Relational Samples</a:t>
+            </a:r>
+            <a:endParaRPr lang="en-US" dirty="0"/>
+          </a:p>
+        </p:txBody>
+      </p:sp>
+      <p:sp>
+        <p:nvSpPr>
+          <p:cNvPr id="3" name="Content Placeholder 2"/>
+          <p:cNvSpPr>
+            <a:spLocks noGrp="1"/>
+          </p:cNvSpPr>
+          <p:nvPr>
+            <p:ph idx="1"/>
+          </p:nvPr>
+        </p:nvSpPr>
+        <p:spPr>
+          <a:xfrm>
+            <a:off x="358191" y="1580438"/>
+            <a:ext cx="8531414" cy="4201327"/>
+          </a:xfrm>
+        </p:spPr>
+        <p:txBody>
+          <a:bodyPr/>
+          <a:lstStyle/>
+          <a:p>
+            <a:r>
+              <a:rPr lang="en-US" sz="2800" dirty="0" smtClean="0"/>
+              <a:t>A </a:t>
+            </a:r>
+            <a:r>
+              <a:rPr lang="en-US" sz="2800" b="1" dirty="0" smtClean="0"/>
+              <a:t>sample</a:t>
+            </a:r>
+            <a:r>
+              <a:rPr lang="en-US" sz="2800" dirty="0" smtClean="0"/>
+              <a:t> specifies </a:t>
+            </a:r>
+          </a:p>
+          <a:p>
+            <a:pPr lvl="1"/>
+            <a:r>
+              <a:rPr lang="en-US" dirty="0" smtClean="0"/>
+              <a:t>a set of observed individuals</a:t>
+            </a:r>
+            <a:endParaRPr lang="en-US" dirty="0"/>
+          </a:p>
+          <a:p>
+            <a:pPr lvl="1"/>
+            <a:r>
+              <a:rPr lang="en-US" dirty="0" smtClean="0"/>
+              <a:t>For each tuple of observed individuals</a:t>
+            </a:r>
+            <a:r>
+              <a:rPr lang="en-US" dirty="0"/>
+              <a:t>,</a:t>
+            </a:r>
+            <a:r>
+              <a:rPr lang="en-US" dirty="0" smtClean="0"/>
+              <a:t>  </a:t>
+            </a:r>
+            <a:br>
+              <a:rPr lang="en-US" dirty="0" smtClean="0"/>
+            </a:br>
+            <a:r>
+              <a:rPr lang="en-US" dirty="0" smtClean="0"/>
+              <a:t>the argument value for each </a:t>
+            </a:r>
+            <a:r>
+              <a:rPr lang="en-US" dirty="0" err="1" smtClean="0"/>
+              <a:t>functor</a:t>
+            </a:r>
+            <a:endParaRPr lang="en-US" dirty="0" smtClean="0"/>
+          </a:p>
+          <a:p>
+            <a:pPr marL="457200" lvl="1" indent="0">
+              <a:buNone/>
+            </a:pPr>
+            <a:r>
+              <a:rPr lang="en-US" dirty="0" smtClean="0"/>
+              <a:t>= possible world restricted to observed individuals</a:t>
+            </a:r>
+          </a:p>
+          <a:p>
+            <a:r>
+              <a:rPr lang="en-US" sz="2800" dirty="0" smtClean="0"/>
+              <a:t>As with IID samples, we may have missing data =</a:t>
+            </a:r>
+            <a:br>
+              <a:rPr lang="en-US" sz="2800" dirty="0" smtClean="0"/>
+            </a:br>
+            <a:r>
+              <a:rPr lang="en-US" sz="2800" dirty="0" smtClean="0"/>
+              <a:t>missing values for some arguments of a </a:t>
+            </a:r>
+            <a:r>
+              <a:rPr lang="en-US" sz="2800" dirty="0" err="1" smtClean="0"/>
+              <a:t>functor</a:t>
+            </a:r>
+            <a:endParaRPr lang="en-US" sz="2800" dirty="0" smtClean="0"/>
+          </a:p>
+          <a:p>
+            <a:r>
+              <a:rPr lang="en-US" sz="2800" i="1" dirty="0" smtClean="0"/>
+              <a:t>Relational learning</a:t>
+            </a:r>
+            <a:r>
+              <a:rPr lang="en-US" sz="2800" dirty="0" smtClean="0"/>
+              <a:t>: given observed values of functions, extrapolate to unobserved values</a:t>
+            </a:r>
+          </a:p>
+        </p:txBody>
+      </p:sp>
+      <p:sp>
+        <p:nvSpPr>
+          <p:cNvPr id="5" name="Footer Placeholder 4"/>
+          <p:cNvSpPr>
+            <a:spLocks noGrp="1"/>
+          </p:cNvSpPr>
+          <p:nvPr>
+            <p:ph type="ftr" sz="quarter" idx="11"/>
+          </p:nvPr>
+        </p:nvSpPr>
+        <p:spPr>
+          <a:xfrm>
+            <a:off x="702743" y="6058239"/>
+            <a:ext cx="6638908" cy="457200"/>
+          </a:xfrm>
+        </p:spPr>
+        <p:txBody>
+          <a:bodyPr/>
+          <a:lstStyle/>
+          <a:p>
+            <a:pPr>
+              <a:defRPr/>
+            </a:pPr>
+            <a:r>
+              <a:rPr lang="en-US" dirty="0" smtClean="0"/>
+              <a:t>Xiang, R. &amp; Neville, J. (2011), Relational learning with one network: An asymptotic analysis, in 'Artificial Intelligence and Statistics', pp. 779--788.</a:t>
+            </a:r>
+            <a:endParaRPr lang="en-US" dirty="0"/>
+          </a:p>
+        </p:txBody>
+      </p:sp>
+    </p:spTree>
+    <p:extLst>
+      <p:ext uri="{BB962C8B-B14F-4D97-AF65-F5344CB8AC3E}">
+        <p14:creationId xmlns:p14="http://schemas.microsoft.com/office/powerpoint/2010/main" val="3876270619"/>
+      </p:ext>
+    </p:extLst>
+  </p:cSld>
+  <p:clrMapOvr>
+    <a:masterClrMapping/>
+  </p:clrMapOvr>
+  <p:timing>
+    <p:tnLst>
+      <p:par>
+        <p:cTn xmlns:p14="http://schemas.microsoft.com/office/powerpoint/2010/main" id="1" dur="indefinite" restart="never" nodeType="tmRoot"/>
+      </p:par>
+    </p:tnLst>
+  </p:timing>
+</p:sld>
+</file>
+
+<file path=ppt/slides/slide32.xml><?xml version="1.0" encoding="utf-8"?>
+<p:sld xmlns:a="http://schemas.openxmlformats.org/drawingml/2006/main" xmlns:r="http://schemas.openxmlformats.org/officeDocument/2006/relationships" xmlns:p="http://schemas.openxmlformats.org/presentationml/2006/main">
+  <p:cSld>
+    <p:spTree>
+      <p:nvGrpSpPr>
+        <p:cNvPr id="1" name=""/>
+        <p:cNvGrpSpPr/>
+        <p:nvPr/>
+      </p:nvGrpSpPr>
+      <p:grpSpPr>
+        <a:xfrm>
+          <a:off x="0" y="0"/>
+          <a:ext cx="0" cy="0"/>
+          <a:chOff x="0" y="0"/>
+          <a:chExt cx="0" cy="0"/>
+        </a:xfrm>
+      </p:grpSpPr>
+      <p:sp>
+        <p:nvSpPr>
+          <p:cNvPr id="4" name="Title 3"/>
+          <p:cNvSpPr>
+            <a:spLocks noGrp="1"/>
+          </p:cNvSpPr>
+          <p:nvPr>
+            <p:ph type="title"/>
+          </p:nvPr>
+        </p:nvSpPr>
+        <p:spPr/>
+        <p:txBody>
+          <a:bodyPr>
+            <a:normAutofit/>
+          </a:bodyPr>
+          <a:lstStyle/>
+          <a:p>
+            <a:r>
+              <a:rPr lang="en-US" dirty="0" smtClean="0"/>
+              <a:t>Example: Sample</a:t>
+            </a:r>
+            <a:endParaRPr lang="en-US" dirty="0"/>
+          </a:p>
+        </p:txBody>
+      </p:sp>
+      <p:pic>
+        <p:nvPicPr>
+          <p:cNvPr id="24" name="Picture 23" descr="buscemi.jpeg"/>
+          <p:cNvPicPr>
+            <a:picLocks noChangeAspect="1"/>
+          </p:cNvPicPr>
+          <p:nvPr/>
+        </p:nvPicPr>
+        <p:blipFill>
+          <a:blip r:embed="rId3">
+            <a:extLst>
+              <a:ext uri="{28A0092B-C50C-407E-A947-70E740481C1C}">
+                <a14:useLocalDpi xmlns:a14="http://schemas.microsoft.com/office/drawing/2010/main" val="0"/>
+              </a:ext>
+            </a:extLst>
+          </a:blip>
+          <a:stretch>
+            <a:fillRect/>
+          </a:stretch>
+        </p:blipFill>
+        <p:spPr>
+          <a:xfrm>
+            <a:off x="1412723" y="1997927"/>
+            <a:ext cx="852307" cy="1262529"/>
+          </a:xfrm>
+          <a:prstGeom prst="rect">
+            <a:avLst/>
+          </a:prstGeom>
+        </p:spPr>
+      </p:pic>
+      <p:pic>
+        <p:nvPicPr>
+          <p:cNvPr id="29" name="Picture 28" descr="thurman.jpeg"/>
+          <p:cNvPicPr>
+            <a:picLocks noChangeAspect="1"/>
+          </p:cNvPicPr>
+          <p:nvPr/>
+        </p:nvPicPr>
+        <p:blipFill>
+          <a:blip r:embed="rId4">
+            <a:extLst>
+              <a:ext uri="{28A0092B-C50C-407E-A947-70E740481C1C}">
+                <a14:useLocalDpi xmlns:a14="http://schemas.microsoft.com/office/drawing/2010/main" val="0"/>
+              </a:ext>
+            </a:extLst>
+          </a:blip>
+          <a:stretch>
+            <a:fillRect/>
+          </a:stretch>
+        </p:blipFill>
+        <p:spPr>
+          <a:xfrm>
+            <a:off x="3183979" y="2006891"/>
+            <a:ext cx="850900" cy="1244600"/>
+          </a:xfrm>
+          <a:prstGeom prst="rect">
+            <a:avLst/>
+          </a:prstGeom>
+        </p:spPr>
+      </p:pic>
+      <p:sp>
+        <p:nvSpPr>
+          <p:cNvPr id="2" name="TextBox 1"/>
+          <p:cNvSpPr txBox="1"/>
+          <p:nvPr/>
+        </p:nvSpPr>
+        <p:spPr>
+          <a:xfrm>
+            <a:off x="1009408" y="3740537"/>
+            <a:ext cx="913778" cy="707886"/>
+          </a:xfrm>
+          <a:prstGeom prst="rect">
+            <a:avLst/>
+          </a:prstGeom>
+          <a:noFill/>
+        </p:spPr>
+        <p:txBody>
+          <a:bodyPr wrap="square" rtlCol="0">
+            <a:spAutoFit/>
+          </a:bodyPr>
+          <a:lstStyle/>
+          <a:p>
+            <a:r>
+              <a:rPr lang="en-US" sz="2000" dirty="0" smtClean="0">
+                <a:solidFill>
+                  <a:srgbClr val="FF0000"/>
+                </a:solidFill>
+                <a:latin typeface="+mn-lt"/>
+              </a:rPr>
+              <a:t>True</a:t>
+            </a:r>
+          </a:p>
+          <a:p>
+            <a:r>
+              <a:rPr lang="en-US" sz="2000" dirty="0" smtClean="0">
+                <a:solidFill>
+                  <a:srgbClr val="FF0000"/>
+                </a:solidFill>
+                <a:latin typeface="+mn-lt"/>
+              </a:rPr>
+              <a:t>$500K</a:t>
+            </a:r>
+            <a:endParaRPr lang="en-US" sz="2000" dirty="0">
+              <a:solidFill>
+                <a:srgbClr val="FF0000"/>
+              </a:solidFill>
+              <a:latin typeface="+mn-lt"/>
+            </a:endParaRPr>
+          </a:p>
+        </p:txBody>
+      </p:sp>
+      <p:sp>
+        <p:nvSpPr>
+          <p:cNvPr id="40" name="TextBox 39"/>
+          <p:cNvSpPr txBox="1"/>
+          <p:nvPr/>
+        </p:nvSpPr>
+        <p:spPr>
+          <a:xfrm>
+            <a:off x="3609429" y="3740537"/>
+            <a:ext cx="791883" cy="707886"/>
+          </a:xfrm>
+          <a:prstGeom prst="rect">
+            <a:avLst/>
+          </a:prstGeom>
+          <a:noFill/>
+        </p:spPr>
+        <p:txBody>
+          <a:bodyPr wrap="square" rtlCol="0">
+            <a:spAutoFit/>
+          </a:bodyPr>
+          <a:lstStyle/>
+          <a:p>
+            <a:r>
+              <a:rPr lang="en-US" sz="2000" dirty="0" smtClean="0">
+                <a:solidFill>
+                  <a:srgbClr val="FF0000"/>
+                </a:solidFill>
+                <a:latin typeface="+mn-lt"/>
+              </a:rPr>
+              <a:t>True</a:t>
+            </a:r>
+          </a:p>
+          <a:p>
+            <a:r>
+              <a:rPr lang="en-US" sz="2000" dirty="0" smtClean="0">
+                <a:solidFill>
+                  <a:srgbClr val="FF0000"/>
+                </a:solidFill>
+                <a:latin typeface="+mn-lt"/>
+              </a:rPr>
+              <a:t>$5M</a:t>
+            </a:r>
+            <a:endParaRPr lang="en-US" sz="2000" dirty="0">
+              <a:solidFill>
+                <a:srgbClr val="FF0000"/>
+              </a:solidFill>
+              <a:latin typeface="+mn-lt"/>
+            </a:endParaRPr>
+          </a:p>
+        </p:txBody>
+      </p:sp>
+      <p:cxnSp>
+        <p:nvCxnSpPr>
+          <p:cNvPr id="9" name="Straight Arrow Connector 8"/>
+          <p:cNvCxnSpPr>
+            <a:stCxn id="29" idx="2"/>
+            <a:endCxn id="55" idx="0"/>
+          </p:cNvCxnSpPr>
+          <p:nvPr/>
+        </p:nvCxnSpPr>
+        <p:spPr>
+          <a:xfrm flipH="1">
+            <a:off x="3377434" y="3251491"/>
+            <a:ext cx="231995" cy="489046"/>
+          </a:xfrm>
+          <a:prstGeom prst="straightConnector1">
+            <a:avLst/>
+          </a:prstGeom>
+          <a:ln>
+            <a:tailEnd type="arrow"/>
+          </a:ln>
+        </p:spPr>
+        <p:style>
+          <a:lnRef idx="2">
+            <a:schemeClr val="accent1"/>
+          </a:lnRef>
+          <a:fillRef idx="0">
+            <a:schemeClr val="accent1"/>
+          </a:fillRef>
+          <a:effectRef idx="1">
+            <a:schemeClr val="accent1"/>
+          </a:effectRef>
+          <a:fontRef idx="minor">
+            <a:schemeClr val="tx1"/>
+          </a:fontRef>
+        </p:style>
+      </p:cxnSp>
+      <p:sp>
+        <p:nvSpPr>
+          <p:cNvPr id="58" name="TextBox 57"/>
+          <p:cNvSpPr txBox="1"/>
+          <p:nvPr/>
+        </p:nvSpPr>
+        <p:spPr>
+          <a:xfrm>
+            <a:off x="4542069" y="3716790"/>
+            <a:ext cx="1051921" cy="707886"/>
+          </a:xfrm>
+          <a:prstGeom prst="rect">
+            <a:avLst/>
+          </a:prstGeom>
+          <a:noFill/>
+        </p:spPr>
+        <p:txBody>
+          <a:bodyPr wrap="square" rtlCol="0">
+            <a:spAutoFit/>
+          </a:bodyPr>
+          <a:lstStyle/>
+          <a:p>
+            <a:r>
+              <a:rPr lang="en-US" sz="2000" dirty="0" smtClean="0">
+                <a:solidFill>
+                  <a:srgbClr val="3366FF"/>
+                </a:solidFill>
+                <a:latin typeface="+mn-lt"/>
+              </a:rPr>
+              <a:t>ActsIn</a:t>
+            </a:r>
+          </a:p>
+          <a:p>
+            <a:r>
+              <a:rPr lang="en-US" sz="2000" dirty="0" smtClean="0">
+                <a:solidFill>
+                  <a:srgbClr val="3366FF"/>
+                </a:solidFill>
+                <a:latin typeface="+mn-lt"/>
+              </a:rPr>
+              <a:t>salary</a:t>
+            </a:r>
+            <a:endParaRPr lang="en-US" sz="2000" dirty="0">
+              <a:solidFill>
+                <a:srgbClr val="3366FF"/>
+              </a:solidFill>
+              <a:latin typeface="+mn-lt"/>
+            </a:endParaRPr>
+          </a:p>
+        </p:txBody>
+      </p:sp>
+      <p:pic>
+        <p:nvPicPr>
+          <p:cNvPr id="37" name="Picture 36" descr="fargo.jpeg"/>
+          <p:cNvPicPr>
+            <a:picLocks noChangeAspect="1"/>
+          </p:cNvPicPr>
+          <p:nvPr/>
+        </p:nvPicPr>
+        <p:blipFill>
+          <a:blip r:embed="rId5">
+            <a:extLst>
+              <a:ext uri="{28A0092B-C50C-407E-A947-70E740481C1C}">
+                <a14:useLocalDpi xmlns:a14="http://schemas.microsoft.com/office/drawing/2010/main" val="0"/>
+              </a:ext>
+            </a:extLst>
+          </a:blip>
+          <a:stretch>
+            <a:fillRect/>
+          </a:stretch>
+        </p:blipFill>
+        <p:spPr>
+          <a:xfrm>
+            <a:off x="1092337" y="4549577"/>
+            <a:ext cx="637786" cy="1084617"/>
+          </a:xfrm>
+          <a:prstGeom prst="rect">
+            <a:avLst/>
+          </a:prstGeom>
+        </p:spPr>
+      </p:pic>
+      <p:pic>
+        <p:nvPicPr>
+          <p:cNvPr id="38" name="Picture 37" descr="kill-bill.jpeg"/>
+          <p:cNvPicPr>
+            <a:picLocks noChangeAspect="1"/>
+          </p:cNvPicPr>
+          <p:nvPr/>
+        </p:nvPicPr>
+        <p:blipFill>
+          <a:blip r:embed="rId6">
+            <a:extLst>
+              <a:ext uri="{28A0092B-C50C-407E-A947-70E740481C1C}">
+                <a14:useLocalDpi xmlns:a14="http://schemas.microsoft.com/office/drawing/2010/main" val="0"/>
+              </a:ext>
+            </a:extLst>
+          </a:blip>
+          <a:stretch>
+            <a:fillRect/>
+          </a:stretch>
+        </p:blipFill>
+        <p:spPr>
+          <a:xfrm>
+            <a:off x="1864690" y="4596475"/>
+            <a:ext cx="559954" cy="990820"/>
+          </a:xfrm>
+          <a:prstGeom prst="rect">
+            <a:avLst/>
+          </a:prstGeom>
+        </p:spPr>
+      </p:pic>
+      <p:pic>
+        <p:nvPicPr>
+          <p:cNvPr id="41" name="Picture 40" descr="fargo.jpeg"/>
+          <p:cNvPicPr>
+            <a:picLocks noChangeAspect="1"/>
+          </p:cNvPicPr>
+          <p:nvPr/>
+        </p:nvPicPr>
+        <p:blipFill>
+          <a:blip r:embed="rId5">
+            <a:extLst>
+              <a:ext uri="{28A0092B-C50C-407E-A947-70E740481C1C}">
+                <a14:useLocalDpi xmlns:a14="http://schemas.microsoft.com/office/drawing/2010/main" val="0"/>
+              </a:ext>
+            </a:extLst>
+          </a:blip>
+          <a:stretch>
+            <a:fillRect/>
+          </a:stretch>
+        </p:blipFill>
+        <p:spPr>
+          <a:xfrm>
+            <a:off x="3016061" y="4549577"/>
+            <a:ext cx="637786" cy="1084617"/>
+          </a:xfrm>
+          <a:prstGeom prst="rect">
+            <a:avLst/>
+          </a:prstGeom>
+        </p:spPr>
+      </p:pic>
+      <p:pic>
+        <p:nvPicPr>
+          <p:cNvPr id="42" name="Picture 41" descr="kill-bill.jpeg"/>
+          <p:cNvPicPr>
+            <a:picLocks noChangeAspect="1"/>
+          </p:cNvPicPr>
+          <p:nvPr/>
+        </p:nvPicPr>
+        <p:blipFill>
+          <a:blip r:embed="rId6">
+            <a:extLst>
+              <a:ext uri="{28A0092B-C50C-407E-A947-70E740481C1C}">
+                <a14:useLocalDpi xmlns:a14="http://schemas.microsoft.com/office/drawing/2010/main" val="0"/>
+              </a:ext>
+            </a:extLst>
+          </a:blip>
+          <a:stretch>
+            <a:fillRect/>
+          </a:stretch>
+        </p:blipFill>
+        <p:spPr>
+          <a:xfrm>
+            <a:off x="3788414" y="4596475"/>
+            <a:ext cx="559954" cy="990820"/>
+          </a:xfrm>
+          <a:prstGeom prst="rect">
+            <a:avLst/>
+          </a:prstGeom>
+        </p:spPr>
+      </p:pic>
+      <p:sp>
+        <p:nvSpPr>
+          <p:cNvPr id="52" name="TextBox 51"/>
+          <p:cNvSpPr txBox="1"/>
+          <p:nvPr/>
+        </p:nvSpPr>
+        <p:spPr>
+          <a:xfrm>
+            <a:off x="1851470" y="3740537"/>
+            <a:ext cx="791883" cy="707886"/>
+          </a:xfrm>
+          <a:prstGeom prst="rect">
+            <a:avLst/>
+          </a:prstGeom>
+          <a:noFill/>
+        </p:spPr>
+        <p:txBody>
+          <a:bodyPr wrap="square" rtlCol="0">
+            <a:spAutoFit/>
+          </a:bodyPr>
+          <a:lstStyle/>
+          <a:p>
+            <a:r>
+              <a:rPr lang="en-US" sz="2000" dirty="0" smtClean="0">
+                <a:solidFill>
+                  <a:srgbClr val="FF0000"/>
+                </a:solidFill>
+                <a:latin typeface="+mn-lt"/>
+              </a:rPr>
+              <a:t>False</a:t>
+            </a:r>
+          </a:p>
+          <a:p>
+            <a:r>
+              <a:rPr lang="en-US" sz="2000" dirty="0" smtClean="0">
+                <a:solidFill>
+                  <a:srgbClr val="FF0000"/>
+                </a:solidFill>
+                <a:latin typeface="+mn-lt"/>
+              </a:rPr>
+              <a:t>n/a</a:t>
+            </a:r>
+            <a:endParaRPr lang="en-US" sz="2000" dirty="0">
+              <a:solidFill>
+                <a:srgbClr val="FF0000"/>
+              </a:solidFill>
+              <a:latin typeface="+mn-lt"/>
+            </a:endParaRPr>
+          </a:p>
+        </p:txBody>
+      </p:sp>
+      <p:sp>
+        <p:nvSpPr>
+          <p:cNvPr id="55" name="TextBox 54"/>
+          <p:cNvSpPr txBox="1"/>
+          <p:nvPr/>
+        </p:nvSpPr>
+        <p:spPr>
+          <a:xfrm>
+            <a:off x="2981492" y="3740537"/>
+            <a:ext cx="791883" cy="707886"/>
+          </a:xfrm>
+          <a:prstGeom prst="rect">
+            <a:avLst/>
+          </a:prstGeom>
+          <a:noFill/>
+        </p:spPr>
+        <p:txBody>
+          <a:bodyPr wrap="square" rtlCol="0">
+            <a:spAutoFit/>
+          </a:bodyPr>
+          <a:lstStyle/>
+          <a:p>
+            <a:r>
+              <a:rPr lang="en-US" sz="2000" dirty="0" smtClean="0">
+                <a:solidFill>
+                  <a:srgbClr val="FF0000"/>
+                </a:solidFill>
+                <a:latin typeface="+mn-lt"/>
+              </a:rPr>
+              <a:t>False</a:t>
+            </a:r>
+          </a:p>
+          <a:p>
+            <a:r>
+              <a:rPr lang="en-US" sz="2000" dirty="0" smtClean="0">
+                <a:solidFill>
+                  <a:srgbClr val="FF0000"/>
+                </a:solidFill>
+                <a:latin typeface="+mn-lt"/>
+              </a:rPr>
+              <a:t>n/a</a:t>
+            </a:r>
+            <a:endParaRPr lang="en-US" sz="2000" dirty="0">
+              <a:solidFill>
+                <a:srgbClr val="FF0000"/>
+              </a:solidFill>
+              <a:latin typeface="+mn-lt"/>
+            </a:endParaRPr>
+          </a:p>
+        </p:txBody>
+      </p:sp>
+      <p:cxnSp>
+        <p:nvCxnSpPr>
+          <p:cNvPr id="53" name="Straight Arrow Connector 52"/>
+          <p:cNvCxnSpPr>
+            <a:stCxn id="37" idx="0"/>
+          </p:cNvCxnSpPr>
+          <p:nvPr/>
+        </p:nvCxnSpPr>
+        <p:spPr>
+          <a:xfrm flipV="1">
+            <a:off x="1411230" y="4372373"/>
+            <a:ext cx="1493" cy="177204"/>
+          </a:xfrm>
+          <a:prstGeom prst="straightConnector1">
+            <a:avLst/>
+          </a:prstGeom>
+          <a:ln>
+            <a:tailEnd type="arrow"/>
+          </a:ln>
+        </p:spPr>
+        <p:style>
+          <a:lnRef idx="2">
+            <a:schemeClr val="accent1"/>
+          </a:lnRef>
+          <a:fillRef idx="0">
+            <a:schemeClr val="accent1"/>
+          </a:fillRef>
+          <a:effectRef idx="1">
+            <a:schemeClr val="accent1"/>
+          </a:effectRef>
+          <a:fontRef idx="minor">
+            <a:schemeClr val="tx1"/>
+          </a:fontRef>
+        </p:style>
+      </p:cxnSp>
+      <p:cxnSp>
+        <p:nvCxnSpPr>
+          <p:cNvPr id="60" name="Straight Arrow Connector 59"/>
+          <p:cNvCxnSpPr>
+            <a:stCxn id="38" idx="0"/>
+          </p:cNvCxnSpPr>
+          <p:nvPr/>
+        </p:nvCxnSpPr>
+        <p:spPr>
+          <a:xfrm flipV="1">
+            <a:off x="2144667" y="4372373"/>
+            <a:ext cx="0" cy="224102"/>
+          </a:xfrm>
+          <a:prstGeom prst="straightConnector1">
+            <a:avLst/>
+          </a:prstGeom>
+          <a:ln>
+            <a:tailEnd type="arrow"/>
+          </a:ln>
+        </p:spPr>
+        <p:style>
+          <a:lnRef idx="2">
+            <a:schemeClr val="accent1"/>
+          </a:lnRef>
+          <a:fillRef idx="0">
+            <a:schemeClr val="accent1"/>
+          </a:fillRef>
+          <a:effectRef idx="1">
+            <a:schemeClr val="accent1"/>
+          </a:effectRef>
+          <a:fontRef idx="minor">
+            <a:schemeClr val="tx1"/>
+          </a:fontRef>
+        </p:style>
+      </p:cxnSp>
+      <p:cxnSp>
+        <p:nvCxnSpPr>
+          <p:cNvPr id="62" name="Straight Arrow Connector 61"/>
+          <p:cNvCxnSpPr>
+            <a:stCxn id="41" idx="0"/>
+          </p:cNvCxnSpPr>
+          <p:nvPr/>
+        </p:nvCxnSpPr>
+        <p:spPr>
+          <a:xfrm flipV="1">
+            <a:off x="3334954" y="4372373"/>
+            <a:ext cx="0" cy="177204"/>
+          </a:xfrm>
+          <a:prstGeom prst="straightConnector1">
+            <a:avLst/>
+          </a:prstGeom>
+          <a:ln>
+            <a:tailEnd type="arrow"/>
+          </a:ln>
+        </p:spPr>
+        <p:style>
+          <a:lnRef idx="2">
+            <a:schemeClr val="accent1"/>
+          </a:lnRef>
+          <a:fillRef idx="0">
+            <a:schemeClr val="accent1"/>
+          </a:fillRef>
+          <a:effectRef idx="1">
+            <a:schemeClr val="accent1"/>
+          </a:effectRef>
+          <a:fontRef idx="minor">
+            <a:schemeClr val="tx1"/>
+          </a:fontRef>
+        </p:style>
+      </p:cxnSp>
+      <p:cxnSp>
+        <p:nvCxnSpPr>
+          <p:cNvPr id="64" name="Straight Arrow Connector 63"/>
+          <p:cNvCxnSpPr>
+            <a:stCxn id="42" idx="0"/>
+          </p:cNvCxnSpPr>
+          <p:nvPr/>
+        </p:nvCxnSpPr>
+        <p:spPr>
+          <a:xfrm flipH="1" flipV="1">
+            <a:off x="4034879" y="4372373"/>
+            <a:ext cx="33512" cy="224102"/>
+          </a:xfrm>
+          <a:prstGeom prst="straightConnector1">
+            <a:avLst/>
+          </a:prstGeom>
+          <a:ln>
+            <a:tailEnd type="arrow"/>
+          </a:ln>
+        </p:spPr>
+        <p:style>
+          <a:lnRef idx="2">
+            <a:schemeClr val="accent1"/>
+          </a:lnRef>
+          <a:fillRef idx="0">
+            <a:schemeClr val="accent1"/>
+          </a:fillRef>
+          <a:effectRef idx="1">
+            <a:schemeClr val="accent1"/>
+          </a:effectRef>
+          <a:fontRef idx="minor">
+            <a:schemeClr val="tx1"/>
+          </a:fontRef>
+        </p:style>
+      </p:cxnSp>
+      <p:cxnSp>
+        <p:nvCxnSpPr>
+          <p:cNvPr id="71" name="Straight Arrow Connector 70"/>
+          <p:cNvCxnSpPr>
+            <a:stCxn id="29" idx="2"/>
+          </p:cNvCxnSpPr>
+          <p:nvPr/>
+        </p:nvCxnSpPr>
+        <p:spPr>
+          <a:xfrm>
+            <a:off x="3609429" y="3251491"/>
+            <a:ext cx="290232" cy="414787"/>
+          </a:xfrm>
+          <a:prstGeom prst="straightConnector1">
+            <a:avLst/>
+          </a:prstGeom>
+          <a:ln>
+            <a:tailEnd type="arrow"/>
+          </a:ln>
+        </p:spPr>
+        <p:style>
+          <a:lnRef idx="2">
+            <a:schemeClr val="accent1"/>
+          </a:lnRef>
+          <a:fillRef idx="0">
+            <a:schemeClr val="accent1"/>
+          </a:fillRef>
+          <a:effectRef idx="1">
+            <a:schemeClr val="accent1"/>
+          </a:effectRef>
+          <a:fontRef idx="minor">
+            <a:schemeClr val="tx1"/>
+          </a:fontRef>
+        </p:style>
+      </p:cxnSp>
+      <p:cxnSp>
+        <p:nvCxnSpPr>
+          <p:cNvPr id="76" name="Straight Arrow Connector 75"/>
+          <p:cNvCxnSpPr>
+            <a:stCxn id="24" idx="2"/>
+            <a:endCxn id="2" idx="0"/>
+          </p:cNvCxnSpPr>
+          <p:nvPr/>
+        </p:nvCxnSpPr>
+        <p:spPr>
+          <a:xfrm flipH="1">
+            <a:off x="1466297" y="3260456"/>
+            <a:ext cx="372580" cy="480081"/>
+          </a:xfrm>
+          <a:prstGeom prst="straightConnector1">
+            <a:avLst/>
+          </a:prstGeom>
+          <a:ln>
+            <a:tailEnd type="arrow"/>
+          </a:ln>
+        </p:spPr>
+        <p:style>
+          <a:lnRef idx="2">
+            <a:schemeClr val="accent1"/>
+          </a:lnRef>
+          <a:fillRef idx="0">
+            <a:schemeClr val="accent1"/>
+          </a:fillRef>
+          <a:effectRef idx="1">
+            <a:schemeClr val="accent1"/>
+          </a:effectRef>
+          <a:fontRef idx="minor">
+            <a:schemeClr val="tx1"/>
+          </a:fontRef>
+        </p:style>
+      </p:cxnSp>
+      <p:cxnSp>
+        <p:nvCxnSpPr>
+          <p:cNvPr id="78" name="Straight Arrow Connector 77"/>
+          <p:cNvCxnSpPr>
+            <a:stCxn id="24" idx="2"/>
+            <a:endCxn id="52" idx="0"/>
+          </p:cNvCxnSpPr>
+          <p:nvPr/>
+        </p:nvCxnSpPr>
+        <p:spPr>
+          <a:xfrm>
+            <a:off x="1838877" y="3260456"/>
+            <a:ext cx="408535" cy="480081"/>
+          </a:xfrm>
+          <a:prstGeom prst="straightConnector1">
+            <a:avLst/>
+          </a:prstGeom>
+          <a:ln>
+            <a:tailEnd type="arrow"/>
+          </a:ln>
+        </p:spPr>
+        <p:style>
+          <a:lnRef idx="2">
+            <a:schemeClr val="accent1"/>
+          </a:lnRef>
+          <a:fillRef idx="0">
+            <a:schemeClr val="accent1"/>
+          </a:fillRef>
+          <a:effectRef idx="1">
+            <a:schemeClr val="accent1"/>
+          </a:effectRef>
+          <a:fontRef idx="minor">
+            <a:schemeClr val="tx1"/>
+          </a:fontRef>
+        </p:style>
+      </p:cxnSp>
+      <p:sp>
+        <p:nvSpPr>
+          <p:cNvPr id="86" name="TextBox 85"/>
+          <p:cNvSpPr txBox="1"/>
+          <p:nvPr/>
+        </p:nvSpPr>
+        <p:spPr>
+          <a:xfrm>
+            <a:off x="2913317" y="5920910"/>
+            <a:ext cx="2085944" cy="707886"/>
+          </a:xfrm>
+          <a:prstGeom prst="rect">
+            <a:avLst/>
+          </a:prstGeom>
+          <a:noFill/>
+        </p:spPr>
+        <p:txBody>
+          <a:bodyPr wrap="square" rtlCol="0">
+            <a:spAutoFit/>
+          </a:bodyPr>
+          <a:lstStyle/>
+          <a:p>
+            <a:r>
+              <a:rPr lang="en-US" sz="2000" dirty="0" smtClean="0">
+                <a:solidFill>
+                  <a:srgbClr val="3366FF"/>
+                </a:solidFill>
+                <a:latin typeface="+mn-lt"/>
+              </a:rPr>
+              <a:t>runtime</a:t>
+            </a:r>
+            <a:r>
+              <a:rPr lang="en-US" sz="2000" dirty="0" smtClean="0">
+                <a:latin typeface="+mn-lt"/>
+              </a:rPr>
+              <a:t> = </a:t>
+            </a:r>
+            <a:r>
+              <a:rPr lang="en-US" sz="2000" dirty="0" smtClean="0">
+                <a:solidFill>
+                  <a:srgbClr val="FF0000"/>
+                </a:solidFill>
+                <a:latin typeface="+mn-lt"/>
+              </a:rPr>
+              <a:t>111 min</a:t>
+            </a:r>
+          </a:p>
+          <a:p>
+            <a:r>
+              <a:rPr lang="en-US" sz="2000" dirty="0">
+                <a:solidFill>
+                  <a:srgbClr val="3366FF"/>
+                </a:solidFill>
+                <a:latin typeface="+mn-lt"/>
+              </a:rPr>
+              <a:t>drama</a:t>
+            </a:r>
+            <a:r>
+              <a:rPr lang="en-US" sz="2000" dirty="0">
+                <a:latin typeface="+mn-lt"/>
+              </a:rPr>
+              <a:t> = </a:t>
+            </a:r>
+            <a:r>
+              <a:rPr lang="en-US" sz="2000" dirty="0">
+                <a:solidFill>
+                  <a:srgbClr val="FF0000"/>
+                </a:solidFill>
+                <a:latin typeface="+mn-lt"/>
+              </a:rPr>
+              <a:t>false</a:t>
+            </a:r>
+          </a:p>
+        </p:txBody>
+      </p:sp>
+      <p:cxnSp>
+        <p:nvCxnSpPr>
+          <p:cNvPr id="88" name="Straight Connector 87"/>
+          <p:cNvCxnSpPr/>
+          <p:nvPr/>
+        </p:nvCxnSpPr>
+        <p:spPr>
+          <a:xfrm>
+            <a:off x="1411230" y="5673884"/>
+            <a:ext cx="0" cy="286716"/>
+          </a:xfrm>
+          <a:prstGeom prst="line">
+            <a:avLst/>
+          </a:prstGeom>
+        </p:spPr>
+        <p:style>
+          <a:lnRef idx="2">
+            <a:schemeClr val="accent1"/>
+          </a:lnRef>
+          <a:fillRef idx="0">
+            <a:schemeClr val="accent1"/>
+          </a:fillRef>
+          <a:effectRef idx="1">
+            <a:schemeClr val="accent1"/>
+          </a:effectRef>
+          <a:fontRef idx="minor">
+            <a:schemeClr val="tx1"/>
+          </a:fontRef>
+        </p:style>
+      </p:cxnSp>
+      <p:sp>
+        <p:nvSpPr>
+          <p:cNvPr id="3" name="TextBox 2"/>
+          <p:cNvSpPr txBox="1"/>
+          <p:nvPr/>
+        </p:nvSpPr>
+        <p:spPr>
+          <a:xfrm>
+            <a:off x="5275148" y="1283969"/>
+            <a:ext cx="3663298" cy="3539431"/>
+          </a:xfrm>
+          <a:prstGeom prst="rect">
+            <a:avLst/>
+          </a:prstGeom>
+          <a:noFill/>
+        </p:spPr>
+        <p:txBody>
+          <a:bodyPr wrap="square" rtlCol="0">
+            <a:spAutoFit/>
+          </a:bodyPr>
+          <a:lstStyle/>
+          <a:p>
+            <a:pPr marL="285750" lvl="0" indent="-285750">
+              <a:buFont typeface="Arial"/>
+              <a:buChar char="•"/>
+            </a:pPr>
+            <a:r>
+              <a:rPr lang="en-US" sz="2800" dirty="0" smtClean="0">
+                <a:solidFill>
+                  <a:prstClr val="black"/>
+                </a:solidFill>
+                <a:latin typeface="Perpetua"/>
+              </a:rPr>
+              <a:t>Observed individuals: Steve </a:t>
+            </a:r>
+            <a:r>
+              <a:rPr lang="en-US" sz="2800" dirty="0" err="1" smtClean="0">
+                <a:solidFill>
+                  <a:prstClr val="black"/>
+                </a:solidFill>
+                <a:latin typeface="Perpetua"/>
+              </a:rPr>
+              <a:t>Buscemi</a:t>
+            </a:r>
+            <a:r>
+              <a:rPr lang="en-US" sz="2800" dirty="0" smtClean="0">
+                <a:solidFill>
+                  <a:prstClr val="black"/>
+                </a:solidFill>
+                <a:latin typeface="Perpetua"/>
+              </a:rPr>
+              <a:t> and Uma Thurman</a:t>
+            </a:r>
+          </a:p>
+          <a:p>
+            <a:pPr marL="285750" lvl="0" indent="-285750">
+              <a:buFont typeface="Arial"/>
+              <a:buChar char="•"/>
+            </a:pPr>
+            <a:r>
+              <a:rPr lang="en-US" sz="2800" dirty="0" smtClean="0">
+                <a:solidFill>
+                  <a:prstClr val="black"/>
+                </a:solidFill>
+                <a:latin typeface="Perpetua"/>
+              </a:rPr>
+              <a:t>complete </a:t>
+            </a:r>
+            <a:r>
+              <a:rPr lang="en-US" sz="2800" dirty="0">
+                <a:solidFill>
+                  <a:prstClr val="black"/>
+                </a:solidFill>
+                <a:latin typeface="Perpetua"/>
+              </a:rPr>
+              <a:t>information for Uma Thurman and Steve </a:t>
+            </a:r>
+            <a:r>
+              <a:rPr lang="en-US" sz="2800" dirty="0" err="1">
+                <a:solidFill>
+                  <a:prstClr val="black"/>
+                </a:solidFill>
+                <a:latin typeface="Perpetua"/>
+              </a:rPr>
+              <a:t>Buscemi</a:t>
+            </a:r>
+            <a:r>
+              <a:rPr lang="en-US" sz="2800" dirty="0">
+                <a:solidFill>
+                  <a:prstClr val="black"/>
+                </a:solidFill>
+                <a:latin typeface="Perpetua"/>
+              </a:rPr>
+              <a:t> </a:t>
+            </a:r>
+          </a:p>
+          <a:p>
+            <a:pPr marL="285750" indent="-285750">
+              <a:buFont typeface="Arial"/>
+              <a:buChar char="•"/>
+            </a:pPr>
+            <a:r>
+              <a:rPr lang="en-US" sz="2800" dirty="0" smtClean="0">
+                <a:latin typeface="+mn-lt"/>
+              </a:rPr>
+              <a:t>have not observed Brad Pitt and Lucy Liu</a:t>
+            </a:r>
+          </a:p>
+        </p:txBody>
+      </p:sp>
+      <p:sp>
+        <p:nvSpPr>
+          <p:cNvPr id="30" name="TextBox 29"/>
+          <p:cNvSpPr txBox="1"/>
+          <p:nvPr/>
+        </p:nvSpPr>
+        <p:spPr>
+          <a:xfrm>
+            <a:off x="927660" y="1387756"/>
+            <a:ext cx="1649506" cy="646331"/>
+          </a:xfrm>
+          <a:prstGeom prst="rect">
+            <a:avLst/>
+          </a:prstGeom>
+          <a:noFill/>
+        </p:spPr>
+        <p:txBody>
+          <a:bodyPr wrap="square" rtlCol="0">
+            <a:spAutoFit/>
+          </a:bodyPr>
+          <a:lstStyle/>
+          <a:p>
+            <a:r>
+              <a:rPr lang="en-US" dirty="0" smtClean="0">
+                <a:solidFill>
+                  <a:srgbClr val="3366FF"/>
+                </a:solidFill>
+                <a:latin typeface="+mn-lt"/>
+              </a:rPr>
+              <a:t>gender</a:t>
+            </a:r>
+            <a:r>
+              <a:rPr lang="en-US" dirty="0" smtClean="0">
+                <a:latin typeface="+mn-lt"/>
+              </a:rPr>
+              <a:t> = </a:t>
+            </a:r>
+            <a:r>
+              <a:rPr lang="en-US" dirty="0" smtClean="0">
+                <a:solidFill>
+                  <a:srgbClr val="FF0000"/>
+                </a:solidFill>
+                <a:latin typeface="+mn-lt"/>
+              </a:rPr>
+              <a:t>Man</a:t>
+            </a:r>
+          </a:p>
+          <a:p>
+            <a:r>
+              <a:rPr lang="en-US" dirty="0" smtClean="0">
+                <a:solidFill>
+                  <a:srgbClr val="3366FF"/>
+                </a:solidFill>
+                <a:latin typeface="+mn-lt"/>
+              </a:rPr>
+              <a:t>country</a:t>
+            </a:r>
+            <a:r>
+              <a:rPr lang="en-US" dirty="0" smtClean="0">
+                <a:latin typeface="+mn-lt"/>
+              </a:rPr>
+              <a:t> = </a:t>
+            </a:r>
+            <a:r>
+              <a:rPr lang="en-US" dirty="0" smtClean="0">
+                <a:solidFill>
+                  <a:srgbClr val="FF0000"/>
+                </a:solidFill>
+                <a:latin typeface="+mn-lt"/>
+              </a:rPr>
+              <a:t>U.S.</a:t>
+            </a:r>
+            <a:endParaRPr lang="en-US" dirty="0">
+              <a:solidFill>
+                <a:srgbClr val="FF0000"/>
+              </a:solidFill>
+              <a:latin typeface="+mn-lt"/>
+            </a:endParaRPr>
+          </a:p>
+        </p:txBody>
+      </p:sp>
+      <p:sp>
+        <p:nvSpPr>
+          <p:cNvPr id="31" name="TextBox 30"/>
+          <p:cNvSpPr txBox="1"/>
+          <p:nvPr/>
+        </p:nvSpPr>
+        <p:spPr>
+          <a:xfrm>
+            <a:off x="2851131" y="1387756"/>
+            <a:ext cx="2033480" cy="646331"/>
+          </a:xfrm>
+          <a:prstGeom prst="rect">
+            <a:avLst/>
+          </a:prstGeom>
+          <a:noFill/>
+        </p:spPr>
+        <p:txBody>
+          <a:bodyPr wrap="square" rtlCol="0">
+            <a:spAutoFit/>
+          </a:bodyPr>
+          <a:lstStyle/>
+          <a:p>
+            <a:r>
+              <a:rPr lang="en-US" dirty="0" smtClean="0">
+                <a:solidFill>
+                  <a:srgbClr val="3366FF"/>
+                </a:solidFill>
+                <a:latin typeface="+mn-lt"/>
+              </a:rPr>
+              <a:t>gender</a:t>
+            </a:r>
+            <a:r>
+              <a:rPr lang="en-US" dirty="0" smtClean="0">
+                <a:latin typeface="+mn-lt"/>
+              </a:rPr>
+              <a:t> = </a:t>
+            </a:r>
+            <a:r>
+              <a:rPr lang="en-US" dirty="0" smtClean="0">
+                <a:solidFill>
+                  <a:srgbClr val="FF0000"/>
+                </a:solidFill>
+                <a:latin typeface="+mn-lt"/>
+              </a:rPr>
+              <a:t>Woman</a:t>
+            </a:r>
+          </a:p>
+          <a:p>
+            <a:r>
+              <a:rPr lang="en-US" dirty="0" smtClean="0">
+                <a:solidFill>
+                  <a:srgbClr val="3366FF"/>
+                </a:solidFill>
+                <a:latin typeface="+mn-lt"/>
+              </a:rPr>
+              <a:t>country</a:t>
+            </a:r>
+            <a:r>
+              <a:rPr lang="en-US" dirty="0" smtClean="0">
+                <a:latin typeface="+mn-lt"/>
+              </a:rPr>
+              <a:t> = </a:t>
+            </a:r>
+            <a:r>
+              <a:rPr lang="en-US" dirty="0" smtClean="0">
+                <a:solidFill>
+                  <a:srgbClr val="FF0000"/>
+                </a:solidFill>
+                <a:latin typeface="+mn-lt"/>
+              </a:rPr>
+              <a:t>U.S.</a:t>
+            </a:r>
+            <a:endParaRPr lang="en-US" dirty="0">
+              <a:solidFill>
+                <a:srgbClr val="FF0000"/>
+              </a:solidFill>
+              <a:latin typeface="+mn-lt"/>
+            </a:endParaRPr>
+          </a:p>
+        </p:txBody>
+      </p:sp>
+      <p:sp>
+        <p:nvSpPr>
+          <p:cNvPr id="32" name="TextBox 31"/>
+          <p:cNvSpPr txBox="1"/>
+          <p:nvPr/>
+        </p:nvSpPr>
+        <p:spPr>
+          <a:xfrm>
+            <a:off x="625879" y="5882905"/>
+            <a:ext cx="1951287" cy="707886"/>
+          </a:xfrm>
+          <a:prstGeom prst="rect">
+            <a:avLst/>
+          </a:prstGeom>
+          <a:noFill/>
+        </p:spPr>
+        <p:txBody>
+          <a:bodyPr wrap="square" rtlCol="0">
+            <a:spAutoFit/>
+          </a:bodyPr>
+          <a:lstStyle/>
+          <a:p>
+            <a:r>
+              <a:rPr lang="en-US" sz="2000" dirty="0" smtClean="0">
+                <a:solidFill>
+                  <a:srgbClr val="3366FF"/>
+                </a:solidFill>
+                <a:latin typeface="+mn-lt"/>
+              </a:rPr>
+              <a:t>runtime</a:t>
+            </a:r>
+            <a:r>
+              <a:rPr lang="en-US" sz="2000" dirty="0" smtClean="0">
+                <a:latin typeface="+mn-lt"/>
+              </a:rPr>
+              <a:t> = </a:t>
+            </a:r>
+            <a:r>
+              <a:rPr lang="en-US" sz="2000" dirty="0" smtClean="0">
+                <a:solidFill>
+                  <a:srgbClr val="FF0000"/>
+                </a:solidFill>
+                <a:latin typeface="+mn-lt"/>
+              </a:rPr>
+              <a:t>98 min</a:t>
+            </a:r>
+          </a:p>
+          <a:p>
+            <a:r>
+              <a:rPr lang="en-US" sz="2000" dirty="0" smtClean="0">
+                <a:solidFill>
+                  <a:srgbClr val="3366FF"/>
+                </a:solidFill>
+                <a:latin typeface="+mn-lt"/>
+              </a:rPr>
+              <a:t>drama</a:t>
+            </a:r>
+            <a:r>
+              <a:rPr lang="en-US" sz="2000" dirty="0" smtClean="0">
+                <a:latin typeface="+mn-lt"/>
+              </a:rPr>
+              <a:t> = </a:t>
+            </a:r>
+            <a:r>
+              <a:rPr lang="en-US" sz="2000" dirty="0" smtClean="0">
+                <a:solidFill>
+                  <a:srgbClr val="FF0000"/>
+                </a:solidFill>
+                <a:latin typeface="+mn-lt"/>
+              </a:rPr>
+              <a:t>true</a:t>
+            </a:r>
+            <a:endParaRPr lang="en-US" sz="2000" dirty="0">
+              <a:solidFill>
+                <a:srgbClr val="FF0000"/>
+              </a:solidFill>
+              <a:latin typeface="+mn-lt"/>
+            </a:endParaRPr>
+          </a:p>
+        </p:txBody>
+      </p:sp>
+      <p:cxnSp>
+        <p:nvCxnSpPr>
+          <p:cNvPr id="33" name="Straight Connector 32"/>
+          <p:cNvCxnSpPr/>
+          <p:nvPr/>
+        </p:nvCxnSpPr>
+        <p:spPr>
+          <a:xfrm>
+            <a:off x="4034879" y="5587295"/>
+            <a:ext cx="0" cy="451067"/>
+          </a:xfrm>
+          <a:prstGeom prst="line">
+            <a:avLst/>
+          </a:prstGeom>
+        </p:spPr>
+        <p:style>
+          <a:lnRef idx="2">
+            <a:schemeClr val="accent1"/>
+          </a:lnRef>
+          <a:fillRef idx="0">
+            <a:schemeClr val="accent1"/>
+          </a:fillRef>
+          <a:effectRef idx="1">
+            <a:schemeClr val="accent1"/>
+          </a:effectRef>
+          <a:fontRef idx="minor">
+            <a:schemeClr val="tx1"/>
+          </a:fontRef>
+        </p:style>
+      </p:cxnSp>
+    </p:spTree>
+    <p:extLst>
+      <p:ext uri="{BB962C8B-B14F-4D97-AF65-F5344CB8AC3E}">
+        <p14:creationId xmlns:p14="http://schemas.microsoft.com/office/powerpoint/2010/main" val="356910493"/>
+      </p:ext>
+    </p:extLst>
+  </p:cSld>
+  <p:clrMapOvr>
+    <a:masterClrMapping/>
+  </p:clrMapOvr>
+  <p:timing>
+    <p:tnLst>
+      <p:par>
+        <p:cTn xmlns:p14="http://schemas.microsoft.com/office/powerpoint/2010/main" id="1" dur="indefinite" restart="never" nodeType="tmRoot"/>
+      </p:par>
+    </p:tnLst>
+  </p:timing>
+</p:sld>
+</file>
+
+<file path=ppt/slides/slide33.xml><?xml version="1.0" encoding="utf-8"?>
+<p:sld xmlns:a="http://schemas.openxmlformats.org/drawingml/2006/main" xmlns:r="http://schemas.openxmlformats.org/officeDocument/2006/relationships" xmlns:p="http://schemas.openxmlformats.org/presentationml/2006/main">
+  <p:cSld>
+    <p:spTree>
+      <p:nvGrpSpPr>
+        <p:cNvPr id="1" name=""/>
+        <p:cNvGrpSpPr/>
+        <p:nvPr/>
+      </p:nvGrpSpPr>
+      <p:grpSpPr>
+        <a:xfrm>
+          <a:off x="0" y="0"/>
+          <a:ext cx="0" cy="0"/>
+          <a:chOff x="0" y="0"/>
+          <a:chExt cx="0" cy="0"/>
+        </a:xfrm>
+      </p:grpSpPr>
+      <p:sp>
+        <p:nvSpPr>
+          <p:cNvPr id="4" name="Title 3"/>
+          <p:cNvSpPr>
+            <a:spLocks noGrp="1"/>
+          </p:cNvSpPr>
+          <p:nvPr>
+            <p:ph type="title"/>
+          </p:nvPr>
+        </p:nvSpPr>
+        <p:spPr>
+          <a:xfrm>
+            <a:off x="651756" y="688008"/>
+            <a:ext cx="7772400" cy="1500450"/>
+          </a:xfrm>
+        </p:spPr>
+        <p:txBody>
+          <a:bodyPr>
+            <a:normAutofit/>
+          </a:bodyPr>
+          <a:lstStyle/>
+          <a:p>
+            <a:r>
+              <a:rPr lang="en-US" dirty="0" smtClean="0"/>
+              <a:t>Representations of Relational Data</a:t>
+            </a:r>
+            <a:endParaRPr lang="en-US" b="0" dirty="0"/>
+          </a:p>
+        </p:txBody>
+      </p:sp>
+    </p:spTree>
+    <p:extLst>
+      <p:ext uri="{BB962C8B-B14F-4D97-AF65-F5344CB8AC3E}">
+        <p14:creationId xmlns:p14="http://schemas.microsoft.com/office/powerpoint/2010/main" val="3646800642"/>
+      </p:ext>
+    </p:extLst>
+  </p:cSld>
+  <p:clrMapOvr>
+    <a:masterClrMapping/>
+  </p:clrMapOvr>
+  <p:timing>
+    <p:tnLst>
+      <p:par>
+        <p:cTn xmlns:p14="http://schemas.microsoft.com/office/powerpoint/2010/main" id="1" dur="indefinite" restart="never" nodeType="tmRoot"/>
+      </p:par>
+    </p:tnLst>
+  </p:timing>
+</p:sld>
+</file>
+
+<file path=ppt/slides/slide34.xml><?xml version="1.0" encoding="utf-8"?>
+<p:sld xmlns:a="http://schemas.openxmlformats.org/drawingml/2006/main" xmlns:r="http://schemas.openxmlformats.org/officeDocument/2006/relationships" xmlns:p="http://schemas.openxmlformats.org/presentationml/2006/main">
+  <p:cSld>
+    <p:spTree>
+      <p:nvGrpSpPr>
+        <p:cNvPr id="1" name=""/>
+        <p:cNvGrpSpPr/>
+        <p:nvPr/>
+      </p:nvGrpSpPr>
+      <p:grpSpPr>
+        <a:xfrm>
+          <a:off x="0" y="0"/>
+          <a:ext cx="0" cy="0"/>
+          <a:chOff x="0" y="0"/>
+          <a:chExt cx="0" cy="0"/>
+        </a:xfrm>
+      </p:grpSpPr>
+      <p:sp>
+        <p:nvSpPr>
+          <p:cNvPr id="2" name="Title 1"/>
+          <p:cNvSpPr>
+            <a:spLocks noGrp="1"/>
+          </p:cNvSpPr>
+          <p:nvPr>
+            <p:ph type="title"/>
+          </p:nvPr>
+        </p:nvSpPr>
+        <p:spPr/>
+        <p:txBody>
+          <a:bodyPr/>
+          <a:lstStyle/>
+          <a:p>
+            <a:r>
+              <a:rPr lang="en-US" dirty="0" smtClean="0"/>
+              <a:t>Relational Data Formats</a:t>
+            </a:r>
+            <a:endParaRPr lang="en-US" dirty="0"/>
+          </a:p>
+        </p:txBody>
+      </p:sp>
+      <p:sp>
+        <p:nvSpPr>
+          <p:cNvPr id="4" name="Footer Placeholder 3"/>
+          <p:cNvSpPr>
+            <a:spLocks noGrp="1"/>
+          </p:cNvSpPr>
+          <p:nvPr>
+            <p:ph type="ftr" sz="quarter" idx="11"/>
+          </p:nvPr>
+        </p:nvSpPr>
+        <p:spPr>
+          <a:xfrm>
+            <a:off x="914400" y="5855900"/>
+            <a:ext cx="6870886" cy="724015"/>
+          </a:xfrm>
+        </p:spPr>
+        <p:txBody>
+          <a:bodyPr/>
+          <a:lstStyle/>
+          <a:p>
+            <a:r>
+              <a:rPr lang="en-US" dirty="0" smtClean="0"/>
+              <a:t>Sun, Y. &amp; Han, J. (2012), Mining Heterogeneous Information Networks: Principles and Methodologies, Morgan &amp; Claypool Publishers.</a:t>
+            </a:r>
+            <a:br>
+              <a:rPr lang="en-US" dirty="0" smtClean="0"/>
+            </a:br>
+            <a:r>
+              <a:rPr lang="en-US" dirty="0" smtClean="0"/>
+              <a:t>Nickel, M.; Murphy, K.; </a:t>
+            </a:r>
+            <a:r>
+              <a:rPr lang="en-US" dirty="0" err="1" smtClean="0"/>
+              <a:t>Tresp</a:t>
+            </a:r>
+            <a:r>
+              <a:rPr lang="en-US" dirty="0" smtClean="0"/>
+              <a:t>, V. &amp; </a:t>
+            </a:r>
+            <a:r>
+              <a:rPr lang="en-US" dirty="0" err="1" smtClean="0"/>
+              <a:t>Gabrilovich</a:t>
+            </a:r>
+            <a:r>
+              <a:rPr lang="en-US" dirty="0" smtClean="0"/>
+              <a:t>, E. (2015), 'A Review of Relational Machine Learning for Knowledge Graphs', </a:t>
+            </a:r>
+            <a:r>
+              <a:rPr lang="en-US" i="1" dirty="0" err="1" smtClean="0"/>
+              <a:t>ArXiv</a:t>
+            </a:r>
+            <a:r>
+              <a:rPr lang="en-US" i="1" dirty="0" smtClean="0"/>
+              <a:t> e-prints .</a:t>
+            </a:r>
+            <a:endParaRPr lang="en-US" i="1" dirty="0"/>
+          </a:p>
+        </p:txBody>
+      </p:sp>
+      <p:sp>
+        <p:nvSpPr>
+          <p:cNvPr id="6" name="TextBox 5"/>
+          <p:cNvSpPr txBox="1"/>
+          <p:nvPr/>
+        </p:nvSpPr>
+        <p:spPr>
+          <a:xfrm>
+            <a:off x="1245105" y="2840161"/>
+            <a:ext cx="1369023" cy="400110"/>
+          </a:xfrm>
+          <a:prstGeom prst="rect">
+            <a:avLst/>
+          </a:prstGeom>
+          <a:noFill/>
+        </p:spPr>
+        <p:txBody>
+          <a:bodyPr wrap="square" rtlCol="0">
+            <a:spAutoFit/>
+          </a:bodyPr>
+          <a:lstStyle/>
+          <a:p>
+            <a:r>
+              <a:rPr lang="en-US" sz="2000" dirty="0" smtClean="0">
+                <a:latin typeface="+mn-lt"/>
+              </a:rPr>
+              <a:t>graphical</a:t>
+            </a:r>
+            <a:endParaRPr lang="en-US" sz="2000" dirty="0">
+              <a:latin typeface="+mn-lt"/>
+            </a:endParaRPr>
+          </a:p>
+        </p:txBody>
+      </p:sp>
+      <p:sp>
+        <p:nvSpPr>
+          <p:cNvPr id="10" name="TextBox 9"/>
+          <p:cNvSpPr txBox="1"/>
+          <p:nvPr/>
+        </p:nvSpPr>
+        <p:spPr>
+          <a:xfrm>
+            <a:off x="3309790" y="1748530"/>
+            <a:ext cx="2457643" cy="584776"/>
+          </a:xfrm>
+          <a:prstGeom prst="rect">
+            <a:avLst/>
+          </a:prstGeom>
+          <a:noFill/>
+          <a:ln>
+            <a:solidFill>
+              <a:schemeClr val="tx1"/>
+            </a:solidFill>
+          </a:ln>
+        </p:spPr>
+        <p:txBody>
+          <a:bodyPr wrap="square" rtlCol="0">
+            <a:spAutoFit/>
+          </a:bodyPr>
+          <a:lstStyle/>
+          <a:p>
+            <a:r>
+              <a:rPr lang="en-US" sz="3200" dirty="0" smtClean="0">
+                <a:latin typeface="+mn-lt"/>
+              </a:rPr>
+              <a:t>Data Format</a:t>
+            </a:r>
+            <a:endParaRPr lang="en-US" sz="3200" dirty="0">
+              <a:latin typeface="+mn-lt"/>
+            </a:endParaRPr>
+          </a:p>
+        </p:txBody>
+      </p:sp>
+      <p:sp>
+        <p:nvSpPr>
+          <p:cNvPr id="11" name="TextBox 10"/>
+          <p:cNvSpPr txBox="1"/>
+          <p:nvPr/>
+        </p:nvSpPr>
+        <p:spPr>
+          <a:xfrm>
+            <a:off x="432372" y="3822261"/>
+            <a:ext cx="2418583" cy="1569660"/>
+          </a:xfrm>
+          <a:prstGeom prst="rect">
+            <a:avLst/>
+          </a:prstGeom>
+          <a:noFill/>
+          <a:ln>
+            <a:solidFill>
+              <a:schemeClr val="tx1"/>
+            </a:solidFill>
+          </a:ln>
+        </p:spPr>
+        <p:txBody>
+          <a:bodyPr wrap="square" rtlCol="0">
+            <a:spAutoFit/>
+          </a:bodyPr>
+          <a:lstStyle/>
+          <a:p>
+            <a:r>
+              <a:rPr lang="en-US" sz="2400" b="1" dirty="0">
+                <a:latin typeface="+mn-lt"/>
+              </a:rPr>
+              <a:t>Nodes and edges in </a:t>
+            </a:r>
+            <a:r>
+              <a:rPr lang="en-US" sz="2400" b="1" dirty="0" err="1">
+                <a:latin typeface="+mn-lt"/>
+              </a:rPr>
+              <a:t>heterogenous</a:t>
+            </a:r>
+            <a:r>
+              <a:rPr lang="en-US" sz="2400" b="1" dirty="0">
+                <a:latin typeface="+mn-lt"/>
+              </a:rPr>
+              <a:t> network </a:t>
+            </a:r>
+            <a:r>
+              <a:rPr lang="en-US" sz="2400" b="1" dirty="0" smtClean="0">
+                <a:latin typeface="+mn-lt"/>
+              </a:rPr>
+              <a:t/>
+            </a:r>
+            <a:br>
+              <a:rPr lang="en-US" sz="2400" b="1" dirty="0" smtClean="0">
+                <a:latin typeface="+mn-lt"/>
+              </a:rPr>
+            </a:br>
+            <a:r>
+              <a:rPr lang="en-US" sz="2400" dirty="0" smtClean="0">
+                <a:latin typeface="+mn-lt"/>
+              </a:rPr>
+              <a:t>(</a:t>
+            </a:r>
+            <a:r>
+              <a:rPr lang="en-US" sz="2400" dirty="0">
+                <a:latin typeface="+mn-lt"/>
+              </a:rPr>
+              <a:t>Sun and </a:t>
+            </a:r>
+            <a:r>
+              <a:rPr lang="en-US" sz="2400" dirty="0" smtClean="0">
+                <a:latin typeface="+mn-lt"/>
+              </a:rPr>
+              <a:t>Han 2012)</a:t>
+            </a:r>
+            <a:endParaRPr lang="en-US" sz="2400" dirty="0">
+              <a:latin typeface="+mn-lt"/>
+            </a:endParaRPr>
+          </a:p>
+        </p:txBody>
+      </p:sp>
+      <p:sp>
+        <p:nvSpPr>
+          <p:cNvPr id="12" name="TextBox 11"/>
+          <p:cNvSpPr txBox="1"/>
+          <p:nvPr/>
+        </p:nvSpPr>
+        <p:spPr>
+          <a:xfrm>
+            <a:off x="3019871" y="4130038"/>
+            <a:ext cx="1411946" cy="1200328"/>
+          </a:xfrm>
+          <a:prstGeom prst="rect">
+            <a:avLst/>
+          </a:prstGeom>
+          <a:noFill/>
+          <a:ln>
+            <a:solidFill>
+              <a:schemeClr val="tx1"/>
+            </a:solidFill>
+          </a:ln>
+        </p:spPr>
+        <p:txBody>
+          <a:bodyPr wrap="square" rtlCol="0">
+            <a:spAutoFit/>
+          </a:bodyPr>
+          <a:lstStyle/>
+          <a:p>
+            <a:r>
+              <a:rPr lang="en-US" sz="2400" b="1" dirty="0" smtClean="0">
+                <a:latin typeface="+mn-lt"/>
+              </a:rPr>
+              <a:t>Database Tables</a:t>
+            </a:r>
+          </a:p>
+          <a:p>
+            <a:r>
+              <a:rPr lang="en-US" sz="2400" b="1" dirty="0" smtClean="0">
+                <a:latin typeface="+mn-lt"/>
+              </a:rPr>
+              <a:t>SQL</a:t>
+            </a:r>
+            <a:endParaRPr lang="en-US" sz="2400" b="1" dirty="0">
+              <a:latin typeface="+mn-lt"/>
+            </a:endParaRPr>
+          </a:p>
+        </p:txBody>
+      </p:sp>
+      <p:sp>
+        <p:nvSpPr>
+          <p:cNvPr id="13" name="TextBox 12"/>
+          <p:cNvSpPr txBox="1"/>
+          <p:nvPr/>
+        </p:nvSpPr>
+        <p:spPr>
+          <a:xfrm>
+            <a:off x="4563684" y="3837650"/>
+            <a:ext cx="2935274" cy="1938992"/>
+          </a:xfrm>
+          <a:prstGeom prst="rect">
+            <a:avLst/>
+          </a:prstGeom>
+          <a:noFill/>
+          <a:ln>
+            <a:solidFill>
+              <a:schemeClr val="tx1"/>
+            </a:solidFill>
+          </a:ln>
+        </p:spPr>
+        <p:txBody>
+          <a:bodyPr wrap="square" rtlCol="0">
+            <a:spAutoFit/>
+          </a:bodyPr>
+          <a:lstStyle/>
+          <a:p>
+            <a:r>
+              <a:rPr lang="en-US" sz="2400" dirty="0" smtClean="0">
+                <a:latin typeface="+mn-lt"/>
+              </a:rPr>
+              <a:t>Logical Facts</a:t>
+            </a:r>
+          </a:p>
+          <a:p>
+            <a:pPr marL="342900" indent="-342900">
+              <a:buFont typeface="Arial"/>
+              <a:buChar char="•"/>
+            </a:pPr>
+            <a:r>
+              <a:rPr lang="en-US" sz="2400" dirty="0" smtClean="0">
+                <a:latin typeface="+mn-lt"/>
+              </a:rPr>
+              <a:t>Knowledge Graph Triples </a:t>
+            </a:r>
+            <a:br>
+              <a:rPr lang="en-US" sz="2400" dirty="0" smtClean="0">
+                <a:latin typeface="+mn-lt"/>
+              </a:rPr>
+            </a:br>
+            <a:r>
+              <a:rPr lang="en-US" sz="2400" dirty="0" smtClean="0">
+                <a:latin typeface="+mn-lt"/>
+              </a:rPr>
+              <a:t>(</a:t>
+            </a:r>
+            <a:r>
+              <a:rPr lang="en-US" sz="2400" dirty="0">
+                <a:latin typeface="+mn-lt"/>
+              </a:rPr>
+              <a:t>Nickel et al. 2015)</a:t>
+            </a:r>
+            <a:endParaRPr lang="en-US" sz="2400" dirty="0" smtClean="0">
+              <a:latin typeface="+mn-lt"/>
+            </a:endParaRPr>
+          </a:p>
+          <a:p>
+            <a:pPr marL="342900" indent="-342900">
+              <a:buFont typeface="Arial"/>
+              <a:buChar char="•"/>
+            </a:pPr>
+            <a:r>
+              <a:rPr lang="en-US" sz="2400" dirty="0" smtClean="0">
+                <a:latin typeface="+mn-lt"/>
+              </a:rPr>
+              <a:t>Atoms/Literals</a:t>
+            </a:r>
+            <a:endParaRPr lang="en-US" sz="2400" dirty="0">
+              <a:latin typeface="+mn-lt"/>
+            </a:endParaRPr>
+          </a:p>
+        </p:txBody>
+      </p:sp>
+      <p:cxnSp>
+        <p:nvCxnSpPr>
+          <p:cNvPr id="15" name="Straight Arrow Connector 14"/>
+          <p:cNvCxnSpPr>
+            <a:stCxn id="10" idx="2"/>
+          </p:cNvCxnSpPr>
+          <p:nvPr/>
+        </p:nvCxnSpPr>
+        <p:spPr>
+          <a:xfrm flipH="1">
+            <a:off x="1907780" y="2333306"/>
+            <a:ext cx="2630832" cy="1488955"/>
+          </a:xfrm>
+          <a:prstGeom prst="straightConnector1">
+            <a:avLst/>
+          </a:prstGeom>
+          <a:ln>
+            <a:tailEnd type="arrow"/>
+          </a:ln>
+        </p:spPr>
+        <p:style>
+          <a:lnRef idx="2">
+            <a:schemeClr val="accent1"/>
+          </a:lnRef>
+          <a:fillRef idx="0">
+            <a:schemeClr val="accent1"/>
+          </a:fillRef>
+          <a:effectRef idx="1">
+            <a:schemeClr val="accent1"/>
+          </a:effectRef>
+          <a:fontRef idx="minor">
+            <a:schemeClr val="tx1"/>
+          </a:fontRef>
+        </p:style>
+      </p:cxnSp>
+      <p:cxnSp>
+        <p:nvCxnSpPr>
+          <p:cNvPr id="17" name="Straight Arrow Connector 16"/>
+          <p:cNvCxnSpPr>
+            <a:stCxn id="10" idx="2"/>
+            <a:endCxn id="12" idx="0"/>
+          </p:cNvCxnSpPr>
+          <p:nvPr/>
+        </p:nvCxnSpPr>
+        <p:spPr>
+          <a:xfrm flipH="1">
+            <a:off x="3725844" y="2333306"/>
+            <a:ext cx="812768" cy="1796732"/>
+          </a:xfrm>
+          <a:prstGeom prst="straightConnector1">
+            <a:avLst/>
+          </a:prstGeom>
+          <a:ln>
+            <a:tailEnd type="arrow"/>
+          </a:ln>
+        </p:spPr>
+        <p:style>
+          <a:lnRef idx="2">
+            <a:schemeClr val="accent1"/>
+          </a:lnRef>
+          <a:fillRef idx="0">
+            <a:schemeClr val="accent1"/>
+          </a:fillRef>
+          <a:effectRef idx="1">
+            <a:schemeClr val="accent1"/>
+          </a:effectRef>
+          <a:fontRef idx="minor">
+            <a:schemeClr val="tx1"/>
+          </a:fontRef>
+        </p:style>
+      </p:cxnSp>
+      <p:cxnSp>
+        <p:nvCxnSpPr>
+          <p:cNvPr id="19" name="Straight Arrow Connector 18"/>
+          <p:cNvCxnSpPr>
+            <a:stCxn id="10" idx="2"/>
+          </p:cNvCxnSpPr>
+          <p:nvPr/>
+        </p:nvCxnSpPr>
+        <p:spPr>
+          <a:xfrm>
+            <a:off x="4538612" y="2333306"/>
+            <a:ext cx="1863835" cy="1488955"/>
+          </a:xfrm>
+          <a:prstGeom prst="straightConnector1">
+            <a:avLst/>
+          </a:prstGeom>
+          <a:ln>
+            <a:tailEnd type="arrow"/>
+          </a:ln>
+        </p:spPr>
+        <p:style>
+          <a:lnRef idx="2">
+            <a:schemeClr val="accent1"/>
+          </a:lnRef>
+          <a:fillRef idx="0">
+            <a:schemeClr val="accent1"/>
+          </a:fillRef>
+          <a:effectRef idx="1">
+            <a:schemeClr val="accent1"/>
+          </a:effectRef>
+          <a:fontRef idx="minor">
+            <a:schemeClr val="tx1"/>
+          </a:fontRef>
+        </p:style>
+      </p:cxnSp>
+      <p:sp>
+        <p:nvSpPr>
+          <p:cNvPr id="20" name="TextBox 19"/>
+          <p:cNvSpPr txBox="1"/>
+          <p:nvPr/>
+        </p:nvSpPr>
+        <p:spPr>
+          <a:xfrm>
+            <a:off x="3019871" y="3391990"/>
+            <a:ext cx="1115613" cy="400110"/>
+          </a:xfrm>
+          <a:prstGeom prst="rect">
+            <a:avLst/>
+          </a:prstGeom>
+          <a:noFill/>
+        </p:spPr>
+        <p:txBody>
+          <a:bodyPr wrap="square" rtlCol="0">
+            <a:spAutoFit/>
+          </a:bodyPr>
+          <a:lstStyle/>
+          <a:p>
+            <a:r>
+              <a:rPr lang="en-US" sz="2000" dirty="0" smtClean="0">
+                <a:latin typeface="+mn-lt"/>
+              </a:rPr>
+              <a:t>tabular</a:t>
+            </a:r>
+            <a:endParaRPr lang="en-US" sz="2000" dirty="0">
+              <a:latin typeface="+mn-lt"/>
+            </a:endParaRPr>
+          </a:p>
+        </p:txBody>
+      </p:sp>
+      <p:sp>
+        <p:nvSpPr>
+          <p:cNvPr id="21" name="TextBox 20"/>
+          <p:cNvSpPr txBox="1"/>
+          <p:nvPr/>
+        </p:nvSpPr>
+        <p:spPr>
+          <a:xfrm>
+            <a:off x="4988374" y="3266506"/>
+            <a:ext cx="1004002" cy="400110"/>
+          </a:xfrm>
+          <a:prstGeom prst="rect">
+            <a:avLst/>
+          </a:prstGeom>
+          <a:noFill/>
+        </p:spPr>
+        <p:txBody>
+          <a:bodyPr wrap="square" rtlCol="0">
+            <a:spAutoFit/>
+          </a:bodyPr>
+          <a:lstStyle/>
+          <a:p>
+            <a:r>
+              <a:rPr lang="en-US" sz="2000" dirty="0" smtClean="0">
+                <a:latin typeface="+mn-lt"/>
+              </a:rPr>
+              <a:t>logical</a:t>
+            </a:r>
+            <a:endParaRPr lang="en-US" sz="2000" dirty="0">
+              <a:latin typeface="+mn-lt"/>
+            </a:endParaRPr>
+          </a:p>
+        </p:txBody>
+      </p:sp>
+      <p:sp>
+        <p:nvSpPr>
+          <p:cNvPr id="16" name="TextBox 15"/>
+          <p:cNvSpPr txBox="1"/>
+          <p:nvPr/>
+        </p:nvSpPr>
+        <p:spPr>
+          <a:xfrm>
+            <a:off x="7660211" y="3839846"/>
+            <a:ext cx="1229145" cy="830997"/>
+          </a:xfrm>
+          <a:prstGeom prst="rect">
+            <a:avLst/>
+          </a:prstGeom>
+          <a:noFill/>
+          <a:ln>
+            <a:solidFill>
+              <a:schemeClr val="tx1"/>
+            </a:solidFill>
+          </a:ln>
+        </p:spPr>
+        <p:txBody>
+          <a:bodyPr wrap="square" rtlCol="0">
+            <a:spAutoFit/>
+          </a:bodyPr>
+          <a:lstStyle/>
+          <a:p>
+            <a:r>
+              <a:rPr lang="en-US" sz="2400" dirty="0" smtClean="0">
+                <a:latin typeface="+mn-lt"/>
+              </a:rPr>
+              <a:t>Matrices</a:t>
+            </a:r>
+          </a:p>
+          <a:p>
+            <a:r>
+              <a:rPr lang="en-US" sz="2400" dirty="0" smtClean="0">
+                <a:latin typeface="+mn-lt"/>
+              </a:rPr>
+              <a:t>Tensors</a:t>
+            </a:r>
+            <a:endParaRPr lang="en-US" sz="2400" dirty="0">
+              <a:latin typeface="+mn-lt"/>
+            </a:endParaRPr>
+          </a:p>
+        </p:txBody>
+      </p:sp>
+      <p:cxnSp>
+        <p:nvCxnSpPr>
+          <p:cNvPr id="7" name="Straight Arrow Connector 6"/>
+          <p:cNvCxnSpPr>
+            <a:stCxn id="10" idx="2"/>
+            <a:endCxn id="16" idx="0"/>
+          </p:cNvCxnSpPr>
+          <p:nvPr/>
+        </p:nvCxnSpPr>
+        <p:spPr>
+          <a:xfrm>
+            <a:off x="4538612" y="2333306"/>
+            <a:ext cx="3736172" cy="1506540"/>
+          </a:xfrm>
+          <a:prstGeom prst="straightConnector1">
+            <a:avLst/>
+          </a:prstGeom>
+          <a:ln>
+            <a:tailEnd type="arrow"/>
+          </a:ln>
+        </p:spPr>
+        <p:style>
+          <a:lnRef idx="2">
+            <a:schemeClr val="accent1"/>
+          </a:lnRef>
+          <a:fillRef idx="0">
+            <a:schemeClr val="accent1"/>
+          </a:fillRef>
+          <a:effectRef idx="1">
+            <a:schemeClr val="accent1"/>
+          </a:effectRef>
+          <a:fontRef idx="minor">
+            <a:schemeClr val="tx1"/>
+          </a:fontRef>
+        </p:style>
+      </p:cxnSp>
+      <p:sp>
+        <p:nvSpPr>
+          <p:cNvPr id="18" name="TextBox 17"/>
+          <p:cNvSpPr txBox="1"/>
+          <p:nvPr/>
+        </p:nvSpPr>
+        <p:spPr>
+          <a:xfrm>
+            <a:off x="7660212" y="3207324"/>
+            <a:ext cx="1049713" cy="400110"/>
+          </a:xfrm>
+          <a:prstGeom prst="rect">
+            <a:avLst/>
+          </a:prstGeom>
+          <a:noFill/>
+        </p:spPr>
+        <p:txBody>
+          <a:bodyPr wrap="square" rtlCol="0">
+            <a:spAutoFit/>
+          </a:bodyPr>
+          <a:lstStyle/>
+          <a:p>
+            <a:r>
+              <a:rPr lang="en-US" sz="2000" dirty="0" smtClean="0">
+                <a:latin typeface="+mn-lt"/>
+              </a:rPr>
+              <a:t>arrays</a:t>
+            </a:r>
+            <a:endParaRPr lang="en-US" sz="2000" dirty="0">
+              <a:latin typeface="+mn-lt"/>
+            </a:endParaRPr>
+          </a:p>
+        </p:txBody>
+      </p:sp>
+    </p:spTree>
+    <p:extLst>
+      <p:ext uri="{BB962C8B-B14F-4D97-AF65-F5344CB8AC3E}">
+        <p14:creationId xmlns:p14="http://schemas.microsoft.com/office/powerpoint/2010/main" val="819989809"/>
+      </p:ext>
+    </p:extLst>
+  </p:cSld>
+  <p:clrMapOvr>
+    <a:masterClrMapping/>
+  </p:clrMapOvr>
+  <p:timing>
+    <p:tnLst>
+      <p:par>
+        <p:cTn xmlns:p14="http://schemas.microsoft.com/office/powerpoint/2010/main" id="1" dur="indefinite" restart="never" nodeType="tmRoot"/>
+      </p:par>
+    </p:tnLst>
+  </p:timing>
+</p:sld>
+</file>
+
+<file path=ppt/slides/slide35.xml><?xml version="1.0" encoding="utf-8"?>
+<p:sld xmlns:a="http://schemas.openxmlformats.org/drawingml/2006/main" xmlns:r="http://schemas.openxmlformats.org/officeDocument/2006/relationships" xmlns:p="http://schemas.openxmlformats.org/presentationml/2006/main">
+  <p:cSld>
+    <p:spTree>
+      <p:nvGrpSpPr>
+        <p:cNvPr id="1" name=""/>
+        <p:cNvGrpSpPr/>
+        <p:nvPr/>
+      </p:nvGrpSpPr>
+      <p:grpSpPr>
+        <a:xfrm>
+          <a:off x="0" y="0"/>
+          <a:ext cx="0" cy="0"/>
+          <a:chOff x="0" y="0"/>
+          <a:chExt cx="0" cy="0"/>
+        </a:xfrm>
+      </p:grpSpPr>
+      <p:sp>
+        <p:nvSpPr>
+          <p:cNvPr id="2" name="Title 1"/>
+          <p:cNvSpPr>
+            <a:spLocks noGrp="1"/>
+          </p:cNvSpPr>
+          <p:nvPr>
+            <p:ph type="title"/>
+          </p:nvPr>
+        </p:nvSpPr>
+        <p:spPr/>
+        <p:txBody>
           <a:bodyPr/>
           <a:lstStyle/>
           <a:p>
@@ -21846,7 +24074,7 @@
     </p:spTree>
     <p:extLst>
       <p:ext uri="{BB962C8B-B14F-4D97-AF65-F5344CB8AC3E}">
-        <p14:creationId xmlns:p14="http://schemas.microsoft.com/office/powerpoint/2010/main" val="240619030"/>
+        <p14:creationId xmlns:p14="http://schemas.microsoft.com/office/powerpoint/2010/main" val="3366141164"/>
       </p:ext>
     </p:extLst>
   </p:cSld>
@@ -21856,7 +24084,7 @@
 </p:sld>
 </file>
 
-<file path=ppt/slides/slide32.xml><?xml version="1.0" encoding="utf-8"?>
+<file path=ppt/slides/slide36.xml><?xml version="1.0" encoding="utf-8"?>
 <p:sld xmlns:a="http://schemas.openxmlformats.org/drawingml/2006/main" xmlns:r="http://schemas.openxmlformats.org/officeDocument/2006/relationships" xmlns:p="http://schemas.openxmlformats.org/presentationml/2006/main">
   <p:cSld>
     <p:spTree>
@@ -22781,2235 +25009,7 @@
     </p:spTree>
     <p:extLst>
       <p:ext uri="{BB962C8B-B14F-4D97-AF65-F5344CB8AC3E}">
-        <p14:creationId xmlns:p14="http://schemas.microsoft.com/office/powerpoint/2010/main" val="3629905999"/>
-      </p:ext>
-    </p:extLst>
-  </p:cSld>
-  <p:clrMapOvr>
-    <a:masterClrMapping/>
-  </p:clrMapOvr>
-  <p:timing>
-    <p:tnLst>
-      <p:par>
-        <p:cTn xmlns:p14="http://schemas.microsoft.com/office/powerpoint/2010/main" id="1" dur="indefinite" restart="never" nodeType="tmRoot"/>
-      </p:par>
-    </p:tnLst>
-  </p:timing>
-</p:sld>
-</file>
-
-<file path=ppt/slides/slide33.xml><?xml version="1.0" encoding="utf-8"?>
-<p:sld xmlns:a="http://schemas.openxmlformats.org/drawingml/2006/main" xmlns:r="http://schemas.openxmlformats.org/officeDocument/2006/relationships" xmlns:p="http://schemas.openxmlformats.org/presentationml/2006/main">
-  <p:cSld>
-    <p:spTree>
-      <p:nvGrpSpPr>
-        <p:cNvPr id="1" name=""/>
-        <p:cNvGrpSpPr/>
-        <p:nvPr/>
-      </p:nvGrpSpPr>
-      <p:grpSpPr>
-        <a:xfrm>
-          <a:off x="0" y="0"/>
-          <a:ext cx="0" cy="0"/>
-          <a:chOff x="0" y="0"/>
-          <a:chExt cx="0" cy="0"/>
-        </a:xfrm>
-      </p:grpSpPr>
-      <p:sp>
-        <p:nvSpPr>
-          <p:cNvPr id="2" name="Title 1"/>
-          <p:cNvSpPr>
-            <a:spLocks noGrp="1"/>
-          </p:cNvSpPr>
-          <p:nvPr>
-            <p:ph type="title"/>
-          </p:nvPr>
-        </p:nvSpPr>
-        <p:spPr/>
-        <p:txBody>
-          <a:bodyPr>
-            <a:normAutofit/>
-          </a:bodyPr>
-          <a:lstStyle/>
-          <a:p>
-            <a:r>
-              <a:rPr lang="en-US" dirty="0" smtClean="0"/>
-              <a:t>Learning From Relational Samples</a:t>
-            </a:r>
-            <a:endParaRPr lang="en-US" dirty="0"/>
-          </a:p>
-        </p:txBody>
-      </p:sp>
-      <p:sp>
-        <p:nvSpPr>
-          <p:cNvPr id="3" name="Content Placeholder 2"/>
-          <p:cNvSpPr>
-            <a:spLocks noGrp="1"/>
-          </p:cNvSpPr>
-          <p:nvPr>
-            <p:ph idx="1"/>
-          </p:nvPr>
-        </p:nvSpPr>
-        <p:spPr>
-          <a:xfrm>
-            <a:off x="358191" y="1580438"/>
-            <a:ext cx="8531414" cy="4201327"/>
-          </a:xfrm>
-        </p:spPr>
-        <p:txBody>
-          <a:bodyPr/>
-          <a:lstStyle/>
-          <a:p>
-            <a:r>
-              <a:rPr lang="en-US" sz="2800" dirty="0" smtClean="0"/>
-              <a:t>A </a:t>
-            </a:r>
-            <a:r>
-              <a:rPr lang="en-US" sz="2800" b="1" dirty="0" smtClean="0"/>
-              <a:t>sample</a:t>
-            </a:r>
-            <a:r>
-              <a:rPr lang="en-US" sz="2800" dirty="0" smtClean="0"/>
-              <a:t> specifies </a:t>
-            </a:r>
-          </a:p>
-          <a:p>
-            <a:pPr lvl="1"/>
-            <a:r>
-              <a:rPr lang="en-US" dirty="0" smtClean="0"/>
-              <a:t>a set of observed individuals</a:t>
-            </a:r>
-            <a:endParaRPr lang="en-US" dirty="0"/>
-          </a:p>
-          <a:p>
-            <a:pPr lvl="1"/>
-            <a:r>
-              <a:rPr lang="en-US" dirty="0" smtClean="0"/>
-              <a:t>For each tuple of observed individuals</a:t>
-            </a:r>
-            <a:r>
-              <a:rPr lang="en-US" dirty="0"/>
-              <a:t>,</a:t>
-            </a:r>
-            <a:r>
-              <a:rPr lang="en-US" dirty="0" smtClean="0"/>
-              <a:t>  </a:t>
-            </a:r>
-            <a:br>
-              <a:rPr lang="en-US" dirty="0" smtClean="0"/>
-            </a:br>
-            <a:r>
-              <a:rPr lang="en-US" dirty="0" smtClean="0"/>
-              <a:t>the argument value for each </a:t>
-            </a:r>
-            <a:r>
-              <a:rPr lang="en-US" dirty="0" err="1" smtClean="0"/>
-              <a:t>functor</a:t>
-            </a:r>
-            <a:endParaRPr lang="en-US" dirty="0" smtClean="0"/>
-          </a:p>
-          <a:p>
-            <a:pPr marL="457200" lvl="1" indent="0">
-              <a:buNone/>
-            </a:pPr>
-            <a:r>
-              <a:rPr lang="en-US" dirty="0" smtClean="0"/>
-              <a:t>= possible world restricted to observed individuals</a:t>
-            </a:r>
-          </a:p>
-          <a:p>
-            <a:r>
-              <a:rPr lang="en-US" sz="2800" dirty="0" smtClean="0"/>
-              <a:t>As with IID samples, we may have missing data =</a:t>
-            </a:r>
-            <a:br>
-              <a:rPr lang="en-US" sz="2800" dirty="0" smtClean="0"/>
-            </a:br>
-            <a:r>
-              <a:rPr lang="en-US" sz="2800" dirty="0" smtClean="0"/>
-              <a:t>missing values for some arguments of a </a:t>
-            </a:r>
-            <a:r>
-              <a:rPr lang="en-US" sz="2800" dirty="0" err="1" smtClean="0"/>
-              <a:t>functor</a:t>
-            </a:r>
-            <a:endParaRPr lang="en-US" sz="2800" dirty="0" smtClean="0"/>
-          </a:p>
-          <a:p>
-            <a:r>
-              <a:rPr lang="en-US" sz="2800" i="1" dirty="0" smtClean="0"/>
-              <a:t>Relational learning</a:t>
-            </a:r>
-            <a:r>
-              <a:rPr lang="en-US" sz="2800" dirty="0" smtClean="0"/>
-              <a:t>: given observed values of functions, extrapolate to unobserved values</a:t>
-            </a:r>
-          </a:p>
-        </p:txBody>
-      </p:sp>
-      <p:sp>
-        <p:nvSpPr>
-          <p:cNvPr id="5" name="Footer Placeholder 4"/>
-          <p:cNvSpPr>
-            <a:spLocks noGrp="1"/>
-          </p:cNvSpPr>
-          <p:nvPr>
-            <p:ph type="ftr" sz="quarter" idx="11"/>
-          </p:nvPr>
-        </p:nvSpPr>
-        <p:spPr>
-          <a:xfrm>
-            <a:off x="702743" y="6058239"/>
-            <a:ext cx="6638908" cy="457200"/>
-          </a:xfrm>
-        </p:spPr>
-        <p:txBody>
-          <a:bodyPr/>
-          <a:lstStyle/>
-          <a:p>
-            <a:pPr>
-              <a:defRPr/>
-            </a:pPr>
-            <a:r>
-              <a:rPr lang="en-US" dirty="0" smtClean="0"/>
-              <a:t>Xiang, R. &amp; Neville, J. (2011), Relational learning with one network: An asymptotic analysis, in 'Artificial Intelligence and Statistics', pp. 779--788.</a:t>
-            </a:r>
-            <a:endParaRPr lang="en-US" dirty="0"/>
-          </a:p>
-        </p:txBody>
-      </p:sp>
-    </p:spTree>
-    <p:extLst>
-      <p:ext uri="{BB962C8B-B14F-4D97-AF65-F5344CB8AC3E}">
-        <p14:creationId xmlns:p14="http://schemas.microsoft.com/office/powerpoint/2010/main" val="3876270619"/>
-      </p:ext>
-    </p:extLst>
-  </p:cSld>
-  <p:clrMapOvr>
-    <a:masterClrMapping/>
-  </p:clrMapOvr>
-  <p:timing>
-    <p:tnLst>
-      <p:par>
-        <p:cTn xmlns:p14="http://schemas.microsoft.com/office/powerpoint/2010/main" id="1" dur="indefinite" restart="never" nodeType="tmRoot"/>
-      </p:par>
-    </p:tnLst>
-  </p:timing>
-</p:sld>
-</file>
-
-<file path=ppt/slides/slide34.xml><?xml version="1.0" encoding="utf-8"?>
-<p:sld xmlns:a="http://schemas.openxmlformats.org/drawingml/2006/main" xmlns:r="http://schemas.openxmlformats.org/officeDocument/2006/relationships" xmlns:p="http://schemas.openxmlformats.org/presentationml/2006/main">
-  <p:cSld>
-    <p:spTree>
-      <p:nvGrpSpPr>
-        <p:cNvPr id="1" name=""/>
-        <p:cNvGrpSpPr/>
-        <p:nvPr/>
-      </p:nvGrpSpPr>
-      <p:grpSpPr>
-        <a:xfrm>
-          <a:off x="0" y="0"/>
-          <a:ext cx="0" cy="0"/>
-          <a:chOff x="0" y="0"/>
-          <a:chExt cx="0" cy="0"/>
-        </a:xfrm>
-      </p:grpSpPr>
-      <p:sp>
-        <p:nvSpPr>
-          <p:cNvPr id="4" name="Title 3"/>
-          <p:cNvSpPr>
-            <a:spLocks noGrp="1"/>
-          </p:cNvSpPr>
-          <p:nvPr>
-            <p:ph type="title"/>
-          </p:nvPr>
-        </p:nvSpPr>
-        <p:spPr/>
-        <p:txBody>
-          <a:bodyPr>
-            <a:normAutofit/>
-          </a:bodyPr>
-          <a:lstStyle/>
-          <a:p>
-            <a:r>
-              <a:rPr lang="en-US" dirty="0" smtClean="0"/>
-              <a:t>Example: Sample</a:t>
-            </a:r>
-            <a:endParaRPr lang="en-US" dirty="0"/>
-          </a:p>
-        </p:txBody>
-      </p:sp>
-      <p:pic>
-        <p:nvPicPr>
-          <p:cNvPr id="24" name="Picture 23" descr="buscemi.jpeg"/>
-          <p:cNvPicPr>
-            <a:picLocks noChangeAspect="1"/>
-          </p:cNvPicPr>
-          <p:nvPr/>
-        </p:nvPicPr>
-        <p:blipFill>
-          <a:blip r:embed="rId3">
-            <a:extLst>
-              <a:ext uri="{28A0092B-C50C-407E-A947-70E740481C1C}">
-                <a14:useLocalDpi xmlns:a14="http://schemas.microsoft.com/office/drawing/2010/main" val="0"/>
-              </a:ext>
-            </a:extLst>
-          </a:blip>
-          <a:stretch>
-            <a:fillRect/>
-          </a:stretch>
-        </p:blipFill>
-        <p:spPr>
-          <a:xfrm>
-            <a:off x="1412723" y="1997927"/>
-            <a:ext cx="852307" cy="1262529"/>
-          </a:xfrm>
-          <a:prstGeom prst="rect">
-            <a:avLst/>
-          </a:prstGeom>
-        </p:spPr>
-      </p:pic>
-      <p:pic>
-        <p:nvPicPr>
-          <p:cNvPr id="29" name="Picture 28" descr="thurman.jpeg"/>
-          <p:cNvPicPr>
-            <a:picLocks noChangeAspect="1"/>
-          </p:cNvPicPr>
-          <p:nvPr/>
-        </p:nvPicPr>
-        <p:blipFill>
-          <a:blip r:embed="rId4">
-            <a:extLst>
-              <a:ext uri="{28A0092B-C50C-407E-A947-70E740481C1C}">
-                <a14:useLocalDpi xmlns:a14="http://schemas.microsoft.com/office/drawing/2010/main" val="0"/>
-              </a:ext>
-            </a:extLst>
-          </a:blip>
-          <a:stretch>
-            <a:fillRect/>
-          </a:stretch>
-        </p:blipFill>
-        <p:spPr>
-          <a:xfrm>
-            <a:off x="3183979" y="2006891"/>
-            <a:ext cx="850900" cy="1244600"/>
-          </a:xfrm>
-          <a:prstGeom prst="rect">
-            <a:avLst/>
-          </a:prstGeom>
-        </p:spPr>
-      </p:pic>
-      <p:sp>
-        <p:nvSpPr>
-          <p:cNvPr id="2" name="TextBox 1"/>
-          <p:cNvSpPr txBox="1"/>
-          <p:nvPr/>
-        </p:nvSpPr>
-        <p:spPr>
-          <a:xfrm>
-            <a:off x="1009408" y="3740537"/>
-            <a:ext cx="913778" cy="707886"/>
-          </a:xfrm>
-          <a:prstGeom prst="rect">
-            <a:avLst/>
-          </a:prstGeom>
-          <a:noFill/>
-        </p:spPr>
-        <p:txBody>
-          <a:bodyPr wrap="square" rtlCol="0">
-            <a:spAutoFit/>
-          </a:bodyPr>
-          <a:lstStyle/>
-          <a:p>
-            <a:r>
-              <a:rPr lang="en-US" sz="2000" dirty="0" smtClean="0">
-                <a:solidFill>
-                  <a:srgbClr val="FF0000"/>
-                </a:solidFill>
-                <a:latin typeface="+mn-lt"/>
-              </a:rPr>
-              <a:t>True</a:t>
-            </a:r>
-          </a:p>
-          <a:p>
-            <a:r>
-              <a:rPr lang="en-US" sz="2000" dirty="0" smtClean="0">
-                <a:solidFill>
-                  <a:srgbClr val="FF0000"/>
-                </a:solidFill>
-                <a:latin typeface="+mn-lt"/>
-              </a:rPr>
-              <a:t>$500K</a:t>
-            </a:r>
-            <a:endParaRPr lang="en-US" sz="2000" dirty="0">
-              <a:solidFill>
-                <a:srgbClr val="FF0000"/>
-              </a:solidFill>
-              <a:latin typeface="+mn-lt"/>
-            </a:endParaRPr>
-          </a:p>
-        </p:txBody>
-      </p:sp>
-      <p:sp>
-        <p:nvSpPr>
-          <p:cNvPr id="40" name="TextBox 39"/>
-          <p:cNvSpPr txBox="1"/>
-          <p:nvPr/>
-        </p:nvSpPr>
-        <p:spPr>
-          <a:xfrm>
-            <a:off x="3609429" y="3740537"/>
-            <a:ext cx="791883" cy="707886"/>
-          </a:xfrm>
-          <a:prstGeom prst="rect">
-            <a:avLst/>
-          </a:prstGeom>
-          <a:noFill/>
-        </p:spPr>
-        <p:txBody>
-          <a:bodyPr wrap="square" rtlCol="0">
-            <a:spAutoFit/>
-          </a:bodyPr>
-          <a:lstStyle/>
-          <a:p>
-            <a:r>
-              <a:rPr lang="en-US" sz="2000" dirty="0" smtClean="0">
-                <a:solidFill>
-                  <a:srgbClr val="FF0000"/>
-                </a:solidFill>
-                <a:latin typeface="+mn-lt"/>
-              </a:rPr>
-              <a:t>True</a:t>
-            </a:r>
-          </a:p>
-          <a:p>
-            <a:r>
-              <a:rPr lang="en-US" sz="2000" dirty="0" smtClean="0">
-                <a:solidFill>
-                  <a:srgbClr val="FF0000"/>
-                </a:solidFill>
-                <a:latin typeface="+mn-lt"/>
-              </a:rPr>
-              <a:t>$5M</a:t>
-            </a:r>
-            <a:endParaRPr lang="en-US" sz="2000" dirty="0">
-              <a:solidFill>
-                <a:srgbClr val="FF0000"/>
-              </a:solidFill>
-              <a:latin typeface="+mn-lt"/>
-            </a:endParaRPr>
-          </a:p>
-        </p:txBody>
-      </p:sp>
-      <p:cxnSp>
-        <p:nvCxnSpPr>
-          <p:cNvPr id="9" name="Straight Arrow Connector 8"/>
-          <p:cNvCxnSpPr>
-            <a:stCxn id="29" idx="2"/>
-            <a:endCxn id="55" idx="0"/>
-          </p:cNvCxnSpPr>
-          <p:nvPr/>
-        </p:nvCxnSpPr>
-        <p:spPr>
-          <a:xfrm flipH="1">
-            <a:off x="3377434" y="3251491"/>
-            <a:ext cx="231995" cy="489046"/>
-          </a:xfrm>
-          <a:prstGeom prst="straightConnector1">
-            <a:avLst/>
-          </a:prstGeom>
-          <a:ln>
-            <a:tailEnd type="arrow"/>
-          </a:ln>
-        </p:spPr>
-        <p:style>
-          <a:lnRef idx="2">
-            <a:schemeClr val="accent1"/>
-          </a:lnRef>
-          <a:fillRef idx="0">
-            <a:schemeClr val="accent1"/>
-          </a:fillRef>
-          <a:effectRef idx="1">
-            <a:schemeClr val="accent1"/>
-          </a:effectRef>
-          <a:fontRef idx="minor">
-            <a:schemeClr val="tx1"/>
-          </a:fontRef>
-        </p:style>
-      </p:cxnSp>
-      <p:sp>
-        <p:nvSpPr>
-          <p:cNvPr id="58" name="TextBox 57"/>
-          <p:cNvSpPr txBox="1"/>
-          <p:nvPr/>
-        </p:nvSpPr>
-        <p:spPr>
-          <a:xfrm>
-            <a:off x="4542069" y="3716790"/>
-            <a:ext cx="1051921" cy="707886"/>
-          </a:xfrm>
-          <a:prstGeom prst="rect">
-            <a:avLst/>
-          </a:prstGeom>
-          <a:noFill/>
-        </p:spPr>
-        <p:txBody>
-          <a:bodyPr wrap="square" rtlCol="0">
-            <a:spAutoFit/>
-          </a:bodyPr>
-          <a:lstStyle/>
-          <a:p>
-            <a:r>
-              <a:rPr lang="en-US" sz="2000" dirty="0" smtClean="0">
-                <a:solidFill>
-                  <a:srgbClr val="3366FF"/>
-                </a:solidFill>
-                <a:latin typeface="+mn-lt"/>
-              </a:rPr>
-              <a:t>ActsIn</a:t>
-            </a:r>
-          </a:p>
-          <a:p>
-            <a:r>
-              <a:rPr lang="en-US" sz="2000" dirty="0" smtClean="0">
-                <a:solidFill>
-                  <a:srgbClr val="3366FF"/>
-                </a:solidFill>
-                <a:latin typeface="+mn-lt"/>
-              </a:rPr>
-              <a:t>salary</a:t>
-            </a:r>
-            <a:endParaRPr lang="en-US" sz="2000" dirty="0">
-              <a:solidFill>
-                <a:srgbClr val="3366FF"/>
-              </a:solidFill>
-              <a:latin typeface="+mn-lt"/>
-            </a:endParaRPr>
-          </a:p>
-        </p:txBody>
-      </p:sp>
-      <p:pic>
-        <p:nvPicPr>
-          <p:cNvPr id="37" name="Picture 36" descr="fargo.jpeg"/>
-          <p:cNvPicPr>
-            <a:picLocks noChangeAspect="1"/>
-          </p:cNvPicPr>
-          <p:nvPr/>
-        </p:nvPicPr>
-        <p:blipFill>
-          <a:blip r:embed="rId5">
-            <a:extLst>
-              <a:ext uri="{28A0092B-C50C-407E-A947-70E740481C1C}">
-                <a14:useLocalDpi xmlns:a14="http://schemas.microsoft.com/office/drawing/2010/main" val="0"/>
-              </a:ext>
-            </a:extLst>
-          </a:blip>
-          <a:stretch>
-            <a:fillRect/>
-          </a:stretch>
-        </p:blipFill>
-        <p:spPr>
-          <a:xfrm>
-            <a:off x="1092337" y="4549577"/>
-            <a:ext cx="637786" cy="1084617"/>
-          </a:xfrm>
-          <a:prstGeom prst="rect">
-            <a:avLst/>
-          </a:prstGeom>
-        </p:spPr>
-      </p:pic>
-      <p:pic>
-        <p:nvPicPr>
-          <p:cNvPr id="38" name="Picture 37" descr="kill-bill.jpeg"/>
-          <p:cNvPicPr>
-            <a:picLocks noChangeAspect="1"/>
-          </p:cNvPicPr>
-          <p:nvPr/>
-        </p:nvPicPr>
-        <p:blipFill>
-          <a:blip r:embed="rId6">
-            <a:extLst>
-              <a:ext uri="{28A0092B-C50C-407E-A947-70E740481C1C}">
-                <a14:useLocalDpi xmlns:a14="http://schemas.microsoft.com/office/drawing/2010/main" val="0"/>
-              </a:ext>
-            </a:extLst>
-          </a:blip>
-          <a:stretch>
-            <a:fillRect/>
-          </a:stretch>
-        </p:blipFill>
-        <p:spPr>
-          <a:xfrm>
-            <a:off x="1864690" y="4596475"/>
-            <a:ext cx="559954" cy="990820"/>
-          </a:xfrm>
-          <a:prstGeom prst="rect">
-            <a:avLst/>
-          </a:prstGeom>
-        </p:spPr>
-      </p:pic>
-      <p:pic>
-        <p:nvPicPr>
-          <p:cNvPr id="41" name="Picture 40" descr="fargo.jpeg"/>
-          <p:cNvPicPr>
-            <a:picLocks noChangeAspect="1"/>
-          </p:cNvPicPr>
-          <p:nvPr/>
-        </p:nvPicPr>
-        <p:blipFill>
-          <a:blip r:embed="rId5">
-            <a:extLst>
-              <a:ext uri="{28A0092B-C50C-407E-A947-70E740481C1C}">
-                <a14:useLocalDpi xmlns:a14="http://schemas.microsoft.com/office/drawing/2010/main" val="0"/>
-              </a:ext>
-            </a:extLst>
-          </a:blip>
-          <a:stretch>
-            <a:fillRect/>
-          </a:stretch>
-        </p:blipFill>
-        <p:spPr>
-          <a:xfrm>
-            <a:off x="3016061" y="4549577"/>
-            <a:ext cx="637786" cy="1084617"/>
-          </a:xfrm>
-          <a:prstGeom prst="rect">
-            <a:avLst/>
-          </a:prstGeom>
-        </p:spPr>
-      </p:pic>
-      <p:pic>
-        <p:nvPicPr>
-          <p:cNvPr id="42" name="Picture 41" descr="kill-bill.jpeg"/>
-          <p:cNvPicPr>
-            <a:picLocks noChangeAspect="1"/>
-          </p:cNvPicPr>
-          <p:nvPr/>
-        </p:nvPicPr>
-        <p:blipFill>
-          <a:blip r:embed="rId6">
-            <a:extLst>
-              <a:ext uri="{28A0092B-C50C-407E-A947-70E740481C1C}">
-                <a14:useLocalDpi xmlns:a14="http://schemas.microsoft.com/office/drawing/2010/main" val="0"/>
-              </a:ext>
-            </a:extLst>
-          </a:blip>
-          <a:stretch>
-            <a:fillRect/>
-          </a:stretch>
-        </p:blipFill>
-        <p:spPr>
-          <a:xfrm>
-            <a:off x="3788414" y="4596475"/>
-            <a:ext cx="559954" cy="990820"/>
-          </a:xfrm>
-          <a:prstGeom prst="rect">
-            <a:avLst/>
-          </a:prstGeom>
-        </p:spPr>
-      </p:pic>
-      <p:sp>
-        <p:nvSpPr>
-          <p:cNvPr id="52" name="TextBox 51"/>
-          <p:cNvSpPr txBox="1"/>
-          <p:nvPr/>
-        </p:nvSpPr>
-        <p:spPr>
-          <a:xfrm>
-            <a:off x="1851470" y="3740537"/>
-            <a:ext cx="791883" cy="707886"/>
-          </a:xfrm>
-          <a:prstGeom prst="rect">
-            <a:avLst/>
-          </a:prstGeom>
-          <a:noFill/>
-        </p:spPr>
-        <p:txBody>
-          <a:bodyPr wrap="square" rtlCol="0">
-            <a:spAutoFit/>
-          </a:bodyPr>
-          <a:lstStyle/>
-          <a:p>
-            <a:r>
-              <a:rPr lang="en-US" sz="2000" dirty="0" smtClean="0">
-                <a:solidFill>
-                  <a:srgbClr val="FF0000"/>
-                </a:solidFill>
-                <a:latin typeface="+mn-lt"/>
-              </a:rPr>
-              <a:t>False</a:t>
-            </a:r>
-          </a:p>
-          <a:p>
-            <a:r>
-              <a:rPr lang="en-US" sz="2000" dirty="0" smtClean="0">
-                <a:solidFill>
-                  <a:srgbClr val="FF0000"/>
-                </a:solidFill>
-                <a:latin typeface="+mn-lt"/>
-              </a:rPr>
-              <a:t>n/a</a:t>
-            </a:r>
-            <a:endParaRPr lang="en-US" sz="2000" dirty="0">
-              <a:solidFill>
-                <a:srgbClr val="FF0000"/>
-              </a:solidFill>
-              <a:latin typeface="+mn-lt"/>
-            </a:endParaRPr>
-          </a:p>
-        </p:txBody>
-      </p:sp>
-      <p:sp>
-        <p:nvSpPr>
-          <p:cNvPr id="55" name="TextBox 54"/>
-          <p:cNvSpPr txBox="1"/>
-          <p:nvPr/>
-        </p:nvSpPr>
-        <p:spPr>
-          <a:xfrm>
-            <a:off x="2981492" y="3740537"/>
-            <a:ext cx="791883" cy="707886"/>
-          </a:xfrm>
-          <a:prstGeom prst="rect">
-            <a:avLst/>
-          </a:prstGeom>
-          <a:noFill/>
-        </p:spPr>
-        <p:txBody>
-          <a:bodyPr wrap="square" rtlCol="0">
-            <a:spAutoFit/>
-          </a:bodyPr>
-          <a:lstStyle/>
-          <a:p>
-            <a:r>
-              <a:rPr lang="en-US" sz="2000" dirty="0" smtClean="0">
-                <a:solidFill>
-                  <a:srgbClr val="FF0000"/>
-                </a:solidFill>
-                <a:latin typeface="+mn-lt"/>
-              </a:rPr>
-              <a:t>False</a:t>
-            </a:r>
-          </a:p>
-          <a:p>
-            <a:r>
-              <a:rPr lang="en-US" sz="2000" dirty="0" smtClean="0">
-                <a:solidFill>
-                  <a:srgbClr val="FF0000"/>
-                </a:solidFill>
-                <a:latin typeface="+mn-lt"/>
-              </a:rPr>
-              <a:t>n/a</a:t>
-            </a:r>
-            <a:endParaRPr lang="en-US" sz="2000" dirty="0">
-              <a:solidFill>
-                <a:srgbClr val="FF0000"/>
-              </a:solidFill>
-              <a:latin typeface="+mn-lt"/>
-            </a:endParaRPr>
-          </a:p>
-        </p:txBody>
-      </p:sp>
-      <p:cxnSp>
-        <p:nvCxnSpPr>
-          <p:cNvPr id="53" name="Straight Arrow Connector 52"/>
-          <p:cNvCxnSpPr>
-            <a:stCxn id="37" idx="0"/>
-          </p:cNvCxnSpPr>
-          <p:nvPr/>
-        </p:nvCxnSpPr>
-        <p:spPr>
-          <a:xfrm flipV="1">
-            <a:off x="1411230" y="4372373"/>
-            <a:ext cx="1493" cy="177204"/>
-          </a:xfrm>
-          <a:prstGeom prst="straightConnector1">
-            <a:avLst/>
-          </a:prstGeom>
-          <a:ln>
-            <a:tailEnd type="arrow"/>
-          </a:ln>
-        </p:spPr>
-        <p:style>
-          <a:lnRef idx="2">
-            <a:schemeClr val="accent1"/>
-          </a:lnRef>
-          <a:fillRef idx="0">
-            <a:schemeClr val="accent1"/>
-          </a:fillRef>
-          <a:effectRef idx="1">
-            <a:schemeClr val="accent1"/>
-          </a:effectRef>
-          <a:fontRef idx="minor">
-            <a:schemeClr val="tx1"/>
-          </a:fontRef>
-        </p:style>
-      </p:cxnSp>
-      <p:cxnSp>
-        <p:nvCxnSpPr>
-          <p:cNvPr id="60" name="Straight Arrow Connector 59"/>
-          <p:cNvCxnSpPr>
-            <a:stCxn id="38" idx="0"/>
-          </p:cNvCxnSpPr>
-          <p:nvPr/>
-        </p:nvCxnSpPr>
-        <p:spPr>
-          <a:xfrm flipV="1">
-            <a:off x="2144667" y="4372373"/>
-            <a:ext cx="0" cy="224102"/>
-          </a:xfrm>
-          <a:prstGeom prst="straightConnector1">
-            <a:avLst/>
-          </a:prstGeom>
-          <a:ln>
-            <a:tailEnd type="arrow"/>
-          </a:ln>
-        </p:spPr>
-        <p:style>
-          <a:lnRef idx="2">
-            <a:schemeClr val="accent1"/>
-          </a:lnRef>
-          <a:fillRef idx="0">
-            <a:schemeClr val="accent1"/>
-          </a:fillRef>
-          <a:effectRef idx="1">
-            <a:schemeClr val="accent1"/>
-          </a:effectRef>
-          <a:fontRef idx="minor">
-            <a:schemeClr val="tx1"/>
-          </a:fontRef>
-        </p:style>
-      </p:cxnSp>
-      <p:cxnSp>
-        <p:nvCxnSpPr>
-          <p:cNvPr id="62" name="Straight Arrow Connector 61"/>
-          <p:cNvCxnSpPr>
-            <a:stCxn id="41" idx="0"/>
-          </p:cNvCxnSpPr>
-          <p:nvPr/>
-        </p:nvCxnSpPr>
-        <p:spPr>
-          <a:xfrm flipV="1">
-            <a:off x="3334954" y="4372373"/>
-            <a:ext cx="0" cy="177204"/>
-          </a:xfrm>
-          <a:prstGeom prst="straightConnector1">
-            <a:avLst/>
-          </a:prstGeom>
-          <a:ln>
-            <a:tailEnd type="arrow"/>
-          </a:ln>
-        </p:spPr>
-        <p:style>
-          <a:lnRef idx="2">
-            <a:schemeClr val="accent1"/>
-          </a:lnRef>
-          <a:fillRef idx="0">
-            <a:schemeClr val="accent1"/>
-          </a:fillRef>
-          <a:effectRef idx="1">
-            <a:schemeClr val="accent1"/>
-          </a:effectRef>
-          <a:fontRef idx="minor">
-            <a:schemeClr val="tx1"/>
-          </a:fontRef>
-        </p:style>
-      </p:cxnSp>
-      <p:cxnSp>
-        <p:nvCxnSpPr>
-          <p:cNvPr id="64" name="Straight Arrow Connector 63"/>
-          <p:cNvCxnSpPr>
-            <a:stCxn id="42" idx="0"/>
-          </p:cNvCxnSpPr>
-          <p:nvPr/>
-        </p:nvCxnSpPr>
-        <p:spPr>
-          <a:xfrm flipH="1" flipV="1">
-            <a:off x="4034879" y="4372373"/>
-            <a:ext cx="33512" cy="224102"/>
-          </a:xfrm>
-          <a:prstGeom prst="straightConnector1">
-            <a:avLst/>
-          </a:prstGeom>
-          <a:ln>
-            <a:tailEnd type="arrow"/>
-          </a:ln>
-        </p:spPr>
-        <p:style>
-          <a:lnRef idx="2">
-            <a:schemeClr val="accent1"/>
-          </a:lnRef>
-          <a:fillRef idx="0">
-            <a:schemeClr val="accent1"/>
-          </a:fillRef>
-          <a:effectRef idx="1">
-            <a:schemeClr val="accent1"/>
-          </a:effectRef>
-          <a:fontRef idx="minor">
-            <a:schemeClr val="tx1"/>
-          </a:fontRef>
-        </p:style>
-      </p:cxnSp>
-      <p:cxnSp>
-        <p:nvCxnSpPr>
-          <p:cNvPr id="71" name="Straight Arrow Connector 70"/>
-          <p:cNvCxnSpPr>
-            <a:stCxn id="29" idx="2"/>
-          </p:cNvCxnSpPr>
-          <p:nvPr/>
-        </p:nvCxnSpPr>
-        <p:spPr>
-          <a:xfrm>
-            <a:off x="3609429" y="3251491"/>
-            <a:ext cx="290232" cy="414787"/>
-          </a:xfrm>
-          <a:prstGeom prst="straightConnector1">
-            <a:avLst/>
-          </a:prstGeom>
-          <a:ln>
-            <a:tailEnd type="arrow"/>
-          </a:ln>
-        </p:spPr>
-        <p:style>
-          <a:lnRef idx="2">
-            <a:schemeClr val="accent1"/>
-          </a:lnRef>
-          <a:fillRef idx="0">
-            <a:schemeClr val="accent1"/>
-          </a:fillRef>
-          <a:effectRef idx="1">
-            <a:schemeClr val="accent1"/>
-          </a:effectRef>
-          <a:fontRef idx="minor">
-            <a:schemeClr val="tx1"/>
-          </a:fontRef>
-        </p:style>
-      </p:cxnSp>
-      <p:cxnSp>
-        <p:nvCxnSpPr>
-          <p:cNvPr id="76" name="Straight Arrow Connector 75"/>
-          <p:cNvCxnSpPr>
-            <a:stCxn id="24" idx="2"/>
-            <a:endCxn id="2" idx="0"/>
-          </p:cNvCxnSpPr>
-          <p:nvPr/>
-        </p:nvCxnSpPr>
-        <p:spPr>
-          <a:xfrm flipH="1">
-            <a:off x="1466297" y="3260456"/>
-            <a:ext cx="372580" cy="480081"/>
-          </a:xfrm>
-          <a:prstGeom prst="straightConnector1">
-            <a:avLst/>
-          </a:prstGeom>
-          <a:ln>
-            <a:tailEnd type="arrow"/>
-          </a:ln>
-        </p:spPr>
-        <p:style>
-          <a:lnRef idx="2">
-            <a:schemeClr val="accent1"/>
-          </a:lnRef>
-          <a:fillRef idx="0">
-            <a:schemeClr val="accent1"/>
-          </a:fillRef>
-          <a:effectRef idx="1">
-            <a:schemeClr val="accent1"/>
-          </a:effectRef>
-          <a:fontRef idx="minor">
-            <a:schemeClr val="tx1"/>
-          </a:fontRef>
-        </p:style>
-      </p:cxnSp>
-      <p:cxnSp>
-        <p:nvCxnSpPr>
-          <p:cNvPr id="78" name="Straight Arrow Connector 77"/>
-          <p:cNvCxnSpPr>
-            <a:stCxn id="24" idx="2"/>
-            <a:endCxn id="52" idx="0"/>
-          </p:cNvCxnSpPr>
-          <p:nvPr/>
-        </p:nvCxnSpPr>
-        <p:spPr>
-          <a:xfrm>
-            <a:off x="1838877" y="3260456"/>
-            <a:ext cx="408535" cy="480081"/>
-          </a:xfrm>
-          <a:prstGeom prst="straightConnector1">
-            <a:avLst/>
-          </a:prstGeom>
-          <a:ln>
-            <a:tailEnd type="arrow"/>
-          </a:ln>
-        </p:spPr>
-        <p:style>
-          <a:lnRef idx="2">
-            <a:schemeClr val="accent1"/>
-          </a:lnRef>
-          <a:fillRef idx="0">
-            <a:schemeClr val="accent1"/>
-          </a:fillRef>
-          <a:effectRef idx="1">
-            <a:schemeClr val="accent1"/>
-          </a:effectRef>
-          <a:fontRef idx="minor">
-            <a:schemeClr val="tx1"/>
-          </a:fontRef>
-        </p:style>
-      </p:cxnSp>
-      <p:sp>
-        <p:nvSpPr>
-          <p:cNvPr id="86" name="TextBox 85"/>
-          <p:cNvSpPr txBox="1"/>
-          <p:nvPr/>
-        </p:nvSpPr>
-        <p:spPr>
-          <a:xfrm>
-            <a:off x="2913317" y="5920910"/>
-            <a:ext cx="2085944" cy="707886"/>
-          </a:xfrm>
-          <a:prstGeom prst="rect">
-            <a:avLst/>
-          </a:prstGeom>
-          <a:noFill/>
-        </p:spPr>
-        <p:txBody>
-          <a:bodyPr wrap="square" rtlCol="0">
-            <a:spAutoFit/>
-          </a:bodyPr>
-          <a:lstStyle/>
-          <a:p>
-            <a:r>
-              <a:rPr lang="en-US" sz="2000" dirty="0" smtClean="0">
-                <a:solidFill>
-                  <a:srgbClr val="3366FF"/>
-                </a:solidFill>
-                <a:latin typeface="+mn-lt"/>
-              </a:rPr>
-              <a:t>runtime</a:t>
-            </a:r>
-            <a:r>
-              <a:rPr lang="en-US" sz="2000" dirty="0" smtClean="0">
-                <a:latin typeface="+mn-lt"/>
-              </a:rPr>
-              <a:t> = </a:t>
-            </a:r>
-            <a:r>
-              <a:rPr lang="en-US" sz="2000" dirty="0" smtClean="0">
-                <a:solidFill>
-                  <a:srgbClr val="FF0000"/>
-                </a:solidFill>
-                <a:latin typeface="+mn-lt"/>
-              </a:rPr>
-              <a:t>111 min</a:t>
-            </a:r>
-          </a:p>
-          <a:p>
-            <a:r>
-              <a:rPr lang="en-US" sz="2000" dirty="0">
-                <a:solidFill>
-                  <a:srgbClr val="3366FF"/>
-                </a:solidFill>
-                <a:latin typeface="+mn-lt"/>
-              </a:rPr>
-              <a:t>drama</a:t>
-            </a:r>
-            <a:r>
-              <a:rPr lang="en-US" sz="2000" dirty="0">
-                <a:latin typeface="+mn-lt"/>
-              </a:rPr>
-              <a:t> = </a:t>
-            </a:r>
-            <a:r>
-              <a:rPr lang="en-US" sz="2000" dirty="0">
-                <a:solidFill>
-                  <a:srgbClr val="FF0000"/>
-                </a:solidFill>
-                <a:latin typeface="+mn-lt"/>
-              </a:rPr>
-              <a:t>false</a:t>
-            </a:r>
-          </a:p>
-        </p:txBody>
-      </p:sp>
-      <p:cxnSp>
-        <p:nvCxnSpPr>
-          <p:cNvPr id="88" name="Straight Connector 87"/>
-          <p:cNvCxnSpPr/>
-          <p:nvPr/>
-        </p:nvCxnSpPr>
-        <p:spPr>
-          <a:xfrm>
-            <a:off x="1411230" y="5673884"/>
-            <a:ext cx="0" cy="286716"/>
-          </a:xfrm>
-          <a:prstGeom prst="line">
-            <a:avLst/>
-          </a:prstGeom>
-        </p:spPr>
-        <p:style>
-          <a:lnRef idx="2">
-            <a:schemeClr val="accent1"/>
-          </a:lnRef>
-          <a:fillRef idx="0">
-            <a:schemeClr val="accent1"/>
-          </a:fillRef>
-          <a:effectRef idx="1">
-            <a:schemeClr val="accent1"/>
-          </a:effectRef>
-          <a:fontRef idx="minor">
-            <a:schemeClr val="tx1"/>
-          </a:fontRef>
-        </p:style>
-      </p:cxnSp>
-      <p:sp>
-        <p:nvSpPr>
-          <p:cNvPr id="3" name="TextBox 2"/>
-          <p:cNvSpPr txBox="1"/>
-          <p:nvPr/>
-        </p:nvSpPr>
-        <p:spPr>
-          <a:xfrm>
-            <a:off x="5275148" y="1283969"/>
-            <a:ext cx="3663298" cy="3539431"/>
-          </a:xfrm>
-          <a:prstGeom prst="rect">
-            <a:avLst/>
-          </a:prstGeom>
-          <a:noFill/>
-        </p:spPr>
-        <p:txBody>
-          <a:bodyPr wrap="square" rtlCol="0">
-            <a:spAutoFit/>
-          </a:bodyPr>
-          <a:lstStyle/>
-          <a:p>
-            <a:pPr marL="285750" lvl="0" indent="-285750">
-              <a:buFont typeface="Arial"/>
-              <a:buChar char="•"/>
-            </a:pPr>
-            <a:r>
-              <a:rPr lang="en-US" sz="2800" dirty="0" smtClean="0">
-                <a:solidFill>
-                  <a:prstClr val="black"/>
-                </a:solidFill>
-                <a:latin typeface="Perpetua"/>
-              </a:rPr>
-              <a:t>Observed individuals: Steve </a:t>
-            </a:r>
-            <a:r>
-              <a:rPr lang="en-US" sz="2800" dirty="0" err="1" smtClean="0">
-                <a:solidFill>
-                  <a:prstClr val="black"/>
-                </a:solidFill>
-                <a:latin typeface="Perpetua"/>
-              </a:rPr>
-              <a:t>Buscemi</a:t>
-            </a:r>
-            <a:r>
-              <a:rPr lang="en-US" sz="2800" dirty="0" smtClean="0">
-                <a:solidFill>
-                  <a:prstClr val="black"/>
-                </a:solidFill>
-                <a:latin typeface="Perpetua"/>
-              </a:rPr>
-              <a:t> and Uma Thurman</a:t>
-            </a:r>
-          </a:p>
-          <a:p>
-            <a:pPr marL="285750" lvl="0" indent="-285750">
-              <a:buFont typeface="Arial"/>
-              <a:buChar char="•"/>
-            </a:pPr>
-            <a:r>
-              <a:rPr lang="en-US" sz="2800" dirty="0" smtClean="0">
-                <a:solidFill>
-                  <a:prstClr val="black"/>
-                </a:solidFill>
-                <a:latin typeface="Perpetua"/>
-              </a:rPr>
-              <a:t>complete </a:t>
-            </a:r>
-            <a:r>
-              <a:rPr lang="en-US" sz="2800" dirty="0">
-                <a:solidFill>
-                  <a:prstClr val="black"/>
-                </a:solidFill>
-                <a:latin typeface="Perpetua"/>
-              </a:rPr>
-              <a:t>information for Uma Thurman and Steve </a:t>
-            </a:r>
-            <a:r>
-              <a:rPr lang="en-US" sz="2800" dirty="0" err="1">
-                <a:solidFill>
-                  <a:prstClr val="black"/>
-                </a:solidFill>
-                <a:latin typeface="Perpetua"/>
-              </a:rPr>
-              <a:t>Buscemi</a:t>
-            </a:r>
-            <a:r>
-              <a:rPr lang="en-US" sz="2800" dirty="0">
-                <a:solidFill>
-                  <a:prstClr val="black"/>
-                </a:solidFill>
-                <a:latin typeface="Perpetua"/>
-              </a:rPr>
-              <a:t> </a:t>
-            </a:r>
-          </a:p>
-          <a:p>
-            <a:pPr marL="285750" indent="-285750">
-              <a:buFont typeface="Arial"/>
-              <a:buChar char="•"/>
-            </a:pPr>
-            <a:r>
-              <a:rPr lang="en-US" sz="2800" dirty="0" smtClean="0">
-                <a:latin typeface="+mn-lt"/>
-              </a:rPr>
-              <a:t>have not observed Brad Pitt and Lucy Liu</a:t>
-            </a:r>
-          </a:p>
-        </p:txBody>
-      </p:sp>
-      <p:sp>
-        <p:nvSpPr>
-          <p:cNvPr id="30" name="TextBox 29"/>
-          <p:cNvSpPr txBox="1"/>
-          <p:nvPr/>
-        </p:nvSpPr>
-        <p:spPr>
-          <a:xfrm>
-            <a:off x="927660" y="1387756"/>
-            <a:ext cx="1649506" cy="646331"/>
-          </a:xfrm>
-          <a:prstGeom prst="rect">
-            <a:avLst/>
-          </a:prstGeom>
-          <a:noFill/>
-        </p:spPr>
-        <p:txBody>
-          <a:bodyPr wrap="square" rtlCol="0">
-            <a:spAutoFit/>
-          </a:bodyPr>
-          <a:lstStyle/>
-          <a:p>
-            <a:r>
-              <a:rPr lang="en-US" dirty="0" smtClean="0">
-                <a:solidFill>
-                  <a:srgbClr val="3366FF"/>
-                </a:solidFill>
-                <a:latin typeface="+mn-lt"/>
-              </a:rPr>
-              <a:t>gender</a:t>
-            </a:r>
-            <a:r>
-              <a:rPr lang="en-US" dirty="0" smtClean="0">
-                <a:latin typeface="+mn-lt"/>
-              </a:rPr>
-              <a:t> = </a:t>
-            </a:r>
-            <a:r>
-              <a:rPr lang="en-US" dirty="0" smtClean="0">
-                <a:solidFill>
-                  <a:srgbClr val="FF0000"/>
-                </a:solidFill>
-                <a:latin typeface="+mn-lt"/>
-              </a:rPr>
-              <a:t>Man</a:t>
-            </a:r>
-          </a:p>
-          <a:p>
-            <a:r>
-              <a:rPr lang="en-US" dirty="0" smtClean="0">
-                <a:solidFill>
-                  <a:srgbClr val="3366FF"/>
-                </a:solidFill>
-                <a:latin typeface="+mn-lt"/>
-              </a:rPr>
-              <a:t>country</a:t>
-            </a:r>
-            <a:r>
-              <a:rPr lang="en-US" dirty="0" smtClean="0">
-                <a:latin typeface="+mn-lt"/>
-              </a:rPr>
-              <a:t> = </a:t>
-            </a:r>
-            <a:r>
-              <a:rPr lang="en-US" dirty="0" smtClean="0">
-                <a:solidFill>
-                  <a:srgbClr val="FF0000"/>
-                </a:solidFill>
-                <a:latin typeface="+mn-lt"/>
-              </a:rPr>
-              <a:t>U.S.</a:t>
-            </a:r>
-            <a:endParaRPr lang="en-US" dirty="0">
-              <a:solidFill>
-                <a:srgbClr val="FF0000"/>
-              </a:solidFill>
-              <a:latin typeface="+mn-lt"/>
-            </a:endParaRPr>
-          </a:p>
-        </p:txBody>
-      </p:sp>
-      <p:sp>
-        <p:nvSpPr>
-          <p:cNvPr id="31" name="TextBox 30"/>
-          <p:cNvSpPr txBox="1"/>
-          <p:nvPr/>
-        </p:nvSpPr>
-        <p:spPr>
-          <a:xfrm>
-            <a:off x="2851131" y="1387756"/>
-            <a:ext cx="2033480" cy="646331"/>
-          </a:xfrm>
-          <a:prstGeom prst="rect">
-            <a:avLst/>
-          </a:prstGeom>
-          <a:noFill/>
-        </p:spPr>
-        <p:txBody>
-          <a:bodyPr wrap="square" rtlCol="0">
-            <a:spAutoFit/>
-          </a:bodyPr>
-          <a:lstStyle/>
-          <a:p>
-            <a:r>
-              <a:rPr lang="en-US" dirty="0" smtClean="0">
-                <a:solidFill>
-                  <a:srgbClr val="3366FF"/>
-                </a:solidFill>
-                <a:latin typeface="+mn-lt"/>
-              </a:rPr>
-              <a:t>gender</a:t>
-            </a:r>
-            <a:r>
-              <a:rPr lang="en-US" dirty="0" smtClean="0">
-                <a:latin typeface="+mn-lt"/>
-              </a:rPr>
-              <a:t> = </a:t>
-            </a:r>
-            <a:r>
-              <a:rPr lang="en-US" dirty="0" smtClean="0">
-                <a:solidFill>
-                  <a:srgbClr val="FF0000"/>
-                </a:solidFill>
-                <a:latin typeface="+mn-lt"/>
-              </a:rPr>
-              <a:t>Woman</a:t>
-            </a:r>
-          </a:p>
-          <a:p>
-            <a:r>
-              <a:rPr lang="en-US" dirty="0" smtClean="0">
-                <a:solidFill>
-                  <a:srgbClr val="3366FF"/>
-                </a:solidFill>
-                <a:latin typeface="+mn-lt"/>
-              </a:rPr>
-              <a:t>country</a:t>
-            </a:r>
-            <a:r>
-              <a:rPr lang="en-US" dirty="0" smtClean="0">
-                <a:latin typeface="+mn-lt"/>
-              </a:rPr>
-              <a:t> = </a:t>
-            </a:r>
-            <a:r>
-              <a:rPr lang="en-US" dirty="0" smtClean="0">
-                <a:solidFill>
-                  <a:srgbClr val="FF0000"/>
-                </a:solidFill>
-                <a:latin typeface="+mn-lt"/>
-              </a:rPr>
-              <a:t>U.S.</a:t>
-            </a:r>
-            <a:endParaRPr lang="en-US" dirty="0">
-              <a:solidFill>
-                <a:srgbClr val="FF0000"/>
-              </a:solidFill>
-              <a:latin typeface="+mn-lt"/>
-            </a:endParaRPr>
-          </a:p>
-        </p:txBody>
-      </p:sp>
-      <p:sp>
-        <p:nvSpPr>
-          <p:cNvPr id="32" name="TextBox 31"/>
-          <p:cNvSpPr txBox="1"/>
-          <p:nvPr/>
-        </p:nvSpPr>
-        <p:spPr>
-          <a:xfrm>
-            <a:off x="625879" y="5882905"/>
-            <a:ext cx="1951287" cy="707886"/>
-          </a:xfrm>
-          <a:prstGeom prst="rect">
-            <a:avLst/>
-          </a:prstGeom>
-          <a:noFill/>
-        </p:spPr>
-        <p:txBody>
-          <a:bodyPr wrap="square" rtlCol="0">
-            <a:spAutoFit/>
-          </a:bodyPr>
-          <a:lstStyle/>
-          <a:p>
-            <a:r>
-              <a:rPr lang="en-US" sz="2000" dirty="0" smtClean="0">
-                <a:solidFill>
-                  <a:srgbClr val="3366FF"/>
-                </a:solidFill>
-                <a:latin typeface="+mn-lt"/>
-              </a:rPr>
-              <a:t>runtime</a:t>
-            </a:r>
-            <a:r>
-              <a:rPr lang="en-US" sz="2000" dirty="0" smtClean="0">
-                <a:latin typeface="+mn-lt"/>
-              </a:rPr>
-              <a:t> = </a:t>
-            </a:r>
-            <a:r>
-              <a:rPr lang="en-US" sz="2000" dirty="0" smtClean="0">
-                <a:solidFill>
-                  <a:srgbClr val="FF0000"/>
-                </a:solidFill>
-                <a:latin typeface="+mn-lt"/>
-              </a:rPr>
-              <a:t>98 min</a:t>
-            </a:r>
-          </a:p>
-          <a:p>
-            <a:r>
-              <a:rPr lang="en-US" sz="2000" dirty="0" smtClean="0">
-                <a:solidFill>
-                  <a:srgbClr val="3366FF"/>
-                </a:solidFill>
-                <a:latin typeface="+mn-lt"/>
-              </a:rPr>
-              <a:t>drama</a:t>
-            </a:r>
-            <a:r>
-              <a:rPr lang="en-US" sz="2000" dirty="0" smtClean="0">
-                <a:latin typeface="+mn-lt"/>
-              </a:rPr>
-              <a:t> = </a:t>
-            </a:r>
-            <a:r>
-              <a:rPr lang="en-US" sz="2000" dirty="0" smtClean="0">
-                <a:solidFill>
-                  <a:srgbClr val="FF0000"/>
-                </a:solidFill>
-                <a:latin typeface="+mn-lt"/>
-              </a:rPr>
-              <a:t>true</a:t>
-            </a:r>
-            <a:endParaRPr lang="en-US" sz="2000" dirty="0">
-              <a:solidFill>
-                <a:srgbClr val="FF0000"/>
-              </a:solidFill>
-              <a:latin typeface="+mn-lt"/>
-            </a:endParaRPr>
-          </a:p>
-        </p:txBody>
-      </p:sp>
-      <p:cxnSp>
-        <p:nvCxnSpPr>
-          <p:cNvPr id="33" name="Straight Connector 32"/>
-          <p:cNvCxnSpPr/>
-          <p:nvPr/>
-        </p:nvCxnSpPr>
-        <p:spPr>
-          <a:xfrm>
-            <a:off x="4034879" y="5587295"/>
-            <a:ext cx="0" cy="451067"/>
-          </a:xfrm>
-          <a:prstGeom prst="line">
-            <a:avLst/>
-          </a:prstGeom>
-        </p:spPr>
-        <p:style>
-          <a:lnRef idx="2">
-            <a:schemeClr val="accent1"/>
-          </a:lnRef>
-          <a:fillRef idx="0">
-            <a:schemeClr val="accent1"/>
-          </a:fillRef>
-          <a:effectRef idx="1">
-            <a:schemeClr val="accent1"/>
-          </a:effectRef>
-          <a:fontRef idx="minor">
-            <a:schemeClr val="tx1"/>
-          </a:fontRef>
-        </p:style>
-      </p:cxnSp>
-    </p:spTree>
-    <p:extLst>
-      <p:ext uri="{BB962C8B-B14F-4D97-AF65-F5344CB8AC3E}">
-        <p14:creationId xmlns:p14="http://schemas.microsoft.com/office/powerpoint/2010/main" val="356910493"/>
-      </p:ext>
-    </p:extLst>
-  </p:cSld>
-  <p:clrMapOvr>
-    <a:masterClrMapping/>
-  </p:clrMapOvr>
-  <p:timing>
-    <p:tnLst>
-      <p:par>
-        <p:cTn xmlns:p14="http://schemas.microsoft.com/office/powerpoint/2010/main" id="1" dur="indefinite" restart="never" nodeType="tmRoot"/>
-      </p:par>
-    </p:tnLst>
-  </p:timing>
-</p:sld>
-</file>
-
-<file path=ppt/slides/slide35.xml><?xml version="1.0" encoding="utf-8"?>
-<p:sld xmlns:a="http://schemas.openxmlformats.org/drawingml/2006/main" xmlns:r="http://schemas.openxmlformats.org/officeDocument/2006/relationships" xmlns:p="http://schemas.openxmlformats.org/presentationml/2006/main">
-  <p:cSld>
-    <p:spTree>
-      <p:nvGrpSpPr>
-        <p:cNvPr id="1" name=""/>
-        <p:cNvGrpSpPr/>
-        <p:nvPr/>
-      </p:nvGrpSpPr>
-      <p:grpSpPr>
-        <a:xfrm>
-          <a:off x="0" y="0"/>
-          <a:ext cx="0" cy="0"/>
-          <a:chOff x="0" y="0"/>
-          <a:chExt cx="0" cy="0"/>
-        </a:xfrm>
-      </p:grpSpPr>
-      <p:sp>
-        <p:nvSpPr>
-          <p:cNvPr id="4" name="Title 3"/>
-          <p:cNvSpPr>
-            <a:spLocks noGrp="1"/>
-          </p:cNvSpPr>
-          <p:nvPr>
-            <p:ph type="title"/>
-          </p:nvPr>
-        </p:nvSpPr>
-        <p:spPr>
-          <a:xfrm>
-            <a:off x="651756" y="688008"/>
-            <a:ext cx="7772400" cy="1500450"/>
-          </a:xfrm>
-        </p:spPr>
-        <p:txBody>
-          <a:bodyPr>
-            <a:normAutofit/>
-          </a:bodyPr>
-          <a:lstStyle/>
-          <a:p>
-            <a:r>
-              <a:rPr lang="en-US" dirty="0" smtClean="0"/>
-              <a:t>Representations of Relational Data</a:t>
-            </a:r>
-            <a:endParaRPr lang="en-US" b="0" dirty="0"/>
-          </a:p>
-        </p:txBody>
-      </p:sp>
-    </p:spTree>
-    <p:extLst>
-      <p:ext uri="{BB962C8B-B14F-4D97-AF65-F5344CB8AC3E}">
-        <p14:creationId xmlns:p14="http://schemas.microsoft.com/office/powerpoint/2010/main" val="3646800642"/>
-      </p:ext>
-    </p:extLst>
-  </p:cSld>
-  <p:clrMapOvr>
-    <a:masterClrMapping/>
-  </p:clrMapOvr>
-  <p:timing>
-    <p:tnLst>
-      <p:par>
-        <p:cTn xmlns:p14="http://schemas.microsoft.com/office/powerpoint/2010/main" id="1" dur="indefinite" restart="never" nodeType="tmRoot"/>
-      </p:par>
-    </p:tnLst>
-  </p:timing>
-</p:sld>
-</file>
-
-<file path=ppt/slides/slide36.xml><?xml version="1.0" encoding="utf-8"?>
-<p:sld xmlns:a="http://schemas.openxmlformats.org/drawingml/2006/main" xmlns:r="http://schemas.openxmlformats.org/officeDocument/2006/relationships" xmlns:p="http://schemas.openxmlformats.org/presentationml/2006/main">
-  <p:cSld>
-    <p:spTree>
-      <p:nvGrpSpPr>
-        <p:cNvPr id="1" name=""/>
-        <p:cNvGrpSpPr/>
-        <p:nvPr/>
-      </p:nvGrpSpPr>
-      <p:grpSpPr>
-        <a:xfrm>
-          <a:off x="0" y="0"/>
-          <a:ext cx="0" cy="0"/>
-          <a:chOff x="0" y="0"/>
-          <a:chExt cx="0" cy="0"/>
-        </a:xfrm>
-      </p:grpSpPr>
-      <p:sp>
-        <p:nvSpPr>
-          <p:cNvPr id="2" name="Title 1"/>
-          <p:cNvSpPr>
-            <a:spLocks noGrp="1"/>
-          </p:cNvSpPr>
-          <p:nvPr>
-            <p:ph type="title"/>
-          </p:nvPr>
-        </p:nvSpPr>
-        <p:spPr/>
-        <p:txBody>
-          <a:bodyPr/>
-          <a:lstStyle/>
-          <a:p>
-            <a:r>
-              <a:rPr lang="en-US" dirty="0" smtClean="0"/>
-              <a:t>Relational Data Formats</a:t>
-            </a:r>
-            <a:endParaRPr lang="en-US" dirty="0"/>
-          </a:p>
-        </p:txBody>
-      </p:sp>
-      <p:sp>
-        <p:nvSpPr>
-          <p:cNvPr id="4" name="Footer Placeholder 3"/>
-          <p:cNvSpPr>
-            <a:spLocks noGrp="1"/>
-          </p:cNvSpPr>
-          <p:nvPr>
-            <p:ph type="ftr" sz="quarter" idx="11"/>
-          </p:nvPr>
-        </p:nvSpPr>
-        <p:spPr>
-          <a:xfrm>
-            <a:off x="914400" y="5855900"/>
-            <a:ext cx="6870886" cy="724015"/>
-          </a:xfrm>
-        </p:spPr>
-        <p:txBody>
-          <a:bodyPr/>
-          <a:lstStyle/>
-          <a:p>
-            <a:r>
-              <a:rPr lang="en-US" dirty="0" smtClean="0"/>
-              <a:t>Sun, Y. &amp; Han, J. (2012), Mining Heterogeneous Information Networks: Principles and Methodologies, Morgan &amp; Claypool Publishers.</a:t>
-            </a:r>
-            <a:br>
-              <a:rPr lang="en-US" dirty="0" smtClean="0"/>
-            </a:br>
-            <a:r>
-              <a:rPr lang="en-US" dirty="0" smtClean="0"/>
-              <a:t>Nickel, M.; Murphy, K.; </a:t>
-            </a:r>
-            <a:r>
-              <a:rPr lang="en-US" dirty="0" err="1" smtClean="0"/>
-              <a:t>Tresp</a:t>
-            </a:r>
-            <a:r>
-              <a:rPr lang="en-US" dirty="0" smtClean="0"/>
-              <a:t>, V. &amp; </a:t>
-            </a:r>
-            <a:r>
-              <a:rPr lang="en-US" dirty="0" err="1" smtClean="0"/>
-              <a:t>Gabrilovich</a:t>
-            </a:r>
-            <a:r>
-              <a:rPr lang="en-US" dirty="0" smtClean="0"/>
-              <a:t>, E. (2015), 'A Review of Relational Machine Learning for Knowledge Graphs', </a:t>
-            </a:r>
-            <a:r>
-              <a:rPr lang="en-US" i="1" dirty="0" err="1" smtClean="0"/>
-              <a:t>ArXiv</a:t>
-            </a:r>
-            <a:r>
-              <a:rPr lang="en-US" i="1" dirty="0" smtClean="0"/>
-              <a:t> e-prints .</a:t>
-            </a:r>
-            <a:endParaRPr lang="en-US" i="1" dirty="0"/>
-          </a:p>
-        </p:txBody>
-      </p:sp>
-      <p:sp>
-        <p:nvSpPr>
-          <p:cNvPr id="6" name="TextBox 5"/>
-          <p:cNvSpPr txBox="1"/>
-          <p:nvPr/>
-        </p:nvSpPr>
-        <p:spPr>
-          <a:xfrm>
-            <a:off x="1245105" y="2840161"/>
-            <a:ext cx="1369023" cy="400110"/>
-          </a:xfrm>
-          <a:prstGeom prst="rect">
-            <a:avLst/>
-          </a:prstGeom>
-          <a:noFill/>
-        </p:spPr>
-        <p:txBody>
-          <a:bodyPr wrap="square" rtlCol="0">
-            <a:spAutoFit/>
-          </a:bodyPr>
-          <a:lstStyle/>
-          <a:p>
-            <a:r>
-              <a:rPr lang="en-US" sz="2000" dirty="0" smtClean="0">
-                <a:latin typeface="+mn-lt"/>
-              </a:rPr>
-              <a:t>graphical</a:t>
-            </a:r>
-            <a:endParaRPr lang="en-US" sz="2000" dirty="0">
-              <a:latin typeface="+mn-lt"/>
-            </a:endParaRPr>
-          </a:p>
-        </p:txBody>
-      </p:sp>
-      <p:sp>
-        <p:nvSpPr>
-          <p:cNvPr id="10" name="TextBox 9"/>
-          <p:cNvSpPr txBox="1"/>
-          <p:nvPr/>
-        </p:nvSpPr>
-        <p:spPr>
-          <a:xfrm>
-            <a:off x="3309790" y="1748530"/>
-            <a:ext cx="2457643" cy="584776"/>
-          </a:xfrm>
-          <a:prstGeom prst="rect">
-            <a:avLst/>
-          </a:prstGeom>
-          <a:noFill/>
-          <a:ln>
-            <a:solidFill>
-              <a:schemeClr val="tx1"/>
-            </a:solidFill>
-          </a:ln>
-        </p:spPr>
-        <p:txBody>
-          <a:bodyPr wrap="square" rtlCol="0">
-            <a:spAutoFit/>
-          </a:bodyPr>
-          <a:lstStyle/>
-          <a:p>
-            <a:r>
-              <a:rPr lang="en-US" sz="3200" dirty="0" smtClean="0">
-                <a:latin typeface="+mn-lt"/>
-              </a:rPr>
-              <a:t>Data Format</a:t>
-            </a:r>
-            <a:endParaRPr lang="en-US" sz="3200" dirty="0">
-              <a:latin typeface="+mn-lt"/>
-            </a:endParaRPr>
-          </a:p>
-        </p:txBody>
-      </p:sp>
-      <p:sp>
-        <p:nvSpPr>
-          <p:cNvPr id="11" name="TextBox 10"/>
-          <p:cNvSpPr txBox="1"/>
-          <p:nvPr/>
-        </p:nvSpPr>
-        <p:spPr>
-          <a:xfrm>
-            <a:off x="432372" y="3822261"/>
-            <a:ext cx="2418583" cy="1569660"/>
-          </a:xfrm>
-          <a:prstGeom prst="rect">
-            <a:avLst/>
-          </a:prstGeom>
-          <a:noFill/>
-          <a:ln>
-            <a:solidFill>
-              <a:schemeClr val="tx1"/>
-            </a:solidFill>
-          </a:ln>
-        </p:spPr>
-        <p:txBody>
-          <a:bodyPr wrap="square" rtlCol="0">
-            <a:spAutoFit/>
-          </a:bodyPr>
-          <a:lstStyle/>
-          <a:p>
-            <a:r>
-              <a:rPr lang="en-US" sz="2400" b="1" dirty="0">
-                <a:latin typeface="+mn-lt"/>
-              </a:rPr>
-              <a:t>Nodes and edges in </a:t>
-            </a:r>
-            <a:r>
-              <a:rPr lang="en-US" sz="2400" b="1" dirty="0" err="1">
-                <a:latin typeface="+mn-lt"/>
-              </a:rPr>
-              <a:t>heterogenous</a:t>
-            </a:r>
-            <a:r>
-              <a:rPr lang="en-US" sz="2400" b="1" dirty="0">
-                <a:latin typeface="+mn-lt"/>
-              </a:rPr>
-              <a:t> network </a:t>
-            </a:r>
-            <a:r>
-              <a:rPr lang="en-US" sz="2400" b="1" dirty="0" smtClean="0">
-                <a:latin typeface="+mn-lt"/>
-              </a:rPr>
-              <a:t/>
-            </a:r>
-            <a:br>
-              <a:rPr lang="en-US" sz="2400" b="1" dirty="0" smtClean="0">
-                <a:latin typeface="+mn-lt"/>
-              </a:rPr>
-            </a:br>
-            <a:r>
-              <a:rPr lang="en-US" sz="2400" dirty="0" smtClean="0">
-                <a:latin typeface="+mn-lt"/>
-              </a:rPr>
-              <a:t>(</a:t>
-            </a:r>
-            <a:r>
-              <a:rPr lang="en-US" sz="2400" dirty="0">
-                <a:latin typeface="+mn-lt"/>
-              </a:rPr>
-              <a:t>Sun and </a:t>
-            </a:r>
-            <a:r>
-              <a:rPr lang="en-US" sz="2400" dirty="0" smtClean="0">
-                <a:latin typeface="+mn-lt"/>
-              </a:rPr>
-              <a:t>Han 2012)</a:t>
-            </a:r>
-            <a:endParaRPr lang="en-US" sz="2400" dirty="0">
-              <a:latin typeface="+mn-lt"/>
-            </a:endParaRPr>
-          </a:p>
-        </p:txBody>
-      </p:sp>
-      <p:sp>
-        <p:nvSpPr>
-          <p:cNvPr id="12" name="TextBox 11"/>
-          <p:cNvSpPr txBox="1"/>
-          <p:nvPr/>
-        </p:nvSpPr>
-        <p:spPr>
-          <a:xfrm>
-            <a:off x="3019871" y="4130038"/>
-            <a:ext cx="1411946" cy="1200328"/>
-          </a:xfrm>
-          <a:prstGeom prst="rect">
-            <a:avLst/>
-          </a:prstGeom>
-          <a:noFill/>
-          <a:ln>
-            <a:solidFill>
-              <a:schemeClr val="tx1"/>
-            </a:solidFill>
-          </a:ln>
-        </p:spPr>
-        <p:txBody>
-          <a:bodyPr wrap="square" rtlCol="0">
-            <a:spAutoFit/>
-          </a:bodyPr>
-          <a:lstStyle/>
-          <a:p>
-            <a:r>
-              <a:rPr lang="en-US" sz="2400" b="1" dirty="0" smtClean="0">
-                <a:latin typeface="+mn-lt"/>
-              </a:rPr>
-              <a:t>Database Tables</a:t>
-            </a:r>
-          </a:p>
-          <a:p>
-            <a:r>
-              <a:rPr lang="en-US" sz="2400" b="1" dirty="0" smtClean="0">
-                <a:latin typeface="+mn-lt"/>
-              </a:rPr>
-              <a:t>SQL</a:t>
-            </a:r>
-            <a:endParaRPr lang="en-US" sz="2400" b="1" dirty="0">
-              <a:latin typeface="+mn-lt"/>
-            </a:endParaRPr>
-          </a:p>
-        </p:txBody>
-      </p:sp>
-      <p:sp>
-        <p:nvSpPr>
-          <p:cNvPr id="13" name="TextBox 12"/>
-          <p:cNvSpPr txBox="1"/>
-          <p:nvPr/>
-        </p:nvSpPr>
-        <p:spPr>
-          <a:xfrm>
-            <a:off x="4563684" y="3837650"/>
-            <a:ext cx="2935274" cy="1938992"/>
-          </a:xfrm>
-          <a:prstGeom prst="rect">
-            <a:avLst/>
-          </a:prstGeom>
-          <a:noFill/>
-          <a:ln>
-            <a:solidFill>
-              <a:schemeClr val="tx1"/>
-            </a:solidFill>
-          </a:ln>
-        </p:spPr>
-        <p:txBody>
-          <a:bodyPr wrap="square" rtlCol="0">
-            <a:spAutoFit/>
-          </a:bodyPr>
-          <a:lstStyle/>
-          <a:p>
-            <a:r>
-              <a:rPr lang="en-US" sz="2400" dirty="0" smtClean="0">
-                <a:latin typeface="+mn-lt"/>
-              </a:rPr>
-              <a:t>Logical Facts</a:t>
-            </a:r>
-          </a:p>
-          <a:p>
-            <a:pPr marL="342900" indent="-342900">
-              <a:buFont typeface="Arial"/>
-              <a:buChar char="•"/>
-            </a:pPr>
-            <a:r>
-              <a:rPr lang="en-US" sz="2400" dirty="0" smtClean="0">
-                <a:latin typeface="+mn-lt"/>
-              </a:rPr>
-              <a:t>Knowledge Graph Triples </a:t>
-            </a:r>
-            <a:br>
-              <a:rPr lang="en-US" sz="2400" dirty="0" smtClean="0">
-                <a:latin typeface="+mn-lt"/>
-              </a:rPr>
-            </a:br>
-            <a:r>
-              <a:rPr lang="en-US" sz="2400" dirty="0" smtClean="0">
-                <a:latin typeface="+mn-lt"/>
-              </a:rPr>
-              <a:t>(</a:t>
-            </a:r>
-            <a:r>
-              <a:rPr lang="en-US" sz="2400" dirty="0">
-                <a:latin typeface="+mn-lt"/>
-              </a:rPr>
-              <a:t>Nickel et al. 2015)</a:t>
-            </a:r>
-            <a:endParaRPr lang="en-US" sz="2400" dirty="0" smtClean="0">
-              <a:latin typeface="+mn-lt"/>
-            </a:endParaRPr>
-          </a:p>
-          <a:p>
-            <a:pPr marL="342900" indent="-342900">
-              <a:buFont typeface="Arial"/>
-              <a:buChar char="•"/>
-            </a:pPr>
-            <a:r>
-              <a:rPr lang="en-US" sz="2400" dirty="0" smtClean="0">
-                <a:latin typeface="+mn-lt"/>
-              </a:rPr>
-              <a:t>Atoms/Literals</a:t>
-            </a:r>
-            <a:endParaRPr lang="en-US" sz="2400" dirty="0">
-              <a:latin typeface="+mn-lt"/>
-            </a:endParaRPr>
-          </a:p>
-        </p:txBody>
-      </p:sp>
-      <p:cxnSp>
-        <p:nvCxnSpPr>
-          <p:cNvPr id="15" name="Straight Arrow Connector 14"/>
-          <p:cNvCxnSpPr>
-            <a:stCxn id="10" idx="2"/>
-          </p:cNvCxnSpPr>
-          <p:nvPr/>
-        </p:nvCxnSpPr>
-        <p:spPr>
-          <a:xfrm flipH="1">
-            <a:off x="1907780" y="2333306"/>
-            <a:ext cx="2630832" cy="1488955"/>
-          </a:xfrm>
-          <a:prstGeom prst="straightConnector1">
-            <a:avLst/>
-          </a:prstGeom>
-          <a:ln>
-            <a:tailEnd type="arrow"/>
-          </a:ln>
-        </p:spPr>
-        <p:style>
-          <a:lnRef idx="2">
-            <a:schemeClr val="accent1"/>
-          </a:lnRef>
-          <a:fillRef idx="0">
-            <a:schemeClr val="accent1"/>
-          </a:fillRef>
-          <a:effectRef idx="1">
-            <a:schemeClr val="accent1"/>
-          </a:effectRef>
-          <a:fontRef idx="minor">
-            <a:schemeClr val="tx1"/>
-          </a:fontRef>
-        </p:style>
-      </p:cxnSp>
-      <p:cxnSp>
-        <p:nvCxnSpPr>
-          <p:cNvPr id="17" name="Straight Arrow Connector 16"/>
-          <p:cNvCxnSpPr>
-            <a:stCxn id="10" idx="2"/>
-            <a:endCxn id="12" idx="0"/>
-          </p:cNvCxnSpPr>
-          <p:nvPr/>
-        </p:nvCxnSpPr>
-        <p:spPr>
-          <a:xfrm flipH="1">
-            <a:off x="3725844" y="2333306"/>
-            <a:ext cx="812768" cy="1796732"/>
-          </a:xfrm>
-          <a:prstGeom prst="straightConnector1">
-            <a:avLst/>
-          </a:prstGeom>
-          <a:ln>
-            <a:tailEnd type="arrow"/>
-          </a:ln>
-        </p:spPr>
-        <p:style>
-          <a:lnRef idx="2">
-            <a:schemeClr val="accent1"/>
-          </a:lnRef>
-          <a:fillRef idx="0">
-            <a:schemeClr val="accent1"/>
-          </a:fillRef>
-          <a:effectRef idx="1">
-            <a:schemeClr val="accent1"/>
-          </a:effectRef>
-          <a:fontRef idx="minor">
-            <a:schemeClr val="tx1"/>
-          </a:fontRef>
-        </p:style>
-      </p:cxnSp>
-      <p:cxnSp>
-        <p:nvCxnSpPr>
-          <p:cNvPr id="19" name="Straight Arrow Connector 18"/>
-          <p:cNvCxnSpPr>
-            <a:stCxn id="10" idx="2"/>
-          </p:cNvCxnSpPr>
-          <p:nvPr/>
-        </p:nvCxnSpPr>
-        <p:spPr>
-          <a:xfrm>
-            <a:off x="4538612" y="2333306"/>
-            <a:ext cx="1863835" cy="1488955"/>
-          </a:xfrm>
-          <a:prstGeom prst="straightConnector1">
-            <a:avLst/>
-          </a:prstGeom>
-          <a:ln>
-            <a:tailEnd type="arrow"/>
-          </a:ln>
-        </p:spPr>
-        <p:style>
-          <a:lnRef idx="2">
-            <a:schemeClr val="accent1"/>
-          </a:lnRef>
-          <a:fillRef idx="0">
-            <a:schemeClr val="accent1"/>
-          </a:fillRef>
-          <a:effectRef idx="1">
-            <a:schemeClr val="accent1"/>
-          </a:effectRef>
-          <a:fontRef idx="minor">
-            <a:schemeClr val="tx1"/>
-          </a:fontRef>
-        </p:style>
-      </p:cxnSp>
-      <p:sp>
-        <p:nvSpPr>
-          <p:cNvPr id="20" name="TextBox 19"/>
-          <p:cNvSpPr txBox="1"/>
-          <p:nvPr/>
-        </p:nvSpPr>
-        <p:spPr>
-          <a:xfrm>
-            <a:off x="3019871" y="3391990"/>
-            <a:ext cx="1115613" cy="400110"/>
-          </a:xfrm>
-          <a:prstGeom prst="rect">
-            <a:avLst/>
-          </a:prstGeom>
-          <a:noFill/>
-        </p:spPr>
-        <p:txBody>
-          <a:bodyPr wrap="square" rtlCol="0">
-            <a:spAutoFit/>
-          </a:bodyPr>
-          <a:lstStyle/>
-          <a:p>
-            <a:r>
-              <a:rPr lang="en-US" sz="2000" dirty="0" smtClean="0">
-                <a:latin typeface="+mn-lt"/>
-              </a:rPr>
-              <a:t>tabular</a:t>
-            </a:r>
-            <a:endParaRPr lang="en-US" sz="2000" dirty="0">
-              <a:latin typeface="+mn-lt"/>
-            </a:endParaRPr>
-          </a:p>
-        </p:txBody>
-      </p:sp>
-      <p:sp>
-        <p:nvSpPr>
-          <p:cNvPr id="21" name="TextBox 20"/>
-          <p:cNvSpPr txBox="1"/>
-          <p:nvPr/>
-        </p:nvSpPr>
-        <p:spPr>
-          <a:xfrm>
-            <a:off x="4988374" y="3266506"/>
-            <a:ext cx="1004002" cy="400110"/>
-          </a:xfrm>
-          <a:prstGeom prst="rect">
-            <a:avLst/>
-          </a:prstGeom>
-          <a:noFill/>
-        </p:spPr>
-        <p:txBody>
-          <a:bodyPr wrap="square" rtlCol="0">
-            <a:spAutoFit/>
-          </a:bodyPr>
-          <a:lstStyle/>
-          <a:p>
-            <a:r>
-              <a:rPr lang="en-US" sz="2000" dirty="0" smtClean="0">
-                <a:latin typeface="+mn-lt"/>
-              </a:rPr>
-              <a:t>logical</a:t>
-            </a:r>
-            <a:endParaRPr lang="en-US" sz="2000" dirty="0">
-              <a:latin typeface="+mn-lt"/>
-            </a:endParaRPr>
-          </a:p>
-        </p:txBody>
-      </p:sp>
-      <p:sp>
-        <p:nvSpPr>
-          <p:cNvPr id="16" name="TextBox 15"/>
-          <p:cNvSpPr txBox="1"/>
-          <p:nvPr/>
-        </p:nvSpPr>
-        <p:spPr>
-          <a:xfrm>
-            <a:off x="7660211" y="3839846"/>
-            <a:ext cx="1229145" cy="830997"/>
-          </a:xfrm>
-          <a:prstGeom prst="rect">
-            <a:avLst/>
-          </a:prstGeom>
-          <a:noFill/>
-          <a:ln>
-            <a:solidFill>
-              <a:schemeClr val="tx1"/>
-            </a:solidFill>
-          </a:ln>
-        </p:spPr>
-        <p:txBody>
-          <a:bodyPr wrap="square" rtlCol="0">
-            <a:spAutoFit/>
-          </a:bodyPr>
-          <a:lstStyle/>
-          <a:p>
-            <a:r>
-              <a:rPr lang="en-US" sz="2400" dirty="0" smtClean="0">
-                <a:latin typeface="+mn-lt"/>
-              </a:rPr>
-              <a:t>Matrices</a:t>
-            </a:r>
-          </a:p>
-          <a:p>
-            <a:r>
-              <a:rPr lang="en-US" sz="2400" dirty="0" smtClean="0">
-                <a:latin typeface="+mn-lt"/>
-              </a:rPr>
-              <a:t>Tensors</a:t>
-            </a:r>
-            <a:endParaRPr lang="en-US" sz="2400" dirty="0">
-              <a:latin typeface="+mn-lt"/>
-            </a:endParaRPr>
-          </a:p>
-        </p:txBody>
-      </p:sp>
-      <p:cxnSp>
-        <p:nvCxnSpPr>
-          <p:cNvPr id="7" name="Straight Arrow Connector 6"/>
-          <p:cNvCxnSpPr>
-            <a:stCxn id="10" idx="2"/>
-            <a:endCxn id="16" idx="0"/>
-          </p:cNvCxnSpPr>
-          <p:nvPr/>
-        </p:nvCxnSpPr>
-        <p:spPr>
-          <a:xfrm>
-            <a:off x="4538612" y="2333306"/>
-            <a:ext cx="3736172" cy="1506540"/>
-          </a:xfrm>
-          <a:prstGeom prst="straightConnector1">
-            <a:avLst/>
-          </a:prstGeom>
-          <a:ln>
-            <a:tailEnd type="arrow"/>
-          </a:ln>
-        </p:spPr>
-        <p:style>
-          <a:lnRef idx="2">
-            <a:schemeClr val="accent1"/>
-          </a:lnRef>
-          <a:fillRef idx="0">
-            <a:schemeClr val="accent1"/>
-          </a:fillRef>
-          <a:effectRef idx="1">
-            <a:schemeClr val="accent1"/>
-          </a:effectRef>
-          <a:fontRef idx="minor">
-            <a:schemeClr val="tx1"/>
-          </a:fontRef>
-        </p:style>
-      </p:cxnSp>
-      <p:sp>
-        <p:nvSpPr>
-          <p:cNvPr id="18" name="TextBox 17"/>
-          <p:cNvSpPr txBox="1"/>
-          <p:nvPr/>
-        </p:nvSpPr>
-        <p:spPr>
-          <a:xfrm>
-            <a:off x="7660212" y="3207324"/>
-            <a:ext cx="1049713" cy="400110"/>
-          </a:xfrm>
-          <a:prstGeom prst="rect">
-            <a:avLst/>
-          </a:prstGeom>
-          <a:noFill/>
-        </p:spPr>
-        <p:txBody>
-          <a:bodyPr wrap="square" rtlCol="0">
-            <a:spAutoFit/>
-          </a:bodyPr>
-          <a:lstStyle/>
-          <a:p>
-            <a:r>
-              <a:rPr lang="en-US" sz="2000" dirty="0" smtClean="0">
-                <a:latin typeface="+mn-lt"/>
-              </a:rPr>
-              <a:t>arrays</a:t>
-            </a:r>
-            <a:endParaRPr lang="en-US" sz="2000" dirty="0">
-              <a:latin typeface="+mn-lt"/>
-            </a:endParaRPr>
-          </a:p>
-        </p:txBody>
-      </p:sp>
-    </p:spTree>
-    <p:extLst>
-      <p:ext uri="{BB962C8B-B14F-4D97-AF65-F5344CB8AC3E}">
-        <p14:creationId xmlns:p14="http://schemas.microsoft.com/office/powerpoint/2010/main" val="819989809"/>
+        <p14:creationId xmlns:p14="http://schemas.microsoft.com/office/powerpoint/2010/main" val="1319617307"/>
       </p:ext>
     </p:extLst>
   </p:cSld>

--- a/ch1-data.pptx
+++ b/ch1-data.pptx
@@ -3047,7 +3047,7 @@
               <a:pPr>
                 <a:defRPr/>
               </a:pPr>
-              <a:t>2016-10-06</a:t>
+              <a:t>2017-01-31</a:t>
             </a:fld>
             <a:endParaRPr lang="en-US"/>
           </a:p>
@@ -3263,7 +3263,7 @@
               <a:pPr>
                 <a:defRPr/>
               </a:pPr>
-              <a:t>2016-10-06</a:t>
+              <a:t>2017-01-31</a:t>
             </a:fld>
             <a:endParaRPr lang="en-US"/>
           </a:p>
@@ -7272,7 +7272,7 @@
               <a:pPr>
                 <a:defRPr/>
               </a:pPr>
-              <a:t>2016-10-06</a:t>
+              <a:t>2017-01-31</a:t>
             </a:fld>
             <a:endParaRPr lang="en-US"/>
           </a:p>
@@ -7473,7 +7473,7 @@
               <a:pPr>
                 <a:defRPr/>
               </a:pPr>
-              <a:t>2016-10-06</a:t>
+              <a:t>2017-01-31</a:t>
             </a:fld>
             <a:endParaRPr lang="en-US"/>
           </a:p>
@@ -7684,7 +7684,7 @@
               <a:pPr>
                 <a:defRPr/>
               </a:pPr>
-              <a:t>2016-10-06</a:t>
+              <a:t>2017-01-31</a:t>
             </a:fld>
             <a:endParaRPr lang="en-US"/>
           </a:p>
@@ -7890,7 +7890,7 @@
               <a:pPr>
                 <a:defRPr/>
               </a:pPr>
-              <a:t>2016-10-06</a:t>
+              <a:t>2017-01-31</a:t>
             </a:fld>
             <a:endParaRPr lang="en-US"/>
           </a:p>
@@ -8409,7 +8409,7 @@
               <a:pPr>
                 <a:defRPr/>
               </a:pPr>
-              <a:t>2016-10-06</a:t>
+              <a:t>2017-01-31</a:t>
             </a:fld>
             <a:endParaRPr lang="en-US"/>
           </a:p>
@@ -8682,7 +8682,7 @@
               <a:pPr>
                 <a:defRPr/>
               </a:pPr>
-              <a:t>2016-10-06</a:t>
+              <a:t>2017-01-31</a:t>
             </a:fld>
             <a:endParaRPr lang="en-US"/>
           </a:p>
@@ -9080,7 +9080,7 @@
               <a:pPr>
                 <a:defRPr/>
               </a:pPr>
-              <a:t>2016-10-06</a:t>
+              <a:t>2017-01-31</a:t>
             </a:fld>
             <a:endParaRPr lang="en-US"/>
           </a:p>
@@ -9229,7 +9229,7 @@
               <a:pPr>
                 <a:defRPr/>
               </a:pPr>
-              <a:t>2016-10-06</a:t>
+              <a:t>2017-01-31</a:t>
             </a:fld>
             <a:endParaRPr lang="en-US"/>
           </a:p>
@@ -9355,7 +9355,7 @@
               <a:pPr>
                 <a:defRPr/>
               </a:pPr>
-              <a:t>2016-10-06</a:t>
+              <a:t>2017-01-31</a:t>
             </a:fld>
             <a:endParaRPr lang="en-US"/>
           </a:p>
@@ -9731,7 +9731,7 @@
               <a:pPr>
                 <a:defRPr/>
               </a:pPr>
-              <a:t>2016-10-06</a:t>
+              <a:t>2017-01-31</a:t>
             </a:fld>
             <a:endParaRPr lang="en-US"/>
           </a:p>
@@ -10154,7 +10154,7 @@
               <a:pPr>
                 <a:defRPr/>
               </a:pPr>
-              <a:t>2016-10-06</a:t>
+              <a:t>2017-01-31</a:t>
             </a:fld>
             <a:endParaRPr lang="en-US"/>
           </a:p>
@@ -10574,7 +10574,7 @@
               <a:pPr>
                 <a:defRPr/>
               </a:pPr>
-              <a:t>2016-10-06</a:t>
+              <a:t>2017-01-31</a:t>
             </a:fld>
             <a:endParaRPr lang="en-US"/>
           </a:p>
@@ -13199,7 +13199,7 @@
             </a:br>
             <a:r>
               <a:rPr lang="en-US" sz="2000" dirty="0" smtClean="0"/>
-              <a:t>(van and de </a:t>
+              <a:t>(van De </a:t>
             </a:r>
             <a:r>
               <a:rPr lang="en-US" sz="2000" dirty="0" err="1" smtClean="0"/>
@@ -13207,7 +13207,7 @@
             </a:r>
             <a:r>
               <a:rPr lang="en-US" sz="2000" dirty="0" smtClean="0"/>
-              <a:t> 2001, </a:t>
+              <a:t> 2008, Ch.6.1; </a:t>
             </a:r>
             <a:r>
               <a:rPr lang="en-US" sz="2000" dirty="0" err="1" smtClean="0"/>
@@ -13264,25 +13264,21 @@
         </p:nvSpPr>
         <p:spPr>
           <a:xfrm>
-            <a:off x="500221" y="5907713"/>
-            <a:ext cx="8083176" cy="762000"/>
+            <a:off x="500221" y="5625616"/>
+            <a:ext cx="8083176" cy="781561"/>
           </a:xfrm>
         </p:spPr>
         <p:txBody>
           <a:bodyPr/>
           <a:lstStyle/>
           <a:p>
-            <a:pPr algn="l"/>
-            <a:r>
-              <a:rPr lang="en-US" smtClean="0"/>
-              <a:t>van de Laer, W. &amp; de Raedt, L. (2001), How to upgrade propositional learners to first-order logic: A case study’, in  </a:t>
-            </a:r>
-          </a:p>
-          <a:p>
-            <a:pPr algn="l"/>
-            <a:r>
-              <a:rPr lang="en-US" smtClean="0"/>
-              <a:t>Relational Data Mining', Springer Verlag.  </a:t>
+            <a:r>
+              <a:rPr lang="en-US"/>
+              <a:t>de Raedt, L. (2008), </a:t>
+            </a:r>
+            <a:r>
+              <a:rPr lang="en-US" i="1"/>
+              <a:t>Logical and Relational Learning, Springer.</a:t>
             </a:r>
           </a:p>
           <a:p>
@@ -13295,13 +13291,6 @@
               <a:rPr lang="en-US" i="1" smtClean="0"/>
               <a:t>Multi-relational data mining, Vol. 145, Ios Press.</a:t>
             </a:r>
-          </a:p>
-          <a:p>
-            <a:pPr algn="l"/>
-            <a:endParaRPr lang="en-US" smtClean="0"/>
-          </a:p>
-          <a:p>
-            <a:pPr algn="l"/>
             <a:endParaRPr lang="en-US" dirty="0"/>
           </a:p>
         </p:txBody>
@@ -15111,7 +15100,7 @@
             <a:pPr lvl="1"/>
             <a:r>
               <a:rPr lang="en-US" dirty="0" smtClean="0"/>
-              <a:t>RDF</a:t>
+              <a:t>RDF (Resource Description Framework)</a:t>
             </a:r>
           </a:p>
           <a:p>
@@ -15255,7 +15244,23 @@
           <a:p>
             <a:r>
               <a:rPr lang="en-US" sz="2800" dirty="0" smtClean="0"/>
-              <a:t>Let Pop denote the population and V the set of values</a:t>
+              <a:t>Let </a:t>
+            </a:r>
+            <a:r>
+              <a:rPr lang="en-US" sz="2800" i="1" dirty="0" smtClean="0"/>
+              <a:t>Pop</a:t>
+            </a:r>
+            <a:r>
+              <a:rPr lang="en-US" sz="2800" dirty="0" smtClean="0"/>
+              <a:t> denote the population and </a:t>
+            </a:r>
+            <a:r>
+              <a:rPr lang="en-US" sz="2800" i="1" dirty="0" smtClean="0"/>
+              <a:t>V</a:t>
+            </a:r>
+            <a:r>
+              <a:rPr lang="en-US" sz="2800" dirty="0" smtClean="0"/>
+              <a:t> the set of values</a:t>
             </a:r>
           </a:p>
           <a:p>
@@ -15287,7 +15292,7 @@
               <a:t>f: </a:t>
             </a:r>
             <a:r>
-              <a:rPr lang="en-US" sz="2800" dirty="0" err="1" smtClean="0"/>
+              <a:rPr lang="en-US" sz="2800" i="1" dirty="0" err="1" smtClean="0"/>
               <a:t>Pop</a:t>
             </a:r>
             <a:r>
@@ -15303,12 +15308,12 @@
               <a:t></a:t>
             </a:r>
             <a:r>
-              <a:rPr lang="en-US" sz="2800" dirty="0" err="1" smtClean="0">
+              <a:rPr lang="en-US" sz="2800" i="1" dirty="0" err="1" smtClean="0">
                 <a:sym typeface="Wingdings"/>
               </a:rPr>
               <a:t>V</a:t>
             </a:r>
-            <a:endParaRPr lang="en-US" sz="2800" dirty="0" smtClean="0">
+            <a:endParaRPr lang="en-US" sz="2800" i="1" dirty="0" smtClean="0">
               <a:sym typeface="Wingdings"/>
             </a:endParaRPr>
           </a:p>
@@ -15349,7 +15354,7 @@
               <a:t>f: </a:t>
             </a:r>
             <a:r>
-              <a:rPr lang="en-US" sz="2800" dirty="0" err="1" smtClean="0"/>
+              <a:rPr lang="en-US" sz="2800" i="1" dirty="0" err="1" smtClean="0"/>
               <a:t>Pop</a:t>
             </a:r>
             <a:r>
@@ -22780,7 +22785,24 @@
                 </a:solidFill>
                 <a:latin typeface="Perpetua"/>
               </a:rPr>
-              <a:t> and Uma Thurman</a:t>
+              <a:t> and </a:t>
+            </a:r>
+            <a:br>
+              <a:rPr lang="en-US" sz="2800" dirty="0" smtClean="0">
+                <a:solidFill>
+                  <a:prstClr val="black"/>
+                </a:solidFill>
+                <a:latin typeface="Perpetua"/>
+              </a:rPr>
+            </a:br>
+            <a:r>
+              <a:rPr lang="en-US" sz="2800" dirty="0" smtClean="0">
+                <a:solidFill>
+                  <a:prstClr val="black"/>
+                </a:solidFill>
+                <a:latin typeface="Perpetua"/>
+              </a:rPr>
+              <a:t>Uma Thurman</a:t>
             </a:r>
           </a:p>
           <a:p>
@@ -22834,7 +22856,18 @@
               <a:rPr lang="en-US" sz="2800" dirty="0" smtClean="0">
                 <a:latin typeface="+mn-lt"/>
               </a:rPr>
-              <a:t>have not observed Brad Pitt and Lucy Liu</a:t>
+              <a:t>have not observed </a:t>
+            </a:r>
+            <a:br>
+              <a:rPr lang="en-US" sz="2800" dirty="0" smtClean="0">
+                <a:latin typeface="+mn-lt"/>
+              </a:rPr>
+            </a:br>
+            <a:r>
+              <a:rPr lang="en-US" sz="2800" dirty="0" smtClean="0">
+                <a:latin typeface="+mn-lt"/>
+              </a:rPr>
+              <a:t>Brad Pitt and Lucy Liu</a:t>
             </a:r>
           </a:p>
         </p:txBody>
@@ -23259,42 +23292,37 @@
           <a:bodyPr/>
           <a:lstStyle/>
           <a:p>
-            <a:r>
-              <a:rPr lang="en-US" dirty="0" smtClean="0"/>
+            <a:pPr>
+              <a:defRPr/>
+            </a:pPr>
+            <a:r>
+              <a:rPr lang="en-US" dirty="0"/>
               <a:t>Sun, Y. &amp; Han, J. (2012), Mining Heterogeneous Information Networks: Principles and Methodologies, Morgan &amp; Claypool Publishers.</a:t>
             </a:r>
             <a:br>
-              <a:rPr lang="en-US" dirty="0" smtClean="0"/>
+              <a:rPr lang="en-US" dirty="0"/>
             </a:br>
             <a:r>
-              <a:rPr lang="en-US" dirty="0" smtClean="0"/>
+              <a:rPr lang="en-US" dirty="0"/>
               <a:t>Nickel, M.; Murphy, K.; </a:t>
             </a:r>
             <a:r>
-              <a:rPr lang="en-US" dirty="0" err="1" smtClean="0"/>
+              <a:rPr lang="en-US" dirty="0" err="1"/>
               <a:t>Tresp</a:t>
             </a:r>
             <a:r>
-              <a:rPr lang="en-US" dirty="0" smtClean="0"/>
+              <a:rPr lang="en-US" dirty="0"/>
               <a:t>, V. &amp; </a:t>
             </a:r>
             <a:r>
-              <a:rPr lang="en-US" dirty="0" err="1" smtClean="0"/>
+              <a:rPr lang="en-US" dirty="0" err="1"/>
               <a:t>Gabrilovich</a:t>
             </a:r>
             <a:r>
-              <a:rPr lang="en-US" dirty="0" smtClean="0"/>
-              <a:t>, E. (2015), 'A Review of Relational Machine Learning for Knowledge Graphs', </a:t>
-            </a:r>
-            <a:r>
-              <a:rPr lang="en-US" i="1" dirty="0" err="1" smtClean="0"/>
-              <a:t>ArXiv</a:t>
-            </a:r>
-            <a:r>
-              <a:rPr lang="en-US" i="1" dirty="0" smtClean="0"/>
-              <a:t> e-prints .</a:t>
-            </a:r>
-            <a:endParaRPr lang="en-US" i="1" dirty="0"/>
+              <a:rPr lang="en-US" dirty="0"/>
+              <a:t>, E. (2016), 'A review of relational machine learning for knowledge graphs', Proceedings of the IEEE 104(1), 11--33. </a:t>
+            </a:r>
+            <a:endParaRPr lang="en-US" dirty="0"/>
           </a:p>
         </p:txBody>
       </p:sp>
@@ -23541,7 +23569,7 @@
               <a:rPr lang="en-US" sz="2400" dirty="0" smtClean="0">
                 <a:latin typeface="+mn-lt"/>
               </a:rPr>
-              <a:t>Knowledge Graph Triples </a:t>
+              <a:t>Knowledge Graph/RDF Triples </a:t>
             </a:r>
             <a:br>
               <a:rPr lang="en-US" sz="2400" dirty="0" smtClean="0">
@@ -25163,15 +25191,7 @@
           <a:p>
             <a:r>
               <a:rPr lang="en-US" dirty="0" smtClean="0"/>
-              <a:t>Data Tables for Unary </a:t>
-            </a:r>
-            <a:r>
-              <a:rPr lang="en-US" dirty="0"/>
-              <a:t>F</a:t>
-            </a:r>
-            <a:r>
-              <a:rPr lang="en-US" dirty="0" smtClean="0"/>
-              <a:t>unctors</a:t>
+              <a:t>Relational Data: Tabular Representation</a:t>
             </a:r>
             <a:endParaRPr lang="en-US" dirty="0"/>
           </a:p>
@@ -27493,7 +27513,7 @@
           <a:p>
             <a:r>
               <a:rPr lang="en-US" sz="2400" dirty="0" smtClean="0"/>
-              <a:t>IID data equivalent to unary functors only</a:t>
+              <a:t>IID data equivalent to unary functors with arity = 1</a:t>
             </a:r>
           </a:p>
           <a:p>
@@ -27503,7 +27523,7 @@
             </a:r>
             <a:r>
               <a:rPr lang="en-US" sz="2400" dirty="0" smtClean="0"/>
-              <a:t> &gt; 2 </a:t>
+              <a:t> &gt; 1 </a:t>
             </a:r>
             <a:r>
               <a:rPr lang="en-US" sz="2400" dirty="0" smtClean="0">

--- a/ch1-data.pptx
+++ b/ch1-data.pptx
@@ -1286,476 +1286,6 @@
       <dsp:cNvGrpSpPr/>
     </dsp:nvGrpSpPr>
     <dsp:grpSpPr/>
-    <dsp:sp modelId="{2C9819A9-2317-3840-9C47-C38B2C86B2A8}">
-      <dsp:nvSpPr>
-        <dsp:cNvPr id="0" name=""/>
-        <dsp:cNvSpPr/>
-      </dsp:nvSpPr>
-      <dsp:spPr>
-        <a:xfrm>
-          <a:off x="0" y="1551582"/>
-          <a:ext cx="1601390" cy="960834"/>
-        </a:xfrm>
-        <a:prstGeom prst="roundRect">
-          <a:avLst>
-            <a:gd name="adj" fmla="val 10000"/>
-          </a:avLst>
-        </a:prstGeom>
-        <a:blipFill rotWithShape="0">
-          <a:blip xmlns:r="http://schemas.openxmlformats.org/officeDocument/2006/relationships" r:embed="rId1">
-            <a:duotone>
-              <a:schemeClr val="accent1">
-                <a:hueOff val="0"/>
-                <a:satOff val="0"/>
-                <a:lumOff val="0"/>
-                <a:alphaOff val="0"/>
-                <a:shade val="22000"/>
-                <a:satMod val="160000"/>
-              </a:schemeClr>
-              <a:schemeClr val="accent1">
-                <a:hueOff val="0"/>
-                <a:satOff val="0"/>
-                <a:lumOff val="0"/>
-                <a:alphaOff val="0"/>
-                <a:shade val="45000"/>
-                <a:satMod val="100000"/>
-              </a:schemeClr>
-            </a:duotone>
-          </a:blip>
-          <a:tile tx="0" ty="0" sx="65000" sy="65000" flip="none" algn="ctr"/>
-        </a:blipFill>
-        <a:ln>
-          <a:noFill/>
-        </a:ln>
-        <a:effectLst>
-          <a:outerShdw blurRad="38100" dist="25400" dir="5400000" algn="t" rotWithShape="0">
-            <a:srgbClr val="000000">
-              <a:alpha val="50000"/>
-            </a:srgbClr>
-          </a:outerShdw>
-        </a:effectLst>
-      </dsp:spPr>
-      <dsp:style>
-        <a:lnRef idx="0">
-          <a:scrgbClr r="0" g="0" b="0"/>
-        </a:lnRef>
-        <a:fillRef idx="3">
-          <a:scrgbClr r="0" g="0" b="0"/>
-        </a:fillRef>
-        <a:effectRef idx="2">
-          <a:scrgbClr r="0" g="0" b="0"/>
-        </a:effectRef>
-        <a:fontRef idx="minor">
-          <a:schemeClr val="lt1"/>
-        </a:fontRef>
-      </dsp:style>
-      <dsp:txBody>
-        <a:bodyPr spcFirstLastPara="0" vert="horz" wrap="square" lIns="68580" tIns="68580" rIns="68580" bIns="68580" numCol="1" spcCol="1270" anchor="ctr" anchorCtr="0">
-          <a:noAutofit/>
-        </a:bodyPr>
-        <a:lstStyle/>
-        <a:p>
-          <a:pPr lvl="0" algn="ctr" defTabSz="800100">
-            <a:lnSpc>
-              <a:spcPct val="90000"/>
-            </a:lnSpc>
-            <a:spcBef>
-              <a:spcPct val="0"/>
-            </a:spcBef>
-            <a:spcAft>
-              <a:spcPct val="35000"/>
-            </a:spcAft>
-          </a:pPr>
-          <a:r>
-            <a:rPr lang="en-US" sz="1800" kern="1200" dirty="0" err="1" smtClean="0"/>
-            <a:t>arity</a:t>
-          </a:r>
-          <a:r>
-            <a:rPr lang="en-US" sz="1800" kern="1200" dirty="0" smtClean="0"/>
-            <a:t> &gt; 1</a:t>
-          </a:r>
-          <a:endParaRPr lang="en-US" sz="1800" kern="1200" dirty="0"/>
-        </a:p>
-      </dsp:txBody>
-      <dsp:txXfrm>
-        <a:off x="28142" y="1579724"/>
-        <a:ext cx="1545106" cy="904550"/>
-      </dsp:txXfrm>
-    </dsp:sp>
-    <dsp:sp modelId="{B7EC9E31-51E6-BD4A-92E0-42FDC6CB2AA2}">
-      <dsp:nvSpPr>
-        <dsp:cNvPr id="0" name=""/>
-        <dsp:cNvSpPr/>
-      </dsp:nvSpPr>
-      <dsp:spPr>
-        <a:xfrm>
-          <a:off x="1762869" y="1833427"/>
-          <a:ext cx="342334" cy="397144"/>
-        </a:xfrm>
-        <a:prstGeom prst="rightArrow">
-          <a:avLst>
-            <a:gd name="adj1" fmla="val 60000"/>
-            <a:gd name="adj2" fmla="val 50000"/>
-          </a:avLst>
-        </a:prstGeom>
-        <a:blipFill rotWithShape="0">
-          <a:blip xmlns:r="http://schemas.openxmlformats.org/officeDocument/2006/relationships" r:embed="rId1">
-            <a:duotone>
-              <a:schemeClr val="accent1">
-                <a:tint val="60000"/>
-                <a:hueOff val="0"/>
-                <a:satOff val="0"/>
-                <a:lumOff val="0"/>
-                <a:alphaOff val="0"/>
-                <a:shade val="22000"/>
-                <a:satMod val="160000"/>
-              </a:schemeClr>
-              <a:schemeClr val="accent1">
-                <a:tint val="60000"/>
-                <a:hueOff val="0"/>
-                <a:satOff val="0"/>
-                <a:lumOff val="0"/>
-                <a:alphaOff val="0"/>
-                <a:shade val="45000"/>
-                <a:satMod val="100000"/>
-              </a:schemeClr>
-            </a:duotone>
-          </a:blip>
-          <a:tile tx="0" ty="0" sx="65000" sy="65000" flip="none" algn="ctr"/>
-        </a:blipFill>
-        <a:ln>
-          <a:noFill/>
-        </a:ln>
-        <a:effectLst>
-          <a:outerShdw blurRad="38100" dist="25400" dir="5400000" algn="t" rotWithShape="0">
-            <a:srgbClr val="000000">
-              <a:alpha val="50000"/>
-            </a:srgbClr>
-          </a:outerShdw>
-        </a:effectLst>
-      </dsp:spPr>
-      <dsp:style>
-        <a:lnRef idx="0">
-          <a:scrgbClr r="0" g="0" b="0"/>
-        </a:lnRef>
-        <a:fillRef idx="3">
-          <a:scrgbClr r="0" g="0" b="0"/>
-        </a:fillRef>
-        <a:effectRef idx="2">
-          <a:scrgbClr r="0" g="0" b="0"/>
-        </a:effectRef>
-        <a:fontRef idx="minor">
-          <a:schemeClr val="lt1"/>
-        </a:fontRef>
-      </dsp:style>
-      <dsp:txBody>
-        <a:bodyPr spcFirstLastPara="0" vert="horz" wrap="square" lIns="0" tIns="0" rIns="0" bIns="0" numCol="1" spcCol="1270" anchor="ctr" anchorCtr="0">
-          <a:noAutofit/>
-        </a:bodyPr>
-        <a:lstStyle/>
-        <a:p>
-          <a:pPr lvl="0" algn="ctr" defTabSz="622300">
-            <a:lnSpc>
-              <a:spcPct val="90000"/>
-            </a:lnSpc>
-            <a:spcBef>
-              <a:spcPct val="0"/>
-            </a:spcBef>
-            <a:spcAft>
-              <a:spcPct val="35000"/>
-            </a:spcAft>
-          </a:pPr>
-          <a:endParaRPr lang="en-US" sz="1400" kern="1200"/>
-        </a:p>
-      </dsp:txBody>
-      <dsp:txXfrm>
-        <a:off x="1762869" y="1912856"/>
-        <a:ext cx="239634" cy="238286"/>
-      </dsp:txXfrm>
-    </dsp:sp>
-    <dsp:sp modelId="{FF9B0C14-F923-9749-BB19-2B00A80942EF}">
-      <dsp:nvSpPr>
-        <dsp:cNvPr id="0" name=""/>
-        <dsp:cNvSpPr/>
-      </dsp:nvSpPr>
-      <dsp:spPr>
-        <a:xfrm>
-          <a:off x="2247304" y="1551582"/>
-          <a:ext cx="1601390" cy="960834"/>
-        </a:xfrm>
-        <a:prstGeom prst="roundRect">
-          <a:avLst>
-            <a:gd name="adj" fmla="val 10000"/>
-          </a:avLst>
-        </a:prstGeom>
-        <a:blipFill rotWithShape="0">
-          <a:blip xmlns:r="http://schemas.openxmlformats.org/officeDocument/2006/relationships" r:embed="rId1">
-            <a:duotone>
-              <a:schemeClr val="accent1">
-                <a:hueOff val="0"/>
-                <a:satOff val="0"/>
-                <a:lumOff val="0"/>
-                <a:alphaOff val="0"/>
-                <a:shade val="22000"/>
-                <a:satMod val="160000"/>
-              </a:schemeClr>
-              <a:schemeClr val="accent1">
-                <a:hueOff val="0"/>
-                <a:satOff val="0"/>
-                <a:lumOff val="0"/>
-                <a:alphaOff val="0"/>
-                <a:shade val="45000"/>
-                <a:satMod val="100000"/>
-              </a:schemeClr>
-            </a:duotone>
-          </a:blip>
-          <a:tile tx="0" ty="0" sx="65000" sy="65000" flip="none" algn="ctr"/>
-        </a:blipFill>
-        <a:ln>
-          <a:noFill/>
-        </a:ln>
-        <a:effectLst>
-          <a:outerShdw blurRad="38100" dist="25400" dir="5400000" algn="t" rotWithShape="0">
-            <a:srgbClr val="000000">
-              <a:alpha val="50000"/>
-            </a:srgbClr>
-          </a:outerShdw>
-        </a:effectLst>
-      </dsp:spPr>
-      <dsp:style>
-        <a:lnRef idx="0">
-          <a:scrgbClr r="0" g="0" b="0"/>
-        </a:lnRef>
-        <a:fillRef idx="3">
-          <a:scrgbClr r="0" g="0" b="0"/>
-        </a:fillRef>
-        <a:effectRef idx="2">
-          <a:scrgbClr r="0" g="0" b="0"/>
-        </a:effectRef>
-        <a:fontRef idx="minor">
-          <a:schemeClr val="lt1"/>
-        </a:fontRef>
-      </dsp:style>
-      <dsp:txBody>
-        <a:bodyPr spcFirstLastPara="0" vert="horz" wrap="square" lIns="68580" tIns="68580" rIns="68580" bIns="68580" numCol="1" spcCol="1270" anchor="ctr" anchorCtr="0">
-          <a:noAutofit/>
-        </a:bodyPr>
-        <a:lstStyle/>
-        <a:p>
-          <a:pPr lvl="0" algn="ctr" defTabSz="800100">
-            <a:lnSpc>
-              <a:spcPct val="90000"/>
-            </a:lnSpc>
-            <a:spcBef>
-              <a:spcPct val="0"/>
-            </a:spcBef>
-            <a:spcAft>
-              <a:spcPct val="35000"/>
-            </a:spcAft>
-          </a:pPr>
-          <a:r>
-            <a:rPr lang="en-US" sz="1800" kern="1200" dirty="0" smtClean="0"/>
-            <a:t>shared arguments</a:t>
-          </a:r>
-          <a:endParaRPr lang="en-US" sz="1800" kern="1200" dirty="0"/>
-        </a:p>
-      </dsp:txBody>
-      <dsp:txXfrm>
-        <a:off x="2275446" y="1579724"/>
-        <a:ext cx="1545106" cy="904550"/>
-      </dsp:txXfrm>
-    </dsp:sp>
-    <dsp:sp modelId="{9666E447-A964-DC4A-9282-E7B7DBF6B721}">
-      <dsp:nvSpPr>
-        <dsp:cNvPr id="0" name=""/>
-        <dsp:cNvSpPr/>
-      </dsp:nvSpPr>
-      <dsp:spPr>
-        <a:xfrm>
-          <a:off x="4008834" y="1833427"/>
-          <a:ext cx="339494" cy="397144"/>
-        </a:xfrm>
-        <a:prstGeom prst="rightArrow">
-          <a:avLst>
-            <a:gd name="adj1" fmla="val 60000"/>
-            <a:gd name="adj2" fmla="val 50000"/>
-          </a:avLst>
-        </a:prstGeom>
-        <a:blipFill rotWithShape="0">
-          <a:blip xmlns:r="http://schemas.openxmlformats.org/officeDocument/2006/relationships" r:embed="rId1">
-            <a:duotone>
-              <a:schemeClr val="accent1">
-                <a:tint val="60000"/>
-                <a:hueOff val="0"/>
-                <a:satOff val="0"/>
-                <a:lumOff val="0"/>
-                <a:alphaOff val="0"/>
-                <a:shade val="22000"/>
-                <a:satMod val="160000"/>
-              </a:schemeClr>
-              <a:schemeClr val="accent1">
-                <a:tint val="60000"/>
-                <a:hueOff val="0"/>
-                <a:satOff val="0"/>
-                <a:lumOff val="0"/>
-                <a:alphaOff val="0"/>
-                <a:shade val="45000"/>
-                <a:satMod val="100000"/>
-              </a:schemeClr>
-            </a:duotone>
-          </a:blip>
-          <a:tile tx="0" ty="0" sx="65000" sy="65000" flip="none" algn="ctr"/>
-        </a:blipFill>
-        <a:ln>
-          <a:noFill/>
-        </a:ln>
-        <a:effectLst>
-          <a:outerShdw blurRad="38100" dist="25400" dir="5400000" algn="t" rotWithShape="0">
-            <a:srgbClr val="000000">
-              <a:alpha val="50000"/>
-            </a:srgbClr>
-          </a:outerShdw>
-        </a:effectLst>
-      </dsp:spPr>
-      <dsp:style>
-        <a:lnRef idx="0">
-          <a:scrgbClr r="0" g="0" b="0"/>
-        </a:lnRef>
-        <a:fillRef idx="3">
-          <a:scrgbClr r="0" g="0" b="0"/>
-        </a:fillRef>
-        <a:effectRef idx="2">
-          <a:scrgbClr r="0" g="0" b="0"/>
-        </a:effectRef>
-        <a:fontRef idx="minor">
-          <a:schemeClr val="lt1"/>
-        </a:fontRef>
-      </dsp:style>
-      <dsp:txBody>
-        <a:bodyPr spcFirstLastPara="0" vert="horz" wrap="square" lIns="0" tIns="0" rIns="0" bIns="0" numCol="1" spcCol="1270" anchor="ctr" anchorCtr="0">
-          <a:noAutofit/>
-        </a:bodyPr>
-        <a:lstStyle/>
-        <a:p>
-          <a:pPr lvl="0" algn="ctr" defTabSz="622300">
-            <a:lnSpc>
-              <a:spcPct val="90000"/>
-            </a:lnSpc>
-            <a:spcBef>
-              <a:spcPct val="0"/>
-            </a:spcBef>
-            <a:spcAft>
-              <a:spcPct val="35000"/>
-            </a:spcAft>
-          </a:pPr>
-          <a:endParaRPr lang="en-US" sz="1400" kern="1200"/>
-        </a:p>
-      </dsp:txBody>
-      <dsp:txXfrm>
-        <a:off x="4008834" y="1912856"/>
-        <a:ext cx="237646" cy="238286"/>
-      </dsp:txXfrm>
-    </dsp:sp>
-    <dsp:sp modelId="{678E3908-2ACE-E64F-BE40-EA2E05B6871D}">
-      <dsp:nvSpPr>
-        <dsp:cNvPr id="0" name=""/>
-        <dsp:cNvSpPr/>
-      </dsp:nvSpPr>
-      <dsp:spPr>
-        <a:xfrm>
-          <a:off x="4489251" y="1551582"/>
-          <a:ext cx="1601390" cy="960834"/>
-        </a:xfrm>
-        <a:prstGeom prst="roundRect">
-          <a:avLst>
-            <a:gd name="adj" fmla="val 10000"/>
-          </a:avLst>
-        </a:prstGeom>
-        <a:blipFill rotWithShape="0">
-          <a:blip xmlns:r="http://schemas.openxmlformats.org/officeDocument/2006/relationships" r:embed="rId1">
-            <a:duotone>
-              <a:schemeClr val="accent1">
-                <a:hueOff val="0"/>
-                <a:satOff val="0"/>
-                <a:lumOff val="0"/>
-                <a:alphaOff val="0"/>
-                <a:shade val="22000"/>
-                <a:satMod val="160000"/>
-              </a:schemeClr>
-              <a:schemeClr val="accent1">
-                <a:hueOff val="0"/>
-                <a:satOff val="0"/>
-                <a:lumOff val="0"/>
-                <a:alphaOff val="0"/>
-                <a:shade val="45000"/>
-                <a:satMod val="100000"/>
-              </a:schemeClr>
-            </a:duotone>
-          </a:blip>
-          <a:tile tx="0" ty="0" sx="65000" sy="65000" flip="none" algn="ctr"/>
-        </a:blipFill>
-        <a:ln>
-          <a:noFill/>
-        </a:ln>
-        <a:effectLst>
-          <a:outerShdw blurRad="38100" dist="25400" dir="5400000" algn="t" rotWithShape="0">
-            <a:srgbClr val="000000">
-              <a:alpha val="50000"/>
-            </a:srgbClr>
-          </a:outerShdw>
-        </a:effectLst>
-      </dsp:spPr>
-      <dsp:style>
-        <a:lnRef idx="0">
-          <a:scrgbClr r="0" g="0" b="0"/>
-        </a:lnRef>
-        <a:fillRef idx="3">
-          <a:scrgbClr r="0" g="0" b="0"/>
-        </a:fillRef>
-        <a:effectRef idx="2">
-          <a:scrgbClr r="0" g="0" b="0"/>
-        </a:effectRef>
-        <a:fontRef idx="minor">
-          <a:schemeClr val="lt1"/>
-        </a:fontRef>
-      </dsp:style>
-      <dsp:txBody>
-        <a:bodyPr spcFirstLastPara="0" vert="horz" wrap="square" lIns="68580" tIns="68580" rIns="68580" bIns="68580" numCol="1" spcCol="1270" anchor="ctr" anchorCtr="0">
-          <a:noAutofit/>
-        </a:bodyPr>
-        <a:lstStyle/>
-        <a:p>
-          <a:pPr lvl="0" algn="ctr" defTabSz="800100">
-            <a:lnSpc>
-              <a:spcPct val="90000"/>
-            </a:lnSpc>
-            <a:spcBef>
-              <a:spcPct val="0"/>
-            </a:spcBef>
-            <a:spcAft>
-              <a:spcPct val="35000"/>
-            </a:spcAft>
-          </a:pPr>
-          <a:r>
-            <a:rPr lang="en-US" sz="1800" kern="1200" dirty="0" smtClean="0"/>
-            <a:t>dependencies among </a:t>
-          </a:r>
-          <a:r>
-            <a:rPr lang="en-US" sz="1800" kern="1200" dirty="0" err="1" smtClean="0"/>
-            <a:t>functor</a:t>
-          </a:r>
-          <a:r>
-            <a:rPr lang="en-US" sz="1800" kern="1200" dirty="0" smtClean="0"/>
-            <a:t> values</a:t>
-          </a:r>
-          <a:endParaRPr lang="en-US" sz="1800" kern="1200" dirty="0"/>
-        </a:p>
-      </dsp:txBody>
-      <dsp:txXfrm>
-        <a:off x="4517393" y="1579724"/>
-        <a:ext cx="1545106" cy="904550"/>
-      </dsp:txXfrm>
-    </dsp:sp>
   </dsp:spTree>
 </dsp:drawing>
 </file>
@@ -3047,7 +2577,7 @@
               <a:pPr>
                 <a:defRPr/>
               </a:pPr>
-              <a:t>2017-01-31</a:t>
+              <a:t>2017-02-02</a:t>
             </a:fld>
             <a:endParaRPr lang="en-US"/>
           </a:p>
@@ -3263,7 +2793,7 @@
               <a:pPr>
                 <a:defRPr/>
               </a:pPr>
-              <a:t>2017-01-31</a:t>
+              <a:t>2017-02-02</a:t>
             </a:fld>
             <a:endParaRPr lang="en-US"/>
           </a:p>
@@ -7272,7 +6802,7 @@
               <a:pPr>
                 <a:defRPr/>
               </a:pPr>
-              <a:t>2017-01-31</a:t>
+              <a:t>2017-02-02</a:t>
             </a:fld>
             <a:endParaRPr lang="en-US"/>
           </a:p>
@@ -7473,7 +7003,7 @@
               <a:pPr>
                 <a:defRPr/>
               </a:pPr>
-              <a:t>2017-01-31</a:t>
+              <a:t>2017-02-02</a:t>
             </a:fld>
             <a:endParaRPr lang="en-US"/>
           </a:p>
@@ -7684,7 +7214,7 @@
               <a:pPr>
                 <a:defRPr/>
               </a:pPr>
-              <a:t>2017-01-31</a:t>
+              <a:t>2017-02-02</a:t>
             </a:fld>
             <a:endParaRPr lang="en-US"/>
           </a:p>
@@ -7890,7 +7420,7 @@
               <a:pPr>
                 <a:defRPr/>
               </a:pPr>
-              <a:t>2017-01-31</a:t>
+              <a:t>2017-02-02</a:t>
             </a:fld>
             <a:endParaRPr lang="en-US"/>
           </a:p>
@@ -8409,7 +7939,7 @@
               <a:pPr>
                 <a:defRPr/>
               </a:pPr>
-              <a:t>2017-01-31</a:t>
+              <a:t>2017-02-02</a:t>
             </a:fld>
             <a:endParaRPr lang="en-US"/>
           </a:p>
@@ -8682,7 +8212,7 @@
               <a:pPr>
                 <a:defRPr/>
               </a:pPr>
-              <a:t>2017-01-31</a:t>
+              <a:t>2017-02-02</a:t>
             </a:fld>
             <a:endParaRPr lang="en-US"/>
           </a:p>
@@ -9080,7 +8610,7 @@
               <a:pPr>
                 <a:defRPr/>
               </a:pPr>
-              <a:t>2017-01-31</a:t>
+              <a:t>2017-02-02</a:t>
             </a:fld>
             <a:endParaRPr lang="en-US"/>
           </a:p>
@@ -9229,7 +8759,7 @@
               <a:pPr>
                 <a:defRPr/>
               </a:pPr>
-              <a:t>2017-01-31</a:t>
+              <a:t>2017-02-02</a:t>
             </a:fld>
             <a:endParaRPr lang="en-US"/>
           </a:p>
@@ -9355,7 +8885,7 @@
               <a:pPr>
                 <a:defRPr/>
               </a:pPr>
-              <a:t>2017-01-31</a:t>
+              <a:t>2017-02-02</a:t>
             </a:fld>
             <a:endParaRPr lang="en-US"/>
           </a:p>
@@ -9731,7 +9261,7 @@
               <a:pPr>
                 <a:defRPr/>
               </a:pPr>
-              <a:t>2017-01-31</a:t>
+              <a:t>2017-02-02</a:t>
             </a:fld>
             <a:endParaRPr lang="en-US"/>
           </a:p>
@@ -10154,7 +9684,7 @@
               <a:pPr>
                 <a:defRPr/>
               </a:pPr>
-              <a:t>2017-01-31</a:t>
+              <a:t>2017-02-02</a:t>
             </a:fld>
             <a:endParaRPr lang="en-US"/>
           </a:p>
@@ -10574,7 +10104,7 @@
               <a:pPr>
                 <a:defRPr/>
               </a:pPr>
-              <a:t>2017-01-31</a:t>
+              <a:t>2017-02-02</a:t>
             </a:fld>
             <a:endParaRPr lang="en-US"/>
           </a:p>
@@ -19627,7 +19157,19 @@
               <a:rPr lang="en-US" dirty="0" smtClean="0"/>
               <a:t>Port = 3306</a:t>
             </a:r>
-            <a:endParaRPr lang="en-US" dirty="0"/>
+          </a:p>
+          <a:p>
+            <a:r>
+              <a:rPr lang="en-US" dirty="0"/>
+              <a:t>Tutorial Databases are available under</a:t>
+            </a:r>
+            <a:br>
+              <a:rPr lang="en-US" dirty="0"/>
+            </a:br>
+            <a:r>
+              <a:rPr lang="en-US" dirty="0"/>
+              <a:t>IMDB_1R, imdb_MovieLens, Mondial_Tutorial</a:t>
+            </a:r>
           </a:p>
         </p:txBody>
       </p:sp>
@@ -23322,7 +22864,6 @@
               <a:rPr lang="en-US" dirty="0"/>
               <a:t>, E. (2016), 'A review of relational machine learning for knowledge graphs', Proceedings of the IEEE 104(1), 11--33. </a:t>
             </a:r>
-            <a:endParaRPr lang="en-US" dirty="0"/>
           </a:p>
         </p:txBody>
       </p:sp>
